--- a/FXLeibility.Matlab/Experiment/Original/Figure.pptx
+++ b/FXLeibility.Matlab/Experiment/Original/Figure.pptx
@@ -9,6 +9,10 @@
     <p:sldId id="257" r:id="rId3"/>
     <p:sldId id="258" r:id="rId4"/>
     <p:sldId id="259" r:id="rId5"/>
+    <p:sldId id="260" r:id="rId6"/>
+    <p:sldId id="261" r:id="rId7"/>
+    <p:sldId id="262" r:id="rId8"/>
+    <p:sldId id="263" r:id="rId9"/>
   </p:sldIdLst>
   <p:sldSz cx="12192000" cy="6858000"/>
   <p:notesSz cx="6858000" cy="9144000"/>
@@ -3693,7 +3697,7 @@
       </p:grpSpPr>
       <p:pic>
         <p:nvPicPr>
-          <p:cNvPr id="26" name="Picture 25"/>
+          <p:cNvPr id="28" name="Picture 27"/>
           <p:cNvPicPr>
             <a:picLocks noChangeAspect="1"/>
           </p:cNvPicPr>
@@ -3701,13 +3705,13 @@
         </p:nvPicPr>
         <p:blipFill rotWithShape="1">
           <a:blip r:embed="rId3"/>
-          <a:srcRect l="15369" r="4132" b="4836"/>
+          <a:srcRect l="8431" r="9155" b="2593"/>
           <a:stretch/>
         </p:blipFill>
         <p:spPr>
           <a:xfrm>
-            <a:off x="6680201" y="1"/>
-            <a:ext cx="4722906" cy="6526306"/>
+            <a:off x="736599" y="0"/>
+            <a:ext cx="4965701" cy="6680200"/>
           </a:xfrm>
           <a:prstGeom prst="rect">
             <a:avLst/>
@@ -3759,8 +3763,31 @@
         </p:blipFill>
         <p:spPr>
           <a:xfrm>
-            <a:off x="3459197" y="0"/>
+            <a:off x="-105021" y="17182"/>
             <a:ext cx="4842121" cy="6687671"/>
+          </a:xfrm>
+          <a:prstGeom prst="rect">
+            <a:avLst/>
+          </a:prstGeom>
+        </p:spPr>
+      </p:pic>
+      <p:pic>
+        <p:nvPicPr>
+          <p:cNvPr id="12" name="Picture 11"/>
+          <p:cNvPicPr>
+            <a:picLocks noChangeAspect="1"/>
+          </p:cNvPicPr>
+          <p:nvPr/>
+        </p:nvPicPr>
+        <p:blipFill rotWithShape="1">
+          <a:blip r:embed="rId4"/>
+          <a:srcRect l="7743" r="11084" b="2788"/>
+          <a:stretch/>
+        </p:blipFill>
+        <p:spPr>
+          <a:xfrm>
+            <a:off x="6261100" y="38100"/>
+            <a:ext cx="4890994" cy="6666753"/>
           </a:xfrm>
           <a:prstGeom prst="rect">
             <a:avLst/>
@@ -3848,6 +3875,218 @@
     <p:extLst>
       <p:ext uri="{BB962C8B-B14F-4D97-AF65-F5344CB8AC3E}">
         <p14:creationId xmlns:p14="http://schemas.microsoft.com/office/powerpoint/2010/main" val="1869810635"/>
+      </p:ext>
+    </p:extLst>
+  </p:cSld>
+  <p:clrMapOvr>
+    <a:masterClrMapping/>
+  </p:clrMapOvr>
+</p:sld>
+</file>
+
+<file path=ppt/slides/slide5.xml><?xml version="1.0" encoding="utf-8"?>
+<p:sld xmlns:a="http://schemas.openxmlformats.org/drawingml/2006/main" xmlns:r="http://schemas.openxmlformats.org/officeDocument/2006/relationships" xmlns:p="http://schemas.openxmlformats.org/presentationml/2006/main">
+  <p:cSld>
+    <p:spTree>
+      <p:nvGrpSpPr>
+        <p:cNvPr id="1" name=""/>
+        <p:cNvGrpSpPr/>
+        <p:nvPr/>
+      </p:nvGrpSpPr>
+      <p:grpSpPr>
+        <a:xfrm>
+          <a:off x="0" y="0"/>
+          <a:ext cx="0" cy="0"/>
+          <a:chOff x="0" y="0"/>
+          <a:chExt cx="0" cy="0"/>
+        </a:xfrm>
+      </p:grpSpPr>
+      <p:pic>
+        <p:nvPicPr>
+          <p:cNvPr id="12" name="Picture 11"/>
+          <p:cNvPicPr>
+            <a:picLocks noChangeAspect="1"/>
+          </p:cNvPicPr>
+          <p:nvPr/>
+        </p:nvPicPr>
+        <p:blipFill rotWithShape="1">
+          <a:blip r:embed="rId3"/>
+          <a:srcRect l="2687" r="16078" b="2483"/>
+          <a:stretch/>
+        </p:blipFill>
+        <p:spPr>
+          <a:xfrm>
+            <a:off x="3245224" y="0"/>
+            <a:ext cx="4894730" cy="6687671"/>
+          </a:xfrm>
+          <a:prstGeom prst="rect">
+            <a:avLst/>
+          </a:prstGeom>
+        </p:spPr>
+      </p:pic>
+    </p:spTree>
+    <p:extLst>
+      <p:ext uri="{BB962C8B-B14F-4D97-AF65-F5344CB8AC3E}">
+        <p14:creationId xmlns:p14="http://schemas.microsoft.com/office/powerpoint/2010/main" val="1602950345"/>
+      </p:ext>
+    </p:extLst>
+  </p:cSld>
+  <p:clrMapOvr>
+    <a:masterClrMapping/>
+  </p:clrMapOvr>
+</p:sld>
+</file>
+
+<file path=ppt/slides/slide6.xml><?xml version="1.0" encoding="utf-8"?>
+<p:sld xmlns:a="http://schemas.openxmlformats.org/drawingml/2006/main" xmlns:r="http://schemas.openxmlformats.org/officeDocument/2006/relationships" xmlns:p="http://schemas.openxmlformats.org/presentationml/2006/main">
+  <p:cSld>
+    <p:spTree>
+      <p:nvGrpSpPr>
+        <p:cNvPr id="1" name=""/>
+        <p:cNvGrpSpPr/>
+        <p:nvPr/>
+      </p:nvGrpSpPr>
+      <p:grpSpPr>
+        <a:xfrm>
+          <a:off x="0" y="0"/>
+          <a:ext cx="0" cy="0"/>
+          <a:chOff x="0" y="0"/>
+          <a:chExt cx="0" cy="0"/>
+        </a:xfrm>
+      </p:grpSpPr>
+      <p:pic>
+        <p:nvPicPr>
+          <p:cNvPr id="2" name="Picture 1"/>
+          <p:cNvPicPr>
+            <a:picLocks noChangeAspect="1"/>
+          </p:cNvPicPr>
+          <p:nvPr/>
+        </p:nvPicPr>
+        <p:blipFill rotWithShape="1">
+          <a:blip r:embed="rId2"/>
+          <a:srcRect l="9083" t="2966" r="11251" b="3699"/>
+          <a:stretch/>
+        </p:blipFill>
+        <p:spPr>
+          <a:xfrm>
+            <a:off x="3388658" y="555812"/>
+            <a:ext cx="5271247" cy="5701553"/>
+          </a:xfrm>
+          <a:prstGeom prst="rect">
+            <a:avLst/>
+          </a:prstGeom>
+        </p:spPr>
+      </p:pic>
+    </p:spTree>
+    <p:extLst>
+      <p:ext uri="{BB962C8B-B14F-4D97-AF65-F5344CB8AC3E}">
+        <p14:creationId xmlns:p14="http://schemas.microsoft.com/office/powerpoint/2010/main" val="882694087"/>
+      </p:ext>
+    </p:extLst>
+  </p:cSld>
+  <p:clrMapOvr>
+    <a:masterClrMapping/>
+  </p:clrMapOvr>
+</p:sld>
+</file>
+
+<file path=ppt/slides/slide7.xml><?xml version="1.0" encoding="utf-8"?>
+<p:sld xmlns:a="http://schemas.openxmlformats.org/drawingml/2006/main" xmlns:r="http://schemas.openxmlformats.org/officeDocument/2006/relationships" xmlns:p="http://schemas.openxmlformats.org/presentationml/2006/main">
+  <p:cSld>
+    <p:spTree>
+      <p:nvGrpSpPr>
+        <p:cNvPr id="1" name=""/>
+        <p:cNvGrpSpPr/>
+        <p:nvPr/>
+      </p:nvGrpSpPr>
+      <p:grpSpPr>
+        <a:xfrm>
+          <a:off x="0" y="0"/>
+          <a:ext cx="0" cy="0"/>
+          <a:chOff x="0" y="0"/>
+          <a:chExt cx="0" cy="0"/>
+        </a:xfrm>
+      </p:grpSpPr>
+      <p:pic>
+        <p:nvPicPr>
+          <p:cNvPr id="10" name="Picture 9"/>
+          <p:cNvPicPr>
+            <a:picLocks noChangeAspect="1"/>
+          </p:cNvPicPr>
+          <p:nvPr/>
+        </p:nvPicPr>
+        <p:blipFill rotWithShape="1">
+          <a:blip r:embed="rId3"/>
+          <a:srcRect l="5289" t="2379" r="14232" b="3112"/>
+          <a:stretch/>
+        </p:blipFill>
+        <p:spPr>
+          <a:xfrm>
+            <a:off x="3137646" y="519953"/>
+            <a:ext cx="5325035" cy="5773272"/>
+          </a:xfrm>
+          <a:prstGeom prst="rect">
+            <a:avLst/>
+          </a:prstGeom>
+        </p:spPr>
+      </p:pic>
+    </p:spTree>
+    <p:extLst>
+      <p:ext uri="{BB962C8B-B14F-4D97-AF65-F5344CB8AC3E}">
+        <p14:creationId xmlns:p14="http://schemas.microsoft.com/office/powerpoint/2010/main" val="861400930"/>
+      </p:ext>
+    </p:extLst>
+  </p:cSld>
+  <p:clrMapOvr>
+    <a:masterClrMapping/>
+  </p:clrMapOvr>
+</p:sld>
+</file>
+
+<file path=ppt/slides/slide8.xml><?xml version="1.0" encoding="utf-8"?>
+<p:sld xmlns:a="http://schemas.openxmlformats.org/drawingml/2006/main" xmlns:r="http://schemas.openxmlformats.org/officeDocument/2006/relationships" xmlns:p="http://schemas.openxmlformats.org/presentationml/2006/main">
+  <p:cSld>
+    <p:spTree>
+      <p:nvGrpSpPr>
+        <p:cNvPr id="1" name=""/>
+        <p:cNvGrpSpPr/>
+        <p:nvPr/>
+      </p:nvGrpSpPr>
+      <p:grpSpPr>
+        <a:xfrm>
+          <a:off x="0" y="0"/>
+          <a:ext cx="0" cy="0"/>
+          <a:chOff x="0" y="0"/>
+          <a:chExt cx="0" cy="0"/>
+        </a:xfrm>
+      </p:grpSpPr>
+      <p:pic>
+        <p:nvPicPr>
+          <p:cNvPr id="2" name="Picture 1"/>
+          <p:cNvPicPr>
+            <a:picLocks noChangeAspect="1"/>
+          </p:cNvPicPr>
+          <p:nvPr/>
+        </p:nvPicPr>
+        <p:blipFill rotWithShape="1">
+          <a:blip r:embed="rId2"/>
+          <a:srcRect l="12064" t="1792" r="7999" b="2525"/>
+          <a:stretch/>
+        </p:blipFill>
+        <p:spPr>
+          <a:xfrm>
+            <a:off x="3585882" y="484094"/>
+            <a:ext cx="5289177" cy="5844988"/>
+          </a:xfrm>
+          <a:prstGeom prst="rect">
+            <a:avLst/>
+          </a:prstGeom>
+        </p:spPr>
+      </p:pic>
+    </p:spTree>
+    <p:extLst>
+      <p:ext uri="{BB962C8B-B14F-4D97-AF65-F5344CB8AC3E}">
+        <p14:creationId xmlns:p14="http://schemas.microsoft.com/office/powerpoint/2010/main" val="1675839029"/>
       </p:ext>
     </p:extLst>
   </p:cSld>

--- a/FXLeibility.Matlab/Experiment/Original/Figure.pptx
+++ b/FXLeibility.Matlab/Experiment/Original/Figure.pptx
@@ -6,13 +6,14 @@
   </p:sldMasterIdLst>
   <p:sldIdLst>
     <p:sldId id="256" r:id="rId2"/>
-    <p:sldId id="257" r:id="rId3"/>
-    <p:sldId id="258" r:id="rId4"/>
-    <p:sldId id="259" r:id="rId5"/>
-    <p:sldId id="260" r:id="rId6"/>
-    <p:sldId id="261" r:id="rId7"/>
-    <p:sldId id="262" r:id="rId8"/>
-    <p:sldId id="263" r:id="rId9"/>
+    <p:sldId id="264" r:id="rId3"/>
+    <p:sldId id="257" r:id="rId4"/>
+    <p:sldId id="258" r:id="rId5"/>
+    <p:sldId id="259" r:id="rId6"/>
+    <p:sldId id="260" r:id="rId7"/>
+    <p:sldId id="261" r:id="rId8"/>
+    <p:sldId id="262" r:id="rId9"/>
+    <p:sldId id="263" r:id="rId10"/>
   </p:sldIdLst>
   <p:sldSz cx="12192000" cy="6858000"/>
   <p:notesSz cx="6858000" cy="9144000"/>
@@ -111,6 +112,11 @@
       </a:defRPr>
     </a:lvl9pPr>
   </p:defaultTextStyle>
+  <p:extLst>
+    <p:ext uri="{EFAFB233-063F-42B5-8137-9DF3F51BA10A}">
+      <p15:sldGuideLst xmlns:p15="http://schemas.microsoft.com/office/powerpoint/2012/main"/>
+    </p:ext>
+  </p:extLst>
 </p:presentation>
 </file>
 
@@ -245,7 +251,7 @@
           <a:p>
             <a:fld id="{CA8E2D27-2A54-8242-8DD5-96F4A37135A9}" type="datetimeFigureOut">
               <a:rPr lang="en-US" smtClean="0"/>
-              <a:t>3/7/18</a:t>
+              <a:t>3/13/18</a:t>
             </a:fld>
             <a:endParaRPr lang="en-US"/>
           </a:p>
@@ -415,7 +421,7 @@
           <a:p>
             <a:fld id="{CA8E2D27-2A54-8242-8DD5-96F4A37135A9}" type="datetimeFigureOut">
               <a:rPr lang="en-US" smtClean="0"/>
-              <a:t>3/7/18</a:t>
+              <a:t>3/13/18</a:t>
             </a:fld>
             <a:endParaRPr lang="en-US"/>
           </a:p>
@@ -595,7 +601,7 @@
           <a:p>
             <a:fld id="{CA8E2D27-2A54-8242-8DD5-96F4A37135A9}" type="datetimeFigureOut">
               <a:rPr lang="en-US" smtClean="0"/>
-              <a:t>3/7/18</a:t>
+              <a:t>3/13/18</a:t>
             </a:fld>
             <a:endParaRPr lang="en-US"/>
           </a:p>
@@ -765,7 +771,7 @@
           <a:p>
             <a:fld id="{CA8E2D27-2A54-8242-8DD5-96F4A37135A9}" type="datetimeFigureOut">
               <a:rPr lang="en-US" smtClean="0"/>
-              <a:t>3/7/18</a:t>
+              <a:t>3/13/18</a:t>
             </a:fld>
             <a:endParaRPr lang="en-US"/>
           </a:p>
@@ -1011,7 +1017,7 @@
           <a:p>
             <a:fld id="{CA8E2D27-2A54-8242-8DD5-96F4A37135A9}" type="datetimeFigureOut">
               <a:rPr lang="en-US" smtClean="0"/>
-              <a:t>3/7/18</a:t>
+              <a:t>3/13/18</a:t>
             </a:fld>
             <a:endParaRPr lang="en-US"/>
           </a:p>
@@ -1243,7 +1249,7 @@
           <a:p>
             <a:fld id="{CA8E2D27-2A54-8242-8DD5-96F4A37135A9}" type="datetimeFigureOut">
               <a:rPr lang="en-US" smtClean="0"/>
-              <a:t>3/7/18</a:t>
+              <a:t>3/13/18</a:t>
             </a:fld>
             <a:endParaRPr lang="en-US"/>
           </a:p>
@@ -1610,7 +1616,7 @@
           <a:p>
             <a:fld id="{CA8E2D27-2A54-8242-8DD5-96F4A37135A9}" type="datetimeFigureOut">
               <a:rPr lang="en-US" smtClean="0"/>
-              <a:t>3/7/18</a:t>
+              <a:t>3/13/18</a:t>
             </a:fld>
             <a:endParaRPr lang="en-US"/>
           </a:p>
@@ -1728,7 +1734,7 @@
           <a:p>
             <a:fld id="{CA8E2D27-2A54-8242-8DD5-96F4A37135A9}" type="datetimeFigureOut">
               <a:rPr lang="en-US" smtClean="0"/>
-              <a:t>3/7/18</a:t>
+              <a:t>3/13/18</a:t>
             </a:fld>
             <a:endParaRPr lang="en-US"/>
           </a:p>
@@ -1823,7 +1829,7 @@
           <a:p>
             <a:fld id="{CA8E2D27-2A54-8242-8DD5-96F4A37135A9}" type="datetimeFigureOut">
               <a:rPr lang="en-US" smtClean="0"/>
-              <a:t>3/7/18</a:t>
+              <a:t>3/13/18</a:t>
             </a:fld>
             <a:endParaRPr lang="en-US"/>
           </a:p>
@@ -2100,7 +2106,7 @@
           <a:p>
             <a:fld id="{CA8E2D27-2A54-8242-8DD5-96F4A37135A9}" type="datetimeFigureOut">
               <a:rPr lang="en-US" smtClean="0"/>
-              <a:t>3/7/18</a:t>
+              <a:t>3/13/18</a:t>
             </a:fld>
             <a:endParaRPr lang="en-US"/>
           </a:p>
@@ -2353,7 +2359,7 @@
           <a:p>
             <a:fld id="{CA8E2D27-2A54-8242-8DD5-96F4A37135A9}" type="datetimeFigureOut">
               <a:rPr lang="en-US" smtClean="0"/>
-              <a:t>3/7/18</a:t>
+              <a:t>3/13/18</a:t>
             </a:fld>
             <a:endParaRPr lang="en-US"/>
           </a:p>
@@ -2566,7 +2572,7 @@
           <a:p>
             <a:fld id="{CA8E2D27-2A54-8242-8DD5-96F4A37135A9}" type="datetimeFigureOut">
               <a:rPr lang="en-US" smtClean="0"/>
-              <a:t>3/7/18</a:t>
+              <a:t>3/13/18</a:t>
             </a:fld>
             <a:endParaRPr lang="en-US"/>
           </a:p>
@@ -2973,7 +2979,7 @@
       </p:grpSpPr>
       <p:grpSp>
         <p:nvGrpSpPr>
-          <p:cNvPr id="62" name="Group 61"/>
+          <p:cNvPr id="24" name="Group 23"/>
           <p:cNvGrpSpPr/>
           <p:nvPr/>
         </p:nvGrpSpPr>
@@ -2985,605 +2991,575 @@
             <a:chExt cx="9144000" cy="6858000"/>
           </a:xfrm>
         </p:grpSpPr>
-        <p:grpSp>
-          <p:nvGrpSpPr>
-            <p:cNvPr id="61" name="Group 60"/>
-            <p:cNvGrpSpPr/>
+        <p:pic>
+          <p:nvPicPr>
+            <p:cNvPr id="9" name="Picture 8"/>
+            <p:cNvPicPr>
+              <a:picLocks noChangeAspect="1"/>
+            </p:cNvPicPr>
             <p:nvPr/>
-          </p:nvGrpSpPr>
-          <p:grpSpPr>
+          </p:nvPicPr>
+          <p:blipFill>
+            <a:blip r:embed="rId2">
+              <a:extLst>
+                <a:ext uri="{28A0092B-C50C-407E-A947-70E740481C1C}">
+                  <a14:useLocalDpi xmlns:a14="http://schemas.microsoft.com/office/drawing/2010/main" val="0"/>
+                </a:ext>
+              </a:extLst>
+            </a:blip>
+            <a:stretch>
+              <a:fillRect/>
+            </a:stretch>
+          </p:blipFill>
+          <p:spPr>
             <a:xfrm>
               <a:off x="1524000" y="0"/>
               <a:ext cx="9144000" cy="6858000"/>
-              <a:chOff x="1524000" y="0"/>
-              <a:chExt cx="9144000" cy="6858000"/>
             </a:xfrm>
-          </p:grpSpPr>
-          <p:grpSp>
-            <p:nvGrpSpPr>
-              <p:cNvPr id="60" name="Group 59"/>
-              <p:cNvGrpSpPr/>
-              <p:nvPr/>
-            </p:nvGrpSpPr>
-            <p:grpSpPr>
-              <a:xfrm>
-                <a:off x="1524000" y="0"/>
-                <a:ext cx="9144000" cy="6858000"/>
-                <a:chOff x="1524000" y="0"/>
-                <a:chExt cx="9144000" cy="6858000"/>
-              </a:xfrm>
-            </p:grpSpPr>
-            <p:pic>
-              <p:nvPicPr>
-                <p:cNvPr id="9" name="Picture 8"/>
-                <p:cNvPicPr>
-                  <a:picLocks noChangeAspect="1"/>
-                </p:cNvPicPr>
-                <p:nvPr/>
-              </p:nvPicPr>
-              <p:blipFill>
-                <a:blip r:embed="rId2">
-                  <a:extLst>
-                    <a:ext uri="{28A0092B-C50C-407E-A947-70E740481C1C}">
-                      <a14:useLocalDpi xmlns:a14="http://schemas.microsoft.com/office/drawing/2010/main" val="0"/>
-                    </a:ext>
-                  </a:extLst>
-                </a:blip>
-                <a:stretch>
-                  <a:fillRect/>
-                </a:stretch>
-              </p:blipFill>
-              <p:spPr>
-                <a:xfrm>
-                  <a:off x="1524000" y="0"/>
-                  <a:ext cx="9144000" cy="6858000"/>
-                </a:xfrm>
-                <a:prstGeom prst="rect">
-                  <a:avLst/>
-                </a:prstGeom>
-              </p:spPr>
-            </p:pic>
-            <p:sp>
-              <p:nvSpPr>
-                <p:cNvPr id="8" name="Rectangle 7"/>
-                <p:cNvSpPr/>
-                <p:nvPr/>
-              </p:nvSpPr>
-              <p:spPr>
-                <a:xfrm>
-                  <a:off x="2371726" y="5672138"/>
-                  <a:ext cx="501877" cy="742950"/>
-                </a:xfrm>
-                <a:prstGeom prst="rect">
-                  <a:avLst/>
-                </a:prstGeom>
-                <a:noFill/>
-                <a:ln w="28575">
-                  <a:solidFill>
-                    <a:schemeClr val="tx1">
-                      <a:lumMod val="50000"/>
-                      <a:lumOff val="50000"/>
-                    </a:schemeClr>
-                  </a:solidFill>
-                  <a:prstDash val="sysDash"/>
-                </a:ln>
-              </p:spPr>
-              <p:style>
-                <a:lnRef idx="2">
-                  <a:schemeClr val="accent1">
-                    <a:shade val="50000"/>
-                  </a:schemeClr>
-                </a:lnRef>
-                <a:fillRef idx="1">
-                  <a:schemeClr val="accent1"/>
-                </a:fillRef>
-                <a:effectRef idx="0">
-                  <a:schemeClr val="accent1"/>
-                </a:effectRef>
-                <a:fontRef idx="minor">
-                  <a:schemeClr val="lt1"/>
-                </a:fontRef>
-              </p:style>
-              <p:txBody>
-                <a:bodyPr rtlCol="0" anchor="ctr"/>
-                <a:lstStyle/>
-                <a:p>
-                  <a:pPr algn="ctr"/>
-                  <a:endParaRPr lang="en-US"/>
-                </a:p>
-              </p:txBody>
-            </p:sp>
-            <p:pic>
-              <p:nvPicPr>
-                <p:cNvPr id="10" name="Picture 9"/>
-                <p:cNvPicPr>
-                  <a:picLocks noChangeAspect="1"/>
-                </p:cNvPicPr>
-                <p:nvPr/>
-              </p:nvPicPr>
-              <p:blipFill rotWithShape="1">
-                <a:blip r:embed="rId3">
-                  <a:extLst>
-                    <a:ext uri="{28A0092B-C50C-407E-A947-70E740481C1C}">
-                      <a14:useLocalDpi xmlns:a14="http://schemas.microsoft.com/office/drawing/2010/main" val="0"/>
-                    </a:ext>
-                  </a:extLst>
-                </a:blip>
-                <a:srcRect l="5466" t="4454" r="4656"/>
-                <a:stretch/>
-              </p:blipFill>
-              <p:spPr>
-                <a:xfrm>
-                  <a:off x="4157662" y="3886199"/>
-                  <a:ext cx="2700338" cy="2152971"/>
-                </a:xfrm>
-                <a:prstGeom prst="rect">
-                  <a:avLst/>
-                </a:prstGeom>
-              </p:spPr>
-            </p:pic>
-            <p:cxnSp>
-              <p:nvCxnSpPr>
-                <p:cNvPr id="12" name="Straight Arrow Connector 11"/>
-                <p:cNvCxnSpPr>
-                  <a:stCxn id="8" idx="0"/>
-                </p:cNvCxnSpPr>
-                <p:nvPr/>
-              </p:nvCxnSpPr>
-              <p:spPr>
-                <a:xfrm flipV="1">
-                  <a:off x="2622665" y="4130952"/>
-                  <a:ext cx="1467615" cy="1541186"/>
-                </a:xfrm>
-                <a:prstGeom prst="straightConnector1">
-                  <a:avLst/>
-                </a:prstGeom>
-                <a:ln w="28575">
-                  <a:solidFill>
-                    <a:schemeClr val="tx1">
-                      <a:lumMod val="50000"/>
-                      <a:lumOff val="50000"/>
-                    </a:schemeClr>
-                  </a:solidFill>
-                  <a:prstDash val="sysDash"/>
-                  <a:tailEnd type="triangle"/>
-                </a:ln>
-              </p:spPr>
-              <p:style>
-                <a:lnRef idx="1">
-                  <a:schemeClr val="accent1"/>
-                </a:lnRef>
-                <a:fillRef idx="0">
-                  <a:schemeClr val="accent1"/>
-                </a:fillRef>
-                <a:effectRef idx="0">
-                  <a:schemeClr val="accent1"/>
-                </a:effectRef>
-                <a:fontRef idx="minor">
-                  <a:schemeClr val="tx1"/>
-                </a:fontRef>
-              </p:style>
-            </p:cxnSp>
-            <p:cxnSp>
-              <p:nvCxnSpPr>
-                <p:cNvPr id="14" name="Straight Arrow Connector 13"/>
-                <p:cNvCxnSpPr/>
-                <p:nvPr/>
-              </p:nvCxnSpPr>
-              <p:spPr>
-                <a:xfrm flipV="1">
-                  <a:off x="7118537" y="1595718"/>
-                  <a:ext cx="0" cy="4530137"/>
-                </a:xfrm>
-                <a:prstGeom prst="straightConnector1">
-                  <a:avLst/>
-                </a:prstGeom>
-                <a:ln w="28575">
-                  <a:solidFill>
-                    <a:schemeClr val="tx1">
-                      <a:lumMod val="50000"/>
-                      <a:lumOff val="50000"/>
-                    </a:schemeClr>
-                  </a:solidFill>
-                  <a:prstDash val="sysDash"/>
-                  <a:tailEnd type="none"/>
-                </a:ln>
-              </p:spPr>
-              <p:style>
-                <a:lnRef idx="1">
-                  <a:schemeClr val="accent1"/>
-                </a:lnRef>
-                <a:fillRef idx="0">
-                  <a:schemeClr val="accent1"/>
-                </a:fillRef>
-                <a:effectRef idx="0">
-                  <a:schemeClr val="accent1"/>
-                </a:effectRef>
-                <a:fontRef idx="minor">
-                  <a:schemeClr val="tx1"/>
-                </a:fontRef>
-              </p:style>
-            </p:cxnSp>
-            <p:cxnSp>
-              <p:nvCxnSpPr>
-                <p:cNvPr id="18" name="Straight Arrow Connector 17"/>
-                <p:cNvCxnSpPr/>
-                <p:nvPr/>
-              </p:nvCxnSpPr>
-              <p:spPr>
-                <a:xfrm>
-                  <a:off x="3607593" y="1595718"/>
-                  <a:ext cx="6025963" cy="0"/>
-                </a:xfrm>
-                <a:prstGeom prst="straightConnector1">
-                  <a:avLst/>
-                </a:prstGeom>
-                <a:ln w="28575">
-                  <a:solidFill>
-                    <a:schemeClr val="tx1">
-                      <a:lumMod val="50000"/>
-                      <a:lumOff val="50000"/>
-                    </a:schemeClr>
-                  </a:solidFill>
-                  <a:prstDash val="sysDash"/>
-                  <a:tailEnd type="none"/>
-                </a:ln>
-              </p:spPr>
-              <p:style>
-                <a:lnRef idx="1">
-                  <a:schemeClr val="accent1"/>
-                </a:lnRef>
-                <a:fillRef idx="0">
-                  <a:schemeClr val="accent1"/>
-                </a:fillRef>
-                <a:effectRef idx="0">
-                  <a:schemeClr val="accent1"/>
-                </a:effectRef>
-                <a:fontRef idx="minor">
-                  <a:schemeClr val="tx1"/>
-                </a:fontRef>
-              </p:style>
-            </p:cxnSp>
-            <p:cxnSp>
-              <p:nvCxnSpPr>
-                <p:cNvPr id="20" name="Straight Arrow Connector 19"/>
-                <p:cNvCxnSpPr/>
-                <p:nvPr/>
-              </p:nvCxnSpPr>
-              <p:spPr>
-                <a:xfrm flipV="1">
-                  <a:off x="3607593" y="1486921"/>
-                  <a:ext cx="6084094" cy="245439"/>
-                </a:xfrm>
-                <a:prstGeom prst="straightConnector1">
-                  <a:avLst/>
-                </a:prstGeom>
-                <a:ln w="28575">
-                  <a:solidFill>
-                    <a:schemeClr val="tx1">
-                      <a:lumMod val="50000"/>
-                      <a:lumOff val="50000"/>
-                    </a:schemeClr>
-                  </a:solidFill>
-                  <a:prstDash val="sysDash"/>
-                  <a:tailEnd type="none"/>
-                </a:ln>
-              </p:spPr>
-              <p:style>
-                <a:lnRef idx="1">
-                  <a:schemeClr val="accent1"/>
-                </a:lnRef>
-                <a:fillRef idx="0">
-                  <a:schemeClr val="accent1"/>
-                </a:fillRef>
-                <a:effectRef idx="0">
-                  <a:schemeClr val="accent1"/>
-                </a:effectRef>
-                <a:fontRef idx="minor">
-                  <a:schemeClr val="tx1"/>
-                </a:fontRef>
-              </p:style>
-            </p:cxnSp>
-            <p:cxnSp>
-              <p:nvCxnSpPr>
-                <p:cNvPr id="26" name="Straight Arrow Connector 25"/>
-                <p:cNvCxnSpPr/>
-                <p:nvPr/>
-              </p:nvCxnSpPr>
-              <p:spPr>
-                <a:xfrm flipV="1">
-                  <a:off x="6266890" y="4374778"/>
-                  <a:ext cx="0" cy="1399194"/>
-                </a:xfrm>
-                <a:prstGeom prst="straightConnector1">
-                  <a:avLst/>
-                </a:prstGeom>
-                <a:ln w="28575">
-                  <a:solidFill>
-                    <a:schemeClr val="tx1">
-                      <a:lumMod val="50000"/>
-                      <a:lumOff val="50000"/>
-                    </a:schemeClr>
-                  </a:solidFill>
-                  <a:prstDash val="sysDash"/>
-                  <a:tailEnd type="none"/>
-                </a:ln>
-              </p:spPr>
-              <p:style>
-                <a:lnRef idx="1">
-                  <a:schemeClr val="accent1"/>
-                </a:lnRef>
-                <a:fillRef idx="0">
-                  <a:schemeClr val="accent1"/>
-                </a:fillRef>
-                <a:effectRef idx="0">
-                  <a:schemeClr val="accent1"/>
-                </a:effectRef>
-                <a:fontRef idx="minor">
-                  <a:schemeClr val="tx1"/>
-                </a:fontRef>
-              </p:style>
-            </p:cxnSp>
-            <p:cxnSp>
-              <p:nvCxnSpPr>
-                <p:cNvPr id="29" name="Straight Arrow Connector 28"/>
-                <p:cNvCxnSpPr/>
-                <p:nvPr/>
-              </p:nvCxnSpPr>
-              <p:spPr>
-                <a:xfrm flipV="1">
-                  <a:off x="5827620" y="4625788"/>
-                  <a:ext cx="0" cy="1148184"/>
-                </a:xfrm>
-                <a:prstGeom prst="straightConnector1">
-                  <a:avLst/>
-                </a:prstGeom>
-                <a:ln w="28575">
-                  <a:solidFill>
-                    <a:schemeClr val="tx1">
-                      <a:lumMod val="50000"/>
-                      <a:lumOff val="50000"/>
-                    </a:schemeClr>
-                  </a:solidFill>
-                  <a:prstDash val="sysDash"/>
-                  <a:tailEnd type="none"/>
-                </a:ln>
-              </p:spPr>
-              <p:style>
-                <a:lnRef idx="1">
-                  <a:schemeClr val="accent1"/>
-                </a:lnRef>
-                <a:fillRef idx="0">
-                  <a:schemeClr val="accent1"/>
-                </a:fillRef>
-                <a:effectRef idx="0">
-                  <a:schemeClr val="accent1"/>
-                </a:effectRef>
-                <a:fontRef idx="minor">
-                  <a:schemeClr val="tx1"/>
-                </a:fontRef>
-              </p:style>
-            </p:cxnSp>
-            <p:sp>
-              <p:nvSpPr>
-                <p:cNvPr id="32" name="TextBox 31"/>
-                <p:cNvSpPr txBox="1"/>
-                <p:nvPr/>
-              </p:nvSpPr>
-              <p:spPr>
-                <a:xfrm>
-                  <a:off x="6282410" y="1075805"/>
-                  <a:ext cx="1736373" cy="369332"/>
-                </a:xfrm>
-                <a:prstGeom prst="rect">
-                  <a:avLst/>
-                </a:prstGeom>
-                <a:noFill/>
-                <a:ln>
-                  <a:solidFill>
-                    <a:schemeClr val="tx1"/>
-                  </a:solidFill>
-                </a:ln>
-              </p:spPr>
-              <p:txBody>
-                <a:bodyPr wrap="none" rtlCol="0">
-                  <a:spAutoFit/>
-                </a:bodyPr>
-                <a:lstStyle/>
-                <a:p>
-                  <a:pPr algn="ctr"/>
-                  <a:r>
-                    <a:rPr lang="en-US" dirty="0" smtClean="0">
-                      <a:latin typeface="Helvetica" charset="0"/>
-                      <a:ea typeface="Helvetica" charset="0"/>
-                      <a:cs typeface="Helvetica" charset="0"/>
-                    </a:rPr>
-                    <a:t>max. Revenue</a:t>
-                  </a:r>
-                  <a:endParaRPr lang="en-US" dirty="0">
-                    <a:latin typeface="Helvetica" charset="0"/>
-                    <a:ea typeface="Helvetica" charset="0"/>
-                    <a:cs typeface="Helvetica" charset="0"/>
-                  </a:endParaRPr>
-                </a:p>
-              </p:txBody>
-            </p:sp>
-            <p:sp>
-              <p:nvSpPr>
-                <p:cNvPr id="33" name="TextBox 32"/>
-                <p:cNvSpPr txBox="1"/>
-                <p:nvPr/>
-              </p:nvSpPr>
-              <p:spPr>
-                <a:xfrm>
-                  <a:off x="4698347" y="2665420"/>
-                  <a:ext cx="2159653" cy="646331"/>
-                </a:xfrm>
-                <a:prstGeom prst="rect">
-                  <a:avLst/>
-                </a:prstGeom>
-                <a:noFill/>
-                <a:ln>
-                  <a:solidFill>
-                    <a:schemeClr val="tx1"/>
-                  </a:solidFill>
-                </a:ln>
-              </p:spPr>
-              <p:txBody>
-                <a:bodyPr wrap="square" rtlCol="0">
-                  <a:spAutoFit/>
-                </a:bodyPr>
-                <a:lstStyle/>
-                <a:p>
-                  <a:pPr algn="ctr"/>
-                  <a:r>
-                    <a:rPr lang="en-US" dirty="0" smtClean="0">
-                      <a:latin typeface="Helvetica" charset="0"/>
-                      <a:ea typeface="Helvetica" charset="0"/>
-                      <a:cs typeface="Helvetica" charset="0"/>
-                    </a:rPr>
-                    <a:t>max. System Size with pos. Profit</a:t>
-                  </a:r>
-                  <a:endParaRPr lang="en-US" dirty="0">
-                    <a:latin typeface="Helvetica" charset="0"/>
-                    <a:ea typeface="Helvetica" charset="0"/>
-                    <a:cs typeface="Helvetica" charset="0"/>
-                  </a:endParaRPr>
-                </a:p>
-              </p:txBody>
-            </p:sp>
-            <p:sp>
-              <p:nvSpPr>
-                <p:cNvPr id="34" name="TextBox 33"/>
-                <p:cNvSpPr txBox="1"/>
-                <p:nvPr/>
-              </p:nvSpPr>
-              <p:spPr>
-                <a:xfrm>
-                  <a:off x="4487256" y="4130951"/>
-                  <a:ext cx="1399615" cy="369332"/>
-                </a:xfrm>
-                <a:prstGeom prst="rect">
-                  <a:avLst/>
-                </a:prstGeom>
-                <a:noFill/>
-                <a:ln>
-                  <a:solidFill>
-                    <a:schemeClr val="tx1"/>
-                  </a:solidFill>
-                </a:ln>
-              </p:spPr>
-              <p:txBody>
-                <a:bodyPr wrap="square" rtlCol="0">
-                  <a:spAutoFit/>
-                </a:bodyPr>
-                <a:lstStyle/>
-                <a:p>
-                  <a:pPr algn="ctr"/>
-                  <a:r>
-                    <a:rPr lang="en-US" dirty="0" smtClean="0">
-                      <a:latin typeface="Helvetica" charset="0"/>
-                      <a:ea typeface="Helvetica" charset="0"/>
-                      <a:cs typeface="Helvetica" charset="0"/>
-                    </a:rPr>
-                    <a:t>max. Profit</a:t>
-                  </a:r>
-                  <a:endParaRPr lang="en-US" dirty="0">
-                    <a:latin typeface="Helvetica" charset="0"/>
-                    <a:ea typeface="Helvetica" charset="0"/>
-                    <a:cs typeface="Helvetica" charset="0"/>
-                  </a:endParaRPr>
-                </a:p>
-              </p:txBody>
-            </p:sp>
-            <p:cxnSp>
-              <p:nvCxnSpPr>
-                <p:cNvPr id="35" name="Straight Arrow Connector 34"/>
-                <p:cNvCxnSpPr>
-                  <a:stCxn id="33" idx="2"/>
-                </p:cNvCxnSpPr>
-                <p:nvPr/>
-              </p:nvCxnSpPr>
-              <p:spPr>
-                <a:xfrm>
-                  <a:off x="5778174" y="3311751"/>
-                  <a:ext cx="488716" cy="1063026"/>
-                </a:xfrm>
-                <a:prstGeom prst="straightConnector1">
-                  <a:avLst/>
-                </a:prstGeom>
-                <a:ln w="9525">
-                  <a:solidFill>
-                    <a:schemeClr val="tx1">
-                      <a:lumMod val="50000"/>
-                      <a:lumOff val="50000"/>
-                    </a:schemeClr>
-                  </a:solidFill>
-                  <a:prstDash val="sysDash"/>
-                  <a:tailEnd type="triangle"/>
-                </a:ln>
-              </p:spPr>
-              <p:style>
-                <a:lnRef idx="1">
-                  <a:schemeClr val="accent1"/>
-                </a:lnRef>
-                <a:fillRef idx="0">
-                  <a:schemeClr val="accent1"/>
-                </a:fillRef>
-                <a:effectRef idx="0">
-                  <a:schemeClr val="accent1"/>
-                </a:effectRef>
-                <a:fontRef idx="minor">
-                  <a:schemeClr val="tx1"/>
-                </a:fontRef>
-              </p:style>
-            </p:cxnSp>
-          </p:grpSp>
-          <p:sp>
-            <p:nvSpPr>
-              <p:cNvPr id="48" name="TextBox 47"/>
-              <p:cNvSpPr txBox="1"/>
-              <p:nvPr/>
-            </p:nvSpPr>
-            <p:spPr>
-              <a:xfrm>
-                <a:off x="2940985" y="5235387"/>
-                <a:ext cx="1256948" cy="923330"/>
-              </a:xfrm>
-              <a:prstGeom prst="rect">
-                <a:avLst/>
-              </a:prstGeom>
-              <a:noFill/>
-              <a:ln>
-                <a:solidFill>
-                  <a:schemeClr val="tx1"/>
-                </a:solidFill>
-              </a:ln>
-            </p:spPr>
-            <p:txBody>
-              <a:bodyPr wrap="square" rtlCol="0">
-                <a:spAutoFit/>
-              </a:bodyPr>
-              <a:lstStyle/>
-              <a:p>
-                <a:pPr algn="ctr"/>
-                <a:r>
-                  <a:rPr lang="en-US" dirty="0" smtClean="0">
-                    <a:latin typeface="Helvetica" charset="0"/>
-                    <a:ea typeface="Helvetica" charset="0"/>
-                    <a:cs typeface="Helvetica" charset="0"/>
-                  </a:rPr>
-                  <a:t>max. marginal Revenue</a:t>
-                </a:r>
-                <a:endParaRPr lang="en-US" dirty="0">
+            <a:prstGeom prst="rect">
+              <a:avLst/>
+            </a:prstGeom>
+          </p:spPr>
+        </p:pic>
+        <p:pic>
+          <p:nvPicPr>
+            <p:cNvPr id="16" name="Picture 15"/>
+            <p:cNvPicPr>
+              <a:picLocks noChangeAspect="1"/>
+            </p:cNvPicPr>
+            <p:nvPr/>
+          </p:nvPicPr>
+          <p:blipFill rotWithShape="1">
+            <a:blip r:embed="rId3">
+              <a:extLst>
+                <a:ext uri="{28A0092B-C50C-407E-A947-70E740481C1C}">
+                  <a14:useLocalDpi xmlns:a14="http://schemas.microsoft.com/office/drawing/2010/main" val="0"/>
+                </a:ext>
+              </a:extLst>
+            </a:blip>
+            <a:srcRect l="5507" t="5797" r="4927" b="1836"/>
+            <a:stretch/>
+          </p:blipFill>
+          <p:spPr>
+            <a:xfrm>
+              <a:off x="4197934" y="3899998"/>
+              <a:ext cx="2719248" cy="2103237"/>
+            </a:xfrm>
+            <a:prstGeom prst="rect">
+              <a:avLst/>
+            </a:prstGeom>
+          </p:spPr>
+        </p:pic>
+        <p:sp>
+          <p:nvSpPr>
+            <p:cNvPr id="8" name="Rectangle 7"/>
+            <p:cNvSpPr/>
+            <p:nvPr/>
+          </p:nvSpPr>
+          <p:spPr>
+            <a:xfrm>
+              <a:off x="2371726" y="5672138"/>
+              <a:ext cx="501877" cy="742950"/>
+            </a:xfrm>
+            <a:prstGeom prst="rect">
+              <a:avLst/>
+            </a:prstGeom>
+            <a:noFill/>
+            <a:ln w="28575">
+              <a:solidFill>
+                <a:schemeClr val="tx1">
+                  <a:lumMod val="50000"/>
+                  <a:lumOff val="50000"/>
+                </a:schemeClr>
+              </a:solidFill>
+              <a:prstDash val="sysDash"/>
+            </a:ln>
+          </p:spPr>
+          <p:style>
+            <a:lnRef idx="2">
+              <a:schemeClr val="accent1">
+                <a:shade val="50000"/>
+              </a:schemeClr>
+            </a:lnRef>
+            <a:fillRef idx="1">
+              <a:schemeClr val="accent1"/>
+            </a:fillRef>
+            <a:effectRef idx="0">
+              <a:schemeClr val="accent1"/>
+            </a:effectRef>
+            <a:fontRef idx="minor">
+              <a:schemeClr val="lt1"/>
+            </a:fontRef>
+          </p:style>
+          <p:txBody>
+            <a:bodyPr rtlCol="0" anchor="ctr"/>
+            <a:lstStyle/>
+            <a:p>
+              <a:pPr algn="ctr"/>
+              <a:endParaRPr lang="en-US"/>
+            </a:p>
+          </p:txBody>
+        </p:sp>
+        <p:cxnSp>
+          <p:nvCxnSpPr>
+            <p:cNvPr id="12" name="Straight Arrow Connector 11"/>
+            <p:cNvCxnSpPr>
+              <a:stCxn id="8" idx="0"/>
+            </p:cNvCxnSpPr>
+            <p:nvPr/>
+          </p:nvCxnSpPr>
+          <p:spPr>
+            <a:xfrm flipV="1">
+              <a:off x="2622665" y="4130952"/>
+              <a:ext cx="1467615" cy="1541186"/>
+            </a:xfrm>
+            <a:prstGeom prst="straightConnector1">
+              <a:avLst/>
+            </a:prstGeom>
+            <a:ln w="28575">
+              <a:solidFill>
+                <a:schemeClr val="tx1">
+                  <a:lumMod val="50000"/>
+                  <a:lumOff val="50000"/>
+                </a:schemeClr>
+              </a:solidFill>
+              <a:prstDash val="sysDash"/>
+              <a:tailEnd type="triangle"/>
+            </a:ln>
+          </p:spPr>
+          <p:style>
+            <a:lnRef idx="1">
+              <a:schemeClr val="accent1"/>
+            </a:lnRef>
+            <a:fillRef idx="0">
+              <a:schemeClr val="accent1"/>
+            </a:fillRef>
+            <a:effectRef idx="0">
+              <a:schemeClr val="accent1"/>
+            </a:effectRef>
+            <a:fontRef idx="minor">
+              <a:schemeClr val="tx1"/>
+            </a:fontRef>
+          </p:style>
+        </p:cxnSp>
+        <p:cxnSp>
+          <p:nvCxnSpPr>
+            <p:cNvPr id="14" name="Straight Arrow Connector 13"/>
+            <p:cNvCxnSpPr/>
+            <p:nvPr/>
+          </p:nvCxnSpPr>
+          <p:spPr>
+            <a:xfrm flipV="1">
+              <a:off x="7118537" y="1595718"/>
+              <a:ext cx="0" cy="4530137"/>
+            </a:xfrm>
+            <a:prstGeom prst="straightConnector1">
+              <a:avLst/>
+            </a:prstGeom>
+            <a:ln w="28575">
+              <a:solidFill>
+                <a:schemeClr val="tx1">
+                  <a:lumMod val="50000"/>
+                  <a:lumOff val="50000"/>
+                </a:schemeClr>
+              </a:solidFill>
+              <a:prstDash val="sysDash"/>
+              <a:tailEnd type="none"/>
+            </a:ln>
+          </p:spPr>
+          <p:style>
+            <a:lnRef idx="1">
+              <a:schemeClr val="accent1"/>
+            </a:lnRef>
+            <a:fillRef idx="0">
+              <a:schemeClr val="accent1"/>
+            </a:fillRef>
+            <a:effectRef idx="0">
+              <a:schemeClr val="accent1"/>
+            </a:effectRef>
+            <a:fontRef idx="minor">
+              <a:schemeClr val="tx1"/>
+            </a:fontRef>
+          </p:style>
+        </p:cxnSp>
+        <p:cxnSp>
+          <p:nvCxnSpPr>
+            <p:cNvPr id="18" name="Straight Arrow Connector 17"/>
+            <p:cNvCxnSpPr/>
+            <p:nvPr/>
+          </p:nvCxnSpPr>
+          <p:spPr>
+            <a:xfrm>
+              <a:off x="3607593" y="1595718"/>
+              <a:ext cx="6025963" cy="0"/>
+            </a:xfrm>
+            <a:prstGeom prst="straightConnector1">
+              <a:avLst/>
+            </a:prstGeom>
+            <a:ln w="28575">
+              <a:solidFill>
+                <a:schemeClr val="tx1">
+                  <a:lumMod val="50000"/>
+                  <a:lumOff val="50000"/>
+                </a:schemeClr>
+              </a:solidFill>
+              <a:prstDash val="sysDash"/>
+              <a:tailEnd type="none"/>
+            </a:ln>
+          </p:spPr>
+          <p:style>
+            <a:lnRef idx="1">
+              <a:schemeClr val="accent1"/>
+            </a:lnRef>
+            <a:fillRef idx="0">
+              <a:schemeClr val="accent1"/>
+            </a:fillRef>
+            <a:effectRef idx="0">
+              <a:schemeClr val="accent1"/>
+            </a:effectRef>
+            <a:fontRef idx="minor">
+              <a:schemeClr val="tx1"/>
+            </a:fontRef>
+          </p:style>
+        </p:cxnSp>
+        <p:cxnSp>
+          <p:nvCxnSpPr>
+            <p:cNvPr id="20" name="Straight Arrow Connector 19"/>
+            <p:cNvCxnSpPr/>
+            <p:nvPr/>
+          </p:nvCxnSpPr>
+          <p:spPr>
+            <a:xfrm flipV="1">
+              <a:off x="3607593" y="1486921"/>
+              <a:ext cx="6084094" cy="245439"/>
+            </a:xfrm>
+            <a:prstGeom prst="straightConnector1">
+              <a:avLst/>
+            </a:prstGeom>
+            <a:ln w="28575">
+              <a:solidFill>
+                <a:schemeClr val="tx1">
+                  <a:lumMod val="50000"/>
+                  <a:lumOff val="50000"/>
+                </a:schemeClr>
+              </a:solidFill>
+              <a:prstDash val="sysDash"/>
+              <a:tailEnd type="none"/>
+            </a:ln>
+          </p:spPr>
+          <p:style>
+            <a:lnRef idx="1">
+              <a:schemeClr val="accent1"/>
+            </a:lnRef>
+            <a:fillRef idx="0">
+              <a:schemeClr val="accent1"/>
+            </a:fillRef>
+            <a:effectRef idx="0">
+              <a:schemeClr val="accent1"/>
+            </a:effectRef>
+            <a:fontRef idx="minor">
+              <a:schemeClr val="tx1"/>
+            </a:fontRef>
+          </p:style>
+        </p:cxnSp>
+        <p:cxnSp>
+          <p:nvCxnSpPr>
+            <p:cNvPr id="26" name="Straight Arrow Connector 25"/>
+            <p:cNvCxnSpPr/>
+            <p:nvPr/>
+          </p:nvCxnSpPr>
+          <p:spPr>
+            <a:xfrm flipV="1">
+              <a:off x="6266890" y="4374777"/>
+              <a:ext cx="0" cy="1399196"/>
+            </a:xfrm>
+            <a:prstGeom prst="straightConnector1">
+              <a:avLst/>
+            </a:prstGeom>
+            <a:ln w="28575">
+              <a:solidFill>
+                <a:schemeClr val="tx1">
+                  <a:lumMod val="50000"/>
+                  <a:lumOff val="50000"/>
+                </a:schemeClr>
+              </a:solidFill>
+              <a:prstDash val="sysDash"/>
+              <a:tailEnd type="none"/>
+            </a:ln>
+          </p:spPr>
+          <p:style>
+            <a:lnRef idx="1">
+              <a:schemeClr val="accent1"/>
+            </a:lnRef>
+            <a:fillRef idx="0">
+              <a:schemeClr val="accent1"/>
+            </a:fillRef>
+            <a:effectRef idx="0">
+              <a:schemeClr val="accent1"/>
+            </a:effectRef>
+            <a:fontRef idx="minor">
+              <a:schemeClr val="tx1"/>
+            </a:fontRef>
+          </p:style>
+        </p:cxnSp>
+        <p:cxnSp>
+          <p:nvCxnSpPr>
+            <p:cNvPr id="29" name="Straight Arrow Connector 28"/>
+            <p:cNvCxnSpPr/>
+            <p:nvPr/>
+          </p:nvCxnSpPr>
+          <p:spPr>
+            <a:xfrm flipV="1">
+              <a:off x="5870282" y="4664765"/>
+              <a:ext cx="0" cy="1144715"/>
+            </a:xfrm>
+            <a:prstGeom prst="straightConnector1">
+              <a:avLst/>
+            </a:prstGeom>
+            <a:ln w="28575">
+              <a:solidFill>
+                <a:schemeClr val="tx1">
+                  <a:lumMod val="50000"/>
+                  <a:lumOff val="50000"/>
+                </a:schemeClr>
+              </a:solidFill>
+              <a:prstDash val="sysDash"/>
+              <a:tailEnd type="none"/>
+            </a:ln>
+          </p:spPr>
+          <p:style>
+            <a:lnRef idx="1">
+              <a:schemeClr val="accent1"/>
+            </a:lnRef>
+            <a:fillRef idx="0">
+              <a:schemeClr val="accent1"/>
+            </a:fillRef>
+            <a:effectRef idx="0">
+              <a:schemeClr val="accent1"/>
+            </a:effectRef>
+            <a:fontRef idx="minor">
+              <a:schemeClr val="tx1"/>
+            </a:fontRef>
+          </p:style>
+        </p:cxnSp>
+        <p:sp>
+          <p:nvSpPr>
+            <p:cNvPr id="32" name="TextBox 31"/>
+            <p:cNvSpPr txBox="1"/>
+            <p:nvPr/>
+          </p:nvSpPr>
+          <p:spPr>
+            <a:xfrm>
+              <a:off x="6282410" y="1075805"/>
+              <a:ext cx="1736373" cy="369332"/>
+            </a:xfrm>
+            <a:prstGeom prst="rect">
+              <a:avLst/>
+            </a:prstGeom>
+            <a:noFill/>
+            <a:ln>
+              <a:solidFill>
+                <a:schemeClr val="tx1"/>
+              </a:solidFill>
+            </a:ln>
+          </p:spPr>
+          <p:txBody>
+            <a:bodyPr wrap="none" rtlCol="0">
+              <a:spAutoFit/>
+            </a:bodyPr>
+            <a:lstStyle/>
+            <a:p>
+              <a:pPr algn="ctr"/>
+              <a:r>
+                <a:rPr lang="en-US" dirty="0" smtClean="0">
                   <a:latin typeface="Helvetica" charset="0"/>
                   <a:ea typeface="Helvetica" charset="0"/>
                   <a:cs typeface="Helvetica" charset="0"/>
-                </a:endParaRPr>
-              </a:p>
-            </p:txBody>
-          </p:sp>
-        </p:grpSp>
+                </a:rPr>
+                <a:t>max. Revenue</a:t>
+              </a:r>
+              <a:endParaRPr lang="en-US" dirty="0">
+                <a:latin typeface="Helvetica" charset="0"/>
+                <a:ea typeface="Helvetica" charset="0"/>
+                <a:cs typeface="Helvetica" charset="0"/>
+              </a:endParaRPr>
+            </a:p>
+          </p:txBody>
+        </p:sp>
+        <p:sp>
+          <p:nvSpPr>
+            <p:cNvPr id="33" name="TextBox 32"/>
+            <p:cNvSpPr txBox="1"/>
+            <p:nvPr/>
+          </p:nvSpPr>
+          <p:spPr>
+            <a:xfrm>
+              <a:off x="4698347" y="2665420"/>
+              <a:ext cx="2159653" cy="646331"/>
+            </a:xfrm>
+            <a:prstGeom prst="rect">
+              <a:avLst/>
+            </a:prstGeom>
+            <a:noFill/>
+            <a:ln>
+              <a:solidFill>
+                <a:schemeClr val="tx1"/>
+              </a:solidFill>
+            </a:ln>
+          </p:spPr>
+          <p:txBody>
+            <a:bodyPr wrap="square" rtlCol="0">
+              <a:spAutoFit/>
+            </a:bodyPr>
+            <a:lstStyle/>
+            <a:p>
+              <a:pPr algn="ctr"/>
+              <a:r>
+                <a:rPr lang="en-US" dirty="0" smtClean="0">
+                  <a:latin typeface="Helvetica" charset="0"/>
+                  <a:ea typeface="Helvetica" charset="0"/>
+                  <a:cs typeface="Helvetica" charset="0"/>
+                </a:rPr>
+                <a:t>max. System Size with pos. Profit</a:t>
+              </a:r>
+              <a:endParaRPr lang="en-US" dirty="0">
+                <a:latin typeface="Helvetica" charset="0"/>
+                <a:ea typeface="Helvetica" charset="0"/>
+                <a:cs typeface="Helvetica" charset="0"/>
+              </a:endParaRPr>
+            </a:p>
+          </p:txBody>
+        </p:sp>
+        <p:sp>
+          <p:nvSpPr>
+            <p:cNvPr id="34" name="TextBox 33"/>
+            <p:cNvSpPr txBox="1"/>
+            <p:nvPr/>
+          </p:nvSpPr>
+          <p:spPr>
+            <a:xfrm>
+              <a:off x="4487256" y="4130951"/>
+              <a:ext cx="1399615" cy="369332"/>
+            </a:xfrm>
+            <a:prstGeom prst="rect">
+              <a:avLst/>
+            </a:prstGeom>
+            <a:noFill/>
+            <a:ln>
+              <a:solidFill>
+                <a:schemeClr val="tx1"/>
+              </a:solidFill>
+            </a:ln>
+          </p:spPr>
+          <p:txBody>
+            <a:bodyPr wrap="square" rtlCol="0">
+              <a:spAutoFit/>
+            </a:bodyPr>
+            <a:lstStyle/>
+            <a:p>
+              <a:pPr algn="ctr"/>
+              <a:r>
+                <a:rPr lang="en-US" dirty="0" smtClean="0">
+                  <a:latin typeface="Helvetica" charset="0"/>
+                  <a:ea typeface="Helvetica" charset="0"/>
+                  <a:cs typeface="Helvetica" charset="0"/>
+                </a:rPr>
+                <a:t>max. Profit</a:t>
+              </a:r>
+              <a:endParaRPr lang="en-US" dirty="0">
+                <a:latin typeface="Helvetica" charset="0"/>
+                <a:ea typeface="Helvetica" charset="0"/>
+                <a:cs typeface="Helvetica" charset="0"/>
+              </a:endParaRPr>
+            </a:p>
+          </p:txBody>
+        </p:sp>
+        <p:cxnSp>
+          <p:nvCxnSpPr>
+            <p:cNvPr id="35" name="Straight Arrow Connector 34"/>
+            <p:cNvCxnSpPr>
+              <a:stCxn id="33" idx="2"/>
+            </p:cNvCxnSpPr>
+            <p:nvPr/>
+          </p:nvCxnSpPr>
+          <p:spPr>
+            <a:xfrm>
+              <a:off x="5778174" y="3311751"/>
+              <a:ext cx="488716" cy="1063026"/>
+            </a:xfrm>
+            <a:prstGeom prst="straightConnector1">
+              <a:avLst/>
+            </a:prstGeom>
+            <a:ln w="9525">
+              <a:solidFill>
+                <a:schemeClr val="tx1">
+                  <a:lumMod val="50000"/>
+                  <a:lumOff val="50000"/>
+                </a:schemeClr>
+              </a:solidFill>
+              <a:prstDash val="sysDash"/>
+              <a:tailEnd type="triangle"/>
+            </a:ln>
+          </p:spPr>
+          <p:style>
+            <a:lnRef idx="1">
+              <a:schemeClr val="accent1"/>
+            </a:lnRef>
+            <a:fillRef idx="0">
+              <a:schemeClr val="accent1"/>
+            </a:fillRef>
+            <a:effectRef idx="0">
+              <a:schemeClr val="accent1"/>
+            </a:effectRef>
+            <a:fontRef idx="minor">
+              <a:schemeClr val="tx1"/>
+            </a:fontRef>
+          </p:style>
+        </p:cxnSp>
+        <p:sp>
+          <p:nvSpPr>
+            <p:cNvPr id="48" name="TextBox 47"/>
+            <p:cNvSpPr txBox="1"/>
+            <p:nvPr/>
+          </p:nvSpPr>
+          <p:spPr>
+            <a:xfrm>
+              <a:off x="2940985" y="5235387"/>
+              <a:ext cx="1256948" cy="923330"/>
+            </a:xfrm>
+            <a:prstGeom prst="rect">
+              <a:avLst/>
+            </a:prstGeom>
+            <a:noFill/>
+            <a:ln>
+              <a:solidFill>
+                <a:schemeClr val="tx1"/>
+              </a:solidFill>
+            </a:ln>
+          </p:spPr>
+          <p:txBody>
+            <a:bodyPr wrap="square" rtlCol="0">
+              <a:spAutoFit/>
+            </a:bodyPr>
+            <a:lstStyle/>
+            <a:p>
+              <a:pPr algn="ctr"/>
+              <a:r>
+                <a:rPr lang="en-US" dirty="0" smtClean="0">
+                  <a:latin typeface="Helvetica" charset="0"/>
+                  <a:ea typeface="Helvetica" charset="0"/>
+                  <a:cs typeface="Helvetica" charset="0"/>
+                </a:rPr>
+                <a:t>max. marginal Revenue</a:t>
+              </a:r>
+              <a:endParaRPr lang="en-US" dirty="0">
+                <a:latin typeface="Helvetica" charset="0"/>
+                <a:ea typeface="Helvetica" charset="0"/>
+                <a:cs typeface="Helvetica" charset="0"/>
+              </a:endParaRPr>
+            </a:p>
+          </p:txBody>
+        </p:sp>
         <p:cxnSp>
           <p:nvCxnSpPr>
             <p:cNvPr id="43" name="Straight Arrow Connector 42"/>
@@ -3592,8 +3568,8 @@
           </p:nvCxnSpPr>
           <p:spPr>
             <a:xfrm flipV="1">
-              <a:off x="4377227" y="4745035"/>
-              <a:ext cx="1271099" cy="1011358"/>
+              <a:off x="4458470" y="4510766"/>
+              <a:ext cx="1428401" cy="1263207"/>
             </a:xfrm>
             <a:prstGeom prst="straightConnector1">
               <a:avLst/>
@@ -3664,6 +3640,46 @@
             </a:fontRef>
           </p:style>
         </p:cxnSp>
+        <p:cxnSp>
+          <p:nvCxnSpPr>
+            <p:cNvPr id="30" name="Straight Arrow Connector 29"/>
+            <p:cNvCxnSpPr/>
+            <p:nvPr/>
+          </p:nvCxnSpPr>
+          <p:spPr>
+            <a:xfrm>
+              <a:off x="5175955" y="4499210"/>
+              <a:ext cx="602219" cy="1079955"/>
+            </a:xfrm>
+            <a:prstGeom prst="straightConnector1">
+              <a:avLst/>
+            </a:prstGeom>
+            <a:ln w="9525">
+              <a:solidFill>
+                <a:schemeClr val="tx1">
+                  <a:lumMod val="50000"/>
+                  <a:lumOff val="50000"/>
+                </a:schemeClr>
+              </a:solidFill>
+              <a:prstDash val="sysDash"/>
+              <a:tailEnd type="triangle"/>
+            </a:ln>
+          </p:spPr>
+          <p:style>
+            <a:lnRef idx="1">
+              <a:schemeClr val="accent1"/>
+            </a:lnRef>
+            <a:fillRef idx="0">
+              <a:schemeClr val="accent1"/>
+            </a:fillRef>
+            <a:effectRef idx="0">
+              <a:schemeClr val="accent1"/>
+            </a:effectRef>
+            <a:fontRef idx="minor">
+              <a:schemeClr val="tx1"/>
+            </a:fontRef>
+          </p:style>
+        </p:cxnSp>
       </p:grpSp>
     </p:spTree>
     <p:extLst>
@@ -3695,33 +3711,84 @@
           <a:chExt cx="0" cy="0"/>
         </a:xfrm>
       </p:grpSpPr>
-      <p:pic>
-        <p:nvPicPr>
-          <p:cNvPr id="28" name="Picture 27"/>
-          <p:cNvPicPr>
-            <a:picLocks noChangeAspect="1"/>
-          </p:cNvPicPr>
+      <p:grpSp>
+        <p:nvGrpSpPr>
+          <p:cNvPr id="7" name="Group 6"/>
+          <p:cNvGrpSpPr/>
           <p:nvPr/>
-        </p:nvPicPr>
-        <p:blipFill rotWithShape="1">
-          <a:blip r:embed="rId3"/>
-          <a:srcRect l="8431" r="9155" b="2593"/>
-          <a:stretch/>
-        </p:blipFill>
-        <p:spPr>
-          <a:xfrm>
-            <a:off x="736599" y="0"/>
-            <a:ext cx="4965701" cy="6680200"/>
-          </a:xfrm>
-          <a:prstGeom prst="rect">
-            <a:avLst/>
-          </a:prstGeom>
-        </p:spPr>
-      </p:pic>
+        </p:nvGrpSpPr>
+        <p:grpSpPr>
+          <a:xfrm>
+            <a:off x="1007166" y="902365"/>
+            <a:ext cx="5400000" cy="5307738"/>
+            <a:chOff x="1007166" y="902365"/>
+            <a:chExt cx="5400000" cy="5307738"/>
+          </a:xfrm>
+        </p:grpSpPr>
+        <p:pic>
+          <p:nvPicPr>
+            <p:cNvPr id="4" name="Picture 3"/>
+            <p:cNvPicPr>
+              <a:picLocks noChangeAspect="1"/>
+            </p:cNvPicPr>
+            <p:nvPr/>
+          </p:nvPicPr>
+          <p:blipFill>
+            <a:blip r:embed="rId2">
+              <a:extLst>
+                <a:ext uri="{28A0092B-C50C-407E-A947-70E740481C1C}">
+                  <a14:useLocalDpi xmlns:a14="http://schemas.microsoft.com/office/drawing/2010/main" val="0"/>
+                </a:ext>
+              </a:extLst>
+            </a:blip>
+            <a:stretch>
+              <a:fillRect/>
+            </a:stretch>
+          </p:blipFill>
+          <p:spPr>
+            <a:xfrm>
+              <a:off x="1007166" y="902365"/>
+              <a:ext cx="5400000" cy="1735715"/>
+            </a:xfrm>
+            <a:prstGeom prst="rect">
+              <a:avLst/>
+            </a:prstGeom>
+          </p:spPr>
+        </p:pic>
+        <p:pic>
+          <p:nvPicPr>
+            <p:cNvPr id="6" name="Picture 5"/>
+            <p:cNvPicPr>
+              <a:picLocks noChangeAspect="1"/>
+            </p:cNvPicPr>
+            <p:nvPr/>
+          </p:nvPicPr>
+          <p:blipFill rotWithShape="1">
+            <a:blip r:embed="rId3">
+              <a:extLst>
+                <a:ext uri="{28A0092B-C50C-407E-A947-70E740481C1C}">
+                  <a14:useLocalDpi xmlns:a14="http://schemas.microsoft.com/office/drawing/2010/main" val="0"/>
+                </a:ext>
+              </a:extLst>
+            </a:blip>
+            <a:srcRect t="3830"/>
+            <a:stretch/>
+          </p:blipFill>
+          <p:spPr>
+            <a:xfrm>
+              <a:off x="1007166" y="2315182"/>
+              <a:ext cx="5400000" cy="3894921"/>
+            </a:xfrm>
+            <a:prstGeom prst="rect">
+              <a:avLst/>
+            </a:prstGeom>
+          </p:spPr>
+        </p:pic>
+      </p:grpSp>
     </p:spTree>
     <p:extLst>
       <p:ext uri="{BB962C8B-B14F-4D97-AF65-F5344CB8AC3E}">
-        <p14:creationId xmlns:p14="http://schemas.microsoft.com/office/powerpoint/2010/main" val="1714354910"/>
+        <p14:creationId xmlns:p14="http://schemas.microsoft.com/office/powerpoint/2010/main" val="1384633341"/>
       </p:ext>
     </p:extLst>
   </p:cSld>
@@ -3750,6 +3817,715 @@
       </p:grpSpPr>
       <p:pic>
         <p:nvPicPr>
+          <p:cNvPr id="28" name="Picture 27"/>
+          <p:cNvPicPr>
+            <a:picLocks noChangeAspect="1"/>
+          </p:cNvPicPr>
+          <p:nvPr/>
+        </p:nvPicPr>
+        <p:blipFill rotWithShape="1">
+          <a:blip r:embed="rId2"/>
+          <a:srcRect l="8431" r="9155" b="2593"/>
+          <a:stretch/>
+        </p:blipFill>
+        <p:spPr>
+          <a:xfrm>
+            <a:off x="736599" y="0"/>
+            <a:ext cx="4965701" cy="6680200"/>
+          </a:xfrm>
+          <a:prstGeom prst="rect">
+            <a:avLst/>
+          </a:prstGeom>
+        </p:spPr>
+      </p:pic>
+      <p:pic>
+        <p:nvPicPr>
+          <p:cNvPr id="2056" name="Chart 9"/>
+          <p:cNvPicPr>
+            <a:picLocks noChangeArrowheads="1"/>
+          </p:cNvPicPr>
+          <p:nvPr/>
+        </p:nvPicPr>
+        <p:blipFill>
+          <a:blip r:embed="rId3">
+            <a:extLst>
+              <a:ext uri="{28A0092B-C50C-407E-A947-70E740481C1C}">
+                <a14:useLocalDpi xmlns:a14="http://schemas.microsoft.com/office/drawing/2010/main" val="0"/>
+              </a:ext>
+            </a:extLst>
+          </a:blip>
+          <a:srcRect/>
+          <a:stretch>
+            <a:fillRect/>
+          </a:stretch>
+        </p:blipFill>
+        <p:spPr bwMode="auto">
+          <a:xfrm>
+            <a:off x="101600" y="88900"/>
+            <a:ext cx="5486400" cy="1828800"/>
+          </a:xfrm>
+          <a:prstGeom prst="rect">
+            <a:avLst/>
+          </a:prstGeom>
+          <a:noFill/>
+          <a:extLst>
+            <a:ext uri="{909E8E84-426E-40DD-AFC4-6F175D3DCCD1}">
+              <a14:hiddenFill xmlns:a14="http://schemas.microsoft.com/office/drawing/2010/main">
+                <a:solidFill>
+                  <a:srgbClr val="FFFFFF"/>
+                </a:solidFill>
+              </a14:hiddenFill>
+            </a:ext>
+          </a:extLst>
+        </p:spPr>
+      </p:pic>
+      <p:pic>
+        <p:nvPicPr>
+          <p:cNvPr id="2055" name="Chart 15"/>
+          <p:cNvPicPr>
+            <a:picLocks noChangeArrowheads="1"/>
+          </p:cNvPicPr>
+          <p:nvPr/>
+        </p:nvPicPr>
+        <p:blipFill>
+          <a:blip r:embed="rId4">
+            <a:extLst>
+              <a:ext uri="{28A0092B-C50C-407E-A947-70E740481C1C}">
+                <a14:useLocalDpi xmlns:a14="http://schemas.microsoft.com/office/drawing/2010/main" val="0"/>
+              </a:ext>
+            </a:extLst>
+          </a:blip>
+          <a:srcRect/>
+          <a:stretch>
+            <a:fillRect/>
+          </a:stretch>
+        </p:blipFill>
+        <p:spPr bwMode="auto">
+          <a:xfrm>
+            <a:off x="114300" y="1854200"/>
+            <a:ext cx="5486400" cy="1828800"/>
+          </a:xfrm>
+          <a:prstGeom prst="rect">
+            <a:avLst/>
+          </a:prstGeom>
+          <a:noFill/>
+          <a:extLst>
+            <a:ext uri="{909E8E84-426E-40DD-AFC4-6F175D3DCCD1}">
+              <a14:hiddenFill xmlns:a14="http://schemas.microsoft.com/office/drawing/2010/main">
+                <a:solidFill>
+                  <a:srgbClr val="FFFFFF"/>
+                </a:solidFill>
+              </a14:hiddenFill>
+            </a:ext>
+          </a:extLst>
+        </p:spPr>
+      </p:pic>
+      <p:pic>
+        <p:nvPicPr>
+          <p:cNvPr id="2054" name="Chart 18"/>
+          <p:cNvPicPr>
+            <a:picLocks noChangeArrowheads="1"/>
+          </p:cNvPicPr>
+          <p:nvPr/>
+        </p:nvPicPr>
+        <p:blipFill>
+          <a:blip r:embed="rId5">
+            <a:extLst>
+              <a:ext uri="{28A0092B-C50C-407E-A947-70E740481C1C}">
+                <a14:useLocalDpi xmlns:a14="http://schemas.microsoft.com/office/drawing/2010/main" val="0"/>
+              </a:ext>
+            </a:extLst>
+          </a:blip>
+          <a:srcRect/>
+          <a:stretch>
+            <a:fillRect/>
+          </a:stretch>
+        </p:blipFill>
+        <p:spPr bwMode="auto">
+          <a:xfrm>
+            <a:off x="114300" y="3606800"/>
+            <a:ext cx="5486400" cy="1828800"/>
+          </a:xfrm>
+          <a:prstGeom prst="rect">
+            <a:avLst/>
+          </a:prstGeom>
+          <a:noFill/>
+          <a:extLst>
+            <a:ext uri="{909E8E84-426E-40DD-AFC4-6F175D3DCCD1}">
+              <a14:hiddenFill xmlns:a14="http://schemas.microsoft.com/office/drawing/2010/main">
+                <a:solidFill>
+                  <a:srgbClr val="FFFFFF"/>
+                </a:solidFill>
+              </a14:hiddenFill>
+            </a:ext>
+          </a:extLst>
+        </p:spPr>
+      </p:pic>
+      <p:pic>
+        <p:nvPicPr>
+          <p:cNvPr id="2053" name="Chart 19"/>
+          <p:cNvPicPr>
+            <a:picLocks noChangeArrowheads="1"/>
+          </p:cNvPicPr>
+          <p:nvPr/>
+        </p:nvPicPr>
+        <p:blipFill>
+          <a:blip r:embed="rId6">
+            <a:extLst>
+              <a:ext uri="{28A0092B-C50C-407E-A947-70E740481C1C}">
+                <a14:useLocalDpi xmlns:a14="http://schemas.microsoft.com/office/drawing/2010/main" val="0"/>
+              </a:ext>
+            </a:extLst>
+          </a:blip>
+          <a:srcRect/>
+          <a:stretch>
+            <a:fillRect/>
+          </a:stretch>
+        </p:blipFill>
+        <p:spPr bwMode="auto">
+          <a:xfrm>
+            <a:off x="114300" y="5359400"/>
+            <a:ext cx="5486400" cy="1828800"/>
+          </a:xfrm>
+          <a:prstGeom prst="rect">
+            <a:avLst/>
+          </a:prstGeom>
+          <a:noFill/>
+          <a:extLst>
+            <a:ext uri="{909E8E84-426E-40DD-AFC4-6F175D3DCCD1}">
+              <a14:hiddenFill xmlns:a14="http://schemas.microsoft.com/office/drawing/2010/main">
+                <a:solidFill>
+                  <a:srgbClr val="FFFFFF"/>
+                </a:solidFill>
+              </a14:hiddenFill>
+            </a:ext>
+          </a:extLst>
+        </p:spPr>
+      </p:pic>
+      <p:pic>
+        <p:nvPicPr>
+          <p:cNvPr id="2052" name="TextBox 20"/>
+          <p:cNvPicPr>
+            <a:picLocks noChangeArrowheads="1"/>
+          </p:cNvPicPr>
+          <p:nvPr/>
+        </p:nvPicPr>
+        <p:blipFill>
+          <a:blip r:embed="rId7">
+            <a:extLst>
+              <a:ext uri="{28A0092B-C50C-407E-A947-70E740481C1C}">
+                <a14:useLocalDpi xmlns:a14="http://schemas.microsoft.com/office/drawing/2010/main" val="0"/>
+              </a:ext>
+            </a:extLst>
+          </a:blip>
+          <a:srcRect/>
+          <a:stretch>
+            <a:fillRect/>
+          </a:stretch>
+        </p:blipFill>
+        <p:spPr bwMode="auto">
+          <a:xfrm>
+            <a:off x="1866900" y="0"/>
+            <a:ext cx="1231900" cy="304800"/>
+          </a:xfrm>
+          <a:prstGeom prst="rect">
+            <a:avLst/>
+          </a:prstGeom>
+          <a:noFill/>
+          <a:extLst>
+            <a:ext uri="{909E8E84-426E-40DD-AFC4-6F175D3DCCD1}">
+              <a14:hiddenFill xmlns:a14="http://schemas.microsoft.com/office/drawing/2010/main">
+                <a:solidFill>
+                  <a:srgbClr val="FFFFFF"/>
+                </a:solidFill>
+              </a14:hiddenFill>
+            </a:ext>
+          </a:extLst>
+        </p:spPr>
+      </p:pic>
+      <p:pic>
+        <p:nvPicPr>
+          <p:cNvPr id="2051" name="TextBox 21"/>
+          <p:cNvPicPr>
+            <a:picLocks noChangeArrowheads="1"/>
+          </p:cNvPicPr>
+          <p:nvPr/>
+        </p:nvPicPr>
+        <p:blipFill>
+          <a:blip r:embed="rId8">
+            <a:extLst>
+              <a:ext uri="{28A0092B-C50C-407E-A947-70E740481C1C}">
+                <a14:useLocalDpi xmlns:a14="http://schemas.microsoft.com/office/drawing/2010/main" val="0"/>
+              </a:ext>
+            </a:extLst>
+          </a:blip>
+          <a:srcRect/>
+          <a:stretch>
+            <a:fillRect/>
+          </a:stretch>
+        </p:blipFill>
+        <p:spPr bwMode="auto">
+          <a:xfrm>
+            <a:off x="1295400" y="1778000"/>
+            <a:ext cx="3187700" cy="355600"/>
+          </a:xfrm>
+          <a:prstGeom prst="rect">
+            <a:avLst/>
+          </a:prstGeom>
+          <a:noFill/>
+          <a:extLst>
+            <a:ext uri="{909E8E84-426E-40DD-AFC4-6F175D3DCCD1}">
+              <a14:hiddenFill xmlns:a14="http://schemas.microsoft.com/office/drawing/2010/main">
+                <a:solidFill>
+                  <a:srgbClr val="FFFFFF"/>
+                </a:solidFill>
+              </a14:hiddenFill>
+            </a:ext>
+          </a:extLst>
+        </p:spPr>
+      </p:pic>
+      <p:pic>
+        <p:nvPicPr>
+          <p:cNvPr id="2050" name="TextBox 22"/>
+          <p:cNvPicPr>
+            <a:picLocks noChangeArrowheads="1"/>
+          </p:cNvPicPr>
+          <p:nvPr/>
+        </p:nvPicPr>
+        <p:blipFill>
+          <a:blip r:embed="rId9">
+            <a:extLst>
+              <a:ext uri="{28A0092B-C50C-407E-A947-70E740481C1C}">
+                <a14:useLocalDpi xmlns:a14="http://schemas.microsoft.com/office/drawing/2010/main" val="0"/>
+              </a:ext>
+            </a:extLst>
+          </a:blip>
+          <a:srcRect/>
+          <a:stretch>
+            <a:fillRect/>
+          </a:stretch>
+        </p:blipFill>
+        <p:spPr bwMode="auto">
+          <a:xfrm>
+            <a:off x="876300" y="3543300"/>
+            <a:ext cx="3187700" cy="355600"/>
+          </a:xfrm>
+          <a:prstGeom prst="rect">
+            <a:avLst/>
+          </a:prstGeom>
+          <a:noFill/>
+          <a:extLst>
+            <a:ext uri="{909E8E84-426E-40DD-AFC4-6F175D3DCCD1}">
+              <a14:hiddenFill xmlns:a14="http://schemas.microsoft.com/office/drawing/2010/main">
+                <a:solidFill>
+                  <a:srgbClr val="FFFFFF"/>
+                </a:solidFill>
+              </a14:hiddenFill>
+            </a:ext>
+          </a:extLst>
+        </p:spPr>
+      </p:pic>
+      <p:pic>
+        <p:nvPicPr>
+          <p:cNvPr id="2049" name="TextBox 23"/>
+          <p:cNvPicPr>
+            <a:picLocks noChangeArrowheads="1"/>
+          </p:cNvPicPr>
+          <p:nvPr/>
+        </p:nvPicPr>
+        <p:blipFill>
+          <a:blip r:embed="rId10">
+            <a:extLst>
+              <a:ext uri="{28A0092B-C50C-407E-A947-70E740481C1C}">
+                <a14:useLocalDpi xmlns:a14="http://schemas.microsoft.com/office/drawing/2010/main" val="0"/>
+              </a:ext>
+            </a:extLst>
+          </a:blip>
+          <a:srcRect/>
+          <a:stretch>
+            <a:fillRect/>
+          </a:stretch>
+        </p:blipFill>
+        <p:spPr bwMode="auto">
+          <a:xfrm>
+            <a:off x="863600" y="5270500"/>
+            <a:ext cx="3187700" cy="355600"/>
+          </a:xfrm>
+          <a:prstGeom prst="rect">
+            <a:avLst/>
+          </a:prstGeom>
+          <a:noFill/>
+          <a:extLst>
+            <a:ext uri="{909E8E84-426E-40DD-AFC4-6F175D3DCCD1}">
+              <a14:hiddenFill xmlns:a14="http://schemas.microsoft.com/office/drawing/2010/main">
+                <a:solidFill>
+                  <a:srgbClr val="FFFFFF"/>
+                </a:solidFill>
+              </a14:hiddenFill>
+            </a:ext>
+          </a:extLst>
+        </p:spPr>
+      </p:pic>
+      <p:pic>
+        <p:nvPicPr>
+          <p:cNvPr id="2064" name="Picture 16"/>
+          <p:cNvPicPr>
+            <a:picLocks noChangeArrowheads="1"/>
+          </p:cNvPicPr>
+          <p:nvPr/>
+        </p:nvPicPr>
+        <p:blipFill>
+          <a:blip r:embed="rId3">
+            <a:extLst>
+              <a:ext uri="{28A0092B-C50C-407E-A947-70E740481C1C}">
+                <a14:useLocalDpi xmlns:a14="http://schemas.microsoft.com/office/drawing/2010/main" val="0"/>
+              </a:ext>
+            </a:extLst>
+          </a:blip>
+          <a:srcRect/>
+          <a:stretch>
+            <a:fillRect/>
+          </a:stretch>
+        </p:blipFill>
+        <p:spPr bwMode="auto">
+          <a:xfrm>
+            <a:off x="101600" y="88900"/>
+            <a:ext cx="5486400" cy="1828800"/>
+          </a:xfrm>
+          <a:prstGeom prst="rect">
+            <a:avLst/>
+          </a:prstGeom>
+          <a:noFill/>
+          <a:extLst>
+            <a:ext uri="{909E8E84-426E-40DD-AFC4-6F175D3DCCD1}">
+              <a14:hiddenFill xmlns:a14="http://schemas.microsoft.com/office/drawing/2010/main">
+                <a:solidFill>
+                  <a:srgbClr val="FFFFFF"/>
+                </a:solidFill>
+              </a14:hiddenFill>
+            </a:ext>
+          </a:extLst>
+        </p:spPr>
+      </p:pic>
+      <p:pic>
+        <p:nvPicPr>
+          <p:cNvPr id="2063" name="Picture 15"/>
+          <p:cNvPicPr>
+            <a:picLocks noChangeArrowheads="1"/>
+          </p:cNvPicPr>
+          <p:nvPr/>
+        </p:nvPicPr>
+        <p:blipFill>
+          <a:blip r:embed="rId4">
+            <a:extLst>
+              <a:ext uri="{28A0092B-C50C-407E-A947-70E740481C1C}">
+                <a14:useLocalDpi xmlns:a14="http://schemas.microsoft.com/office/drawing/2010/main" val="0"/>
+              </a:ext>
+            </a:extLst>
+          </a:blip>
+          <a:srcRect/>
+          <a:stretch>
+            <a:fillRect/>
+          </a:stretch>
+        </p:blipFill>
+        <p:spPr bwMode="auto">
+          <a:xfrm>
+            <a:off x="114300" y="1854200"/>
+            <a:ext cx="5486400" cy="1828800"/>
+          </a:xfrm>
+          <a:prstGeom prst="rect">
+            <a:avLst/>
+          </a:prstGeom>
+          <a:noFill/>
+          <a:extLst>
+            <a:ext uri="{909E8E84-426E-40DD-AFC4-6F175D3DCCD1}">
+              <a14:hiddenFill xmlns:a14="http://schemas.microsoft.com/office/drawing/2010/main">
+                <a:solidFill>
+                  <a:srgbClr val="FFFFFF"/>
+                </a:solidFill>
+              </a14:hiddenFill>
+            </a:ext>
+          </a:extLst>
+        </p:spPr>
+      </p:pic>
+      <p:pic>
+        <p:nvPicPr>
+          <p:cNvPr id="2062" name="Picture 14"/>
+          <p:cNvPicPr>
+            <a:picLocks noChangeArrowheads="1"/>
+          </p:cNvPicPr>
+          <p:nvPr/>
+        </p:nvPicPr>
+        <p:blipFill>
+          <a:blip r:embed="rId5">
+            <a:extLst>
+              <a:ext uri="{28A0092B-C50C-407E-A947-70E740481C1C}">
+                <a14:useLocalDpi xmlns:a14="http://schemas.microsoft.com/office/drawing/2010/main" val="0"/>
+              </a:ext>
+            </a:extLst>
+          </a:blip>
+          <a:srcRect/>
+          <a:stretch>
+            <a:fillRect/>
+          </a:stretch>
+        </p:blipFill>
+        <p:spPr bwMode="auto">
+          <a:xfrm>
+            <a:off x="114300" y="3606800"/>
+            <a:ext cx="5486400" cy="1828800"/>
+          </a:xfrm>
+          <a:prstGeom prst="rect">
+            <a:avLst/>
+          </a:prstGeom>
+          <a:noFill/>
+          <a:extLst>
+            <a:ext uri="{909E8E84-426E-40DD-AFC4-6F175D3DCCD1}">
+              <a14:hiddenFill xmlns:a14="http://schemas.microsoft.com/office/drawing/2010/main">
+                <a:solidFill>
+                  <a:srgbClr val="FFFFFF"/>
+                </a:solidFill>
+              </a14:hiddenFill>
+            </a:ext>
+          </a:extLst>
+        </p:spPr>
+      </p:pic>
+      <p:pic>
+        <p:nvPicPr>
+          <p:cNvPr id="2061" name="Picture 13"/>
+          <p:cNvPicPr>
+            <a:picLocks noChangeArrowheads="1"/>
+          </p:cNvPicPr>
+          <p:nvPr/>
+        </p:nvPicPr>
+        <p:blipFill>
+          <a:blip r:embed="rId6">
+            <a:extLst>
+              <a:ext uri="{28A0092B-C50C-407E-A947-70E740481C1C}">
+                <a14:useLocalDpi xmlns:a14="http://schemas.microsoft.com/office/drawing/2010/main" val="0"/>
+              </a:ext>
+            </a:extLst>
+          </a:blip>
+          <a:srcRect/>
+          <a:stretch>
+            <a:fillRect/>
+          </a:stretch>
+        </p:blipFill>
+        <p:spPr bwMode="auto">
+          <a:xfrm>
+            <a:off x="114300" y="5359400"/>
+            <a:ext cx="5486400" cy="1828800"/>
+          </a:xfrm>
+          <a:prstGeom prst="rect">
+            <a:avLst/>
+          </a:prstGeom>
+          <a:noFill/>
+          <a:extLst>
+            <a:ext uri="{909E8E84-426E-40DD-AFC4-6F175D3DCCD1}">
+              <a14:hiddenFill xmlns:a14="http://schemas.microsoft.com/office/drawing/2010/main">
+                <a:solidFill>
+                  <a:srgbClr val="FFFFFF"/>
+                </a:solidFill>
+              </a14:hiddenFill>
+            </a:ext>
+          </a:extLst>
+        </p:spPr>
+      </p:pic>
+      <p:pic>
+        <p:nvPicPr>
+          <p:cNvPr id="2060" name="Picture 12"/>
+          <p:cNvPicPr>
+            <a:picLocks noChangeArrowheads="1"/>
+          </p:cNvPicPr>
+          <p:nvPr/>
+        </p:nvPicPr>
+        <p:blipFill>
+          <a:blip r:embed="rId11">
+            <a:extLst>
+              <a:ext uri="{28A0092B-C50C-407E-A947-70E740481C1C}">
+                <a14:useLocalDpi xmlns:a14="http://schemas.microsoft.com/office/drawing/2010/main" val="0"/>
+              </a:ext>
+            </a:extLst>
+          </a:blip>
+          <a:srcRect/>
+          <a:stretch>
+            <a:fillRect/>
+          </a:stretch>
+        </p:blipFill>
+        <p:spPr bwMode="auto">
+          <a:xfrm>
+            <a:off x="800100" y="38100"/>
+            <a:ext cx="3911600" cy="279400"/>
+          </a:xfrm>
+          <a:prstGeom prst="rect">
+            <a:avLst/>
+          </a:prstGeom>
+          <a:noFill/>
+          <a:extLst>
+            <a:ext uri="{909E8E84-426E-40DD-AFC4-6F175D3DCCD1}">
+              <a14:hiddenFill xmlns:a14="http://schemas.microsoft.com/office/drawing/2010/main">
+                <a:solidFill>
+                  <a:srgbClr val="FFFFFF"/>
+                </a:solidFill>
+              </a14:hiddenFill>
+            </a:ext>
+          </a:extLst>
+        </p:spPr>
+      </p:pic>
+      <p:pic>
+        <p:nvPicPr>
+          <p:cNvPr id="2059" name="Picture 11"/>
+          <p:cNvPicPr>
+            <a:picLocks noChangeArrowheads="1"/>
+          </p:cNvPicPr>
+          <p:nvPr/>
+        </p:nvPicPr>
+        <p:blipFill>
+          <a:blip r:embed="rId12">
+            <a:extLst>
+              <a:ext uri="{28A0092B-C50C-407E-A947-70E740481C1C}">
+                <a14:useLocalDpi xmlns:a14="http://schemas.microsoft.com/office/drawing/2010/main" val="0"/>
+              </a:ext>
+            </a:extLst>
+          </a:blip>
+          <a:srcRect/>
+          <a:stretch>
+            <a:fillRect/>
+          </a:stretch>
+        </p:blipFill>
+        <p:spPr bwMode="auto">
+          <a:xfrm>
+            <a:off x="787400" y="1778000"/>
+            <a:ext cx="3949700" cy="355600"/>
+          </a:xfrm>
+          <a:prstGeom prst="rect">
+            <a:avLst/>
+          </a:prstGeom>
+          <a:noFill/>
+          <a:extLst>
+            <a:ext uri="{909E8E84-426E-40DD-AFC4-6F175D3DCCD1}">
+              <a14:hiddenFill xmlns:a14="http://schemas.microsoft.com/office/drawing/2010/main">
+                <a:solidFill>
+                  <a:srgbClr val="FFFFFF"/>
+                </a:solidFill>
+              </a14:hiddenFill>
+            </a:ext>
+          </a:extLst>
+        </p:spPr>
+      </p:pic>
+      <p:pic>
+        <p:nvPicPr>
+          <p:cNvPr id="2058" name="Picture 10"/>
+          <p:cNvPicPr>
+            <a:picLocks noChangeArrowheads="1"/>
+          </p:cNvPicPr>
+          <p:nvPr/>
+        </p:nvPicPr>
+        <p:blipFill>
+          <a:blip r:embed="rId13">
+            <a:extLst>
+              <a:ext uri="{28A0092B-C50C-407E-A947-70E740481C1C}">
+                <a14:useLocalDpi xmlns:a14="http://schemas.microsoft.com/office/drawing/2010/main" val="0"/>
+              </a:ext>
+            </a:extLst>
+          </a:blip>
+          <a:srcRect/>
+          <a:stretch>
+            <a:fillRect/>
+          </a:stretch>
+        </p:blipFill>
+        <p:spPr bwMode="auto">
+          <a:xfrm>
+            <a:off x="787400" y="3543300"/>
+            <a:ext cx="3949700" cy="355600"/>
+          </a:xfrm>
+          <a:prstGeom prst="rect">
+            <a:avLst/>
+          </a:prstGeom>
+          <a:noFill/>
+          <a:extLst>
+            <a:ext uri="{909E8E84-426E-40DD-AFC4-6F175D3DCCD1}">
+              <a14:hiddenFill xmlns:a14="http://schemas.microsoft.com/office/drawing/2010/main">
+                <a:solidFill>
+                  <a:srgbClr val="FFFFFF"/>
+                </a:solidFill>
+              </a14:hiddenFill>
+            </a:ext>
+          </a:extLst>
+        </p:spPr>
+      </p:pic>
+      <p:pic>
+        <p:nvPicPr>
+          <p:cNvPr id="2057" name="Picture 9"/>
+          <p:cNvPicPr>
+            <a:picLocks noChangeArrowheads="1"/>
+          </p:cNvPicPr>
+          <p:nvPr/>
+        </p:nvPicPr>
+        <p:blipFill>
+          <a:blip r:embed="rId14">
+            <a:extLst>
+              <a:ext uri="{28A0092B-C50C-407E-A947-70E740481C1C}">
+                <a14:useLocalDpi xmlns:a14="http://schemas.microsoft.com/office/drawing/2010/main" val="0"/>
+              </a:ext>
+            </a:extLst>
+          </a:blip>
+          <a:srcRect/>
+          <a:stretch>
+            <a:fillRect/>
+          </a:stretch>
+        </p:blipFill>
+        <p:spPr bwMode="auto">
+          <a:xfrm>
+            <a:off x="800100" y="5270500"/>
+            <a:ext cx="3937000" cy="355600"/>
+          </a:xfrm>
+          <a:prstGeom prst="rect">
+            <a:avLst/>
+          </a:prstGeom>
+          <a:noFill/>
+          <a:extLst>
+            <a:ext uri="{909E8E84-426E-40DD-AFC4-6F175D3DCCD1}">
+              <a14:hiddenFill xmlns:a14="http://schemas.microsoft.com/office/drawing/2010/main">
+                <a:solidFill>
+                  <a:srgbClr val="FFFFFF"/>
+                </a:solidFill>
+              </a14:hiddenFill>
+            </a:ext>
+          </a:extLst>
+        </p:spPr>
+      </p:pic>
+    </p:spTree>
+    <p:extLst>
+      <p:ext uri="{BB962C8B-B14F-4D97-AF65-F5344CB8AC3E}">
+        <p14:creationId xmlns:p14="http://schemas.microsoft.com/office/powerpoint/2010/main" val="1714354910"/>
+      </p:ext>
+    </p:extLst>
+  </p:cSld>
+  <p:clrMapOvr>
+    <a:masterClrMapping/>
+  </p:clrMapOvr>
+</p:sld>
+</file>
+
+<file path=ppt/slides/slide4.xml><?xml version="1.0" encoding="utf-8"?>
+<p:sld xmlns:a="http://schemas.openxmlformats.org/drawingml/2006/main" xmlns:r="http://schemas.openxmlformats.org/officeDocument/2006/relationships" xmlns:p="http://schemas.openxmlformats.org/presentationml/2006/main">
+  <p:cSld>
+    <p:spTree>
+      <p:nvGrpSpPr>
+        <p:cNvPr id="1" name=""/>
+        <p:cNvGrpSpPr/>
+        <p:nvPr/>
+      </p:nvGrpSpPr>
+      <p:grpSpPr>
+        <a:xfrm>
+          <a:off x="0" y="0"/>
+          <a:ext cx="0" cy="0"/>
+          <a:chOff x="0" y="0"/>
+          <a:chExt cx="0" cy="0"/>
+        </a:xfrm>
+      </p:grpSpPr>
+      <p:pic>
+        <p:nvPicPr>
           <p:cNvPr id="11" name="Picture 10"/>
           <p:cNvPicPr>
             <a:picLocks noChangeAspect="1"/>
@@ -3757,7 +4533,7 @@
           <p:nvPr/>
         </p:nvPicPr>
         <p:blipFill rotWithShape="1">
-          <a:blip r:embed="rId3"/>
+          <a:blip r:embed="rId2"/>
           <a:srcRect r="8182" b="2483"/>
           <a:stretch/>
         </p:blipFill>
@@ -3780,7 +4556,7 @@
           <p:nvPr/>
         </p:nvPicPr>
         <p:blipFill rotWithShape="1">
-          <a:blip r:embed="rId4"/>
+          <a:blip r:embed="rId3"/>
           <a:srcRect l="7743" r="11084" b="2788"/>
           <a:stretch/>
         </p:blipFill>
@@ -3792,6 +4568,334 @@
           <a:prstGeom prst="rect">
             <a:avLst/>
           </a:prstGeom>
+        </p:spPr>
+      </p:pic>
+      <p:pic>
+        <p:nvPicPr>
+          <p:cNvPr id="4104" name="Chart 2"/>
+          <p:cNvPicPr>
+            <a:picLocks noChangeArrowheads="1"/>
+          </p:cNvPicPr>
+          <p:nvPr/>
+        </p:nvPicPr>
+        <p:blipFill>
+          <a:blip r:embed="rId4">
+            <a:extLst>
+              <a:ext uri="{28A0092B-C50C-407E-A947-70E740481C1C}">
+                <a14:useLocalDpi xmlns:a14="http://schemas.microsoft.com/office/drawing/2010/main" val="0"/>
+              </a:ext>
+            </a:extLst>
+          </a:blip>
+          <a:srcRect/>
+          <a:stretch>
+            <a:fillRect/>
+          </a:stretch>
+        </p:blipFill>
+        <p:spPr bwMode="auto">
+          <a:xfrm>
+            <a:off x="101600" y="88900"/>
+            <a:ext cx="5486400" cy="1828800"/>
+          </a:xfrm>
+          <a:prstGeom prst="rect">
+            <a:avLst/>
+          </a:prstGeom>
+          <a:noFill/>
+          <a:extLst>
+            <a:ext uri="{909E8E84-426E-40DD-AFC4-6F175D3DCCD1}">
+              <a14:hiddenFill xmlns:a14="http://schemas.microsoft.com/office/drawing/2010/main">
+                <a:solidFill>
+                  <a:srgbClr val="FFFFFF"/>
+                </a:solidFill>
+              </a14:hiddenFill>
+            </a:ext>
+          </a:extLst>
+        </p:spPr>
+      </p:pic>
+      <p:pic>
+        <p:nvPicPr>
+          <p:cNvPr id="4103" name="Chart 4"/>
+          <p:cNvPicPr>
+            <a:picLocks noChangeArrowheads="1"/>
+          </p:cNvPicPr>
+          <p:nvPr/>
+        </p:nvPicPr>
+        <p:blipFill>
+          <a:blip r:embed="rId5">
+            <a:extLst>
+              <a:ext uri="{28A0092B-C50C-407E-A947-70E740481C1C}">
+                <a14:useLocalDpi xmlns:a14="http://schemas.microsoft.com/office/drawing/2010/main" val="0"/>
+              </a:ext>
+            </a:extLst>
+          </a:blip>
+          <a:srcRect/>
+          <a:stretch>
+            <a:fillRect/>
+          </a:stretch>
+        </p:blipFill>
+        <p:spPr bwMode="auto">
+          <a:xfrm>
+            <a:off x="114300" y="1854200"/>
+            <a:ext cx="5486400" cy="1828800"/>
+          </a:xfrm>
+          <a:prstGeom prst="rect">
+            <a:avLst/>
+          </a:prstGeom>
+          <a:noFill/>
+          <a:extLst>
+            <a:ext uri="{909E8E84-426E-40DD-AFC4-6F175D3DCCD1}">
+              <a14:hiddenFill xmlns:a14="http://schemas.microsoft.com/office/drawing/2010/main">
+                <a:solidFill>
+                  <a:srgbClr val="FFFFFF"/>
+                </a:solidFill>
+              </a14:hiddenFill>
+            </a:ext>
+          </a:extLst>
+        </p:spPr>
+      </p:pic>
+      <p:pic>
+        <p:nvPicPr>
+          <p:cNvPr id="4102" name="Chart 5"/>
+          <p:cNvPicPr>
+            <a:picLocks noChangeArrowheads="1"/>
+          </p:cNvPicPr>
+          <p:nvPr/>
+        </p:nvPicPr>
+        <p:blipFill>
+          <a:blip r:embed="rId6">
+            <a:extLst>
+              <a:ext uri="{28A0092B-C50C-407E-A947-70E740481C1C}">
+                <a14:useLocalDpi xmlns:a14="http://schemas.microsoft.com/office/drawing/2010/main" val="0"/>
+              </a:ext>
+            </a:extLst>
+          </a:blip>
+          <a:srcRect/>
+          <a:stretch>
+            <a:fillRect/>
+          </a:stretch>
+        </p:blipFill>
+        <p:spPr bwMode="auto">
+          <a:xfrm>
+            <a:off x="114300" y="3606800"/>
+            <a:ext cx="5486400" cy="1828800"/>
+          </a:xfrm>
+          <a:prstGeom prst="rect">
+            <a:avLst/>
+          </a:prstGeom>
+          <a:noFill/>
+          <a:extLst>
+            <a:ext uri="{909E8E84-426E-40DD-AFC4-6F175D3DCCD1}">
+              <a14:hiddenFill xmlns:a14="http://schemas.microsoft.com/office/drawing/2010/main">
+                <a:solidFill>
+                  <a:srgbClr val="FFFFFF"/>
+                </a:solidFill>
+              </a14:hiddenFill>
+            </a:ext>
+          </a:extLst>
+        </p:spPr>
+      </p:pic>
+      <p:pic>
+        <p:nvPicPr>
+          <p:cNvPr id="4101" name="Chart 6"/>
+          <p:cNvPicPr>
+            <a:picLocks noChangeArrowheads="1"/>
+          </p:cNvPicPr>
+          <p:nvPr/>
+        </p:nvPicPr>
+        <p:blipFill>
+          <a:blip r:embed="rId7">
+            <a:extLst>
+              <a:ext uri="{28A0092B-C50C-407E-A947-70E740481C1C}">
+                <a14:useLocalDpi xmlns:a14="http://schemas.microsoft.com/office/drawing/2010/main" val="0"/>
+              </a:ext>
+            </a:extLst>
+          </a:blip>
+          <a:srcRect/>
+          <a:stretch>
+            <a:fillRect/>
+          </a:stretch>
+        </p:blipFill>
+        <p:spPr bwMode="auto">
+          <a:xfrm>
+            <a:off x="114300" y="5359400"/>
+            <a:ext cx="5486400" cy="1828800"/>
+          </a:xfrm>
+          <a:prstGeom prst="rect">
+            <a:avLst/>
+          </a:prstGeom>
+          <a:noFill/>
+          <a:extLst>
+            <a:ext uri="{909E8E84-426E-40DD-AFC4-6F175D3DCCD1}">
+              <a14:hiddenFill xmlns:a14="http://schemas.microsoft.com/office/drawing/2010/main">
+                <a:solidFill>
+                  <a:srgbClr val="FFFFFF"/>
+                </a:solidFill>
+              </a14:hiddenFill>
+            </a:ext>
+          </a:extLst>
+        </p:spPr>
+      </p:pic>
+      <p:pic>
+        <p:nvPicPr>
+          <p:cNvPr id="4100" name="TextBox 7"/>
+          <p:cNvPicPr>
+            <a:picLocks noChangeArrowheads="1"/>
+          </p:cNvPicPr>
+          <p:nvPr/>
+        </p:nvPicPr>
+        <p:blipFill>
+          <a:blip r:embed="rId8">
+            <a:extLst>
+              <a:ext uri="{28A0092B-C50C-407E-A947-70E740481C1C}">
+                <a14:useLocalDpi xmlns:a14="http://schemas.microsoft.com/office/drawing/2010/main" val="0"/>
+              </a:ext>
+            </a:extLst>
+          </a:blip>
+          <a:srcRect/>
+          <a:stretch>
+            <a:fillRect/>
+          </a:stretch>
+        </p:blipFill>
+        <p:spPr bwMode="auto">
+          <a:xfrm>
+            <a:off x="800100" y="38100"/>
+            <a:ext cx="3911600" cy="279400"/>
+          </a:xfrm>
+          <a:prstGeom prst="rect">
+            <a:avLst/>
+          </a:prstGeom>
+          <a:noFill/>
+          <a:extLst>
+            <a:ext uri="{909E8E84-426E-40DD-AFC4-6F175D3DCCD1}">
+              <a14:hiddenFill xmlns:a14="http://schemas.microsoft.com/office/drawing/2010/main">
+                <a:solidFill>
+                  <a:srgbClr val="FFFFFF"/>
+                </a:solidFill>
+              </a14:hiddenFill>
+            </a:ext>
+          </a:extLst>
+        </p:spPr>
+      </p:pic>
+      <p:pic>
+        <p:nvPicPr>
+          <p:cNvPr id="4099" name="TextBox 8"/>
+          <p:cNvPicPr>
+            <a:picLocks noChangeArrowheads="1"/>
+          </p:cNvPicPr>
+          <p:nvPr/>
+        </p:nvPicPr>
+        <p:blipFill>
+          <a:blip r:embed="rId9">
+            <a:extLst>
+              <a:ext uri="{28A0092B-C50C-407E-A947-70E740481C1C}">
+                <a14:useLocalDpi xmlns:a14="http://schemas.microsoft.com/office/drawing/2010/main" val="0"/>
+              </a:ext>
+            </a:extLst>
+          </a:blip>
+          <a:srcRect/>
+          <a:stretch>
+            <a:fillRect/>
+          </a:stretch>
+        </p:blipFill>
+        <p:spPr bwMode="auto">
+          <a:xfrm>
+            <a:off x="787400" y="1778000"/>
+            <a:ext cx="3949700" cy="355600"/>
+          </a:xfrm>
+          <a:prstGeom prst="rect">
+            <a:avLst/>
+          </a:prstGeom>
+          <a:noFill/>
+          <a:extLst>
+            <a:ext uri="{909E8E84-426E-40DD-AFC4-6F175D3DCCD1}">
+              <a14:hiddenFill xmlns:a14="http://schemas.microsoft.com/office/drawing/2010/main">
+                <a:solidFill>
+                  <a:srgbClr val="FFFFFF"/>
+                </a:solidFill>
+              </a14:hiddenFill>
+            </a:ext>
+          </a:extLst>
+        </p:spPr>
+      </p:pic>
+      <p:pic>
+        <p:nvPicPr>
+          <p:cNvPr id="4098" name="TextBox 9"/>
+          <p:cNvPicPr>
+            <a:picLocks noChangeArrowheads="1"/>
+          </p:cNvPicPr>
+          <p:nvPr/>
+        </p:nvPicPr>
+        <p:blipFill>
+          <a:blip r:embed="rId10">
+            <a:extLst>
+              <a:ext uri="{28A0092B-C50C-407E-A947-70E740481C1C}">
+                <a14:useLocalDpi xmlns:a14="http://schemas.microsoft.com/office/drawing/2010/main" val="0"/>
+              </a:ext>
+            </a:extLst>
+          </a:blip>
+          <a:srcRect/>
+          <a:stretch>
+            <a:fillRect/>
+          </a:stretch>
+        </p:blipFill>
+        <p:spPr bwMode="auto">
+          <a:xfrm>
+            <a:off x="787400" y="3543300"/>
+            <a:ext cx="3949700" cy="355600"/>
+          </a:xfrm>
+          <a:prstGeom prst="rect">
+            <a:avLst/>
+          </a:prstGeom>
+          <a:noFill/>
+          <a:extLst>
+            <a:ext uri="{909E8E84-426E-40DD-AFC4-6F175D3DCCD1}">
+              <a14:hiddenFill xmlns:a14="http://schemas.microsoft.com/office/drawing/2010/main">
+                <a:solidFill>
+                  <a:srgbClr val="FFFFFF"/>
+                </a:solidFill>
+              </a14:hiddenFill>
+            </a:ext>
+          </a:extLst>
+        </p:spPr>
+      </p:pic>
+      <p:pic>
+        <p:nvPicPr>
+          <p:cNvPr id="4097" name="TextBox 10"/>
+          <p:cNvPicPr>
+            <a:picLocks noChangeArrowheads="1"/>
+          </p:cNvPicPr>
+          <p:nvPr/>
+        </p:nvPicPr>
+        <p:blipFill>
+          <a:blip r:embed="rId11">
+            <a:extLst>
+              <a:ext uri="{28A0092B-C50C-407E-A947-70E740481C1C}">
+                <a14:useLocalDpi xmlns:a14="http://schemas.microsoft.com/office/drawing/2010/main" val="0"/>
+              </a:ext>
+            </a:extLst>
+          </a:blip>
+          <a:srcRect/>
+          <a:stretch>
+            <a:fillRect/>
+          </a:stretch>
+        </p:blipFill>
+        <p:spPr bwMode="auto">
+          <a:xfrm>
+            <a:off x="800100" y="5270500"/>
+            <a:ext cx="3937000" cy="355600"/>
+          </a:xfrm>
+          <a:prstGeom prst="rect">
+            <a:avLst/>
+          </a:prstGeom>
+          <a:noFill/>
+          <a:extLst>
+            <a:ext uri="{909E8E84-426E-40DD-AFC4-6F175D3DCCD1}">
+              <a14:hiddenFill xmlns:a14="http://schemas.microsoft.com/office/drawing/2010/main">
+                <a:solidFill>
+                  <a:srgbClr val="FFFFFF"/>
+                </a:solidFill>
+              </a14:hiddenFill>
+            </a:ext>
+          </a:extLst>
         </p:spPr>
       </p:pic>
     </p:spTree>
@@ -3807,7 +4911,7 @@
 </p:sld>
 </file>
 
-<file path=ppt/slides/slide4.xml><?xml version="1.0" encoding="utf-8"?>
+<file path=ppt/slides/slide5.xml><?xml version="1.0" encoding="utf-8"?>
 <p:sld xmlns:a="http://schemas.openxmlformats.org/drawingml/2006/main" xmlns:r="http://schemas.openxmlformats.org/officeDocument/2006/relationships" xmlns:p="http://schemas.openxmlformats.org/presentationml/2006/main">
   <p:cSld>
     <p:spTree>
@@ -3884,7 +4988,7 @@
 </p:sld>
 </file>
 
-<file path=ppt/slides/slide5.xml><?xml version="1.0" encoding="utf-8"?>
+<file path=ppt/slides/slide6.xml><?xml version="1.0" encoding="utf-8"?>
 <p:sld xmlns:a="http://schemas.openxmlformats.org/drawingml/2006/main" xmlns:r="http://schemas.openxmlformats.org/officeDocument/2006/relationships" xmlns:p="http://schemas.openxmlformats.org/presentationml/2006/main">
   <p:cSld>
     <p:spTree>
@@ -3910,7 +5014,7 @@
           <p:nvPr/>
         </p:nvPicPr>
         <p:blipFill rotWithShape="1">
-          <a:blip r:embed="rId3"/>
+          <a:blip r:embed="rId2"/>
           <a:srcRect l="2687" r="16078" b="2483"/>
           <a:stretch/>
         </p:blipFill>
@@ -3922,6 +5026,334 @@
           <a:prstGeom prst="rect">
             <a:avLst/>
           </a:prstGeom>
+        </p:spPr>
+      </p:pic>
+      <p:pic>
+        <p:nvPicPr>
+          <p:cNvPr id="6152" name="Chart 2"/>
+          <p:cNvPicPr>
+            <a:picLocks noChangeArrowheads="1"/>
+          </p:cNvPicPr>
+          <p:nvPr/>
+        </p:nvPicPr>
+        <p:blipFill>
+          <a:blip r:embed="rId3">
+            <a:extLst>
+              <a:ext uri="{28A0092B-C50C-407E-A947-70E740481C1C}">
+                <a14:useLocalDpi xmlns:a14="http://schemas.microsoft.com/office/drawing/2010/main" val="0"/>
+              </a:ext>
+            </a:extLst>
+          </a:blip>
+          <a:srcRect/>
+          <a:stretch>
+            <a:fillRect/>
+          </a:stretch>
+        </p:blipFill>
+        <p:spPr bwMode="auto">
+          <a:xfrm>
+            <a:off x="114300" y="88900"/>
+            <a:ext cx="5486400" cy="1828800"/>
+          </a:xfrm>
+          <a:prstGeom prst="rect">
+            <a:avLst/>
+          </a:prstGeom>
+          <a:noFill/>
+          <a:extLst>
+            <a:ext uri="{909E8E84-426E-40DD-AFC4-6F175D3DCCD1}">
+              <a14:hiddenFill xmlns:a14="http://schemas.microsoft.com/office/drawing/2010/main">
+                <a:solidFill>
+                  <a:srgbClr val="FFFFFF"/>
+                </a:solidFill>
+              </a14:hiddenFill>
+            </a:ext>
+          </a:extLst>
+        </p:spPr>
+      </p:pic>
+      <p:pic>
+        <p:nvPicPr>
+          <p:cNvPr id="6151" name="TextBox 7"/>
+          <p:cNvPicPr>
+            <a:picLocks noChangeArrowheads="1"/>
+          </p:cNvPicPr>
+          <p:nvPr/>
+        </p:nvPicPr>
+        <p:blipFill>
+          <a:blip r:embed="rId4">
+            <a:extLst>
+              <a:ext uri="{28A0092B-C50C-407E-A947-70E740481C1C}">
+                <a14:useLocalDpi xmlns:a14="http://schemas.microsoft.com/office/drawing/2010/main" val="0"/>
+              </a:ext>
+            </a:extLst>
+          </a:blip>
+          <a:srcRect/>
+          <a:stretch>
+            <a:fillRect/>
+          </a:stretch>
+        </p:blipFill>
+        <p:spPr bwMode="auto">
+          <a:xfrm>
+            <a:off x="800100" y="38100"/>
+            <a:ext cx="3911600" cy="279400"/>
+          </a:xfrm>
+          <a:prstGeom prst="rect">
+            <a:avLst/>
+          </a:prstGeom>
+          <a:noFill/>
+          <a:extLst>
+            <a:ext uri="{909E8E84-426E-40DD-AFC4-6F175D3DCCD1}">
+              <a14:hiddenFill xmlns:a14="http://schemas.microsoft.com/office/drawing/2010/main">
+                <a:solidFill>
+                  <a:srgbClr val="FFFFFF"/>
+                </a:solidFill>
+              </a14:hiddenFill>
+            </a:ext>
+          </a:extLst>
+        </p:spPr>
+      </p:pic>
+      <p:pic>
+        <p:nvPicPr>
+          <p:cNvPr id="6150" name="Chart 4"/>
+          <p:cNvPicPr>
+            <a:picLocks noChangeArrowheads="1"/>
+          </p:cNvPicPr>
+          <p:nvPr/>
+        </p:nvPicPr>
+        <p:blipFill>
+          <a:blip r:embed="rId5">
+            <a:extLst>
+              <a:ext uri="{28A0092B-C50C-407E-A947-70E740481C1C}">
+                <a14:useLocalDpi xmlns:a14="http://schemas.microsoft.com/office/drawing/2010/main" val="0"/>
+              </a:ext>
+            </a:extLst>
+          </a:blip>
+          <a:srcRect/>
+          <a:stretch>
+            <a:fillRect/>
+          </a:stretch>
+        </p:blipFill>
+        <p:spPr bwMode="auto">
+          <a:xfrm>
+            <a:off x="114300" y="1854200"/>
+            <a:ext cx="5486400" cy="1828800"/>
+          </a:xfrm>
+          <a:prstGeom prst="rect">
+            <a:avLst/>
+          </a:prstGeom>
+          <a:noFill/>
+          <a:extLst>
+            <a:ext uri="{909E8E84-426E-40DD-AFC4-6F175D3DCCD1}">
+              <a14:hiddenFill xmlns:a14="http://schemas.microsoft.com/office/drawing/2010/main">
+                <a:solidFill>
+                  <a:srgbClr val="FFFFFF"/>
+                </a:solidFill>
+              </a14:hiddenFill>
+            </a:ext>
+          </a:extLst>
+        </p:spPr>
+      </p:pic>
+      <p:pic>
+        <p:nvPicPr>
+          <p:cNvPr id="6149" name="Chart 5"/>
+          <p:cNvPicPr>
+            <a:picLocks noChangeArrowheads="1"/>
+          </p:cNvPicPr>
+          <p:nvPr/>
+        </p:nvPicPr>
+        <p:blipFill>
+          <a:blip r:embed="rId6">
+            <a:extLst>
+              <a:ext uri="{28A0092B-C50C-407E-A947-70E740481C1C}">
+                <a14:useLocalDpi xmlns:a14="http://schemas.microsoft.com/office/drawing/2010/main" val="0"/>
+              </a:ext>
+            </a:extLst>
+          </a:blip>
+          <a:srcRect/>
+          <a:stretch>
+            <a:fillRect/>
+          </a:stretch>
+        </p:blipFill>
+        <p:spPr bwMode="auto">
+          <a:xfrm>
+            <a:off x="114300" y="3606800"/>
+            <a:ext cx="5486400" cy="1828800"/>
+          </a:xfrm>
+          <a:prstGeom prst="rect">
+            <a:avLst/>
+          </a:prstGeom>
+          <a:noFill/>
+          <a:extLst>
+            <a:ext uri="{909E8E84-426E-40DD-AFC4-6F175D3DCCD1}">
+              <a14:hiddenFill xmlns:a14="http://schemas.microsoft.com/office/drawing/2010/main">
+                <a:solidFill>
+                  <a:srgbClr val="FFFFFF"/>
+                </a:solidFill>
+              </a14:hiddenFill>
+            </a:ext>
+          </a:extLst>
+        </p:spPr>
+      </p:pic>
+      <p:pic>
+        <p:nvPicPr>
+          <p:cNvPr id="6148" name="Chart 6"/>
+          <p:cNvPicPr>
+            <a:picLocks noChangeArrowheads="1"/>
+          </p:cNvPicPr>
+          <p:nvPr/>
+        </p:nvPicPr>
+        <p:blipFill>
+          <a:blip r:embed="rId7">
+            <a:extLst>
+              <a:ext uri="{28A0092B-C50C-407E-A947-70E740481C1C}">
+                <a14:useLocalDpi xmlns:a14="http://schemas.microsoft.com/office/drawing/2010/main" val="0"/>
+              </a:ext>
+            </a:extLst>
+          </a:blip>
+          <a:srcRect/>
+          <a:stretch>
+            <a:fillRect/>
+          </a:stretch>
+        </p:blipFill>
+        <p:spPr bwMode="auto">
+          <a:xfrm>
+            <a:off x="114300" y="5359400"/>
+            <a:ext cx="5486400" cy="1828800"/>
+          </a:xfrm>
+          <a:prstGeom prst="rect">
+            <a:avLst/>
+          </a:prstGeom>
+          <a:noFill/>
+          <a:extLst>
+            <a:ext uri="{909E8E84-426E-40DD-AFC4-6F175D3DCCD1}">
+              <a14:hiddenFill xmlns:a14="http://schemas.microsoft.com/office/drawing/2010/main">
+                <a:solidFill>
+                  <a:srgbClr val="FFFFFF"/>
+                </a:solidFill>
+              </a14:hiddenFill>
+            </a:ext>
+          </a:extLst>
+        </p:spPr>
+      </p:pic>
+      <p:pic>
+        <p:nvPicPr>
+          <p:cNvPr id="6147" name="TextBox 8"/>
+          <p:cNvPicPr>
+            <a:picLocks noChangeArrowheads="1"/>
+          </p:cNvPicPr>
+          <p:nvPr/>
+        </p:nvPicPr>
+        <p:blipFill>
+          <a:blip r:embed="rId8">
+            <a:extLst>
+              <a:ext uri="{28A0092B-C50C-407E-A947-70E740481C1C}">
+                <a14:useLocalDpi xmlns:a14="http://schemas.microsoft.com/office/drawing/2010/main" val="0"/>
+              </a:ext>
+            </a:extLst>
+          </a:blip>
+          <a:srcRect/>
+          <a:stretch>
+            <a:fillRect/>
+          </a:stretch>
+        </p:blipFill>
+        <p:spPr bwMode="auto">
+          <a:xfrm>
+            <a:off x="787400" y="1778000"/>
+            <a:ext cx="3949700" cy="355600"/>
+          </a:xfrm>
+          <a:prstGeom prst="rect">
+            <a:avLst/>
+          </a:prstGeom>
+          <a:noFill/>
+          <a:extLst>
+            <a:ext uri="{909E8E84-426E-40DD-AFC4-6F175D3DCCD1}">
+              <a14:hiddenFill xmlns:a14="http://schemas.microsoft.com/office/drawing/2010/main">
+                <a:solidFill>
+                  <a:srgbClr val="FFFFFF"/>
+                </a:solidFill>
+              </a14:hiddenFill>
+            </a:ext>
+          </a:extLst>
+        </p:spPr>
+      </p:pic>
+      <p:pic>
+        <p:nvPicPr>
+          <p:cNvPr id="6146" name="TextBox 9"/>
+          <p:cNvPicPr>
+            <a:picLocks noChangeArrowheads="1"/>
+          </p:cNvPicPr>
+          <p:nvPr/>
+        </p:nvPicPr>
+        <p:blipFill>
+          <a:blip r:embed="rId9">
+            <a:extLst>
+              <a:ext uri="{28A0092B-C50C-407E-A947-70E740481C1C}">
+                <a14:useLocalDpi xmlns:a14="http://schemas.microsoft.com/office/drawing/2010/main" val="0"/>
+              </a:ext>
+            </a:extLst>
+          </a:blip>
+          <a:srcRect/>
+          <a:stretch>
+            <a:fillRect/>
+          </a:stretch>
+        </p:blipFill>
+        <p:spPr bwMode="auto">
+          <a:xfrm>
+            <a:off x="787400" y="3543300"/>
+            <a:ext cx="3949700" cy="355600"/>
+          </a:xfrm>
+          <a:prstGeom prst="rect">
+            <a:avLst/>
+          </a:prstGeom>
+          <a:noFill/>
+          <a:extLst>
+            <a:ext uri="{909E8E84-426E-40DD-AFC4-6F175D3DCCD1}">
+              <a14:hiddenFill xmlns:a14="http://schemas.microsoft.com/office/drawing/2010/main">
+                <a:solidFill>
+                  <a:srgbClr val="FFFFFF"/>
+                </a:solidFill>
+              </a14:hiddenFill>
+            </a:ext>
+          </a:extLst>
+        </p:spPr>
+      </p:pic>
+      <p:pic>
+        <p:nvPicPr>
+          <p:cNvPr id="6145" name="TextBox 10"/>
+          <p:cNvPicPr>
+            <a:picLocks noChangeArrowheads="1"/>
+          </p:cNvPicPr>
+          <p:nvPr/>
+        </p:nvPicPr>
+        <p:blipFill>
+          <a:blip r:embed="rId10">
+            <a:extLst>
+              <a:ext uri="{28A0092B-C50C-407E-A947-70E740481C1C}">
+                <a14:useLocalDpi xmlns:a14="http://schemas.microsoft.com/office/drawing/2010/main" val="0"/>
+              </a:ext>
+            </a:extLst>
+          </a:blip>
+          <a:srcRect/>
+          <a:stretch>
+            <a:fillRect/>
+          </a:stretch>
+        </p:blipFill>
+        <p:spPr bwMode="auto">
+          <a:xfrm>
+            <a:off x="800100" y="5270500"/>
+            <a:ext cx="3937000" cy="355600"/>
+          </a:xfrm>
+          <a:prstGeom prst="rect">
+            <a:avLst/>
+          </a:prstGeom>
+          <a:noFill/>
+          <a:extLst>
+            <a:ext uri="{909E8E84-426E-40DD-AFC4-6F175D3DCCD1}">
+              <a14:hiddenFill xmlns:a14="http://schemas.microsoft.com/office/drawing/2010/main">
+                <a:solidFill>
+                  <a:srgbClr val="FFFFFF"/>
+                </a:solidFill>
+              </a14:hiddenFill>
+            </a:ext>
+          </a:extLst>
         </p:spPr>
       </p:pic>
     </p:spTree>
@@ -3937,7 +5369,7 @@
 </p:sld>
 </file>
 
-<file path=ppt/slides/slide6.xml><?xml version="1.0" encoding="utf-8"?>
+<file path=ppt/slides/slide7.xml><?xml version="1.0" encoding="utf-8"?>
 <p:sld xmlns:a="http://schemas.openxmlformats.org/drawingml/2006/main" xmlns:r="http://schemas.openxmlformats.org/officeDocument/2006/relationships" xmlns:p="http://schemas.openxmlformats.org/presentationml/2006/main">
   <p:cSld>
     <p:spTree>
@@ -3990,7 +5422,7 @@
 </p:sld>
 </file>
 
-<file path=ppt/slides/slide7.xml><?xml version="1.0" encoding="utf-8"?>
+<file path=ppt/slides/slide8.xml><?xml version="1.0" encoding="utf-8"?>
 <p:sld xmlns:a="http://schemas.openxmlformats.org/drawingml/2006/main" xmlns:r="http://schemas.openxmlformats.org/officeDocument/2006/relationships" xmlns:p="http://schemas.openxmlformats.org/presentationml/2006/main">
   <p:cSld>
     <p:spTree>
@@ -4016,7 +5448,7 @@
           <p:nvPr/>
         </p:nvPicPr>
         <p:blipFill rotWithShape="1">
-          <a:blip r:embed="rId3"/>
+          <a:blip r:embed="rId2"/>
           <a:srcRect l="5289" t="2379" r="14232" b="3112"/>
           <a:stretch/>
         </p:blipFill>
@@ -4028,6 +5460,252 @@
           <a:prstGeom prst="rect">
             <a:avLst/>
           </a:prstGeom>
+        </p:spPr>
+      </p:pic>
+      <p:pic>
+        <p:nvPicPr>
+          <p:cNvPr id="8198" name="Chart 2"/>
+          <p:cNvPicPr>
+            <a:picLocks noChangeArrowheads="1"/>
+          </p:cNvPicPr>
+          <p:nvPr/>
+        </p:nvPicPr>
+        <p:blipFill>
+          <a:blip r:embed="rId3">
+            <a:extLst>
+              <a:ext uri="{28A0092B-C50C-407E-A947-70E740481C1C}">
+                <a14:useLocalDpi xmlns:a14="http://schemas.microsoft.com/office/drawing/2010/main" val="0"/>
+              </a:ext>
+            </a:extLst>
+          </a:blip>
+          <a:srcRect/>
+          <a:stretch>
+            <a:fillRect/>
+          </a:stretch>
+        </p:blipFill>
+        <p:spPr bwMode="auto">
+          <a:xfrm>
+            <a:off x="673100" y="76200"/>
+            <a:ext cx="5486400" cy="1828800"/>
+          </a:xfrm>
+          <a:prstGeom prst="rect">
+            <a:avLst/>
+          </a:prstGeom>
+          <a:noFill/>
+          <a:extLst>
+            <a:ext uri="{909E8E84-426E-40DD-AFC4-6F175D3DCCD1}">
+              <a14:hiddenFill xmlns:a14="http://schemas.microsoft.com/office/drawing/2010/main">
+                <a:solidFill>
+                  <a:srgbClr val="FFFFFF"/>
+                </a:solidFill>
+              </a14:hiddenFill>
+            </a:ext>
+          </a:extLst>
+        </p:spPr>
+      </p:pic>
+      <p:pic>
+        <p:nvPicPr>
+          <p:cNvPr id="8197" name="TextBox 3"/>
+          <p:cNvPicPr>
+            <a:picLocks noChangeArrowheads="1"/>
+          </p:cNvPicPr>
+          <p:nvPr/>
+        </p:nvPicPr>
+        <p:blipFill>
+          <a:blip r:embed="rId4">
+            <a:extLst>
+              <a:ext uri="{28A0092B-C50C-407E-A947-70E740481C1C}">
+                <a14:useLocalDpi xmlns:a14="http://schemas.microsoft.com/office/drawing/2010/main" val="0"/>
+              </a:ext>
+            </a:extLst>
+          </a:blip>
+          <a:srcRect/>
+          <a:stretch>
+            <a:fillRect/>
+          </a:stretch>
+        </p:blipFill>
+        <p:spPr bwMode="auto">
+          <a:xfrm>
+            <a:off x="1320800" y="38100"/>
+            <a:ext cx="4673600" cy="254000"/>
+          </a:xfrm>
+          <a:prstGeom prst="rect">
+            <a:avLst/>
+          </a:prstGeom>
+          <a:noFill/>
+          <a:extLst>
+            <a:ext uri="{909E8E84-426E-40DD-AFC4-6F175D3DCCD1}">
+              <a14:hiddenFill xmlns:a14="http://schemas.microsoft.com/office/drawing/2010/main">
+                <a:solidFill>
+                  <a:srgbClr val="FFFFFF"/>
+                </a:solidFill>
+              </a14:hiddenFill>
+            </a:ext>
+          </a:extLst>
+        </p:spPr>
+      </p:pic>
+      <p:pic>
+        <p:nvPicPr>
+          <p:cNvPr id="8196" name="Chart 4"/>
+          <p:cNvPicPr>
+            <a:picLocks noChangeArrowheads="1"/>
+          </p:cNvPicPr>
+          <p:nvPr/>
+        </p:nvPicPr>
+        <p:blipFill>
+          <a:blip r:embed="rId5">
+            <a:extLst>
+              <a:ext uri="{28A0092B-C50C-407E-A947-70E740481C1C}">
+                <a14:useLocalDpi xmlns:a14="http://schemas.microsoft.com/office/drawing/2010/main" val="0"/>
+              </a:ext>
+            </a:extLst>
+          </a:blip>
+          <a:srcRect/>
+          <a:stretch>
+            <a:fillRect/>
+          </a:stretch>
+        </p:blipFill>
+        <p:spPr bwMode="auto">
+          <a:xfrm>
+            <a:off x="673100" y="1905000"/>
+            <a:ext cx="5486400" cy="1828800"/>
+          </a:xfrm>
+          <a:prstGeom prst="rect">
+            <a:avLst/>
+          </a:prstGeom>
+          <a:noFill/>
+          <a:extLst>
+            <a:ext uri="{909E8E84-426E-40DD-AFC4-6F175D3DCCD1}">
+              <a14:hiddenFill xmlns:a14="http://schemas.microsoft.com/office/drawing/2010/main">
+                <a:solidFill>
+                  <a:srgbClr val="FFFFFF"/>
+                </a:solidFill>
+              </a14:hiddenFill>
+            </a:ext>
+          </a:extLst>
+        </p:spPr>
+      </p:pic>
+      <p:pic>
+        <p:nvPicPr>
+          <p:cNvPr id="8195" name="Chart 5"/>
+          <p:cNvPicPr>
+            <a:picLocks noChangeArrowheads="1"/>
+          </p:cNvPicPr>
+          <p:nvPr/>
+        </p:nvPicPr>
+        <p:blipFill>
+          <a:blip r:embed="rId6">
+            <a:extLst>
+              <a:ext uri="{28A0092B-C50C-407E-A947-70E740481C1C}">
+                <a14:useLocalDpi xmlns:a14="http://schemas.microsoft.com/office/drawing/2010/main" val="0"/>
+              </a:ext>
+            </a:extLst>
+          </a:blip>
+          <a:srcRect/>
+          <a:stretch>
+            <a:fillRect/>
+          </a:stretch>
+        </p:blipFill>
+        <p:spPr bwMode="auto">
+          <a:xfrm>
+            <a:off x="673100" y="3721100"/>
+            <a:ext cx="5486400" cy="1828800"/>
+          </a:xfrm>
+          <a:prstGeom prst="rect">
+            <a:avLst/>
+          </a:prstGeom>
+          <a:noFill/>
+          <a:extLst>
+            <a:ext uri="{909E8E84-426E-40DD-AFC4-6F175D3DCCD1}">
+              <a14:hiddenFill xmlns:a14="http://schemas.microsoft.com/office/drawing/2010/main">
+                <a:solidFill>
+                  <a:srgbClr val="FFFFFF"/>
+                </a:solidFill>
+              </a14:hiddenFill>
+            </a:ext>
+          </a:extLst>
+        </p:spPr>
+      </p:pic>
+      <p:pic>
+        <p:nvPicPr>
+          <p:cNvPr id="8194" name="TextBox 6"/>
+          <p:cNvPicPr>
+            <a:picLocks noChangeArrowheads="1"/>
+          </p:cNvPicPr>
+          <p:nvPr/>
+        </p:nvPicPr>
+        <p:blipFill>
+          <a:blip r:embed="rId7">
+            <a:extLst>
+              <a:ext uri="{28A0092B-C50C-407E-A947-70E740481C1C}">
+                <a14:useLocalDpi xmlns:a14="http://schemas.microsoft.com/office/drawing/2010/main" val="0"/>
+              </a:ext>
+            </a:extLst>
+          </a:blip>
+          <a:srcRect/>
+          <a:stretch>
+            <a:fillRect/>
+          </a:stretch>
+        </p:blipFill>
+        <p:spPr bwMode="auto">
+          <a:xfrm>
+            <a:off x="1346200" y="1841500"/>
+            <a:ext cx="4648200" cy="266700"/>
+          </a:xfrm>
+          <a:prstGeom prst="rect">
+            <a:avLst/>
+          </a:prstGeom>
+          <a:noFill/>
+          <a:extLst>
+            <a:ext uri="{909E8E84-426E-40DD-AFC4-6F175D3DCCD1}">
+              <a14:hiddenFill xmlns:a14="http://schemas.microsoft.com/office/drawing/2010/main">
+                <a:solidFill>
+                  <a:srgbClr val="FFFFFF"/>
+                </a:solidFill>
+              </a14:hiddenFill>
+            </a:ext>
+          </a:extLst>
+        </p:spPr>
+      </p:pic>
+      <p:pic>
+        <p:nvPicPr>
+          <p:cNvPr id="8193" name="TextBox 7"/>
+          <p:cNvPicPr>
+            <a:picLocks noChangeArrowheads="1"/>
+          </p:cNvPicPr>
+          <p:nvPr/>
+        </p:nvPicPr>
+        <p:blipFill>
+          <a:blip r:embed="rId8">
+            <a:extLst>
+              <a:ext uri="{28A0092B-C50C-407E-A947-70E740481C1C}">
+                <a14:useLocalDpi xmlns:a14="http://schemas.microsoft.com/office/drawing/2010/main" val="0"/>
+              </a:ext>
+            </a:extLst>
+          </a:blip>
+          <a:srcRect/>
+          <a:stretch>
+            <a:fillRect/>
+          </a:stretch>
+        </p:blipFill>
+        <p:spPr bwMode="auto">
+          <a:xfrm>
+            <a:off x="1371600" y="3657600"/>
+            <a:ext cx="4635500" cy="254000"/>
+          </a:xfrm>
+          <a:prstGeom prst="rect">
+            <a:avLst/>
+          </a:prstGeom>
+          <a:noFill/>
+          <a:extLst>
+            <a:ext uri="{909E8E84-426E-40DD-AFC4-6F175D3DCCD1}">
+              <a14:hiddenFill xmlns:a14="http://schemas.microsoft.com/office/drawing/2010/main">
+                <a:solidFill>
+                  <a:srgbClr val="FFFFFF"/>
+                </a:solidFill>
+              </a14:hiddenFill>
+            </a:ext>
+          </a:extLst>
         </p:spPr>
       </p:pic>
     </p:spTree>
@@ -4043,7 +5721,7 @@
 </p:sld>
 </file>
 
-<file path=ppt/slides/slide8.xml><?xml version="1.0" encoding="utf-8"?>
+<file path=ppt/slides/slide9.xml><?xml version="1.0" encoding="utf-8"?>
 <p:sld xmlns:a="http://schemas.openxmlformats.org/drawingml/2006/main" xmlns:r="http://schemas.openxmlformats.org/officeDocument/2006/relationships" xmlns:p="http://schemas.openxmlformats.org/presentationml/2006/main">
   <p:cSld>
     <p:spTree>

--- a/FXLeibility.Matlab/Experiment/Original/Figure.pptx
+++ b/FXLeibility.Matlab/Experiment/Original/Figure.pptx
@@ -8,12 +8,18 @@
     <p:sldId id="256" r:id="rId2"/>
     <p:sldId id="264" r:id="rId3"/>
     <p:sldId id="257" r:id="rId4"/>
-    <p:sldId id="258" r:id="rId5"/>
-    <p:sldId id="259" r:id="rId6"/>
-    <p:sldId id="260" r:id="rId7"/>
-    <p:sldId id="261" r:id="rId8"/>
-    <p:sldId id="262" r:id="rId9"/>
-    <p:sldId id="263" r:id="rId10"/>
+    <p:sldId id="265" r:id="rId5"/>
+    <p:sldId id="266" r:id="rId6"/>
+    <p:sldId id="267" r:id="rId7"/>
+    <p:sldId id="268" r:id="rId8"/>
+    <p:sldId id="269" r:id="rId9"/>
+    <p:sldId id="270" r:id="rId10"/>
+    <p:sldId id="258" r:id="rId11"/>
+    <p:sldId id="259" r:id="rId12"/>
+    <p:sldId id="260" r:id="rId13"/>
+    <p:sldId id="261" r:id="rId14"/>
+    <p:sldId id="262" r:id="rId15"/>
+    <p:sldId id="263" r:id="rId16"/>
   </p:sldIdLst>
   <p:sldSz cx="12192000" cy="6858000"/>
   <p:notesSz cx="6858000" cy="9144000"/>
@@ -3694,6 +3700,1073 @@
 </p:sld>
 </file>
 
+<file path=ppt/slides/slide10.xml><?xml version="1.0" encoding="utf-8"?>
+<p:sld xmlns:a="http://schemas.openxmlformats.org/drawingml/2006/main" xmlns:r="http://schemas.openxmlformats.org/officeDocument/2006/relationships" xmlns:p="http://schemas.openxmlformats.org/presentationml/2006/main">
+  <p:cSld>
+    <p:spTree>
+      <p:nvGrpSpPr>
+        <p:cNvPr id="1" name=""/>
+        <p:cNvGrpSpPr/>
+        <p:nvPr/>
+      </p:nvGrpSpPr>
+      <p:grpSpPr>
+        <a:xfrm>
+          <a:off x="0" y="0"/>
+          <a:ext cx="0" cy="0"/>
+          <a:chOff x="0" y="0"/>
+          <a:chExt cx="0" cy="0"/>
+        </a:xfrm>
+      </p:grpSpPr>
+      <p:pic>
+        <p:nvPicPr>
+          <p:cNvPr id="11" name="Picture 10"/>
+          <p:cNvPicPr>
+            <a:picLocks noChangeAspect="1"/>
+          </p:cNvPicPr>
+          <p:nvPr/>
+        </p:nvPicPr>
+        <p:blipFill rotWithShape="1">
+          <a:blip r:embed="rId2"/>
+          <a:srcRect r="8182" b="2483"/>
+          <a:stretch/>
+        </p:blipFill>
+        <p:spPr>
+          <a:xfrm>
+            <a:off x="-105021" y="17182"/>
+            <a:ext cx="4842121" cy="6687671"/>
+          </a:xfrm>
+          <a:prstGeom prst="rect">
+            <a:avLst/>
+          </a:prstGeom>
+        </p:spPr>
+      </p:pic>
+      <p:pic>
+        <p:nvPicPr>
+          <p:cNvPr id="12" name="Picture 11"/>
+          <p:cNvPicPr>
+            <a:picLocks noChangeAspect="1"/>
+          </p:cNvPicPr>
+          <p:nvPr/>
+        </p:nvPicPr>
+        <p:blipFill rotWithShape="1">
+          <a:blip r:embed="rId3"/>
+          <a:srcRect l="7743" r="11084" b="2788"/>
+          <a:stretch/>
+        </p:blipFill>
+        <p:spPr>
+          <a:xfrm>
+            <a:off x="6261100" y="38100"/>
+            <a:ext cx="4890994" cy="6666753"/>
+          </a:xfrm>
+          <a:prstGeom prst="rect">
+            <a:avLst/>
+          </a:prstGeom>
+        </p:spPr>
+      </p:pic>
+      <p:pic>
+        <p:nvPicPr>
+          <p:cNvPr id="4104" name="Chart 2"/>
+          <p:cNvPicPr>
+            <a:picLocks noChangeArrowheads="1"/>
+          </p:cNvPicPr>
+          <p:nvPr/>
+        </p:nvPicPr>
+        <p:blipFill>
+          <a:blip r:embed="rId4">
+            <a:extLst>
+              <a:ext uri="{28A0092B-C50C-407E-A947-70E740481C1C}">
+                <a14:useLocalDpi xmlns:a14="http://schemas.microsoft.com/office/drawing/2010/main" val="0"/>
+              </a:ext>
+            </a:extLst>
+          </a:blip>
+          <a:srcRect/>
+          <a:stretch>
+            <a:fillRect/>
+          </a:stretch>
+        </p:blipFill>
+        <p:spPr bwMode="auto">
+          <a:xfrm>
+            <a:off x="101600" y="88900"/>
+            <a:ext cx="5486400" cy="1828800"/>
+          </a:xfrm>
+          <a:prstGeom prst="rect">
+            <a:avLst/>
+          </a:prstGeom>
+          <a:noFill/>
+          <a:extLst>
+            <a:ext uri="{909E8E84-426E-40DD-AFC4-6F175D3DCCD1}">
+              <a14:hiddenFill xmlns:a14="http://schemas.microsoft.com/office/drawing/2010/main">
+                <a:solidFill>
+                  <a:srgbClr val="FFFFFF"/>
+                </a:solidFill>
+              </a14:hiddenFill>
+            </a:ext>
+          </a:extLst>
+        </p:spPr>
+      </p:pic>
+      <p:pic>
+        <p:nvPicPr>
+          <p:cNvPr id="4103" name="Chart 4"/>
+          <p:cNvPicPr>
+            <a:picLocks noChangeArrowheads="1"/>
+          </p:cNvPicPr>
+          <p:nvPr/>
+        </p:nvPicPr>
+        <p:blipFill>
+          <a:blip r:embed="rId5">
+            <a:extLst>
+              <a:ext uri="{28A0092B-C50C-407E-A947-70E740481C1C}">
+                <a14:useLocalDpi xmlns:a14="http://schemas.microsoft.com/office/drawing/2010/main" val="0"/>
+              </a:ext>
+            </a:extLst>
+          </a:blip>
+          <a:srcRect/>
+          <a:stretch>
+            <a:fillRect/>
+          </a:stretch>
+        </p:blipFill>
+        <p:spPr bwMode="auto">
+          <a:xfrm>
+            <a:off x="114300" y="1854200"/>
+            <a:ext cx="5486400" cy="1828800"/>
+          </a:xfrm>
+          <a:prstGeom prst="rect">
+            <a:avLst/>
+          </a:prstGeom>
+          <a:noFill/>
+          <a:extLst>
+            <a:ext uri="{909E8E84-426E-40DD-AFC4-6F175D3DCCD1}">
+              <a14:hiddenFill xmlns:a14="http://schemas.microsoft.com/office/drawing/2010/main">
+                <a:solidFill>
+                  <a:srgbClr val="FFFFFF"/>
+                </a:solidFill>
+              </a14:hiddenFill>
+            </a:ext>
+          </a:extLst>
+        </p:spPr>
+      </p:pic>
+      <p:pic>
+        <p:nvPicPr>
+          <p:cNvPr id="4102" name="Chart 5"/>
+          <p:cNvPicPr>
+            <a:picLocks noChangeArrowheads="1"/>
+          </p:cNvPicPr>
+          <p:nvPr/>
+        </p:nvPicPr>
+        <p:blipFill>
+          <a:blip r:embed="rId6">
+            <a:extLst>
+              <a:ext uri="{28A0092B-C50C-407E-A947-70E740481C1C}">
+                <a14:useLocalDpi xmlns:a14="http://schemas.microsoft.com/office/drawing/2010/main" val="0"/>
+              </a:ext>
+            </a:extLst>
+          </a:blip>
+          <a:srcRect/>
+          <a:stretch>
+            <a:fillRect/>
+          </a:stretch>
+        </p:blipFill>
+        <p:spPr bwMode="auto">
+          <a:xfrm>
+            <a:off x="114300" y="3606800"/>
+            <a:ext cx="5486400" cy="1828800"/>
+          </a:xfrm>
+          <a:prstGeom prst="rect">
+            <a:avLst/>
+          </a:prstGeom>
+          <a:noFill/>
+          <a:extLst>
+            <a:ext uri="{909E8E84-426E-40DD-AFC4-6F175D3DCCD1}">
+              <a14:hiddenFill xmlns:a14="http://schemas.microsoft.com/office/drawing/2010/main">
+                <a:solidFill>
+                  <a:srgbClr val="FFFFFF"/>
+                </a:solidFill>
+              </a14:hiddenFill>
+            </a:ext>
+          </a:extLst>
+        </p:spPr>
+      </p:pic>
+      <p:pic>
+        <p:nvPicPr>
+          <p:cNvPr id="4101" name="Chart 6"/>
+          <p:cNvPicPr>
+            <a:picLocks noChangeArrowheads="1"/>
+          </p:cNvPicPr>
+          <p:nvPr/>
+        </p:nvPicPr>
+        <p:blipFill>
+          <a:blip r:embed="rId7">
+            <a:extLst>
+              <a:ext uri="{28A0092B-C50C-407E-A947-70E740481C1C}">
+                <a14:useLocalDpi xmlns:a14="http://schemas.microsoft.com/office/drawing/2010/main" val="0"/>
+              </a:ext>
+            </a:extLst>
+          </a:blip>
+          <a:srcRect/>
+          <a:stretch>
+            <a:fillRect/>
+          </a:stretch>
+        </p:blipFill>
+        <p:spPr bwMode="auto">
+          <a:xfrm>
+            <a:off x="114300" y="5359400"/>
+            <a:ext cx="5486400" cy="1828800"/>
+          </a:xfrm>
+          <a:prstGeom prst="rect">
+            <a:avLst/>
+          </a:prstGeom>
+          <a:noFill/>
+          <a:extLst>
+            <a:ext uri="{909E8E84-426E-40DD-AFC4-6F175D3DCCD1}">
+              <a14:hiddenFill xmlns:a14="http://schemas.microsoft.com/office/drawing/2010/main">
+                <a:solidFill>
+                  <a:srgbClr val="FFFFFF"/>
+                </a:solidFill>
+              </a14:hiddenFill>
+            </a:ext>
+          </a:extLst>
+        </p:spPr>
+      </p:pic>
+      <p:pic>
+        <p:nvPicPr>
+          <p:cNvPr id="4100" name="TextBox 7"/>
+          <p:cNvPicPr>
+            <a:picLocks noChangeArrowheads="1"/>
+          </p:cNvPicPr>
+          <p:nvPr/>
+        </p:nvPicPr>
+        <p:blipFill>
+          <a:blip r:embed="rId8">
+            <a:extLst>
+              <a:ext uri="{28A0092B-C50C-407E-A947-70E740481C1C}">
+                <a14:useLocalDpi xmlns:a14="http://schemas.microsoft.com/office/drawing/2010/main" val="0"/>
+              </a:ext>
+            </a:extLst>
+          </a:blip>
+          <a:srcRect/>
+          <a:stretch>
+            <a:fillRect/>
+          </a:stretch>
+        </p:blipFill>
+        <p:spPr bwMode="auto">
+          <a:xfrm>
+            <a:off x="800100" y="38100"/>
+            <a:ext cx="3911600" cy="279400"/>
+          </a:xfrm>
+          <a:prstGeom prst="rect">
+            <a:avLst/>
+          </a:prstGeom>
+          <a:noFill/>
+          <a:extLst>
+            <a:ext uri="{909E8E84-426E-40DD-AFC4-6F175D3DCCD1}">
+              <a14:hiddenFill xmlns:a14="http://schemas.microsoft.com/office/drawing/2010/main">
+                <a:solidFill>
+                  <a:srgbClr val="FFFFFF"/>
+                </a:solidFill>
+              </a14:hiddenFill>
+            </a:ext>
+          </a:extLst>
+        </p:spPr>
+      </p:pic>
+      <p:pic>
+        <p:nvPicPr>
+          <p:cNvPr id="4099" name="TextBox 8"/>
+          <p:cNvPicPr>
+            <a:picLocks noChangeArrowheads="1"/>
+          </p:cNvPicPr>
+          <p:nvPr/>
+        </p:nvPicPr>
+        <p:blipFill>
+          <a:blip r:embed="rId9">
+            <a:extLst>
+              <a:ext uri="{28A0092B-C50C-407E-A947-70E740481C1C}">
+                <a14:useLocalDpi xmlns:a14="http://schemas.microsoft.com/office/drawing/2010/main" val="0"/>
+              </a:ext>
+            </a:extLst>
+          </a:blip>
+          <a:srcRect/>
+          <a:stretch>
+            <a:fillRect/>
+          </a:stretch>
+        </p:blipFill>
+        <p:spPr bwMode="auto">
+          <a:xfrm>
+            <a:off x="787400" y="1778000"/>
+            <a:ext cx="3949700" cy="355600"/>
+          </a:xfrm>
+          <a:prstGeom prst="rect">
+            <a:avLst/>
+          </a:prstGeom>
+          <a:noFill/>
+          <a:extLst>
+            <a:ext uri="{909E8E84-426E-40DD-AFC4-6F175D3DCCD1}">
+              <a14:hiddenFill xmlns:a14="http://schemas.microsoft.com/office/drawing/2010/main">
+                <a:solidFill>
+                  <a:srgbClr val="FFFFFF"/>
+                </a:solidFill>
+              </a14:hiddenFill>
+            </a:ext>
+          </a:extLst>
+        </p:spPr>
+      </p:pic>
+      <p:pic>
+        <p:nvPicPr>
+          <p:cNvPr id="4098" name="TextBox 9"/>
+          <p:cNvPicPr>
+            <a:picLocks noChangeArrowheads="1"/>
+          </p:cNvPicPr>
+          <p:nvPr/>
+        </p:nvPicPr>
+        <p:blipFill>
+          <a:blip r:embed="rId10">
+            <a:extLst>
+              <a:ext uri="{28A0092B-C50C-407E-A947-70E740481C1C}">
+                <a14:useLocalDpi xmlns:a14="http://schemas.microsoft.com/office/drawing/2010/main" val="0"/>
+              </a:ext>
+            </a:extLst>
+          </a:blip>
+          <a:srcRect/>
+          <a:stretch>
+            <a:fillRect/>
+          </a:stretch>
+        </p:blipFill>
+        <p:spPr bwMode="auto">
+          <a:xfrm>
+            <a:off x="787400" y="3543300"/>
+            <a:ext cx="3949700" cy="355600"/>
+          </a:xfrm>
+          <a:prstGeom prst="rect">
+            <a:avLst/>
+          </a:prstGeom>
+          <a:noFill/>
+          <a:extLst>
+            <a:ext uri="{909E8E84-426E-40DD-AFC4-6F175D3DCCD1}">
+              <a14:hiddenFill xmlns:a14="http://schemas.microsoft.com/office/drawing/2010/main">
+                <a:solidFill>
+                  <a:srgbClr val="FFFFFF"/>
+                </a:solidFill>
+              </a14:hiddenFill>
+            </a:ext>
+          </a:extLst>
+        </p:spPr>
+      </p:pic>
+      <p:pic>
+        <p:nvPicPr>
+          <p:cNvPr id="4097" name="TextBox 10"/>
+          <p:cNvPicPr>
+            <a:picLocks noChangeArrowheads="1"/>
+          </p:cNvPicPr>
+          <p:nvPr/>
+        </p:nvPicPr>
+        <p:blipFill>
+          <a:blip r:embed="rId11">
+            <a:extLst>
+              <a:ext uri="{28A0092B-C50C-407E-A947-70E740481C1C}">
+                <a14:useLocalDpi xmlns:a14="http://schemas.microsoft.com/office/drawing/2010/main" val="0"/>
+              </a:ext>
+            </a:extLst>
+          </a:blip>
+          <a:srcRect/>
+          <a:stretch>
+            <a:fillRect/>
+          </a:stretch>
+        </p:blipFill>
+        <p:spPr bwMode="auto">
+          <a:xfrm>
+            <a:off x="800100" y="5270500"/>
+            <a:ext cx="3937000" cy="355600"/>
+          </a:xfrm>
+          <a:prstGeom prst="rect">
+            <a:avLst/>
+          </a:prstGeom>
+          <a:noFill/>
+          <a:extLst>
+            <a:ext uri="{909E8E84-426E-40DD-AFC4-6F175D3DCCD1}">
+              <a14:hiddenFill xmlns:a14="http://schemas.microsoft.com/office/drawing/2010/main">
+                <a:solidFill>
+                  <a:srgbClr val="FFFFFF"/>
+                </a:solidFill>
+              </a14:hiddenFill>
+            </a:ext>
+          </a:extLst>
+        </p:spPr>
+      </p:pic>
+    </p:spTree>
+    <p:extLst>
+      <p:ext uri="{BB962C8B-B14F-4D97-AF65-F5344CB8AC3E}">
+        <p14:creationId xmlns:p14="http://schemas.microsoft.com/office/powerpoint/2010/main" val="1924374681"/>
+      </p:ext>
+    </p:extLst>
+  </p:cSld>
+  <p:clrMapOvr>
+    <a:masterClrMapping/>
+  </p:clrMapOvr>
+</p:sld>
+</file>
+
+<file path=ppt/slides/slide11.xml><?xml version="1.0" encoding="utf-8"?>
+<p:sld xmlns:a="http://schemas.openxmlformats.org/drawingml/2006/main" xmlns:r="http://schemas.openxmlformats.org/officeDocument/2006/relationships" xmlns:p="http://schemas.openxmlformats.org/presentationml/2006/main">
+  <p:cSld>
+    <p:spTree>
+      <p:nvGrpSpPr>
+        <p:cNvPr id="1" name=""/>
+        <p:cNvGrpSpPr/>
+        <p:nvPr/>
+      </p:nvGrpSpPr>
+      <p:grpSpPr>
+        <a:xfrm>
+          <a:off x="0" y="0"/>
+          <a:ext cx="0" cy="0"/>
+          <a:chOff x="0" y="0"/>
+          <a:chExt cx="0" cy="0"/>
+        </a:xfrm>
+      </p:grpSpPr>
+      <p:pic>
+        <p:nvPicPr>
+          <p:cNvPr id="2" name="Picture 1"/>
+          <p:cNvPicPr>
+            <a:picLocks noChangeAspect="1"/>
+          </p:cNvPicPr>
+          <p:nvPr/>
+        </p:nvPicPr>
+        <p:blipFill>
+          <a:blip r:embed="rId2"/>
+          <a:stretch>
+            <a:fillRect/>
+          </a:stretch>
+        </p:blipFill>
+        <p:spPr>
+          <a:xfrm>
+            <a:off x="0" y="0"/>
+            <a:ext cx="5273605" cy="6858000"/>
+          </a:xfrm>
+          <a:prstGeom prst="rect">
+            <a:avLst/>
+          </a:prstGeom>
+        </p:spPr>
+      </p:pic>
+      <p:pic>
+        <p:nvPicPr>
+          <p:cNvPr id="6" name="Picture 5"/>
+          <p:cNvPicPr>
+            <a:picLocks noChangeAspect="1"/>
+          </p:cNvPicPr>
+          <p:nvPr/>
+        </p:nvPicPr>
+        <p:blipFill rotWithShape="1">
+          <a:blip r:embed="rId3"/>
+          <a:srcRect l="4214" r="16078" b="3790"/>
+          <a:stretch/>
+        </p:blipFill>
+        <p:spPr>
+          <a:xfrm>
+            <a:off x="5273605" y="1"/>
+            <a:ext cx="4802724" cy="6598024"/>
+          </a:xfrm>
+          <a:prstGeom prst="rect">
+            <a:avLst/>
+          </a:prstGeom>
+        </p:spPr>
+      </p:pic>
+    </p:spTree>
+    <p:extLst>
+      <p:ext uri="{BB962C8B-B14F-4D97-AF65-F5344CB8AC3E}">
+        <p14:creationId xmlns:p14="http://schemas.microsoft.com/office/powerpoint/2010/main" val="1869810635"/>
+      </p:ext>
+    </p:extLst>
+  </p:cSld>
+  <p:clrMapOvr>
+    <a:masterClrMapping/>
+  </p:clrMapOvr>
+</p:sld>
+</file>
+
+<file path=ppt/slides/slide12.xml><?xml version="1.0" encoding="utf-8"?>
+<p:sld xmlns:a="http://schemas.openxmlformats.org/drawingml/2006/main" xmlns:r="http://schemas.openxmlformats.org/officeDocument/2006/relationships" xmlns:p="http://schemas.openxmlformats.org/presentationml/2006/main">
+  <p:cSld>
+    <p:spTree>
+      <p:nvGrpSpPr>
+        <p:cNvPr id="1" name=""/>
+        <p:cNvGrpSpPr/>
+        <p:nvPr/>
+      </p:nvGrpSpPr>
+      <p:grpSpPr>
+        <a:xfrm>
+          <a:off x="0" y="0"/>
+          <a:ext cx="0" cy="0"/>
+          <a:chOff x="0" y="0"/>
+          <a:chExt cx="0" cy="0"/>
+        </a:xfrm>
+      </p:grpSpPr>
+      <p:pic>
+        <p:nvPicPr>
+          <p:cNvPr id="12" name="Picture 11"/>
+          <p:cNvPicPr>
+            <a:picLocks noChangeAspect="1"/>
+          </p:cNvPicPr>
+          <p:nvPr/>
+        </p:nvPicPr>
+        <p:blipFill rotWithShape="1">
+          <a:blip r:embed="rId2"/>
+          <a:srcRect l="2687" r="16078" b="2483"/>
+          <a:stretch/>
+        </p:blipFill>
+        <p:spPr>
+          <a:xfrm>
+            <a:off x="3245224" y="0"/>
+            <a:ext cx="4894730" cy="6687671"/>
+          </a:xfrm>
+          <a:prstGeom prst="rect">
+            <a:avLst/>
+          </a:prstGeom>
+        </p:spPr>
+      </p:pic>
+      <p:pic>
+        <p:nvPicPr>
+          <p:cNvPr id="6152" name="Chart 2"/>
+          <p:cNvPicPr>
+            <a:picLocks noChangeArrowheads="1"/>
+          </p:cNvPicPr>
+          <p:nvPr/>
+        </p:nvPicPr>
+        <p:blipFill>
+          <a:blip r:embed="rId3">
+            <a:extLst>
+              <a:ext uri="{28A0092B-C50C-407E-A947-70E740481C1C}">
+                <a14:useLocalDpi xmlns:a14="http://schemas.microsoft.com/office/drawing/2010/main" val="0"/>
+              </a:ext>
+            </a:extLst>
+          </a:blip>
+          <a:srcRect/>
+          <a:stretch>
+            <a:fillRect/>
+          </a:stretch>
+        </p:blipFill>
+        <p:spPr bwMode="auto">
+          <a:xfrm>
+            <a:off x="114300" y="88900"/>
+            <a:ext cx="5486400" cy="1828800"/>
+          </a:xfrm>
+          <a:prstGeom prst="rect">
+            <a:avLst/>
+          </a:prstGeom>
+          <a:noFill/>
+          <a:extLst>
+            <a:ext uri="{909E8E84-426E-40DD-AFC4-6F175D3DCCD1}">
+              <a14:hiddenFill xmlns:a14="http://schemas.microsoft.com/office/drawing/2010/main">
+                <a:solidFill>
+                  <a:srgbClr val="FFFFFF"/>
+                </a:solidFill>
+              </a14:hiddenFill>
+            </a:ext>
+          </a:extLst>
+        </p:spPr>
+      </p:pic>
+      <p:pic>
+        <p:nvPicPr>
+          <p:cNvPr id="6151" name="TextBox 7"/>
+          <p:cNvPicPr>
+            <a:picLocks noChangeArrowheads="1"/>
+          </p:cNvPicPr>
+          <p:nvPr/>
+        </p:nvPicPr>
+        <p:blipFill>
+          <a:blip r:embed="rId4">
+            <a:extLst>
+              <a:ext uri="{28A0092B-C50C-407E-A947-70E740481C1C}">
+                <a14:useLocalDpi xmlns:a14="http://schemas.microsoft.com/office/drawing/2010/main" val="0"/>
+              </a:ext>
+            </a:extLst>
+          </a:blip>
+          <a:srcRect/>
+          <a:stretch>
+            <a:fillRect/>
+          </a:stretch>
+        </p:blipFill>
+        <p:spPr bwMode="auto">
+          <a:xfrm>
+            <a:off x="800100" y="38100"/>
+            <a:ext cx="3911600" cy="279400"/>
+          </a:xfrm>
+          <a:prstGeom prst="rect">
+            <a:avLst/>
+          </a:prstGeom>
+          <a:noFill/>
+          <a:extLst>
+            <a:ext uri="{909E8E84-426E-40DD-AFC4-6F175D3DCCD1}">
+              <a14:hiddenFill xmlns:a14="http://schemas.microsoft.com/office/drawing/2010/main">
+                <a:solidFill>
+                  <a:srgbClr val="FFFFFF"/>
+                </a:solidFill>
+              </a14:hiddenFill>
+            </a:ext>
+          </a:extLst>
+        </p:spPr>
+      </p:pic>
+      <p:pic>
+        <p:nvPicPr>
+          <p:cNvPr id="6150" name="Chart 4"/>
+          <p:cNvPicPr>
+            <a:picLocks noChangeArrowheads="1"/>
+          </p:cNvPicPr>
+          <p:nvPr/>
+        </p:nvPicPr>
+        <p:blipFill>
+          <a:blip r:embed="rId5">
+            <a:extLst>
+              <a:ext uri="{28A0092B-C50C-407E-A947-70E740481C1C}">
+                <a14:useLocalDpi xmlns:a14="http://schemas.microsoft.com/office/drawing/2010/main" val="0"/>
+              </a:ext>
+            </a:extLst>
+          </a:blip>
+          <a:srcRect/>
+          <a:stretch>
+            <a:fillRect/>
+          </a:stretch>
+        </p:blipFill>
+        <p:spPr bwMode="auto">
+          <a:xfrm>
+            <a:off x="114300" y="1854200"/>
+            <a:ext cx="5486400" cy="1828800"/>
+          </a:xfrm>
+          <a:prstGeom prst="rect">
+            <a:avLst/>
+          </a:prstGeom>
+          <a:noFill/>
+          <a:extLst>
+            <a:ext uri="{909E8E84-426E-40DD-AFC4-6F175D3DCCD1}">
+              <a14:hiddenFill xmlns:a14="http://schemas.microsoft.com/office/drawing/2010/main">
+                <a:solidFill>
+                  <a:srgbClr val="FFFFFF"/>
+                </a:solidFill>
+              </a14:hiddenFill>
+            </a:ext>
+          </a:extLst>
+        </p:spPr>
+      </p:pic>
+      <p:pic>
+        <p:nvPicPr>
+          <p:cNvPr id="6149" name="Chart 5"/>
+          <p:cNvPicPr>
+            <a:picLocks noChangeArrowheads="1"/>
+          </p:cNvPicPr>
+          <p:nvPr/>
+        </p:nvPicPr>
+        <p:blipFill>
+          <a:blip r:embed="rId6">
+            <a:extLst>
+              <a:ext uri="{28A0092B-C50C-407E-A947-70E740481C1C}">
+                <a14:useLocalDpi xmlns:a14="http://schemas.microsoft.com/office/drawing/2010/main" val="0"/>
+              </a:ext>
+            </a:extLst>
+          </a:blip>
+          <a:srcRect/>
+          <a:stretch>
+            <a:fillRect/>
+          </a:stretch>
+        </p:blipFill>
+        <p:spPr bwMode="auto">
+          <a:xfrm>
+            <a:off x="114300" y="3606800"/>
+            <a:ext cx="5486400" cy="1828800"/>
+          </a:xfrm>
+          <a:prstGeom prst="rect">
+            <a:avLst/>
+          </a:prstGeom>
+          <a:noFill/>
+          <a:extLst>
+            <a:ext uri="{909E8E84-426E-40DD-AFC4-6F175D3DCCD1}">
+              <a14:hiddenFill xmlns:a14="http://schemas.microsoft.com/office/drawing/2010/main">
+                <a:solidFill>
+                  <a:srgbClr val="FFFFFF"/>
+                </a:solidFill>
+              </a14:hiddenFill>
+            </a:ext>
+          </a:extLst>
+        </p:spPr>
+      </p:pic>
+      <p:pic>
+        <p:nvPicPr>
+          <p:cNvPr id="6148" name="Chart 6"/>
+          <p:cNvPicPr>
+            <a:picLocks noChangeArrowheads="1"/>
+          </p:cNvPicPr>
+          <p:nvPr/>
+        </p:nvPicPr>
+        <p:blipFill>
+          <a:blip r:embed="rId7">
+            <a:extLst>
+              <a:ext uri="{28A0092B-C50C-407E-A947-70E740481C1C}">
+                <a14:useLocalDpi xmlns:a14="http://schemas.microsoft.com/office/drawing/2010/main" val="0"/>
+              </a:ext>
+            </a:extLst>
+          </a:blip>
+          <a:srcRect/>
+          <a:stretch>
+            <a:fillRect/>
+          </a:stretch>
+        </p:blipFill>
+        <p:spPr bwMode="auto">
+          <a:xfrm>
+            <a:off x="114300" y="5359400"/>
+            <a:ext cx="5486400" cy="1828800"/>
+          </a:xfrm>
+          <a:prstGeom prst="rect">
+            <a:avLst/>
+          </a:prstGeom>
+          <a:noFill/>
+          <a:extLst>
+            <a:ext uri="{909E8E84-426E-40DD-AFC4-6F175D3DCCD1}">
+              <a14:hiddenFill xmlns:a14="http://schemas.microsoft.com/office/drawing/2010/main">
+                <a:solidFill>
+                  <a:srgbClr val="FFFFFF"/>
+                </a:solidFill>
+              </a14:hiddenFill>
+            </a:ext>
+          </a:extLst>
+        </p:spPr>
+      </p:pic>
+      <p:pic>
+        <p:nvPicPr>
+          <p:cNvPr id="6147" name="TextBox 8"/>
+          <p:cNvPicPr>
+            <a:picLocks noChangeArrowheads="1"/>
+          </p:cNvPicPr>
+          <p:nvPr/>
+        </p:nvPicPr>
+        <p:blipFill>
+          <a:blip r:embed="rId8">
+            <a:extLst>
+              <a:ext uri="{28A0092B-C50C-407E-A947-70E740481C1C}">
+                <a14:useLocalDpi xmlns:a14="http://schemas.microsoft.com/office/drawing/2010/main" val="0"/>
+              </a:ext>
+            </a:extLst>
+          </a:blip>
+          <a:srcRect/>
+          <a:stretch>
+            <a:fillRect/>
+          </a:stretch>
+        </p:blipFill>
+        <p:spPr bwMode="auto">
+          <a:xfrm>
+            <a:off x="787400" y="1778000"/>
+            <a:ext cx="3949700" cy="355600"/>
+          </a:xfrm>
+          <a:prstGeom prst="rect">
+            <a:avLst/>
+          </a:prstGeom>
+          <a:noFill/>
+          <a:extLst>
+            <a:ext uri="{909E8E84-426E-40DD-AFC4-6F175D3DCCD1}">
+              <a14:hiddenFill xmlns:a14="http://schemas.microsoft.com/office/drawing/2010/main">
+                <a:solidFill>
+                  <a:srgbClr val="FFFFFF"/>
+                </a:solidFill>
+              </a14:hiddenFill>
+            </a:ext>
+          </a:extLst>
+        </p:spPr>
+      </p:pic>
+      <p:pic>
+        <p:nvPicPr>
+          <p:cNvPr id="6146" name="TextBox 9"/>
+          <p:cNvPicPr>
+            <a:picLocks noChangeArrowheads="1"/>
+          </p:cNvPicPr>
+          <p:nvPr/>
+        </p:nvPicPr>
+        <p:blipFill>
+          <a:blip r:embed="rId9">
+            <a:extLst>
+              <a:ext uri="{28A0092B-C50C-407E-A947-70E740481C1C}">
+                <a14:useLocalDpi xmlns:a14="http://schemas.microsoft.com/office/drawing/2010/main" val="0"/>
+              </a:ext>
+            </a:extLst>
+          </a:blip>
+          <a:srcRect/>
+          <a:stretch>
+            <a:fillRect/>
+          </a:stretch>
+        </p:blipFill>
+        <p:spPr bwMode="auto">
+          <a:xfrm>
+            <a:off x="787400" y="3543300"/>
+            <a:ext cx="3949700" cy="355600"/>
+          </a:xfrm>
+          <a:prstGeom prst="rect">
+            <a:avLst/>
+          </a:prstGeom>
+          <a:noFill/>
+          <a:extLst>
+            <a:ext uri="{909E8E84-426E-40DD-AFC4-6F175D3DCCD1}">
+              <a14:hiddenFill xmlns:a14="http://schemas.microsoft.com/office/drawing/2010/main">
+                <a:solidFill>
+                  <a:srgbClr val="FFFFFF"/>
+                </a:solidFill>
+              </a14:hiddenFill>
+            </a:ext>
+          </a:extLst>
+        </p:spPr>
+      </p:pic>
+      <p:pic>
+        <p:nvPicPr>
+          <p:cNvPr id="6145" name="TextBox 10"/>
+          <p:cNvPicPr>
+            <a:picLocks noChangeArrowheads="1"/>
+          </p:cNvPicPr>
+          <p:nvPr/>
+        </p:nvPicPr>
+        <p:blipFill>
+          <a:blip r:embed="rId10">
+            <a:extLst>
+              <a:ext uri="{28A0092B-C50C-407E-A947-70E740481C1C}">
+                <a14:useLocalDpi xmlns:a14="http://schemas.microsoft.com/office/drawing/2010/main" val="0"/>
+              </a:ext>
+            </a:extLst>
+          </a:blip>
+          <a:srcRect/>
+          <a:stretch>
+            <a:fillRect/>
+          </a:stretch>
+        </p:blipFill>
+        <p:spPr bwMode="auto">
+          <a:xfrm>
+            <a:off x="800100" y="5270500"/>
+            <a:ext cx="3937000" cy="355600"/>
+          </a:xfrm>
+          <a:prstGeom prst="rect">
+            <a:avLst/>
+          </a:prstGeom>
+          <a:noFill/>
+          <a:extLst>
+            <a:ext uri="{909E8E84-426E-40DD-AFC4-6F175D3DCCD1}">
+              <a14:hiddenFill xmlns:a14="http://schemas.microsoft.com/office/drawing/2010/main">
+                <a:solidFill>
+                  <a:srgbClr val="FFFFFF"/>
+                </a:solidFill>
+              </a14:hiddenFill>
+            </a:ext>
+          </a:extLst>
+        </p:spPr>
+      </p:pic>
+    </p:spTree>
+    <p:extLst>
+      <p:ext uri="{BB962C8B-B14F-4D97-AF65-F5344CB8AC3E}">
+        <p14:creationId xmlns:p14="http://schemas.microsoft.com/office/powerpoint/2010/main" val="1602950345"/>
+      </p:ext>
+    </p:extLst>
+  </p:cSld>
+  <p:clrMapOvr>
+    <a:masterClrMapping/>
+  </p:clrMapOvr>
+</p:sld>
+</file>
+
+<file path=ppt/slides/slide13.xml><?xml version="1.0" encoding="utf-8"?>
+<p:sld xmlns:a="http://schemas.openxmlformats.org/drawingml/2006/main" xmlns:r="http://schemas.openxmlformats.org/officeDocument/2006/relationships" xmlns:p="http://schemas.openxmlformats.org/presentationml/2006/main">
+  <p:cSld>
+    <p:spTree>
+      <p:nvGrpSpPr>
+        <p:cNvPr id="1" name=""/>
+        <p:cNvGrpSpPr/>
+        <p:nvPr/>
+      </p:nvGrpSpPr>
+      <p:grpSpPr>
+        <a:xfrm>
+          <a:off x="0" y="0"/>
+          <a:ext cx="0" cy="0"/>
+          <a:chOff x="0" y="0"/>
+          <a:chExt cx="0" cy="0"/>
+        </a:xfrm>
+      </p:grpSpPr>
+      <p:pic>
+        <p:nvPicPr>
+          <p:cNvPr id="2" name="Picture 1"/>
+          <p:cNvPicPr>
+            <a:picLocks noChangeAspect="1"/>
+          </p:cNvPicPr>
+          <p:nvPr/>
+        </p:nvPicPr>
+        <p:blipFill rotWithShape="1">
+          <a:blip r:embed="rId2"/>
+          <a:srcRect l="9083" t="2966" r="11251" b="3699"/>
+          <a:stretch/>
+        </p:blipFill>
+        <p:spPr>
+          <a:xfrm>
+            <a:off x="431146" y="627250"/>
+            <a:ext cx="5271247" cy="5701553"/>
+          </a:xfrm>
+          <a:prstGeom prst="rect">
+            <a:avLst/>
+          </a:prstGeom>
+        </p:spPr>
+      </p:pic>
+      <p:pic>
+        <p:nvPicPr>
+          <p:cNvPr id="3" name="Picture 2"/>
+          <p:cNvPicPr>
+            <a:picLocks noChangeAspect="1"/>
+          </p:cNvPicPr>
+          <p:nvPr/>
+        </p:nvPicPr>
+        <p:blipFill rotWithShape="1">
+          <a:blip r:embed="rId3"/>
+          <a:srcRect l="5375" t="162" r="15379" b="3307"/>
+          <a:stretch/>
+        </p:blipFill>
+        <p:spPr>
+          <a:xfrm>
+            <a:off x="6086475" y="627250"/>
+            <a:ext cx="5243513" cy="5700714"/>
+          </a:xfrm>
+          <a:prstGeom prst="rect">
+            <a:avLst/>
+          </a:prstGeom>
+        </p:spPr>
+      </p:pic>
+    </p:spTree>
+    <p:extLst>
+      <p:ext uri="{BB962C8B-B14F-4D97-AF65-F5344CB8AC3E}">
+        <p14:creationId xmlns:p14="http://schemas.microsoft.com/office/powerpoint/2010/main" val="882694087"/>
+      </p:ext>
+    </p:extLst>
+  </p:cSld>
+  <p:clrMapOvr>
+    <a:masterClrMapping/>
+  </p:clrMapOvr>
+</p:sld>
+</file>
+
+<file path=ppt/slides/slide14.xml><?xml version="1.0" encoding="utf-8"?>
+<p:sld xmlns:a="http://schemas.openxmlformats.org/drawingml/2006/main" xmlns:r="http://schemas.openxmlformats.org/officeDocument/2006/relationships" xmlns:p="http://schemas.openxmlformats.org/presentationml/2006/main">
+  <p:cSld>
+    <p:spTree>
+      <p:nvGrpSpPr>
+        <p:cNvPr id="1" name=""/>
+        <p:cNvGrpSpPr/>
+        <p:nvPr/>
+      </p:nvGrpSpPr>
+      <p:grpSpPr>
+        <a:xfrm>
+          <a:off x="0" y="0"/>
+          <a:ext cx="0" cy="0"/>
+          <a:chOff x="0" y="0"/>
+          <a:chExt cx="0" cy="0"/>
+        </a:xfrm>
+      </p:grpSpPr>
+      <p:pic>
+        <p:nvPicPr>
+          <p:cNvPr id="10" name="Picture 9"/>
+          <p:cNvPicPr>
+            <a:picLocks noChangeAspect="1"/>
+          </p:cNvPicPr>
+          <p:nvPr/>
+        </p:nvPicPr>
+        <p:blipFill rotWithShape="1">
+          <a:blip r:embed="rId2"/>
+          <a:srcRect l="5289" t="2379" r="14232" b="3112"/>
+          <a:stretch/>
+        </p:blipFill>
+        <p:spPr>
+          <a:xfrm>
+            <a:off x="837358" y="505666"/>
+            <a:ext cx="5325035" cy="5773272"/>
+          </a:xfrm>
+          <a:prstGeom prst="rect">
+            <a:avLst/>
+          </a:prstGeom>
+        </p:spPr>
+      </p:pic>
+      <p:pic>
+        <p:nvPicPr>
+          <p:cNvPr id="2" name="Picture 1"/>
+          <p:cNvPicPr>
+            <a:picLocks noChangeAspect="1"/>
+          </p:cNvPicPr>
+          <p:nvPr/>
+        </p:nvPicPr>
+        <p:blipFill rotWithShape="1">
+          <a:blip r:embed="rId3"/>
+          <a:srcRect l="12284" r="8037" b="4288"/>
+          <a:stretch/>
+        </p:blipFill>
+        <p:spPr>
+          <a:xfrm>
+            <a:off x="6529387" y="505666"/>
+            <a:ext cx="5272088" cy="5652247"/>
+          </a:xfrm>
+          <a:prstGeom prst="rect">
+            <a:avLst/>
+          </a:prstGeom>
+        </p:spPr>
+      </p:pic>
+    </p:spTree>
+    <p:extLst>
+      <p:ext uri="{BB962C8B-B14F-4D97-AF65-F5344CB8AC3E}">
+        <p14:creationId xmlns:p14="http://schemas.microsoft.com/office/powerpoint/2010/main" val="861400930"/>
+      </p:ext>
+    </p:extLst>
+  </p:cSld>
+  <p:clrMapOvr>
+    <a:masterClrMapping/>
+  </p:clrMapOvr>
+</p:sld>
+</file>
+
+<file path=ppt/slides/slide15.xml><?xml version="1.0" encoding="utf-8"?>
+<p:sld xmlns:a="http://schemas.openxmlformats.org/drawingml/2006/main" xmlns:r="http://schemas.openxmlformats.org/officeDocument/2006/relationships" xmlns:p="http://schemas.openxmlformats.org/presentationml/2006/main">
+  <p:cSld>
+    <p:spTree>
+      <p:nvGrpSpPr>
+        <p:cNvPr id="1" name=""/>
+        <p:cNvGrpSpPr/>
+        <p:nvPr/>
+      </p:nvGrpSpPr>
+      <p:grpSpPr>
+        <a:xfrm>
+          <a:off x="0" y="0"/>
+          <a:ext cx="0" cy="0"/>
+          <a:chOff x="0" y="0"/>
+          <a:chExt cx="0" cy="0"/>
+        </a:xfrm>
+      </p:grpSpPr>
+      <p:pic>
+        <p:nvPicPr>
+          <p:cNvPr id="3" name="Picture 2"/>
+          <p:cNvPicPr>
+            <a:picLocks noChangeAspect="1"/>
+          </p:cNvPicPr>
+          <p:nvPr/>
+        </p:nvPicPr>
+        <p:blipFill rotWithShape="1">
+          <a:blip r:embed="rId2"/>
+          <a:srcRect l="12501" t="-81" r="8253" b="3306"/>
+          <a:stretch/>
+        </p:blipFill>
+        <p:spPr>
+          <a:xfrm>
+            <a:off x="3614738" y="471488"/>
+            <a:ext cx="5243512" cy="5715000"/>
+          </a:xfrm>
+          <a:prstGeom prst="rect">
+            <a:avLst/>
+          </a:prstGeom>
+        </p:spPr>
+      </p:pic>
+    </p:spTree>
+    <p:extLst>
+      <p:ext uri="{BB962C8B-B14F-4D97-AF65-F5344CB8AC3E}">
+        <p14:creationId xmlns:p14="http://schemas.microsoft.com/office/powerpoint/2010/main" val="1675839029"/>
+      </p:ext>
+    </p:extLst>
+  </p:cSld>
+  <p:clrMapOvr>
+    <a:masterClrMapping/>
+  </p:clrMapOvr>
+</p:sld>
+</file>
+
 <file path=ppt/slides/slide2.xml><?xml version="1.0" encoding="utf-8"?>
 <p:sld xmlns:a="http://schemas.openxmlformats.org/drawingml/2006/main" xmlns:r="http://schemas.openxmlformats.org/officeDocument/2006/relationships" xmlns:p="http://schemas.openxmlformats.org/presentationml/2006/main">
   <p:cSld>
@@ -3817,7 +4890,7 @@
       </p:grpSpPr>
       <p:pic>
         <p:nvPicPr>
-          <p:cNvPr id="28" name="Picture 27"/>
+          <p:cNvPr id="6" name="Picture 5"/>
           <p:cNvPicPr>
             <a:picLocks noChangeAspect="1"/>
           </p:cNvPicPr>
@@ -3825,675 +4898,49 @@
         </p:nvPicPr>
         <p:blipFill rotWithShape="1">
           <a:blip r:embed="rId2"/>
-          <a:srcRect l="8431" r="9155" b="2593"/>
+          <a:srcRect l="3917" b="3990"/>
           <a:stretch/>
         </p:blipFill>
         <p:spPr>
           <a:xfrm>
-            <a:off x="736599" y="0"/>
-            <a:ext cx="4965701" cy="6680200"/>
+            <a:off x="2286000" y="882650"/>
+            <a:ext cx="7943850" cy="4889500"/>
           </a:xfrm>
           <a:prstGeom prst="rect">
             <a:avLst/>
           </a:prstGeom>
         </p:spPr>
       </p:pic>
-      <p:pic>
-        <p:nvPicPr>
-          <p:cNvPr id="2056" name="Chart 9"/>
-          <p:cNvPicPr>
-            <a:picLocks noChangeArrowheads="1"/>
-          </p:cNvPicPr>
+      <p:sp>
+        <p:nvSpPr>
+          <p:cNvPr id="7" name="TextBox 6"/>
+          <p:cNvSpPr txBox="1"/>
           <p:nvPr/>
-        </p:nvPicPr>
-        <p:blipFill>
-          <a:blip r:embed="rId3">
-            <a:extLst>
-              <a:ext uri="{28A0092B-C50C-407E-A947-70E740481C1C}">
-                <a14:useLocalDpi xmlns:a14="http://schemas.microsoft.com/office/drawing/2010/main" val="0"/>
-              </a:ext>
-            </a:extLst>
-          </a:blip>
-          <a:srcRect/>
-          <a:stretch>
-            <a:fillRect/>
-          </a:stretch>
-        </p:blipFill>
-        <p:spPr bwMode="auto">
-          <a:xfrm>
-            <a:off x="101600" y="88900"/>
-            <a:ext cx="5486400" cy="1828800"/>
+        </p:nvSpPr>
+        <p:spPr>
+          <a:xfrm>
+            <a:off x="728663" y="385763"/>
+            <a:ext cx="2457450" cy="369332"/>
           </a:xfrm>
           <a:prstGeom prst="rect">
             <a:avLst/>
           </a:prstGeom>
           <a:noFill/>
-          <a:extLst>
-            <a:ext uri="{909E8E84-426E-40DD-AFC4-6F175D3DCCD1}">
-              <a14:hiddenFill xmlns:a14="http://schemas.microsoft.com/office/drawing/2010/main">
-                <a:solidFill>
-                  <a:srgbClr val="FFFFFF"/>
-                </a:solidFill>
-              </a14:hiddenFill>
-            </a:ext>
-          </a:extLst>
-        </p:spPr>
-      </p:pic>
-      <p:pic>
-        <p:nvPicPr>
-          <p:cNvPr id="2055" name="Chart 15"/>
-          <p:cNvPicPr>
-            <a:picLocks noChangeArrowheads="1"/>
-          </p:cNvPicPr>
-          <p:nvPr/>
-        </p:nvPicPr>
-        <p:blipFill>
-          <a:blip r:embed="rId4">
-            <a:extLst>
-              <a:ext uri="{28A0092B-C50C-407E-A947-70E740481C1C}">
-                <a14:useLocalDpi xmlns:a14="http://schemas.microsoft.com/office/drawing/2010/main" val="0"/>
-              </a:ext>
-            </a:extLst>
-          </a:blip>
-          <a:srcRect/>
-          <a:stretch>
-            <a:fillRect/>
-          </a:stretch>
-        </p:blipFill>
-        <p:spPr bwMode="auto">
-          <a:xfrm>
-            <a:off x="114300" y="1854200"/>
-            <a:ext cx="5486400" cy="1828800"/>
-          </a:xfrm>
-          <a:prstGeom prst="rect">
-            <a:avLst/>
-          </a:prstGeom>
-          <a:noFill/>
-          <a:extLst>
-            <a:ext uri="{909E8E84-426E-40DD-AFC4-6F175D3DCCD1}">
-              <a14:hiddenFill xmlns:a14="http://schemas.microsoft.com/office/drawing/2010/main">
-                <a:solidFill>
-                  <a:srgbClr val="FFFFFF"/>
-                </a:solidFill>
-              </a14:hiddenFill>
-            </a:ext>
-          </a:extLst>
-        </p:spPr>
-      </p:pic>
-      <p:pic>
-        <p:nvPicPr>
-          <p:cNvPr id="2054" name="Chart 18"/>
-          <p:cNvPicPr>
-            <a:picLocks noChangeArrowheads="1"/>
-          </p:cNvPicPr>
-          <p:nvPr/>
-        </p:nvPicPr>
-        <p:blipFill>
-          <a:blip r:embed="rId5">
-            <a:extLst>
-              <a:ext uri="{28A0092B-C50C-407E-A947-70E740481C1C}">
-                <a14:useLocalDpi xmlns:a14="http://schemas.microsoft.com/office/drawing/2010/main" val="0"/>
-              </a:ext>
-            </a:extLst>
-          </a:blip>
-          <a:srcRect/>
-          <a:stretch>
-            <a:fillRect/>
-          </a:stretch>
-        </p:blipFill>
-        <p:spPr bwMode="auto">
-          <a:xfrm>
-            <a:off x="114300" y="3606800"/>
-            <a:ext cx="5486400" cy="1828800"/>
-          </a:xfrm>
-          <a:prstGeom prst="rect">
-            <a:avLst/>
-          </a:prstGeom>
-          <a:noFill/>
-          <a:extLst>
-            <a:ext uri="{909E8E84-426E-40DD-AFC4-6F175D3DCCD1}">
-              <a14:hiddenFill xmlns:a14="http://schemas.microsoft.com/office/drawing/2010/main">
-                <a:solidFill>
-                  <a:srgbClr val="FFFFFF"/>
-                </a:solidFill>
-              </a14:hiddenFill>
-            </a:ext>
-          </a:extLst>
-        </p:spPr>
-      </p:pic>
-      <p:pic>
-        <p:nvPicPr>
-          <p:cNvPr id="2053" name="Chart 19"/>
-          <p:cNvPicPr>
-            <a:picLocks noChangeArrowheads="1"/>
-          </p:cNvPicPr>
-          <p:nvPr/>
-        </p:nvPicPr>
-        <p:blipFill>
-          <a:blip r:embed="rId6">
-            <a:extLst>
-              <a:ext uri="{28A0092B-C50C-407E-A947-70E740481C1C}">
-                <a14:useLocalDpi xmlns:a14="http://schemas.microsoft.com/office/drawing/2010/main" val="0"/>
-              </a:ext>
-            </a:extLst>
-          </a:blip>
-          <a:srcRect/>
-          <a:stretch>
-            <a:fillRect/>
-          </a:stretch>
-        </p:blipFill>
-        <p:spPr bwMode="auto">
-          <a:xfrm>
-            <a:off x="114300" y="5359400"/>
-            <a:ext cx="5486400" cy="1828800"/>
-          </a:xfrm>
-          <a:prstGeom prst="rect">
-            <a:avLst/>
-          </a:prstGeom>
-          <a:noFill/>
-          <a:extLst>
-            <a:ext uri="{909E8E84-426E-40DD-AFC4-6F175D3DCCD1}">
-              <a14:hiddenFill xmlns:a14="http://schemas.microsoft.com/office/drawing/2010/main">
-                <a:solidFill>
-                  <a:srgbClr val="FFFFFF"/>
-                </a:solidFill>
-              </a14:hiddenFill>
-            </a:ext>
-          </a:extLst>
-        </p:spPr>
-      </p:pic>
-      <p:pic>
-        <p:nvPicPr>
-          <p:cNvPr id="2052" name="TextBox 20"/>
-          <p:cNvPicPr>
-            <a:picLocks noChangeArrowheads="1"/>
-          </p:cNvPicPr>
-          <p:nvPr/>
-        </p:nvPicPr>
-        <p:blipFill>
-          <a:blip r:embed="rId7">
-            <a:extLst>
-              <a:ext uri="{28A0092B-C50C-407E-A947-70E740481C1C}">
-                <a14:useLocalDpi xmlns:a14="http://schemas.microsoft.com/office/drawing/2010/main" val="0"/>
-              </a:ext>
-            </a:extLst>
-          </a:blip>
-          <a:srcRect/>
-          <a:stretch>
-            <a:fillRect/>
-          </a:stretch>
-        </p:blipFill>
-        <p:spPr bwMode="auto">
-          <a:xfrm>
-            <a:off x="1866900" y="0"/>
-            <a:ext cx="1231900" cy="304800"/>
-          </a:xfrm>
-          <a:prstGeom prst="rect">
-            <a:avLst/>
-          </a:prstGeom>
-          <a:noFill/>
-          <a:extLst>
-            <a:ext uri="{909E8E84-426E-40DD-AFC4-6F175D3DCCD1}">
-              <a14:hiddenFill xmlns:a14="http://schemas.microsoft.com/office/drawing/2010/main">
-                <a:solidFill>
-                  <a:srgbClr val="FFFFFF"/>
-                </a:solidFill>
-              </a14:hiddenFill>
-            </a:ext>
-          </a:extLst>
-        </p:spPr>
-      </p:pic>
-      <p:pic>
-        <p:nvPicPr>
-          <p:cNvPr id="2051" name="TextBox 21"/>
-          <p:cNvPicPr>
-            <a:picLocks noChangeArrowheads="1"/>
-          </p:cNvPicPr>
-          <p:nvPr/>
-        </p:nvPicPr>
-        <p:blipFill>
-          <a:blip r:embed="rId8">
-            <a:extLst>
-              <a:ext uri="{28A0092B-C50C-407E-A947-70E740481C1C}">
-                <a14:useLocalDpi xmlns:a14="http://schemas.microsoft.com/office/drawing/2010/main" val="0"/>
-              </a:ext>
-            </a:extLst>
-          </a:blip>
-          <a:srcRect/>
-          <a:stretch>
-            <a:fillRect/>
-          </a:stretch>
-        </p:blipFill>
-        <p:spPr bwMode="auto">
-          <a:xfrm>
-            <a:off x="1295400" y="1778000"/>
-            <a:ext cx="3187700" cy="355600"/>
-          </a:xfrm>
-          <a:prstGeom prst="rect">
-            <a:avLst/>
-          </a:prstGeom>
-          <a:noFill/>
-          <a:extLst>
-            <a:ext uri="{909E8E84-426E-40DD-AFC4-6F175D3DCCD1}">
-              <a14:hiddenFill xmlns:a14="http://schemas.microsoft.com/office/drawing/2010/main">
-                <a:solidFill>
-                  <a:srgbClr val="FFFFFF"/>
-                </a:solidFill>
-              </a14:hiddenFill>
-            </a:ext>
-          </a:extLst>
-        </p:spPr>
-      </p:pic>
-      <p:pic>
-        <p:nvPicPr>
-          <p:cNvPr id="2050" name="TextBox 22"/>
-          <p:cNvPicPr>
-            <a:picLocks noChangeArrowheads="1"/>
-          </p:cNvPicPr>
-          <p:nvPr/>
-        </p:nvPicPr>
-        <p:blipFill>
-          <a:blip r:embed="rId9">
-            <a:extLst>
-              <a:ext uri="{28A0092B-C50C-407E-A947-70E740481C1C}">
-                <a14:useLocalDpi xmlns:a14="http://schemas.microsoft.com/office/drawing/2010/main" val="0"/>
-              </a:ext>
-            </a:extLst>
-          </a:blip>
-          <a:srcRect/>
-          <a:stretch>
-            <a:fillRect/>
-          </a:stretch>
-        </p:blipFill>
-        <p:spPr bwMode="auto">
-          <a:xfrm>
-            <a:off x="876300" y="3543300"/>
-            <a:ext cx="3187700" cy="355600"/>
-          </a:xfrm>
-          <a:prstGeom prst="rect">
-            <a:avLst/>
-          </a:prstGeom>
-          <a:noFill/>
-          <a:extLst>
-            <a:ext uri="{909E8E84-426E-40DD-AFC4-6F175D3DCCD1}">
-              <a14:hiddenFill xmlns:a14="http://schemas.microsoft.com/office/drawing/2010/main">
-                <a:solidFill>
-                  <a:srgbClr val="FFFFFF"/>
-                </a:solidFill>
-              </a14:hiddenFill>
-            </a:ext>
-          </a:extLst>
-        </p:spPr>
-      </p:pic>
-      <p:pic>
-        <p:nvPicPr>
-          <p:cNvPr id="2049" name="TextBox 23"/>
-          <p:cNvPicPr>
-            <a:picLocks noChangeArrowheads="1"/>
-          </p:cNvPicPr>
-          <p:nvPr/>
-        </p:nvPicPr>
-        <p:blipFill>
-          <a:blip r:embed="rId10">
-            <a:extLst>
-              <a:ext uri="{28A0092B-C50C-407E-A947-70E740481C1C}">
-                <a14:useLocalDpi xmlns:a14="http://schemas.microsoft.com/office/drawing/2010/main" val="0"/>
-              </a:ext>
-            </a:extLst>
-          </a:blip>
-          <a:srcRect/>
-          <a:stretch>
-            <a:fillRect/>
-          </a:stretch>
-        </p:blipFill>
-        <p:spPr bwMode="auto">
-          <a:xfrm>
-            <a:off x="863600" y="5270500"/>
-            <a:ext cx="3187700" cy="355600"/>
-          </a:xfrm>
-          <a:prstGeom prst="rect">
-            <a:avLst/>
-          </a:prstGeom>
-          <a:noFill/>
-          <a:extLst>
-            <a:ext uri="{909E8E84-426E-40DD-AFC4-6F175D3DCCD1}">
-              <a14:hiddenFill xmlns:a14="http://schemas.microsoft.com/office/drawing/2010/main">
-                <a:solidFill>
-                  <a:srgbClr val="FFFFFF"/>
-                </a:solidFill>
-              </a14:hiddenFill>
-            </a:ext>
-          </a:extLst>
-        </p:spPr>
-      </p:pic>
-      <p:pic>
-        <p:nvPicPr>
-          <p:cNvPr id="2064" name="Picture 16"/>
-          <p:cNvPicPr>
-            <a:picLocks noChangeArrowheads="1"/>
-          </p:cNvPicPr>
-          <p:nvPr/>
-        </p:nvPicPr>
-        <p:blipFill>
-          <a:blip r:embed="rId3">
-            <a:extLst>
-              <a:ext uri="{28A0092B-C50C-407E-A947-70E740481C1C}">
-                <a14:useLocalDpi xmlns:a14="http://schemas.microsoft.com/office/drawing/2010/main" val="0"/>
-              </a:ext>
-            </a:extLst>
-          </a:blip>
-          <a:srcRect/>
-          <a:stretch>
-            <a:fillRect/>
-          </a:stretch>
-        </p:blipFill>
-        <p:spPr bwMode="auto">
-          <a:xfrm>
-            <a:off x="101600" y="88900"/>
-            <a:ext cx="5486400" cy="1828800"/>
-          </a:xfrm>
-          <a:prstGeom prst="rect">
-            <a:avLst/>
-          </a:prstGeom>
-          <a:noFill/>
-          <a:extLst>
-            <a:ext uri="{909E8E84-426E-40DD-AFC4-6F175D3DCCD1}">
-              <a14:hiddenFill xmlns:a14="http://schemas.microsoft.com/office/drawing/2010/main">
-                <a:solidFill>
-                  <a:srgbClr val="FFFFFF"/>
-                </a:solidFill>
-              </a14:hiddenFill>
-            </a:ext>
-          </a:extLst>
-        </p:spPr>
-      </p:pic>
-      <p:pic>
-        <p:nvPicPr>
-          <p:cNvPr id="2063" name="Picture 15"/>
-          <p:cNvPicPr>
-            <a:picLocks noChangeArrowheads="1"/>
-          </p:cNvPicPr>
-          <p:nvPr/>
-        </p:nvPicPr>
-        <p:blipFill>
-          <a:blip r:embed="rId4">
-            <a:extLst>
-              <a:ext uri="{28A0092B-C50C-407E-A947-70E740481C1C}">
-                <a14:useLocalDpi xmlns:a14="http://schemas.microsoft.com/office/drawing/2010/main" val="0"/>
-              </a:ext>
-            </a:extLst>
-          </a:blip>
-          <a:srcRect/>
-          <a:stretch>
-            <a:fillRect/>
-          </a:stretch>
-        </p:blipFill>
-        <p:spPr bwMode="auto">
-          <a:xfrm>
-            <a:off x="114300" y="1854200"/>
-            <a:ext cx="5486400" cy="1828800"/>
-          </a:xfrm>
-          <a:prstGeom prst="rect">
-            <a:avLst/>
-          </a:prstGeom>
-          <a:noFill/>
-          <a:extLst>
-            <a:ext uri="{909E8E84-426E-40DD-AFC4-6F175D3DCCD1}">
-              <a14:hiddenFill xmlns:a14="http://schemas.microsoft.com/office/drawing/2010/main">
-                <a:solidFill>
-                  <a:srgbClr val="FFFFFF"/>
-                </a:solidFill>
-              </a14:hiddenFill>
-            </a:ext>
-          </a:extLst>
-        </p:spPr>
-      </p:pic>
-      <p:pic>
-        <p:nvPicPr>
-          <p:cNvPr id="2062" name="Picture 14"/>
-          <p:cNvPicPr>
-            <a:picLocks noChangeArrowheads="1"/>
-          </p:cNvPicPr>
-          <p:nvPr/>
-        </p:nvPicPr>
-        <p:blipFill>
-          <a:blip r:embed="rId5">
-            <a:extLst>
-              <a:ext uri="{28A0092B-C50C-407E-A947-70E740481C1C}">
-                <a14:useLocalDpi xmlns:a14="http://schemas.microsoft.com/office/drawing/2010/main" val="0"/>
-              </a:ext>
-            </a:extLst>
-          </a:blip>
-          <a:srcRect/>
-          <a:stretch>
-            <a:fillRect/>
-          </a:stretch>
-        </p:blipFill>
-        <p:spPr bwMode="auto">
-          <a:xfrm>
-            <a:off x="114300" y="3606800"/>
-            <a:ext cx="5486400" cy="1828800"/>
-          </a:xfrm>
-          <a:prstGeom prst="rect">
-            <a:avLst/>
-          </a:prstGeom>
-          <a:noFill/>
-          <a:extLst>
-            <a:ext uri="{909E8E84-426E-40DD-AFC4-6F175D3DCCD1}">
-              <a14:hiddenFill xmlns:a14="http://schemas.microsoft.com/office/drawing/2010/main">
-                <a:solidFill>
-                  <a:srgbClr val="FFFFFF"/>
-                </a:solidFill>
-              </a14:hiddenFill>
-            </a:ext>
-          </a:extLst>
-        </p:spPr>
-      </p:pic>
-      <p:pic>
-        <p:nvPicPr>
-          <p:cNvPr id="2061" name="Picture 13"/>
-          <p:cNvPicPr>
-            <a:picLocks noChangeArrowheads="1"/>
-          </p:cNvPicPr>
-          <p:nvPr/>
-        </p:nvPicPr>
-        <p:blipFill>
-          <a:blip r:embed="rId6">
-            <a:extLst>
-              <a:ext uri="{28A0092B-C50C-407E-A947-70E740481C1C}">
-                <a14:useLocalDpi xmlns:a14="http://schemas.microsoft.com/office/drawing/2010/main" val="0"/>
-              </a:ext>
-            </a:extLst>
-          </a:blip>
-          <a:srcRect/>
-          <a:stretch>
-            <a:fillRect/>
-          </a:stretch>
-        </p:blipFill>
-        <p:spPr bwMode="auto">
-          <a:xfrm>
-            <a:off x="114300" y="5359400"/>
-            <a:ext cx="5486400" cy="1828800"/>
-          </a:xfrm>
-          <a:prstGeom prst="rect">
-            <a:avLst/>
-          </a:prstGeom>
-          <a:noFill/>
-          <a:extLst>
-            <a:ext uri="{909E8E84-426E-40DD-AFC4-6F175D3DCCD1}">
-              <a14:hiddenFill xmlns:a14="http://schemas.microsoft.com/office/drawing/2010/main">
-                <a:solidFill>
-                  <a:srgbClr val="FFFFFF"/>
-                </a:solidFill>
-              </a14:hiddenFill>
-            </a:ext>
-          </a:extLst>
-        </p:spPr>
-      </p:pic>
-      <p:pic>
-        <p:nvPicPr>
-          <p:cNvPr id="2060" name="Picture 12"/>
-          <p:cNvPicPr>
-            <a:picLocks noChangeArrowheads="1"/>
-          </p:cNvPicPr>
-          <p:nvPr/>
-        </p:nvPicPr>
-        <p:blipFill>
-          <a:blip r:embed="rId11">
-            <a:extLst>
-              <a:ext uri="{28A0092B-C50C-407E-A947-70E740481C1C}">
-                <a14:useLocalDpi xmlns:a14="http://schemas.microsoft.com/office/drawing/2010/main" val="0"/>
-              </a:ext>
-            </a:extLst>
-          </a:blip>
-          <a:srcRect/>
-          <a:stretch>
-            <a:fillRect/>
-          </a:stretch>
-        </p:blipFill>
-        <p:spPr bwMode="auto">
-          <a:xfrm>
-            <a:off x="800100" y="38100"/>
-            <a:ext cx="3911600" cy="279400"/>
-          </a:xfrm>
-          <a:prstGeom prst="rect">
-            <a:avLst/>
-          </a:prstGeom>
-          <a:noFill/>
-          <a:extLst>
-            <a:ext uri="{909E8E84-426E-40DD-AFC4-6F175D3DCCD1}">
-              <a14:hiddenFill xmlns:a14="http://schemas.microsoft.com/office/drawing/2010/main">
-                <a:solidFill>
-                  <a:srgbClr val="FFFFFF"/>
-                </a:solidFill>
-              </a14:hiddenFill>
-            </a:ext>
-          </a:extLst>
-        </p:spPr>
-      </p:pic>
-      <p:pic>
-        <p:nvPicPr>
-          <p:cNvPr id="2059" name="Picture 11"/>
-          <p:cNvPicPr>
-            <a:picLocks noChangeArrowheads="1"/>
-          </p:cNvPicPr>
-          <p:nvPr/>
-        </p:nvPicPr>
-        <p:blipFill>
-          <a:blip r:embed="rId12">
-            <a:extLst>
-              <a:ext uri="{28A0092B-C50C-407E-A947-70E740481C1C}">
-                <a14:useLocalDpi xmlns:a14="http://schemas.microsoft.com/office/drawing/2010/main" val="0"/>
-              </a:ext>
-            </a:extLst>
-          </a:blip>
-          <a:srcRect/>
-          <a:stretch>
-            <a:fillRect/>
-          </a:stretch>
-        </p:blipFill>
-        <p:spPr bwMode="auto">
-          <a:xfrm>
-            <a:off x="787400" y="1778000"/>
-            <a:ext cx="3949700" cy="355600"/>
-          </a:xfrm>
-          <a:prstGeom prst="rect">
-            <a:avLst/>
-          </a:prstGeom>
-          <a:noFill/>
-          <a:extLst>
-            <a:ext uri="{909E8E84-426E-40DD-AFC4-6F175D3DCCD1}">
-              <a14:hiddenFill xmlns:a14="http://schemas.microsoft.com/office/drawing/2010/main">
-                <a:solidFill>
-                  <a:srgbClr val="FFFFFF"/>
-                </a:solidFill>
-              </a14:hiddenFill>
-            </a:ext>
-          </a:extLst>
-        </p:spPr>
-      </p:pic>
-      <p:pic>
-        <p:nvPicPr>
-          <p:cNvPr id="2058" name="Picture 10"/>
-          <p:cNvPicPr>
-            <a:picLocks noChangeArrowheads="1"/>
-          </p:cNvPicPr>
-          <p:nvPr/>
-        </p:nvPicPr>
-        <p:blipFill>
-          <a:blip r:embed="rId13">
-            <a:extLst>
-              <a:ext uri="{28A0092B-C50C-407E-A947-70E740481C1C}">
-                <a14:useLocalDpi xmlns:a14="http://schemas.microsoft.com/office/drawing/2010/main" val="0"/>
-              </a:ext>
-            </a:extLst>
-          </a:blip>
-          <a:srcRect/>
-          <a:stretch>
-            <a:fillRect/>
-          </a:stretch>
-        </p:blipFill>
-        <p:spPr bwMode="auto">
-          <a:xfrm>
-            <a:off x="787400" y="3543300"/>
-            <a:ext cx="3949700" cy="355600"/>
-          </a:xfrm>
-          <a:prstGeom prst="rect">
-            <a:avLst/>
-          </a:prstGeom>
-          <a:noFill/>
-          <a:extLst>
-            <a:ext uri="{909E8E84-426E-40DD-AFC4-6F175D3DCCD1}">
-              <a14:hiddenFill xmlns:a14="http://schemas.microsoft.com/office/drawing/2010/main">
-                <a:solidFill>
-                  <a:srgbClr val="FFFFFF"/>
-                </a:solidFill>
-              </a14:hiddenFill>
-            </a:ext>
-          </a:extLst>
-        </p:spPr>
-      </p:pic>
-      <p:pic>
-        <p:nvPicPr>
-          <p:cNvPr id="2057" name="Picture 9"/>
-          <p:cNvPicPr>
-            <a:picLocks noChangeArrowheads="1"/>
-          </p:cNvPicPr>
-          <p:nvPr/>
-        </p:nvPicPr>
-        <p:blipFill>
-          <a:blip r:embed="rId14">
-            <a:extLst>
-              <a:ext uri="{28A0092B-C50C-407E-A947-70E740481C1C}">
-                <a14:useLocalDpi xmlns:a14="http://schemas.microsoft.com/office/drawing/2010/main" val="0"/>
-              </a:ext>
-            </a:extLst>
-          </a:blip>
-          <a:srcRect/>
-          <a:stretch>
-            <a:fillRect/>
-          </a:stretch>
-        </p:blipFill>
-        <p:spPr bwMode="auto">
-          <a:xfrm>
-            <a:off x="800100" y="5270500"/>
-            <a:ext cx="3937000" cy="355600"/>
-          </a:xfrm>
-          <a:prstGeom prst="rect">
-            <a:avLst/>
-          </a:prstGeom>
-          <a:noFill/>
-          <a:extLst>
-            <a:ext uri="{909E8E84-426E-40DD-AFC4-6F175D3DCCD1}">
-              <a14:hiddenFill xmlns:a14="http://schemas.microsoft.com/office/drawing/2010/main">
-                <a:solidFill>
-                  <a:srgbClr val="FFFFFF"/>
-                </a:solidFill>
-              </a14:hiddenFill>
-            </a:ext>
-          </a:extLst>
-        </p:spPr>
-      </p:pic>
+        </p:spPr>
+        <p:txBody>
+          <a:bodyPr wrap="square" rtlCol="0">
+            <a:spAutoFit/>
+          </a:bodyPr>
+          <a:lstStyle/>
+          <a:p>
+            <a:r>
+              <a:rPr lang="en-US" dirty="0" smtClean="0"/>
+              <a:t>DE ESS</a:t>
+            </a:r>
+            <a:endParaRPr lang="en-US" dirty="0"/>
+          </a:p>
+        </p:txBody>
+      </p:sp>
     </p:spTree>
     <p:extLst>
       <p:ext uri="{BB962C8B-B14F-4D97-AF65-F5344CB8AC3E}">
@@ -4524,9 +4971,32 @@
           <a:chExt cx="0" cy="0"/>
         </a:xfrm>
       </p:grpSpPr>
+      <p:sp>
+        <p:nvSpPr>
+          <p:cNvPr id="2" name="Title 1"/>
+          <p:cNvSpPr>
+            <a:spLocks noGrp="1"/>
+          </p:cNvSpPr>
+          <p:nvPr>
+            <p:ph type="title"/>
+          </p:nvPr>
+        </p:nvSpPr>
+        <p:spPr/>
+        <p:txBody>
+          <a:bodyPr/>
+          <a:lstStyle/>
+          <a:p>
+            <a:r>
+              <a:rPr lang="en-US" dirty="0" smtClean="0"/>
+              <a:t>DE Stacking</a:t>
+            </a:r>
+            <a:endParaRPr lang="en-US" dirty="0"/>
+          </a:p>
+        </p:txBody>
+      </p:sp>
       <p:pic>
         <p:nvPicPr>
-          <p:cNvPr id="11" name="Picture 10"/>
+          <p:cNvPr id="3" name="Picture 2"/>
           <p:cNvPicPr>
             <a:picLocks noChangeAspect="1"/>
           </p:cNvPicPr>
@@ -4534,374 +5004,23 @@
         </p:nvPicPr>
         <p:blipFill rotWithShape="1">
           <a:blip r:embed="rId2"/>
-          <a:srcRect r="8182" b="2483"/>
+          <a:srcRect l="3800"/>
           <a:stretch/>
         </p:blipFill>
         <p:spPr>
           <a:xfrm>
-            <a:off x="-105021" y="17182"/>
-            <a:ext cx="4842121" cy="6687671"/>
+            <a:off x="3400424" y="1027906"/>
+            <a:ext cx="7958279" cy="4892400"/>
           </a:xfrm>
           <a:prstGeom prst="rect">
             <a:avLst/>
           </a:prstGeom>
-        </p:spPr>
-      </p:pic>
-      <p:pic>
-        <p:nvPicPr>
-          <p:cNvPr id="12" name="Picture 11"/>
-          <p:cNvPicPr>
-            <a:picLocks noChangeAspect="1"/>
-          </p:cNvPicPr>
-          <p:nvPr/>
-        </p:nvPicPr>
-        <p:blipFill rotWithShape="1">
-          <a:blip r:embed="rId3"/>
-          <a:srcRect l="7743" r="11084" b="2788"/>
-          <a:stretch/>
-        </p:blipFill>
-        <p:spPr>
-          <a:xfrm>
-            <a:off x="6261100" y="38100"/>
-            <a:ext cx="4890994" cy="6666753"/>
-          </a:xfrm>
-          <a:prstGeom prst="rect">
-            <a:avLst/>
-          </a:prstGeom>
-        </p:spPr>
-      </p:pic>
-      <p:pic>
-        <p:nvPicPr>
-          <p:cNvPr id="4104" name="Chart 2"/>
-          <p:cNvPicPr>
-            <a:picLocks noChangeArrowheads="1"/>
-          </p:cNvPicPr>
-          <p:nvPr/>
-        </p:nvPicPr>
-        <p:blipFill>
-          <a:blip r:embed="rId4">
-            <a:extLst>
-              <a:ext uri="{28A0092B-C50C-407E-A947-70E740481C1C}">
-                <a14:useLocalDpi xmlns:a14="http://schemas.microsoft.com/office/drawing/2010/main" val="0"/>
-              </a:ext>
-            </a:extLst>
-          </a:blip>
-          <a:srcRect/>
-          <a:stretch>
-            <a:fillRect/>
-          </a:stretch>
-        </p:blipFill>
-        <p:spPr bwMode="auto">
-          <a:xfrm>
-            <a:off x="101600" y="88900"/>
-            <a:ext cx="5486400" cy="1828800"/>
-          </a:xfrm>
-          <a:prstGeom prst="rect">
-            <a:avLst/>
-          </a:prstGeom>
-          <a:noFill/>
-          <a:extLst>
-            <a:ext uri="{909E8E84-426E-40DD-AFC4-6F175D3DCCD1}">
-              <a14:hiddenFill xmlns:a14="http://schemas.microsoft.com/office/drawing/2010/main">
-                <a:solidFill>
-                  <a:srgbClr val="FFFFFF"/>
-                </a:solidFill>
-              </a14:hiddenFill>
-            </a:ext>
-          </a:extLst>
-        </p:spPr>
-      </p:pic>
-      <p:pic>
-        <p:nvPicPr>
-          <p:cNvPr id="4103" name="Chart 4"/>
-          <p:cNvPicPr>
-            <a:picLocks noChangeArrowheads="1"/>
-          </p:cNvPicPr>
-          <p:nvPr/>
-        </p:nvPicPr>
-        <p:blipFill>
-          <a:blip r:embed="rId5">
-            <a:extLst>
-              <a:ext uri="{28A0092B-C50C-407E-A947-70E740481C1C}">
-                <a14:useLocalDpi xmlns:a14="http://schemas.microsoft.com/office/drawing/2010/main" val="0"/>
-              </a:ext>
-            </a:extLst>
-          </a:blip>
-          <a:srcRect/>
-          <a:stretch>
-            <a:fillRect/>
-          </a:stretch>
-        </p:blipFill>
-        <p:spPr bwMode="auto">
-          <a:xfrm>
-            <a:off x="114300" y="1854200"/>
-            <a:ext cx="5486400" cy="1828800"/>
-          </a:xfrm>
-          <a:prstGeom prst="rect">
-            <a:avLst/>
-          </a:prstGeom>
-          <a:noFill/>
-          <a:extLst>
-            <a:ext uri="{909E8E84-426E-40DD-AFC4-6F175D3DCCD1}">
-              <a14:hiddenFill xmlns:a14="http://schemas.microsoft.com/office/drawing/2010/main">
-                <a:solidFill>
-                  <a:srgbClr val="FFFFFF"/>
-                </a:solidFill>
-              </a14:hiddenFill>
-            </a:ext>
-          </a:extLst>
-        </p:spPr>
-      </p:pic>
-      <p:pic>
-        <p:nvPicPr>
-          <p:cNvPr id="4102" name="Chart 5"/>
-          <p:cNvPicPr>
-            <a:picLocks noChangeArrowheads="1"/>
-          </p:cNvPicPr>
-          <p:nvPr/>
-        </p:nvPicPr>
-        <p:blipFill>
-          <a:blip r:embed="rId6">
-            <a:extLst>
-              <a:ext uri="{28A0092B-C50C-407E-A947-70E740481C1C}">
-                <a14:useLocalDpi xmlns:a14="http://schemas.microsoft.com/office/drawing/2010/main" val="0"/>
-              </a:ext>
-            </a:extLst>
-          </a:blip>
-          <a:srcRect/>
-          <a:stretch>
-            <a:fillRect/>
-          </a:stretch>
-        </p:blipFill>
-        <p:spPr bwMode="auto">
-          <a:xfrm>
-            <a:off x="114300" y="3606800"/>
-            <a:ext cx="5486400" cy="1828800"/>
-          </a:xfrm>
-          <a:prstGeom prst="rect">
-            <a:avLst/>
-          </a:prstGeom>
-          <a:noFill/>
-          <a:extLst>
-            <a:ext uri="{909E8E84-426E-40DD-AFC4-6F175D3DCCD1}">
-              <a14:hiddenFill xmlns:a14="http://schemas.microsoft.com/office/drawing/2010/main">
-                <a:solidFill>
-                  <a:srgbClr val="FFFFFF"/>
-                </a:solidFill>
-              </a14:hiddenFill>
-            </a:ext>
-          </a:extLst>
-        </p:spPr>
-      </p:pic>
-      <p:pic>
-        <p:nvPicPr>
-          <p:cNvPr id="4101" name="Chart 6"/>
-          <p:cNvPicPr>
-            <a:picLocks noChangeArrowheads="1"/>
-          </p:cNvPicPr>
-          <p:nvPr/>
-        </p:nvPicPr>
-        <p:blipFill>
-          <a:blip r:embed="rId7">
-            <a:extLst>
-              <a:ext uri="{28A0092B-C50C-407E-A947-70E740481C1C}">
-                <a14:useLocalDpi xmlns:a14="http://schemas.microsoft.com/office/drawing/2010/main" val="0"/>
-              </a:ext>
-            </a:extLst>
-          </a:blip>
-          <a:srcRect/>
-          <a:stretch>
-            <a:fillRect/>
-          </a:stretch>
-        </p:blipFill>
-        <p:spPr bwMode="auto">
-          <a:xfrm>
-            <a:off x="114300" y="5359400"/>
-            <a:ext cx="5486400" cy="1828800"/>
-          </a:xfrm>
-          <a:prstGeom prst="rect">
-            <a:avLst/>
-          </a:prstGeom>
-          <a:noFill/>
-          <a:extLst>
-            <a:ext uri="{909E8E84-426E-40DD-AFC4-6F175D3DCCD1}">
-              <a14:hiddenFill xmlns:a14="http://schemas.microsoft.com/office/drawing/2010/main">
-                <a:solidFill>
-                  <a:srgbClr val="FFFFFF"/>
-                </a:solidFill>
-              </a14:hiddenFill>
-            </a:ext>
-          </a:extLst>
-        </p:spPr>
-      </p:pic>
-      <p:pic>
-        <p:nvPicPr>
-          <p:cNvPr id="4100" name="TextBox 7"/>
-          <p:cNvPicPr>
-            <a:picLocks noChangeArrowheads="1"/>
-          </p:cNvPicPr>
-          <p:nvPr/>
-        </p:nvPicPr>
-        <p:blipFill>
-          <a:blip r:embed="rId8">
-            <a:extLst>
-              <a:ext uri="{28A0092B-C50C-407E-A947-70E740481C1C}">
-                <a14:useLocalDpi xmlns:a14="http://schemas.microsoft.com/office/drawing/2010/main" val="0"/>
-              </a:ext>
-            </a:extLst>
-          </a:blip>
-          <a:srcRect/>
-          <a:stretch>
-            <a:fillRect/>
-          </a:stretch>
-        </p:blipFill>
-        <p:spPr bwMode="auto">
-          <a:xfrm>
-            <a:off x="800100" y="38100"/>
-            <a:ext cx="3911600" cy="279400"/>
-          </a:xfrm>
-          <a:prstGeom prst="rect">
-            <a:avLst/>
-          </a:prstGeom>
-          <a:noFill/>
-          <a:extLst>
-            <a:ext uri="{909E8E84-426E-40DD-AFC4-6F175D3DCCD1}">
-              <a14:hiddenFill xmlns:a14="http://schemas.microsoft.com/office/drawing/2010/main">
-                <a:solidFill>
-                  <a:srgbClr val="FFFFFF"/>
-                </a:solidFill>
-              </a14:hiddenFill>
-            </a:ext>
-          </a:extLst>
-        </p:spPr>
-      </p:pic>
-      <p:pic>
-        <p:nvPicPr>
-          <p:cNvPr id="4099" name="TextBox 8"/>
-          <p:cNvPicPr>
-            <a:picLocks noChangeArrowheads="1"/>
-          </p:cNvPicPr>
-          <p:nvPr/>
-        </p:nvPicPr>
-        <p:blipFill>
-          <a:blip r:embed="rId9">
-            <a:extLst>
-              <a:ext uri="{28A0092B-C50C-407E-A947-70E740481C1C}">
-                <a14:useLocalDpi xmlns:a14="http://schemas.microsoft.com/office/drawing/2010/main" val="0"/>
-              </a:ext>
-            </a:extLst>
-          </a:blip>
-          <a:srcRect/>
-          <a:stretch>
-            <a:fillRect/>
-          </a:stretch>
-        </p:blipFill>
-        <p:spPr bwMode="auto">
-          <a:xfrm>
-            <a:off x="787400" y="1778000"/>
-            <a:ext cx="3949700" cy="355600"/>
-          </a:xfrm>
-          <a:prstGeom prst="rect">
-            <a:avLst/>
-          </a:prstGeom>
-          <a:noFill/>
-          <a:extLst>
-            <a:ext uri="{909E8E84-426E-40DD-AFC4-6F175D3DCCD1}">
-              <a14:hiddenFill xmlns:a14="http://schemas.microsoft.com/office/drawing/2010/main">
-                <a:solidFill>
-                  <a:srgbClr val="FFFFFF"/>
-                </a:solidFill>
-              </a14:hiddenFill>
-            </a:ext>
-          </a:extLst>
-        </p:spPr>
-      </p:pic>
-      <p:pic>
-        <p:nvPicPr>
-          <p:cNvPr id="4098" name="TextBox 9"/>
-          <p:cNvPicPr>
-            <a:picLocks noChangeArrowheads="1"/>
-          </p:cNvPicPr>
-          <p:nvPr/>
-        </p:nvPicPr>
-        <p:blipFill>
-          <a:blip r:embed="rId10">
-            <a:extLst>
-              <a:ext uri="{28A0092B-C50C-407E-A947-70E740481C1C}">
-                <a14:useLocalDpi xmlns:a14="http://schemas.microsoft.com/office/drawing/2010/main" val="0"/>
-              </a:ext>
-            </a:extLst>
-          </a:blip>
-          <a:srcRect/>
-          <a:stretch>
-            <a:fillRect/>
-          </a:stretch>
-        </p:blipFill>
-        <p:spPr bwMode="auto">
-          <a:xfrm>
-            <a:off x="787400" y="3543300"/>
-            <a:ext cx="3949700" cy="355600"/>
-          </a:xfrm>
-          <a:prstGeom prst="rect">
-            <a:avLst/>
-          </a:prstGeom>
-          <a:noFill/>
-          <a:extLst>
-            <a:ext uri="{909E8E84-426E-40DD-AFC4-6F175D3DCCD1}">
-              <a14:hiddenFill xmlns:a14="http://schemas.microsoft.com/office/drawing/2010/main">
-                <a:solidFill>
-                  <a:srgbClr val="FFFFFF"/>
-                </a:solidFill>
-              </a14:hiddenFill>
-            </a:ext>
-          </a:extLst>
-        </p:spPr>
-      </p:pic>
-      <p:pic>
-        <p:nvPicPr>
-          <p:cNvPr id="4097" name="TextBox 10"/>
-          <p:cNvPicPr>
-            <a:picLocks noChangeArrowheads="1"/>
-          </p:cNvPicPr>
-          <p:nvPr/>
-        </p:nvPicPr>
-        <p:blipFill>
-          <a:blip r:embed="rId11">
-            <a:extLst>
-              <a:ext uri="{28A0092B-C50C-407E-A947-70E740481C1C}">
-                <a14:useLocalDpi xmlns:a14="http://schemas.microsoft.com/office/drawing/2010/main" val="0"/>
-              </a:ext>
-            </a:extLst>
-          </a:blip>
-          <a:srcRect/>
-          <a:stretch>
-            <a:fillRect/>
-          </a:stretch>
-        </p:blipFill>
-        <p:spPr bwMode="auto">
-          <a:xfrm>
-            <a:off x="800100" y="5270500"/>
-            <a:ext cx="3937000" cy="355600"/>
-          </a:xfrm>
-          <a:prstGeom prst="rect">
-            <a:avLst/>
-          </a:prstGeom>
-          <a:noFill/>
-          <a:extLst>
-            <a:ext uri="{909E8E84-426E-40DD-AFC4-6F175D3DCCD1}">
-              <a14:hiddenFill xmlns:a14="http://schemas.microsoft.com/office/drawing/2010/main">
-                <a:solidFill>
-                  <a:srgbClr val="FFFFFF"/>
-                </a:solidFill>
-              </a14:hiddenFill>
-            </a:ext>
-          </a:extLst>
         </p:spPr>
       </p:pic>
     </p:spTree>
     <p:extLst>
       <p:ext uri="{BB962C8B-B14F-4D97-AF65-F5344CB8AC3E}">
-        <p14:creationId xmlns:p14="http://schemas.microsoft.com/office/powerpoint/2010/main" val="1924374681"/>
+        <p14:creationId xmlns:p14="http://schemas.microsoft.com/office/powerpoint/2010/main" val="1715126726"/>
       </p:ext>
     </p:extLst>
   </p:cSld>
@@ -4928,47 +5047,46 @@
           <a:chExt cx="0" cy="0"/>
         </a:xfrm>
       </p:grpSpPr>
+      <p:sp>
+        <p:nvSpPr>
+          <p:cNvPr id="2" name="Title 1"/>
+          <p:cNvSpPr>
+            <a:spLocks noGrp="1"/>
+          </p:cNvSpPr>
+          <p:nvPr>
+            <p:ph type="title"/>
+          </p:nvPr>
+        </p:nvSpPr>
+        <p:spPr/>
+        <p:txBody>
+          <a:bodyPr/>
+          <a:lstStyle/>
+          <a:p>
+            <a:r>
+              <a:rPr lang="en-US" dirty="0" smtClean="0"/>
+              <a:t>PJM ESS</a:t>
+            </a:r>
+            <a:endParaRPr lang="en-US" dirty="0"/>
+          </a:p>
+        </p:txBody>
+      </p:sp>
       <p:pic>
         <p:nvPicPr>
-          <p:cNvPr id="2" name="Picture 1"/>
-          <p:cNvPicPr>
-            <a:picLocks noChangeAspect="1"/>
-          </p:cNvPicPr>
-          <p:nvPr/>
-        </p:nvPicPr>
-        <p:blipFill>
-          <a:blip r:embed="rId2"/>
-          <a:stretch>
-            <a:fillRect/>
-          </a:stretch>
-        </p:blipFill>
-        <p:spPr>
-          <a:xfrm>
-            <a:off x="0" y="0"/>
-            <a:ext cx="5273605" cy="6858000"/>
-          </a:xfrm>
-          <a:prstGeom prst="rect">
-            <a:avLst/>
-          </a:prstGeom>
-        </p:spPr>
-      </p:pic>
-      <p:pic>
-        <p:nvPicPr>
-          <p:cNvPr id="6" name="Picture 5"/>
+          <p:cNvPr id="3" name="Picture 2"/>
           <p:cNvPicPr>
             <a:picLocks noChangeAspect="1"/>
           </p:cNvPicPr>
           <p:nvPr/>
         </p:nvPicPr>
         <p:blipFill rotWithShape="1">
-          <a:blip r:embed="rId3"/>
-          <a:srcRect l="4214" r="16078" b="3790"/>
+          <a:blip r:embed="rId2"/>
+          <a:srcRect l="3665" b="2868"/>
           <a:stretch/>
         </p:blipFill>
         <p:spPr>
           <a:xfrm>
-            <a:off x="5273605" y="1"/>
-            <a:ext cx="4802724" cy="6598024"/>
+            <a:off x="838200" y="1482725"/>
+            <a:ext cx="9555162" cy="4946650"/>
           </a:xfrm>
           <a:prstGeom prst="rect">
             <a:avLst/>
@@ -4978,7 +5096,7 @@
     </p:spTree>
     <p:extLst>
       <p:ext uri="{BB962C8B-B14F-4D97-AF65-F5344CB8AC3E}">
-        <p14:creationId xmlns:p14="http://schemas.microsoft.com/office/powerpoint/2010/main" val="1869810635"/>
+        <p14:creationId xmlns:p14="http://schemas.microsoft.com/office/powerpoint/2010/main" val="1082064655"/>
       </p:ext>
     </p:extLst>
   </p:cSld>
@@ -5005,9 +5123,32 @@
           <a:chExt cx="0" cy="0"/>
         </a:xfrm>
       </p:grpSpPr>
+      <p:sp>
+        <p:nvSpPr>
+          <p:cNvPr id="2" name="Title 1"/>
+          <p:cNvSpPr>
+            <a:spLocks noGrp="1"/>
+          </p:cNvSpPr>
+          <p:nvPr>
+            <p:ph type="title"/>
+          </p:nvPr>
+        </p:nvSpPr>
+        <p:spPr/>
+        <p:txBody>
+          <a:bodyPr/>
+          <a:lstStyle/>
+          <a:p>
+            <a:r>
+              <a:rPr lang="en-US" dirty="0" smtClean="0"/>
+              <a:t>NSW ESS</a:t>
+            </a:r>
+            <a:endParaRPr lang="en-US" dirty="0"/>
+          </a:p>
+        </p:txBody>
+      </p:sp>
       <p:pic>
         <p:nvPicPr>
-          <p:cNvPr id="12" name="Picture 11"/>
+          <p:cNvPr id="4" name="Picture 3"/>
           <p:cNvPicPr>
             <a:picLocks noChangeAspect="1"/>
           </p:cNvPicPr>
@@ -5015,13 +5156,13 @@
         </p:nvPicPr>
         <p:blipFill rotWithShape="1">
           <a:blip r:embed="rId2"/>
-          <a:srcRect l="2687" r="16078" b="2483"/>
+          <a:srcRect r="11973" b="3817"/>
           <a:stretch/>
         </p:blipFill>
         <p:spPr>
           <a:xfrm>
-            <a:off x="3245224" y="0"/>
-            <a:ext cx="4894730" cy="6687671"/>
+            <a:off x="838200" y="1452601"/>
+            <a:ext cx="4371123" cy="4702872"/>
           </a:xfrm>
           <a:prstGeom prst="rect">
             <a:avLst/>
@@ -5030,336 +5171,32 @@
       </p:pic>
       <p:pic>
         <p:nvPicPr>
-          <p:cNvPr id="6152" name="Chart 2"/>
+          <p:cNvPr id="5" name="Picture 4"/>
           <p:cNvPicPr>
-            <a:picLocks noChangeArrowheads="1"/>
+            <a:picLocks noChangeAspect="1"/>
           </p:cNvPicPr>
           <p:nvPr/>
         </p:nvPicPr>
         <p:blipFill>
-          <a:blip r:embed="rId3">
-            <a:extLst>
-              <a:ext uri="{28A0092B-C50C-407E-A947-70E740481C1C}">
-                <a14:useLocalDpi xmlns:a14="http://schemas.microsoft.com/office/drawing/2010/main" val="0"/>
-              </a:ext>
-            </a:extLst>
-          </a:blip>
-          <a:srcRect/>
+          <a:blip r:embed="rId3"/>
           <a:stretch>
             <a:fillRect/>
           </a:stretch>
         </p:blipFill>
-        <p:spPr bwMode="auto">
-          <a:xfrm>
-            <a:off x="114300" y="88900"/>
-            <a:ext cx="5486400" cy="1828800"/>
+        <p:spPr>
+          <a:xfrm>
+            <a:off x="5441950" y="2022553"/>
+            <a:ext cx="4965700" cy="2857500"/>
           </a:xfrm>
           <a:prstGeom prst="rect">
             <a:avLst/>
           </a:prstGeom>
-          <a:noFill/>
-          <a:extLst>
-            <a:ext uri="{909E8E84-426E-40DD-AFC4-6F175D3DCCD1}">
-              <a14:hiddenFill xmlns:a14="http://schemas.microsoft.com/office/drawing/2010/main">
-                <a:solidFill>
-                  <a:srgbClr val="FFFFFF"/>
-                </a:solidFill>
-              </a14:hiddenFill>
-            </a:ext>
-          </a:extLst>
-        </p:spPr>
-      </p:pic>
-      <p:pic>
-        <p:nvPicPr>
-          <p:cNvPr id="6151" name="TextBox 7"/>
-          <p:cNvPicPr>
-            <a:picLocks noChangeArrowheads="1"/>
-          </p:cNvPicPr>
-          <p:nvPr/>
-        </p:nvPicPr>
-        <p:blipFill>
-          <a:blip r:embed="rId4">
-            <a:extLst>
-              <a:ext uri="{28A0092B-C50C-407E-A947-70E740481C1C}">
-                <a14:useLocalDpi xmlns:a14="http://schemas.microsoft.com/office/drawing/2010/main" val="0"/>
-              </a:ext>
-            </a:extLst>
-          </a:blip>
-          <a:srcRect/>
-          <a:stretch>
-            <a:fillRect/>
-          </a:stretch>
-        </p:blipFill>
-        <p:spPr bwMode="auto">
-          <a:xfrm>
-            <a:off x="800100" y="38100"/>
-            <a:ext cx="3911600" cy="279400"/>
-          </a:xfrm>
-          <a:prstGeom prst="rect">
-            <a:avLst/>
-          </a:prstGeom>
-          <a:noFill/>
-          <a:extLst>
-            <a:ext uri="{909E8E84-426E-40DD-AFC4-6F175D3DCCD1}">
-              <a14:hiddenFill xmlns:a14="http://schemas.microsoft.com/office/drawing/2010/main">
-                <a:solidFill>
-                  <a:srgbClr val="FFFFFF"/>
-                </a:solidFill>
-              </a14:hiddenFill>
-            </a:ext>
-          </a:extLst>
-        </p:spPr>
-      </p:pic>
-      <p:pic>
-        <p:nvPicPr>
-          <p:cNvPr id="6150" name="Chart 4"/>
-          <p:cNvPicPr>
-            <a:picLocks noChangeArrowheads="1"/>
-          </p:cNvPicPr>
-          <p:nvPr/>
-        </p:nvPicPr>
-        <p:blipFill>
-          <a:blip r:embed="rId5">
-            <a:extLst>
-              <a:ext uri="{28A0092B-C50C-407E-A947-70E740481C1C}">
-                <a14:useLocalDpi xmlns:a14="http://schemas.microsoft.com/office/drawing/2010/main" val="0"/>
-              </a:ext>
-            </a:extLst>
-          </a:blip>
-          <a:srcRect/>
-          <a:stretch>
-            <a:fillRect/>
-          </a:stretch>
-        </p:blipFill>
-        <p:spPr bwMode="auto">
-          <a:xfrm>
-            <a:off x="114300" y="1854200"/>
-            <a:ext cx="5486400" cy="1828800"/>
-          </a:xfrm>
-          <a:prstGeom prst="rect">
-            <a:avLst/>
-          </a:prstGeom>
-          <a:noFill/>
-          <a:extLst>
-            <a:ext uri="{909E8E84-426E-40DD-AFC4-6F175D3DCCD1}">
-              <a14:hiddenFill xmlns:a14="http://schemas.microsoft.com/office/drawing/2010/main">
-                <a:solidFill>
-                  <a:srgbClr val="FFFFFF"/>
-                </a:solidFill>
-              </a14:hiddenFill>
-            </a:ext>
-          </a:extLst>
-        </p:spPr>
-      </p:pic>
-      <p:pic>
-        <p:nvPicPr>
-          <p:cNvPr id="6149" name="Chart 5"/>
-          <p:cNvPicPr>
-            <a:picLocks noChangeArrowheads="1"/>
-          </p:cNvPicPr>
-          <p:nvPr/>
-        </p:nvPicPr>
-        <p:blipFill>
-          <a:blip r:embed="rId6">
-            <a:extLst>
-              <a:ext uri="{28A0092B-C50C-407E-A947-70E740481C1C}">
-                <a14:useLocalDpi xmlns:a14="http://schemas.microsoft.com/office/drawing/2010/main" val="0"/>
-              </a:ext>
-            </a:extLst>
-          </a:blip>
-          <a:srcRect/>
-          <a:stretch>
-            <a:fillRect/>
-          </a:stretch>
-        </p:blipFill>
-        <p:spPr bwMode="auto">
-          <a:xfrm>
-            <a:off x="114300" y="3606800"/>
-            <a:ext cx="5486400" cy="1828800"/>
-          </a:xfrm>
-          <a:prstGeom prst="rect">
-            <a:avLst/>
-          </a:prstGeom>
-          <a:noFill/>
-          <a:extLst>
-            <a:ext uri="{909E8E84-426E-40DD-AFC4-6F175D3DCCD1}">
-              <a14:hiddenFill xmlns:a14="http://schemas.microsoft.com/office/drawing/2010/main">
-                <a:solidFill>
-                  <a:srgbClr val="FFFFFF"/>
-                </a:solidFill>
-              </a14:hiddenFill>
-            </a:ext>
-          </a:extLst>
-        </p:spPr>
-      </p:pic>
-      <p:pic>
-        <p:nvPicPr>
-          <p:cNvPr id="6148" name="Chart 6"/>
-          <p:cNvPicPr>
-            <a:picLocks noChangeArrowheads="1"/>
-          </p:cNvPicPr>
-          <p:nvPr/>
-        </p:nvPicPr>
-        <p:blipFill>
-          <a:blip r:embed="rId7">
-            <a:extLst>
-              <a:ext uri="{28A0092B-C50C-407E-A947-70E740481C1C}">
-                <a14:useLocalDpi xmlns:a14="http://schemas.microsoft.com/office/drawing/2010/main" val="0"/>
-              </a:ext>
-            </a:extLst>
-          </a:blip>
-          <a:srcRect/>
-          <a:stretch>
-            <a:fillRect/>
-          </a:stretch>
-        </p:blipFill>
-        <p:spPr bwMode="auto">
-          <a:xfrm>
-            <a:off x="114300" y="5359400"/>
-            <a:ext cx="5486400" cy="1828800"/>
-          </a:xfrm>
-          <a:prstGeom prst="rect">
-            <a:avLst/>
-          </a:prstGeom>
-          <a:noFill/>
-          <a:extLst>
-            <a:ext uri="{909E8E84-426E-40DD-AFC4-6F175D3DCCD1}">
-              <a14:hiddenFill xmlns:a14="http://schemas.microsoft.com/office/drawing/2010/main">
-                <a:solidFill>
-                  <a:srgbClr val="FFFFFF"/>
-                </a:solidFill>
-              </a14:hiddenFill>
-            </a:ext>
-          </a:extLst>
-        </p:spPr>
-      </p:pic>
-      <p:pic>
-        <p:nvPicPr>
-          <p:cNvPr id="6147" name="TextBox 8"/>
-          <p:cNvPicPr>
-            <a:picLocks noChangeArrowheads="1"/>
-          </p:cNvPicPr>
-          <p:nvPr/>
-        </p:nvPicPr>
-        <p:blipFill>
-          <a:blip r:embed="rId8">
-            <a:extLst>
-              <a:ext uri="{28A0092B-C50C-407E-A947-70E740481C1C}">
-                <a14:useLocalDpi xmlns:a14="http://schemas.microsoft.com/office/drawing/2010/main" val="0"/>
-              </a:ext>
-            </a:extLst>
-          </a:blip>
-          <a:srcRect/>
-          <a:stretch>
-            <a:fillRect/>
-          </a:stretch>
-        </p:blipFill>
-        <p:spPr bwMode="auto">
-          <a:xfrm>
-            <a:off x="787400" y="1778000"/>
-            <a:ext cx="3949700" cy="355600"/>
-          </a:xfrm>
-          <a:prstGeom prst="rect">
-            <a:avLst/>
-          </a:prstGeom>
-          <a:noFill/>
-          <a:extLst>
-            <a:ext uri="{909E8E84-426E-40DD-AFC4-6F175D3DCCD1}">
-              <a14:hiddenFill xmlns:a14="http://schemas.microsoft.com/office/drawing/2010/main">
-                <a:solidFill>
-                  <a:srgbClr val="FFFFFF"/>
-                </a:solidFill>
-              </a14:hiddenFill>
-            </a:ext>
-          </a:extLst>
-        </p:spPr>
-      </p:pic>
-      <p:pic>
-        <p:nvPicPr>
-          <p:cNvPr id="6146" name="TextBox 9"/>
-          <p:cNvPicPr>
-            <a:picLocks noChangeArrowheads="1"/>
-          </p:cNvPicPr>
-          <p:nvPr/>
-        </p:nvPicPr>
-        <p:blipFill>
-          <a:blip r:embed="rId9">
-            <a:extLst>
-              <a:ext uri="{28A0092B-C50C-407E-A947-70E740481C1C}">
-                <a14:useLocalDpi xmlns:a14="http://schemas.microsoft.com/office/drawing/2010/main" val="0"/>
-              </a:ext>
-            </a:extLst>
-          </a:blip>
-          <a:srcRect/>
-          <a:stretch>
-            <a:fillRect/>
-          </a:stretch>
-        </p:blipFill>
-        <p:spPr bwMode="auto">
-          <a:xfrm>
-            <a:off x="787400" y="3543300"/>
-            <a:ext cx="3949700" cy="355600"/>
-          </a:xfrm>
-          <a:prstGeom prst="rect">
-            <a:avLst/>
-          </a:prstGeom>
-          <a:noFill/>
-          <a:extLst>
-            <a:ext uri="{909E8E84-426E-40DD-AFC4-6F175D3DCCD1}">
-              <a14:hiddenFill xmlns:a14="http://schemas.microsoft.com/office/drawing/2010/main">
-                <a:solidFill>
-                  <a:srgbClr val="FFFFFF"/>
-                </a:solidFill>
-              </a14:hiddenFill>
-            </a:ext>
-          </a:extLst>
-        </p:spPr>
-      </p:pic>
-      <p:pic>
-        <p:nvPicPr>
-          <p:cNvPr id="6145" name="TextBox 10"/>
-          <p:cNvPicPr>
-            <a:picLocks noChangeArrowheads="1"/>
-          </p:cNvPicPr>
-          <p:nvPr/>
-        </p:nvPicPr>
-        <p:blipFill>
-          <a:blip r:embed="rId10">
-            <a:extLst>
-              <a:ext uri="{28A0092B-C50C-407E-A947-70E740481C1C}">
-                <a14:useLocalDpi xmlns:a14="http://schemas.microsoft.com/office/drawing/2010/main" val="0"/>
-              </a:ext>
-            </a:extLst>
-          </a:blip>
-          <a:srcRect/>
-          <a:stretch>
-            <a:fillRect/>
-          </a:stretch>
-        </p:blipFill>
-        <p:spPr bwMode="auto">
-          <a:xfrm>
-            <a:off x="800100" y="5270500"/>
-            <a:ext cx="3937000" cy="355600"/>
-          </a:xfrm>
-          <a:prstGeom prst="rect">
-            <a:avLst/>
-          </a:prstGeom>
-          <a:noFill/>
-          <a:extLst>
-            <a:ext uri="{909E8E84-426E-40DD-AFC4-6F175D3DCCD1}">
-              <a14:hiddenFill xmlns:a14="http://schemas.microsoft.com/office/drawing/2010/main">
-                <a:solidFill>
-                  <a:srgbClr val="FFFFFF"/>
-                </a:solidFill>
-              </a14:hiddenFill>
-            </a:ext>
-          </a:extLst>
         </p:spPr>
       </p:pic>
     </p:spTree>
     <p:extLst>
       <p:ext uri="{BB962C8B-B14F-4D97-AF65-F5344CB8AC3E}">
-        <p14:creationId xmlns:p14="http://schemas.microsoft.com/office/powerpoint/2010/main" val="1602950345"/>
+        <p14:creationId xmlns:p14="http://schemas.microsoft.com/office/powerpoint/2010/main" val="1173428160"/>
       </p:ext>
     </p:extLst>
   </p:cSld>
@@ -5386,9 +5223,37 @@
           <a:chExt cx="0" cy="0"/>
         </a:xfrm>
       </p:grpSpPr>
+      <p:sp>
+        <p:nvSpPr>
+          <p:cNvPr id="2" name="Title 1"/>
+          <p:cNvSpPr>
+            <a:spLocks noGrp="1"/>
+          </p:cNvSpPr>
+          <p:nvPr>
+            <p:ph type="title"/>
+          </p:nvPr>
+        </p:nvSpPr>
+        <p:spPr>
+          <a:xfrm>
+            <a:off x="838200" y="409730"/>
+            <a:ext cx="10515600" cy="1325563"/>
+          </a:xfrm>
+        </p:spPr>
+        <p:txBody>
+          <a:bodyPr/>
+          <a:lstStyle/>
+          <a:p>
+            <a:r>
+              <a:rPr lang="en-US" dirty="0" smtClean="0"/>
+              <a:t>DE EV2G</a:t>
+            </a:r>
+            <a:endParaRPr lang="en-US" dirty="0"/>
+          </a:p>
+        </p:txBody>
+      </p:sp>
       <p:pic>
         <p:nvPicPr>
-          <p:cNvPr id="2" name="Picture 1"/>
+          <p:cNvPr id="5" name="Picture 4"/>
           <p:cNvPicPr>
             <a:picLocks noChangeAspect="1"/>
           </p:cNvPicPr>
@@ -5396,13 +5261,13 @@
         </p:nvPicPr>
         <p:blipFill rotWithShape="1">
           <a:blip r:embed="rId2"/>
-          <a:srcRect l="9083" t="2966" r="11251" b="3699"/>
+          <a:srcRect l="12263" r="8050" b="1950"/>
           <a:stretch/>
         </p:blipFill>
         <p:spPr>
           <a:xfrm>
-            <a:off x="3388658" y="555812"/>
-            <a:ext cx="5271247" cy="5701553"/>
+            <a:off x="4183567" y="409730"/>
+            <a:ext cx="5272668" cy="5790348"/>
           </a:xfrm>
           <a:prstGeom prst="rect">
             <a:avLst/>
@@ -5412,7 +5277,7 @@
     </p:spTree>
     <p:extLst>
       <p:ext uri="{BB962C8B-B14F-4D97-AF65-F5344CB8AC3E}">
-        <p14:creationId xmlns:p14="http://schemas.microsoft.com/office/powerpoint/2010/main" val="882694087"/>
+        <p14:creationId xmlns:p14="http://schemas.microsoft.com/office/powerpoint/2010/main" val="118710654"/>
       </p:ext>
     </p:extLst>
   </p:cSld>
@@ -5439,9 +5304,32 @@
           <a:chExt cx="0" cy="0"/>
         </a:xfrm>
       </p:grpSpPr>
+      <p:sp>
+        <p:nvSpPr>
+          <p:cNvPr id="2" name="Title 1"/>
+          <p:cNvSpPr>
+            <a:spLocks noGrp="1"/>
+          </p:cNvSpPr>
+          <p:nvPr>
+            <p:ph type="title"/>
+          </p:nvPr>
+        </p:nvSpPr>
+        <p:spPr/>
+        <p:txBody>
+          <a:bodyPr/>
+          <a:lstStyle/>
+          <a:p>
+            <a:r>
+              <a:rPr lang="en-US" dirty="0" smtClean="0"/>
+              <a:t>PJM EV2G</a:t>
+            </a:r>
+            <a:endParaRPr lang="en-US" dirty="0"/>
+          </a:p>
+        </p:txBody>
+      </p:sp>
       <p:pic>
         <p:nvPicPr>
-          <p:cNvPr id="10" name="Picture 9"/>
+          <p:cNvPr id="4" name="Picture 3"/>
           <p:cNvPicPr>
             <a:picLocks noChangeAspect="1"/>
           </p:cNvPicPr>
@@ -5449,13 +5337,13 @@
         </p:nvPicPr>
         <p:blipFill rotWithShape="1">
           <a:blip r:embed="rId2"/>
-          <a:srcRect l="5289" t="2379" r="14232" b="3112"/>
+          <a:srcRect l="12474" r="7305" b="3454"/>
           <a:stretch/>
         </p:blipFill>
         <p:spPr>
           <a:xfrm>
-            <a:off x="3137646" y="519953"/>
-            <a:ext cx="5325035" cy="5773272"/>
+            <a:off x="441170" y="661987"/>
+            <a:ext cx="5307982" cy="5701526"/>
           </a:xfrm>
           <a:prstGeom prst="rect">
             <a:avLst/>
@@ -5464,254 +5352,31 @@
       </p:pic>
       <p:pic>
         <p:nvPicPr>
-          <p:cNvPr id="8198" name="Chart 2"/>
+          <p:cNvPr id="5" name="Picture 4"/>
           <p:cNvPicPr>
-            <a:picLocks noChangeArrowheads="1"/>
+            <a:picLocks noChangeAspect="1"/>
           </p:cNvPicPr>
           <p:nvPr/>
         </p:nvPicPr>
-        <p:blipFill>
-          <a:blip r:embed="rId3">
-            <a:extLst>
-              <a:ext uri="{28A0092B-C50C-407E-A947-70E740481C1C}">
-                <a14:useLocalDpi xmlns:a14="http://schemas.microsoft.com/office/drawing/2010/main" val="0"/>
-              </a:ext>
-            </a:extLst>
-          </a:blip>
-          <a:srcRect/>
-          <a:stretch>
-            <a:fillRect/>
-          </a:stretch>
+        <p:blipFill rotWithShape="1">
+          <a:blip r:embed="rId3"/>
+          <a:srcRect l="12474" r="7979" b="3454"/>
+          <a:stretch/>
         </p:blipFill>
-        <p:spPr bwMode="auto">
-          <a:xfrm>
-            <a:off x="673100" y="76200"/>
-            <a:ext cx="5486400" cy="1828800"/>
+        <p:spPr>
+          <a:xfrm>
+            <a:off x="3612994" y="476250"/>
+            <a:ext cx="5263377" cy="5701526"/>
           </a:xfrm>
           <a:prstGeom prst="rect">
             <a:avLst/>
           </a:prstGeom>
-          <a:noFill/>
-          <a:extLst>
-            <a:ext uri="{909E8E84-426E-40DD-AFC4-6F175D3DCCD1}">
-              <a14:hiddenFill xmlns:a14="http://schemas.microsoft.com/office/drawing/2010/main">
-                <a:solidFill>
-                  <a:srgbClr val="FFFFFF"/>
-                </a:solidFill>
-              </a14:hiddenFill>
-            </a:ext>
-          </a:extLst>
-        </p:spPr>
-      </p:pic>
-      <p:pic>
-        <p:nvPicPr>
-          <p:cNvPr id="8197" name="TextBox 3"/>
-          <p:cNvPicPr>
-            <a:picLocks noChangeArrowheads="1"/>
-          </p:cNvPicPr>
-          <p:nvPr/>
-        </p:nvPicPr>
-        <p:blipFill>
-          <a:blip r:embed="rId4">
-            <a:extLst>
-              <a:ext uri="{28A0092B-C50C-407E-A947-70E740481C1C}">
-                <a14:useLocalDpi xmlns:a14="http://schemas.microsoft.com/office/drawing/2010/main" val="0"/>
-              </a:ext>
-            </a:extLst>
-          </a:blip>
-          <a:srcRect/>
-          <a:stretch>
-            <a:fillRect/>
-          </a:stretch>
-        </p:blipFill>
-        <p:spPr bwMode="auto">
-          <a:xfrm>
-            <a:off x="1320800" y="38100"/>
-            <a:ext cx="4673600" cy="254000"/>
-          </a:xfrm>
-          <a:prstGeom prst="rect">
-            <a:avLst/>
-          </a:prstGeom>
-          <a:noFill/>
-          <a:extLst>
-            <a:ext uri="{909E8E84-426E-40DD-AFC4-6F175D3DCCD1}">
-              <a14:hiddenFill xmlns:a14="http://schemas.microsoft.com/office/drawing/2010/main">
-                <a:solidFill>
-                  <a:srgbClr val="FFFFFF"/>
-                </a:solidFill>
-              </a14:hiddenFill>
-            </a:ext>
-          </a:extLst>
-        </p:spPr>
-      </p:pic>
-      <p:pic>
-        <p:nvPicPr>
-          <p:cNvPr id="8196" name="Chart 4"/>
-          <p:cNvPicPr>
-            <a:picLocks noChangeArrowheads="1"/>
-          </p:cNvPicPr>
-          <p:nvPr/>
-        </p:nvPicPr>
-        <p:blipFill>
-          <a:blip r:embed="rId5">
-            <a:extLst>
-              <a:ext uri="{28A0092B-C50C-407E-A947-70E740481C1C}">
-                <a14:useLocalDpi xmlns:a14="http://schemas.microsoft.com/office/drawing/2010/main" val="0"/>
-              </a:ext>
-            </a:extLst>
-          </a:blip>
-          <a:srcRect/>
-          <a:stretch>
-            <a:fillRect/>
-          </a:stretch>
-        </p:blipFill>
-        <p:spPr bwMode="auto">
-          <a:xfrm>
-            <a:off x="673100" y="1905000"/>
-            <a:ext cx="5486400" cy="1828800"/>
-          </a:xfrm>
-          <a:prstGeom prst="rect">
-            <a:avLst/>
-          </a:prstGeom>
-          <a:noFill/>
-          <a:extLst>
-            <a:ext uri="{909E8E84-426E-40DD-AFC4-6F175D3DCCD1}">
-              <a14:hiddenFill xmlns:a14="http://schemas.microsoft.com/office/drawing/2010/main">
-                <a:solidFill>
-                  <a:srgbClr val="FFFFFF"/>
-                </a:solidFill>
-              </a14:hiddenFill>
-            </a:ext>
-          </a:extLst>
-        </p:spPr>
-      </p:pic>
-      <p:pic>
-        <p:nvPicPr>
-          <p:cNvPr id="8195" name="Chart 5"/>
-          <p:cNvPicPr>
-            <a:picLocks noChangeArrowheads="1"/>
-          </p:cNvPicPr>
-          <p:nvPr/>
-        </p:nvPicPr>
-        <p:blipFill>
-          <a:blip r:embed="rId6">
-            <a:extLst>
-              <a:ext uri="{28A0092B-C50C-407E-A947-70E740481C1C}">
-                <a14:useLocalDpi xmlns:a14="http://schemas.microsoft.com/office/drawing/2010/main" val="0"/>
-              </a:ext>
-            </a:extLst>
-          </a:blip>
-          <a:srcRect/>
-          <a:stretch>
-            <a:fillRect/>
-          </a:stretch>
-        </p:blipFill>
-        <p:spPr bwMode="auto">
-          <a:xfrm>
-            <a:off x="673100" y="3721100"/>
-            <a:ext cx="5486400" cy="1828800"/>
-          </a:xfrm>
-          <a:prstGeom prst="rect">
-            <a:avLst/>
-          </a:prstGeom>
-          <a:noFill/>
-          <a:extLst>
-            <a:ext uri="{909E8E84-426E-40DD-AFC4-6F175D3DCCD1}">
-              <a14:hiddenFill xmlns:a14="http://schemas.microsoft.com/office/drawing/2010/main">
-                <a:solidFill>
-                  <a:srgbClr val="FFFFFF"/>
-                </a:solidFill>
-              </a14:hiddenFill>
-            </a:ext>
-          </a:extLst>
-        </p:spPr>
-      </p:pic>
-      <p:pic>
-        <p:nvPicPr>
-          <p:cNvPr id="8194" name="TextBox 6"/>
-          <p:cNvPicPr>
-            <a:picLocks noChangeArrowheads="1"/>
-          </p:cNvPicPr>
-          <p:nvPr/>
-        </p:nvPicPr>
-        <p:blipFill>
-          <a:blip r:embed="rId7">
-            <a:extLst>
-              <a:ext uri="{28A0092B-C50C-407E-A947-70E740481C1C}">
-                <a14:useLocalDpi xmlns:a14="http://schemas.microsoft.com/office/drawing/2010/main" val="0"/>
-              </a:ext>
-            </a:extLst>
-          </a:blip>
-          <a:srcRect/>
-          <a:stretch>
-            <a:fillRect/>
-          </a:stretch>
-        </p:blipFill>
-        <p:spPr bwMode="auto">
-          <a:xfrm>
-            <a:off x="1346200" y="1841500"/>
-            <a:ext cx="4648200" cy="266700"/>
-          </a:xfrm>
-          <a:prstGeom prst="rect">
-            <a:avLst/>
-          </a:prstGeom>
-          <a:noFill/>
-          <a:extLst>
-            <a:ext uri="{909E8E84-426E-40DD-AFC4-6F175D3DCCD1}">
-              <a14:hiddenFill xmlns:a14="http://schemas.microsoft.com/office/drawing/2010/main">
-                <a:solidFill>
-                  <a:srgbClr val="FFFFFF"/>
-                </a:solidFill>
-              </a14:hiddenFill>
-            </a:ext>
-          </a:extLst>
-        </p:spPr>
-      </p:pic>
-      <p:pic>
-        <p:nvPicPr>
-          <p:cNvPr id="8193" name="TextBox 7"/>
-          <p:cNvPicPr>
-            <a:picLocks noChangeArrowheads="1"/>
-          </p:cNvPicPr>
-          <p:nvPr/>
-        </p:nvPicPr>
-        <p:blipFill>
-          <a:blip r:embed="rId8">
-            <a:extLst>
-              <a:ext uri="{28A0092B-C50C-407E-A947-70E740481C1C}">
-                <a14:useLocalDpi xmlns:a14="http://schemas.microsoft.com/office/drawing/2010/main" val="0"/>
-              </a:ext>
-            </a:extLst>
-          </a:blip>
-          <a:srcRect/>
-          <a:stretch>
-            <a:fillRect/>
-          </a:stretch>
-        </p:blipFill>
-        <p:spPr bwMode="auto">
-          <a:xfrm>
-            <a:off x="1371600" y="3657600"/>
-            <a:ext cx="4635500" cy="254000"/>
-          </a:xfrm>
-          <a:prstGeom prst="rect">
-            <a:avLst/>
-          </a:prstGeom>
-          <a:noFill/>
-          <a:extLst>
-            <a:ext uri="{909E8E84-426E-40DD-AFC4-6F175D3DCCD1}">
-              <a14:hiddenFill xmlns:a14="http://schemas.microsoft.com/office/drawing/2010/main">
-                <a:solidFill>
-                  <a:srgbClr val="FFFFFF"/>
-                </a:solidFill>
-              </a14:hiddenFill>
-            </a:ext>
-          </a:extLst>
         </p:spPr>
       </p:pic>
     </p:spTree>
     <p:extLst>
       <p:ext uri="{BB962C8B-B14F-4D97-AF65-F5344CB8AC3E}">
-        <p14:creationId xmlns:p14="http://schemas.microsoft.com/office/powerpoint/2010/main" val="861400930"/>
+        <p14:creationId xmlns:p14="http://schemas.microsoft.com/office/powerpoint/2010/main" val="1061999198"/>
       </p:ext>
     </p:extLst>
   </p:cSld>
@@ -5738,9 +5403,32 @@
           <a:chExt cx="0" cy="0"/>
         </a:xfrm>
       </p:grpSpPr>
+      <p:sp>
+        <p:nvSpPr>
+          <p:cNvPr id="2" name="Title 1"/>
+          <p:cNvSpPr>
+            <a:spLocks noGrp="1"/>
+          </p:cNvSpPr>
+          <p:nvPr>
+            <p:ph type="title"/>
+          </p:nvPr>
+        </p:nvSpPr>
+        <p:spPr/>
+        <p:txBody>
+          <a:bodyPr/>
+          <a:lstStyle/>
+          <a:p>
+            <a:r>
+              <a:rPr lang="en-US" dirty="0" smtClean="0"/>
+              <a:t>NSW EV2G</a:t>
+            </a:r>
+            <a:endParaRPr lang="en-US" dirty="0"/>
+          </a:p>
+        </p:txBody>
+      </p:sp>
       <p:pic>
         <p:nvPicPr>
-          <p:cNvPr id="2" name="Picture 1"/>
+          <p:cNvPr id="4" name="Picture 3"/>
           <p:cNvPicPr>
             <a:picLocks noChangeAspect="1"/>
           </p:cNvPicPr>
@@ -5748,13 +5436,13 @@
         </p:nvPicPr>
         <p:blipFill rotWithShape="1">
           <a:blip r:embed="rId2"/>
-          <a:srcRect l="12064" t="1792" r="7999" b="2525"/>
+          <a:srcRect l="11799" r="6968" b="4216"/>
           <a:stretch/>
         </p:blipFill>
         <p:spPr>
           <a:xfrm>
-            <a:off x="3585882" y="484094"/>
-            <a:ext cx="5289177" cy="5844988"/>
+            <a:off x="4795024" y="365125"/>
+            <a:ext cx="5374888" cy="5656534"/>
           </a:xfrm>
           <a:prstGeom prst="rect">
             <a:avLst/>
@@ -5764,7 +5452,7 @@
     </p:spTree>
     <p:extLst>
       <p:ext uri="{BB962C8B-B14F-4D97-AF65-F5344CB8AC3E}">
-        <p14:creationId xmlns:p14="http://schemas.microsoft.com/office/powerpoint/2010/main" val="1675839029"/>
+        <p14:creationId xmlns:p14="http://schemas.microsoft.com/office/powerpoint/2010/main" val="1105388127"/>
       </p:ext>
     </p:extLst>
   </p:cSld>

--- a/FXLeibility.Matlab/Experiment/Original/Figure.pptx
+++ b/FXLeibility.Matlab/Experiment/Original/Figure.pptx
@@ -20,6 +20,8 @@
     <p:sldId id="261" r:id="rId14"/>
     <p:sldId id="262" r:id="rId15"/>
     <p:sldId id="263" r:id="rId16"/>
+    <p:sldId id="271" r:id="rId17"/>
+    <p:sldId id="272" r:id="rId18"/>
   </p:sldIdLst>
   <p:sldSz cx="12192000" cy="6858000"/>
   <p:notesSz cx="6858000" cy="9144000"/>
@@ -4767,6 +4769,214 @@
 </p:sld>
 </file>
 
+<file path=ppt/slides/slide16.xml><?xml version="1.0" encoding="utf-8"?>
+<p:sld xmlns:a="http://schemas.openxmlformats.org/drawingml/2006/main" xmlns:r="http://schemas.openxmlformats.org/officeDocument/2006/relationships" xmlns:p="http://schemas.openxmlformats.org/presentationml/2006/main">
+  <p:cSld>
+    <p:spTree>
+      <p:nvGrpSpPr>
+        <p:cNvPr id="1" name=""/>
+        <p:cNvGrpSpPr/>
+        <p:nvPr/>
+      </p:nvGrpSpPr>
+      <p:grpSpPr>
+        <a:xfrm>
+          <a:off x="0" y="0"/>
+          <a:ext cx="0" cy="0"/>
+          <a:chOff x="0" y="0"/>
+          <a:chExt cx="0" cy="0"/>
+        </a:xfrm>
+      </p:grpSpPr>
+      <p:grpSp>
+        <p:nvGrpSpPr>
+          <p:cNvPr id="10" name="Group 9"/>
+          <p:cNvGrpSpPr/>
+          <p:nvPr/>
+        </p:nvGrpSpPr>
+        <p:grpSpPr>
+          <a:xfrm>
+            <a:off x="1858536" y="526588"/>
+            <a:ext cx="5400000" cy="6086089"/>
+            <a:chOff x="1858536" y="526588"/>
+            <a:chExt cx="5400000" cy="6086089"/>
+          </a:xfrm>
+        </p:grpSpPr>
+        <p:pic>
+          <p:nvPicPr>
+            <p:cNvPr id="9" name="Picture 8"/>
+            <p:cNvPicPr>
+              <a:picLocks noChangeAspect="1"/>
+            </p:cNvPicPr>
+            <p:nvPr/>
+          </p:nvPicPr>
+          <p:blipFill>
+            <a:blip r:embed="rId2">
+              <a:extLst>
+                <a:ext uri="{28A0092B-C50C-407E-A947-70E740481C1C}">
+                  <a14:useLocalDpi xmlns:a14="http://schemas.microsoft.com/office/drawing/2010/main" val="0"/>
+                </a:ext>
+              </a:extLst>
+            </a:blip>
+            <a:stretch>
+              <a:fillRect/>
+            </a:stretch>
+          </p:blipFill>
+          <p:spPr>
+            <a:xfrm>
+              <a:off x="1858536" y="526588"/>
+              <a:ext cx="5400000" cy="2449286"/>
+            </a:xfrm>
+            <a:prstGeom prst="rect">
+              <a:avLst/>
+            </a:prstGeom>
+          </p:spPr>
+        </p:pic>
+        <p:pic>
+          <p:nvPicPr>
+            <p:cNvPr id="3" name="Picture 2"/>
+            <p:cNvPicPr>
+              <a:picLocks noChangeAspect="1"/>
+            </p:cNvPicPr>
+            <p:nvPr/>
+          </p:nvPicPr>
+          <p:blipFill rotWithShape="1">
+            <a:blip r:embed="rId3">
+              <a:extLst>
+                <a:ext uri="{28A0092B-C50C-407E-A947-70E740481C1C}">
+                  <a14:useLocalDpi xmlns:a14="http://schemas.microsoft.com/office/drawing/2010/main" val="0"/>
+                </a:ext>
+              </a:extLst>
+            </a:blip>
+            <a:srcRect t="3357"/>
+            <a:stretch/>
+          </p:blipFill>
+          <p:spPr>
+            <a:xfrm>
+              <a:off x="1858536" y="2698599"/>
+              <a:ext cx="5400000" cy="3914078"/>
+            </a:xfrm>
+            <a:prstGeom prst="rect">
+              <a:avLst/>
+            </a:prstGeom>
+          </p:spPr>
+        </p:pic>
+      </p:grpSp>
+    </p:spTree>
+    <p:extLst>
+      <p:ext uri="{BB962C8B-B14F-4D97-AF65-F5344CB8AC3E}">
+        <p14:creationId xmlns:p14="http://schemas.microsoft.com/office/powerpoint/2010/main" val="389365622"/>
+      </p:ext>
+    </p:extLst>
+  </p:cSld>
+  <p:clrMapOvr>
+    <a:masterClrMapping/>
+  </p:clrMapOvr>
+</p:sld>
+</file>
+
+<file path=ppt/slides/slide17.xml><?xml version="1.0" encoding="utf-8"?>
+<p:sld xmlns:a="http://schemas.openxmlformats.org/drawingml/2006/main" xmlns:r="http://schemas.openxmlformats.org/officeDocument/2006/relationships" xmlns:p="http://schemas.openxmlformats.org/presentationml/2006/main">
+  <p:cSld>
+    <p:spTree>
+      <p:nvGrpSpPr>
+        <p:cNvPr id="1" name=""/>
+        <p:cNvGrpSpPr/>
+        <p:nvPr/>
+      </p:nvGrpSpPr>
+      <p:grpSpPr>
+        <a:xfrm>
+          <a:off x="0" y="0"/>
+          <a:ext cx="0" cy="0"/>
+          <a:chOff x="0" y="0"/>
+          <a:chExt cx="0" cy="0"/>
+        </a:xfrm>
+      </p:grpSpPr>
+      <p:grpSp>
+        <p:nvGrpSpPr>
+          <p:cNvPr id="4" name="Group 3"/>
+          <p:cNvGrpSpPr/>
+          <p:nvPr/>
+        </p:nvGrpSpPr>
+        <p:grpSpPr>
+          <a:xfrm>
+            <a:off x="3085171" y="555703"/>
+            <a:ext cx="5400000" cy="5923155"/>
+            <a:chOff x="3085171" y="555703"/>
+            <a:chExt cx="5400000" cy="5923155"/>
+          </a:xfrm>
+        </p:grpSpPr>
+        <p:pic>
+          <p:nvPicPr>
+            <p:cNvPr id="2" name="Picture 1"/>
+            <p:cNvPicPr>
+              <a:picLocks noChangeAspect="1"/>
+            </p:cNvPicPr>
+            <p:nvPr/>
+          </p:nvPicPr>
+          <p:blipFill>
+            <a:blip r:embed="rId2">
+              <a:extLst>
+                <a:ext uri="{28A0092B-C50C-407E-A947-70E740481C1C}">
+                  <a14:useLocalDpi xmlns:a14="http://schemas.microsoft.com/office/drawing/2010/main" val="0"/>
+                </a:ext>
+              </a:extLst>
+            </a:blip>
+            <a:stretch>
+              <a:fillRect/>
+            </a:stretch>
+          </p:blipFill>
+          <p:spPr>
+            <a:xfrm>
+              <a:off x="3085171" y="555703"/>
+              <a:ext cx="5400000" cy="2555357"/>
+            </a:xfrm>
+            <a:prstGeom prst="rect">
+              <a:avLst/>
+            </a:prstGeom>
+          </p:spPr>
+        </p:pic>
+        <p:pic>
+          <p:nvPicPr>
+            <p:cNvPr id="3" name="Picture 2"/>
+            <p:cNvPicPr>
+              <a:picLocks noChangeAspect="1"/>
+            </p:cNvPicPr>
+            <p:nvPr/>
+          </p:nvPicPr>
+          <p:blipFill rotWithShape="1">
+            <a:blip r:embed="rId3">
+              <a:extLst>
+                <a:ext uri="{28A0092B-C50C-407E-A947-70E740481C1C}">
+                  <a14:useLocalDpi xmlns:a14="http://schemas.microsoft.com/office/drawing/2010/main" val="0"/>
+                </a:ext>
+              </a:extLst>
+            </a:blip>
+            <a:srcRect t="3356"/>
+            <a:stretch/>
+          </p:blipFill>
+          <p:spPr>
+            <a:xfrm>
+              <a:off x="3085171" y="2564780"/>
+              <a:ext cx="5400000" cy="3914078"/>
+            </a:xfrm>
+            <a:prstGeom prst="rect">
+              <a:avLst/>
+            </a:prstGeom>
+          </p:spPr>
+        </p:pic>
+      </p:grpSp>
+    </p:spTree>
+    <p:extLst>
+      <p:ext uri="{BB962C8B-B14F-4D97-AF65-F5344CB8AC3E}">
+        <p14:creationId xmlns:p14="http://schemas.microsoft.com/office/powerpoint/2010/main" val="450423396"/>
+      </p:ext>
+    </p:extLst>
+  </p:cSld>
+  <p:clrMapOvr>
+    <a:masterClrMapping/>
+  </p:clrMapOvr>
+</p:sld>
+</file>
+
 <file path=ppt/slides/slide2.xml><?xml version="1.0" encoding="utf-8"?>
 <p:sld xmlns:a="http://schemas.openxmlformats.org/drawingml/2006/main" xmlns:r="http://schemas.openxmlformats.org/officeDocument/2006/relationships" xmlns:p="http://schemas.openxmlformats.org/presentationml/2006/main">
   <p:cSld>
@@ -5365,7 +5575,7 @@
         </p:blipFill>
         <p:spPr>
           <a:xfrm>
-            <a:off x="3612994" y="476250"/>
+            <a:off x="6146182" y="661987"/>
             <a:ext cx="5263377" cy="5701526"/>
           </a:xfrm>
           <a:prstGeom prst="rect">

--- a/FXLeibility.Matlab/Experiment/Original/Figure.pptx
+++ b/FXLeibility.Matlab/Experiment/Original/Figure.pptx
@@ -4,24 +4,30 @@
   <p:sldMasterIdLst>
     <p:sldMasterId id="2147483648" r:id="rId1"/>
   </p:sldMasterIdLst>
+  <p:notesMasterIdLst>
+    <p:notesMasterId r:id="rId22"/>
+  </p:notesMasterIdLst>
   <p:sldIdLst>
     <p:sldId id="256" r:id="rId2"/>
     <p:sldId id="264" r:id="rId3"/>
-    <p:sldId id="257" r:id="rId4"/>
-    <p:sldId id="265" r:id="rId5"/>
-    <p:sldId id="266" r:id="rId6"/>
-    <p:sldId id="267" r:id="rId7"/>
-    <p:sldId id="268" r:id="rId8"/>
-    <p:sldId id="269" r:id="rId9"/>
-    <p:sldId id="270" r:id="rId10"/>
-    <p:sldId id="258" r:id="rId11"/>
-    <p:sldId id="259" r:id="rId12"/>
-    <p:sldId id="260" r:id="rId13"/>
-    <p:sldId id="261" r:id="rId14"/>
-    <p:sldId id="262" r:id="rId15"/>
-    <p:sldId id="263" r:id="rId16"/>
-    <p:sldId id="271" r:id="rId17"/>
-    <p:sldId id="272" r:id="rId18"/>
+    <p:sldId id="274" r:id="rId4"/>
+    <p:sldId id="273" r:id="rId5"/>
+    <p:sldId id="265" r:id="rId6"/>
+    <p:sldId id="266" r:id="rId7"/>
+    <p:sldId id="267" r:id="rId8"/>
+    <p:sldId id="268" r:id="rId9"/>
+    <p:sldId id="269" r:id="rId10"/>
+    <p:sldId id="270" r:id="rId11"/>
+    <p:sldId id="258" r:id="rId12"/>
+    <p:sldId id="259" r:id="rId13"/>
+    <p:sldId id="260" r:id="rId14"/>
+    <p:sldId id="261" r:id="rId15"/>
+    <p:sldId id="262" r:id="rId16"/>
+    <p:sldId id="263" r:id="rId17"/>
+    <p:sldId id="271" r:id="rId18"/>
+    <p:sldId id="272" r:id="rId19"/>
+    <p:sldId id="275" r:id="rId20"/>
+    <p:sldId id="276" r:id="rId21"/>
   </p:sldIdLst>
   <p:sldSz cx="12192000" cy="6858000"/>
   <p:notesSz cx="6858000" cy="9144000"/>
@@ -128,6 +134,356 @@
 </p:presentation>
 </file>
 
+<file path=ppt/notesMasters/notesMaster1.xml><?xml version="1.0" encoding="utf-8"?>
+<p:notesMaster xmlns:a="http://schemas.openxmlformats.org/drawingml/2006/main" xmlns:r="http://schemas.openxmlformats.org/officeDocument/2006/relationships" xmlns:p="http://schemas.openxmlformats.org/presentationml/2006/main">
+  <p:cSld>
+    <p:bg>
+      <p:bgRef idx="1001">
+        <a:schemeClr val="bg1"/>
+      </p:bgRef>
+    </p:bg>
+    <p:spTree>
+      <p:nvGrpSpPr>
+        <p:cNvPr id="1" name=""/>
+        <p:cNvGrpSpPr/>
+        <p:nvPr/>
+      </p:nvGrpSpPr>
+      <p:grpSpPr>
+        <a:xfrm>
+          <a:off x="0" y="0"/>
+          <a:ext cx="0" cy="0"/>
+          <a:chOff x="0" y="0"/>
+          <a:chExt cx="0" cy="0"/>
+        </a:xfrm>
+      </p:grpSpPr>
+      <p:sp>
+        <p:nvSpPr>
+          <p:cNvPr id="2" name="Header Placeholder 1"/>
+          <p:cNvSpPr>
+            <a:spLocks noGrp="1"/>
+          </p:cNvSpPr>
+          <p:nvPr>
+            <p:ph type="hdr" sz="quarter"/>
+          </p:nvPr>
+        </p:nvSpPr>
+        <p:spPr>
+          <a:xfrm>
+            <a:off x="0" y="0"/>
+            <a:ext cx="2971800" cy="458788"/>
+          </a:xfrm>
+          <a:prstGeom prst="rect">
+            <a:avLst/>
+          </a:prstGeom>
+        </p:spPr>
+        <p:txBody>
+          <a:bodyPr vert="horz" lIns="91440" tIns="45720" rIns="91440" bIns="45720" rtlCol="0"/>
+          <a:lstStyle>
+            <a:lvl1pPr algn="l">
+              <a:defRPr sz="1200"/>
+            </a:lvl1pPr>
+          </a:lstStyle>
+          <a:p>
+            <a:endParaRPr lang="en-US"/>
+          </a:p>
+        </p:txBody>
+      </p:sp>
+      <p:sp>
+        <p:nvSpPr>
+          <p:cNvPr id="3" name="Date Placeholder 2"/>
+          <p:cNvSpPr>
+            <a:spLocks noGrp="1"/>
+          </p:cNvSpPr>
+          <p:nvPr>
+            <p:ph type="dt" idx="1"/>
+          </p:nvPr>
+        </p:nvSpPr>
+        <p:spPr>
+          <a:xfrm>
+            <a:off x="3884613" y="0"/>
+            <a:ext cx="2971800" cy="458788"/>
+          </a:xfrm>
+          <a:prstGeom prst="rect">
+            <a:avLst/>
+          </a:prstGeom>
+        </p:spPr>
+        <p:txBody>
+          <a:bodyPr vert="horz" lIns="91440" tIns="45720" rIns="91440" bIns="45720" rtlCol="0"/>
+          <a:lstStyle>
+            <a:lvl1pPr algn="r">
+              <a:defRPr sz="1200"/>
+            </a:lvl1pPr>
+          </a:lstStyle>
+          <a:p>
+            <a:fld id="{580628C9-C061-C94F-911D-2833CBEA3908}" type="datetimeFigureOut">
+              <a:rPr lang="en-US" smtClean="0"/>
+              <a:t>4/11/18</a:t>
+            </a:fld>
+            <a:endParaRPr lang="en-US"/>
+          </a:p>
+        </p:txBody>
+      </p:sp>
+      <p:sp>
+        <p:nvSpPr>
+          <p:cNvPr id="4" name="Slide Image Placeholder 3"/>
+          <p:cNvSpPr>
+            <a:spLocks noGrp="1" noRot="1" noChangeAspect="1"/>
+          </p:cNvSpPr>
+          <p:nvPr>
+            <p:ph type="sldImg" idx="2"/>
+          </p:nvPr>
+        </p:nvSpPr>
+        <p:spPr>
+          <a:xfrm>
+            <a:off x="685800" y="1143000"/>
+            <a:ext cx="5486400" cy="3086100"/>
+          </a:xfrm>
+          <a:prstGeom prst="rect">
+            <a:avLst/>
+          </a:prstGeom>
+          <a:noFill/>
+          <a:ln w="12700">
+            <a:solidFill>
+              <a:prstClr val="black"/>
+            </a:solidFill>
+          </a:ln>
+        </p:spPr>
+        <p:txBody>
+          <a:bodyPr vert="horz" lIns="91440" tIns="45720" rIns="91440" bIns="45720" rtlCol="0" anchor="ctr"/>
+          <a:lstStyle/>
+          <a:p>
+            <a:endParaRPr lang="en-US"/>
+          </a:p>
+        </p:txBody>
+      </p:sp>
+      <p:sp>
+        <p:nvSpPr>
+          <p:cNvPr id="5" name="Notes Placeholder 4"/>
+          <p:cNvSpPr>
+            <a:spLocks noGrp="1"/>
+          </p:cNvSpPr>
+          <p:nvPr>
+            <p:ph type="body" sz="quarter" idx="3"/>
+          </p:nvPr>
+        </p:nvSpPr>
+        <p:spPr>
+          <a:xfrm>
+            <a:off x="685800" y="4400550"/>
+            <a:ext cx="5486400" cy="3600450"/>
+          </a:xfrm>
+          <a:prstGeom prst="rect">
+            <a:avLst/>
+          </a:prstGeom>
+        </p:spPr>
+        <p:txBody>
+          <a:bodyPr vert="horz" lIns="91440" tIns="45720" rIns="91440" bIns="45720" rtlCol="0"/>
+          <a:lstStyle/>
+          <a:p>
+            <a:pPr lvl="0"/>
+            <a:r>
+              <a:rPr lang="en-US" smtClean="0"/>
+              <a:t>Click to edit Master text styles</a:t>
+            </a:r>
+          </a:p>
+          <a:p>
+            <a:pPr lvl="1"/>
+            <a:r>
+              <a:rPr lang="en-US" smtClean="0"/>
+              <a:t>Second level</a:t>
+            </a:r>
+          </a:p>
+          <a:p>
+            <a:pPr lvl="2"/>
+            <a:r>
+              <a:rPr lang="en-US" smtClean="0"/>
+              <a:t>Third level</a:t>
+            </a:r>
+          </a:p>
+          <a:p>
+            <a:pPr lvl="3"/>
+            <a:r>
+              <a:rPr lang="en-US" smtClean="0"/>
+              <a:t>Fourth level</a:t>
+            </a:r>
+          </a:p>
+          <a:p>
+            <a:pPr lvl="4"/>
+            <a:r>
+              <a:rPr lang="en-US" smtClean="0"/>
+              <a:t>Fifth level</a:t>
+            </a:r>
+            <a:endParaRPr lang="en-US"/>
+          </a:p>
+        </p:txBody>
+      </p:sp>
+      <p:sp>
+        <p:nvSpPr>
+          <p:cNvPr id="6" name="Footer Placeholder 5"/>
+          <p:cNvSpPr>
+            <a:spLocks noGrp="1"/>
+          </p:cNvSpPr>
+          <p:nvPr>
+            <p:ph type="ftr" sz="quarter" idx="4"/>
+          </p:nvPr>
+        </p:nvSpPr>
+        <p:spPr>
+          <a:xfrm>
+            <a:off x="0" y="8685213"/>
+            <a:ext cx="2971800" cy="458787"/>
+          </a:xfrm>
+          <a:prstGeom prst="rect">
+            <a:avLst/>
+          </a:prstGeom>
+        </p:spPr>
+        <p:txBody>
+          <a:bodyPr vert="horz" lIns="91440" tIns="45720" rIns="91440" bIns="45720" rtlCol="0" anchor="b"/>
+          <a:lstStyle>
+            <a:lvl1pPr algn="l">
+              <a:defRPr sz="1200"/>
+            </a:lvl1pPr>
+          </a:lstStyle>
+          <a:p>
+            <a:endParaRPr lang="en-US"/>
+          </a:p>
+        </p:txBody>
+      </p:sp>
+      <p:sp>
+        <p:nvSpPr>
+          <p:cNvPr id="7" name="Slide Number Placeholder 6"/>
+          <p:cNvSpPr>
+            <a:spLocks noGrp="1"/>
+          </p:cNvSpPr>
+          <p:nvPr>
+            <p:ph type="sldNum" sz="quarter" idx="5"/>
+          </p:nvPr>
+        </p:nvSpPr>
+        <p:spPr>
+          <a:xfrm>
+            <a:off x="3884613" y="8685213"/>
+            <a:ext cx="2971800" cy="458787"/>
+          </a:xfrm>
+          <a:prstGeom prst="rect">
+            <a:avLst/>
+          </a:prstGeom>
+        </p:spPr>
+        <p:txBody>
+          <a:bodyPr vert="horz" lIns="91440" tIns="45720" rIns="91440" bIns="45720" rtlCol="0" anchor="b"/>
+          <a:lstStyle>
+            <a:lvl1pPr algn="r">
+              <a:defRPr sz="1200"/>
+            </a:lvl1pPr>
+          </a:lstStyle>
+          <a:p>
+            <a:fld id="{89009958-F85D-024F-AB3D-D184D9F1CF0E}" type="slidenum">
+              <a:rPr lang="en-US" smtClean="0"/>
+              <a:t>‹#›</a:t>
+            </a:fld>
+            <a:endParaRPr lang="en-US"/>
+          </a:p>
+        </p:txBody>
+      </p:sp>
+    </p:spTree>
+    <p:extLst>
+      <p:ext uri="{BB962C8B-B14F-4D97-AF65-F5344CB8AC3E}">
+        <p14:creationId xmlns:p14="http://schemas.microsoft.com/office/powerpoint/2010/main" val="2136969149"/>
+      </p:ext>
+    </p:extLst>
+  </p:cSld>
+  <p:clrMap bg1="lt1" tx1="dk1" bg2="lt2" tx2="dk2" accent1="accent1" accent2="accent2" accent3="accent3" accent4="accent4" accent5="accent5" accent6="accent6" hlink="hlink" folHlink="folHlink"/>
+  <p:notesStyle>
+    <a:lvl1pPr marL="0" algn="l" defTabSz="914400" rtl="0" eaLnBrk="1" latinLnBrk="0" hangingPunct="1">
+      <a:defRPr sz="1200" kern="1200">
+        <a:solidFill>
+          <a:schemeClr val="tx1"/>
+        </a:solidFill>
+        <a:latin typeface="+mn-lt"/>
+        <a:ea typeface="+mn-ea"/>
+        <a:cs typeface="+mn-cs"/>
+      </a:defRPr>
+    </a:lvl1pPr>
+    <a:lvl2pPr marL="457200" algn="l" defTabSz="914400" rtl="0" eaLnBrk="1" latinLnBrk="0" hangingPunct="1">
+      <a:defRPr sz="1200" kern="1200">
+        <a:solidFill>
+          <a:schemeClr val="tx1"/>
+        </a:solidFill>
+        <a:latin typeface="+mn-lt"/>
+        <a:ea typeface="+mn-ea"/>
+        <a:cs typeface="+mn-cs"/>
+      </a:defRPr>
+    </a:lvl2pPr>
+    <a:lvl3pPr marL="914400" algn="l" defTabSz="914400" rtl="0" eaLnBrk="1" latinLnBrk="0" hangingPunct="1">
+      <a:defRPr sz="1200" kern="1200">
+        <a:solidFill>
+          <a:schemeClr val="tx1"/>
+        </a:solidFill>
+        <a:latin typeface="+mn-lt"/>
+        <a:ea typeface="+mn-ea"/>
+        <a:cs typeface="+mn-cs"/>
+      </a:defRPr>
+    </a:lvl3pPr>
+    <a:lvl4pPr marL="1371600" algn="l" defTabSz="914400" rtl="0" eaLnBrk="1" latinLnBrk="0" hangingPunct="1">
+      <a:defRPr sz="1200" kern="1200">
+        <a:solidFill>
+          <a:schemeClr val="tx1"/>
+        </a:solidFill>
+        <a:latin typeface="+mn-lt"/>
+        <a:ea typeface="+mn-ea"/>
+        <a:cs typeface="+mn-cs"/>
+      </a:defRPr>
+    </a:lvl4pPr>
+    <a:lvl5pPr marL="1828800" algn="l" defTabSz="914400" rtl="0" eaLnBrk="1" latinLnBrk="0" hangingPunct="1">
+      <a:defRPr sz="1200" kern="1200">
+        <a:solidFill>
+          <a:schemeClr val="tx1"/>
+        </a:solidFill>
+        <a:latin typeface="+mn-lt"/>
+        <a:ea typeface="+mn-ea"/>
+        <a:cs typeface="+mn-cs"/>
+      </a:defRPr>
+    </a:lvl5pPr>
+    <a:lvl6pPr marL="2286000" algn="l" defTabSz="914400" rtl="0" eaLnBrk="1" latinLnBrk="0" hangingPunct="1">
+      <a:defRPr sz="1200" kern="1200">
+        <a:solidFill>
+          <a:schemeClr val="tx1"/>
+        </a:solidFill>
+        <a:latin typeface="+mn-lt"/>
+        <a:ea typeface="+mn-ea"/>
+        <a:cs typeface="+mn-cs"/>
+      </a:defRPr>
+    </a:lvl6pPr>
+    <a:lvl7pPr marL="2743200" algn="l" defTabSz="914400" rtl="0" eaLnBrk="1" latinLnBrk="0" hangingPunct="1">
+      <a:defRPr sz="1200" kern="1200">
+        <a:solidFill>
+          <a:schemeClr val="tx1"/>
+        </a:solidFill>
+        <a:latin typeface="+mn-lt"/>
+        <a:ea typeface="+mn-ea"/>
+        <a:cs typeface="+mn-cs"/>
+      </a:defRPr>
+    </a:lvl7pPr>
+    <a:lvl8pPr marL="3200400" algn="l" defTabSz="914400" rtl="0" eaLnBrk="1" latinLnBrk="0" hangingPunct="1">
+      <a:defRPr sz="1200" kern="1200">
+        <a:solidFill>
+          <a:schemeClr val="tx1"/>
+        </a:solidFill>
+        <a:latin typeface="+mn-lt"/>
+        <a:ea typeface="+mn-ea"/>
+        <a:cs typeface="+mn-cs"/>
+      </a:defRPr>
+    </a:lvl8pPr>
+    <a:lvl9pPr marL="3657600" algn="l" defTabSz="914400" rtl="0" eaLnBrk="1" latinLnBrk="0" hangingPunct="1">
+      <a:defRPr sz="1200" kern="1200">
+        <a:solidFill>
+          <a:schemeClr val="tx1"/>
+        </a:solidFill>
+        <a:latin typeface="+mn-lt"/>
+        <a:ea typeface="+mn-ea"/>
+        <a:cs typeface="+mn-cs"/>
+      </a:defRPr>
+    </a:lvl9pPr>
+  </p:notesStyle>
+</p:notesMaster>
+</file>
+
 <file path=ppt/slideLayouts/slideLayout1.xml><?xml version="1.0" encoding="utf-8"?>
 <p:sldLayout xmlns:a="http://schemas.openxmlformats.org/drawingml/2006/main" xmlns:r="http://schemas.openxmlformats.org/officeDocument/2006/relationships" xmlns:p="http://schemas.openxmlformats.org/presentationml/2006/main" type="title" preserve="1">
   <p:cSld name="Title Slide">
@@ -259,7 +615,7 @@
           <a:p>
             <a:fld id="{CA8E2D27-2A54-8242-8DD5-96F4A37135A9}" type="datetimeFigureOut">
               <a:rPr lang="en-US" smtClean="0"/>
-              <a:t>3/13/18</a:t>
+              <a:t>4/9/18</a:t>
             </a:fld>
             <a:endParaRPr lang="en-US"/>
           </a:p>
@@ -429,7 +785,7 @@
           <a:p>
             <a:fld id="{CA8E2D27-2A54-8242-8DD5-96F4A37135A9}" type="datetimeFigureOut">
               <a:rPr lang="en-US" smtClean="0"/>
-              <a:t>3/13/18</a:t>
+              <a:t>4/9/18</a:t>
             </a:fld>
             <a:endParaRPr lang="en-US"/>
           </a:p>
@@ -609,7 +965,7 @@
           <a:p>
             <a:fld id="{CA8E2D27-2A54-8242-8DD5-96F4A37135A9}" type="datetimeFigureOut">
               <a:rPr lang="en-US" smtClean="0"/>
-              <a:t>3/13/18</a:t>
+              <a:t>4/9/18</a:t>
             </a:fld>
             <a:endParaRPr lang="en-US"/>
           </a:p>
@@ -779,7 +1135,7 @@
           <a:p>
             <a:fld id="{CA8E2D27-2A54-8242-8DD5-96F4A37135A9}" type="datetimeFigureOut">
               <a:rPr lang="en-US" smtClean="0"/>
-              <a:t>3/13/18</a:t>
+              <a:t>4/9/18</a:t>
             </a:fld>
             <a:endParaRPr lang="en-US"/>
           </a:p>
@@ -1025,7 +1381,7 @@
           <a:p>
             <a:fld id="{CA8E2D27-2A54-8242-8DD5-96F4A37135A9}" type="datetimeFigureOut">
               <a:rPr lang="en-US" smtClean="0"/>
-              <a:t>3/13/18</a:t>
+              <a:t>4/9/18</a:t>
             </a:fld>
             <a:endParaRPr lang="en-US"/>
           </a:p>
@@ -1257,7 +1613,7 @@
           <a:p>
             <a:fld id="{CA8E2D27-2A54-8242-8DD5-96F4A37135A9}" type="datetimeFigureOut">
               <a:rPr lang="en-US" smtClean="0"/>
-              <a:t>3/13/18</a:t>
+              <a:t>4/9/18</a:t>
             </a:fld>
             <a:endParaRPr lang="en-US"/>
           </a:p>
@@ -1624,7 +1980,7 @@
           <a:p>
             <a:fld id="{CA8E2D27-2A54-8242-8DD5-96F4A37135A9}" type="datetimeFigureOut">
               <a:rPr lang="en-US" smtClean="0"/>
-              <a:t>3/13/18</a:t>
+              <a:t>4/9/18</a:t>
             </a:fld>
             <a:endParaRPr lang="en-US"/>
           </a:p>
@@ -1742,7 +2098,7 @@
           <a:p>
             <a:fld id="{CA8E2D27-2A54-8242-8DD5-96F4A37135A9}" type="datetimeFigureOut">
               <a:rPr lang="en-US" smtClean="0"/>
-              <a:t>3/13/18</a:t>
+              <a:t>4/9/18</a:t>
             </a:fld>
             <a:endParaRPr lang="en-US"/>
           </a:p>
@@ -1837,7 +2193,7 @@
           <a:p>
             <a:fld id="{CA8E2D27-2A54-8242-8DD5-96F4A37135A9}" type="datetimeFigureOut">
               <a:rPr lang="en-US" smtClean="0"/>
-              <a:t>3/13/18</a:t>
+              <a:t>4/9/18</a:t>
             </a:fld>
             <a:endParaRPr lang="en-US"/>
           </a:p>
@@ -2114,7 +2470,7 @@
           <a:p>
             <a:fld id="{CA8E2D27-2A54-8242-8DD5-96F4A37135A9}" type="datetimeFigureOut">
               <a:rPr lang="en-US" smtClean="0"/>
-              <a:t>3/13/18</a:t>
+              <a:t>4/9/18</a:t>
             </a:fld>
             <a:endParaRPr lang="en-US"/>
           </a:p>
@@ -2367,7 +2723,7 @@
           <a:p>
             <a:fld id="{CA8E2D27-2A54-8242-8DD5-96F4A37135A9}" type="datetimeFigureOut">
               <a:rPr lang="en-US" smtClean="0"/>
-              <a:t>3/13/18</a:t>
+              <a:t>4/9/18</a:t>
             </a:fld>
             <a:endParaRPr lang="en-US"/>
           </a:p>
@@ -2580,7 +2936,7 @@
           <a:p>
             <a:fld id="{CA8E2D27-2A54-8242-8DD5-96F4A37135A9}" type="datetimeFigureOut">
               <a:rPr lang="en-US" smtClean="0"/>
-              <a:t>3/13/18</a:t>
+              <a:t>4/9/18</a:t>
             </a:fld>
             <a:endParaRPr lang="en-US"/>
           </a:p>
@@ -3719,6 +4075,82 @@
           <a:chExt cx="0" cy="0"/>
         </a:xfrm>
       </p:grpSpPr>
+      <p:sp>
+        <p:nvSpPr>
+          <p:cNvPr id="2" name="Title 1"/>
+          <p:cNvSpPr>
+            <a:spLocks noGrp="1"/>
+          </p:cNvSpPr>
+          <p:nvPr>
+            <p:ph type="title"/>
+          </p:nvPr>
+        </p:nvSpPr>
+        <p:spPr/>
+        <p:txBody>
+          <a:bodyPr/>
+          <a:lstStyle/>
+          <a:p>
+            <a:r>
+              <a:rPr lang="en-US" dirty="0" smtClean="0"/>
+              <a:t>NSW EV2G</a:t>
+            </a:r>
+            <a:endParaRPr lang="en-US" dirty="0"/>
+          </a:p>
+        </p:txBody>
+      </p:sp>
+      <p:pic>
+        <p:nvPicPr>
+          <p:cNvPr id="4" name="Picture 3"/>
+          <p:cNvPicPr>
+            <a:picLocks noChangeAspect="1"/>
+          </p:cNvPicPr>
+          <p:nvPr/>
+        </p:nvPicPr>
+        <p:blipFill rotWithShape="1">
+          <a:blip r:embed="rId2"/>
+          <a:srcRect l="11799" r="6968" b="4216"/>
+          <a:stretch/>
+        </p:blipFill>
+        <p:spPr>
+          <a:xfrm>
+            <a:off x="4795024" y="365125"/>
+            <a:ext cx="5374888" cy="5656534"/>
+          </a:xfrm>
+          <a:prstGeom prst="rect">
+            <a:avLst/>
+          </a:prstGeom>
+        </p:spPr>
+      </p:pic>
+    </p:spTree>
+    <p:extLst>
+      <p:ext uri="{BB962C8B-B14F-4D97-AF65-F5344CB8AC3E}">
+        <p14:creationId xmlns:p14="http://schemas.microsoft.com/office/powerpoint/2010/main" val="1105388127"/>
+      </p:ext>
+    </p:extLst>
+  </p:cSld>
+  <p:clrMapOvr>
+    <a:masterClrMapping/>
+  </p:clrMapOvr>
+</p:sld>
+</file>
+
+<file path=ppt/slides/slide11.xml><?xml version="1.0" encoding="utf-8"?>
+<p:sld xmlns:a="http://schemas.openxmlformats.org/drawingml/2006/main" xmlns:r="http://schemas.openxmlformats.org/officeDocument/2006/relationships" xmlns:p="http://schemas.openxmlformats.org/presentationml/2006/main">
+  <p:cSld>
+    <p:spTree>
+      <p:nvGrpSpPr>
+        <p:cNvPr id="1" name=""/>
+        <p:cNvGrpSpPr/>
+        <p:nvPr/>
+      </p:nvGrpSpPr>
+      <p:grpSpPr>
+        <a:xfrm>
+          <a:off x="0" y="0"/>
+          <a:ext cx="0" cy="0"/>
+          <a:chOff x="0" y="0"/>
+          <a:chExt cx="0" cy="0"/>
+        </a:xfrm>
+      </p:grpSpPr>
       <p:pic>
         <p:nvPicPr>
           <p:cNvPr id="11" name="Picture 10"/>
@@ -4106,7 +4538,7 @@
 </p:sld>
 </file>
 
-<file path=ppt/slides/slide11.xml><?xml version="1.0" encoding="utf-8"?>
+<file path=ppt/slides/slide12.xml><?xml version="1.0" encoding="utf-8"?>
 <p:sld xmlns:a="http://schemas.openxmlformats.org/drawingml/2006/main" xmlns:r="http://schemas.openxmlformats.org/officeDocument/2006/relationships" xmlns:p="http://schemas.openxmlformats.org/presentationml/2006/main">
   <p:cSld>
     <p:spTree>
@@ -4183,7 +4615,7 @@
 </p:sld>
 </file>
 
-<file path=ppt/slides/slide12.xml><?xml version="1.0" encoding="utf-8"?>
+<file path=ppt/slides/slide13.xml><?xml version="1.0" encoding="utf-8"?>
 <p:sld xmlns:a="http://schemas.openxmlformats.org/drawingml/2006/main" xmlns:r="http://schemas.openxmlformats.org/officeDocument/2006/relationships" xmlns:p="http://schemas.openxmlformats.org/presentationml/2006/main">
   <p:cSld>
     <p:spTree>
@@ -4564,7 +4996,7 @@
 </p:sld>
 </file>
 
-<file path=ppt/slides/slide13.xml><?xml version="1.0" encoding="utf-8"?>
+<file path=ppt/slides/slide14.xml><?xml version="1.0" encoding="utf-8"?>
 <p:sld xmlns:a="http://schemas.openxmlformats.org/drawingml/2006/main" xmlns:r="http://schemas.openxmlformats.org/officeDocument/2006/relationships" xmlns:p="http://schemas.openxmlformats.org/presentationml/2006/main">
   <p:cSld>
     <p:spTree>
@@ -4640,7 +5072,7 @@
 </p:sld>
 </file>
 
-<file path=ppt/slides/slide14.xml><?xml version="1.0" encoding="utf-8"?>
+<file path=ppt/slides/slide15.xml><?xml version="1.0" encoding="utf-8"?>
 <p:sld xmlns:a="http://schemas.openxmlformats.org/drawingml/2006/main" xmlns:r="http://schemas.openxmlformats.org/officeDocument/2006/relationships" xmlns:p="http://schemas.openxmlformats.org/presentationml/2006/main">
   <p:cSld>
     <p:spTree>
@@ -4716,7 +5148,7 @@
 </p:sld>
 </file>
 
-<file path=ppt/slides/slide15.xml><?xml version="1.0" encoding="utf-8"?>
+<file path=ppt/slides/slide16.xml><?xml version="1.0" encoding="utf-8"?>
 <p:sld xmlns:a="http://schemas.openxmlformats.org/drawingml/2006/main" xmlns:r="http://schemas.openxmlformats.org/officeDocument/2006/relationships" xmlns:p="http://schemas.openxmlformats.org/presentationml/2006/main">
   <p:cSld>
     <p:spTree>
@@ -4769,7 +5201,7 @@
 </p:sld>
 </file>
 
-<file path=ppt/slides/slide16.xml><?xml version="1.0" encoding="utf-8"?>
+<file path=ppt/slides/slide17.xml><?xml version="1.0" encoding="utf-8"?>
 <p:sld xmlns:a="http://schemas.openxmlformats.org/drawingml/2006/main" xmlns:r="http://schemas.openxmlformats.org/officeDocument/2006/relationships" xmlns:p="http://schemas.openxmlformats.org/presentationml/2006/main">
   <p:cSld>
     <p:spTree>
@@ -4873,7 +5305,7 @@
 </p:sld>
 </file>
 
-<file path=ppt/slides/slide17.xml><?xml version="1.0" encoding="utf-8"?>
+<file path=ppt/slides/slide18.xml><?xml version="1.0" encoding="utf-8"?>
 <p:sld xmlns:a="http://schemas.openxmlformats.org/drawingml/2006/main" xmlns:r="http://schemas.openxmlformats.org/officeDocument/2006/relationships" xmlns:p="http://schemas.openxmlformats.org/presentationml/2006/main">
   <p:cSld>
     <p:spTree>
@@ -4968,6 +5400,238 @@
     <p:extLst>
       <p:ext uri="{BB962C8B-B14F-4D97-AF65-F5344CB8AC3E}">
         <p14:creationId xmlns:p14="http://schemas.microsoft.com/office/powerpoint/2010/main" val="450423396"/>
+      </p:ext>
+    </p:extLst>
+  </p:cSld>
+  <p:clrMapOvr>
+    <a:masterClrMapping/>
+  </p:clrMapOvr>
+</p:sld>
+</file>
+
+<file path=ppt/slides/slide19.xml><?xml version="1.0" encoding="utf-8"?>
+<p:sld xmlns:a="http://schemas.openxmlformats.org/drawingml/2006/main" xmlns:r="http://schemas.openxmlformats.org/officeDocument/2006/relationships" xmlns:p="http://schemas.openxmlformats.org/presentationml/2006/main">
+  <p:cSld>
+    <p:spTree>
+      <p:nvGrpSpPr>
+        <p:cNvPr id="1" name=""/>
+        <p:cNvGrpSpPr/>
+        <p:nvPr/>
+      </p:nvGrpSpPr>
+      <p:grpSpPr>
+        <a:xfrm>
+          <a:off x="0" y="0"/>
+          <a:ext cx="0" cy="0"/>
+          <a:chOff x="0" y="0"/>
+          <a:chExt cx="0" cy="0"/>
+        </a:xfrm>
+      </p:grpSpPr>
+      <p:grpSp>
+        <p:nvGrpSpPr>
+          <p:cNvPr id="9" name="Group 8"/>
+          <p:cNvGrpSpPr/>
+          <p:nvPr/>
+        </p:nvGrpSpPr>
+        <p:grpSpPr>
+          <a:xfrm>
+            <a:off x="999068" y="2074332"/>
+            <a:ext cx="8822266" cy="4411133"/>
+            <a:chOff x="999068" y="2074332"/>
+            <a:chExt cx="8822266" cy="4411133"/>
+          </a:xfrm>
+        </p:grpSpPr>
+        <p:pic>
+          <p:nvPicPr>
+            <p:cNvPr id="8" name="Picture 7"/>
+            <p:cNvPicPr>
+              <a:picLocks noChangeAspect="1"/>
+            </p:cNvPicPr>
+            <p:nvPr/>
+          </p:nvPicPr>
+          <p:blipFill>
+            <a:blip r:embed="rId2"/>
+            <a:stretch>
+              <a:fillRect/>
+            </a:stretch>
+          </p:blipFill>
+          <p:spPr>
+            <a:xfrm>
+              <a:off x="999068" y="2074332"/>
+              <a:ext cx="8822266" cy="4411133"/>
+            </a:xfrm>
+            <a:prstGeom prst="rect">
+              <a:avLst/>
+            </a:prstGeom>
+          </p:spPr>
+        </p:pic>
+        <p:sp>
+          <p:nvSpPr>
+            <p:cNvPr id="4" name="Rectangle 3"/>
+            <p:cNvSpPr/>
+            <p:nvPr/>
+          </p:nvSpPr>
+          <p:spPr>
+            <a:xfrm rot="19694489">
+              <a:off x="7052776" y="2712028"/>
+              <a:ext cx="1112353" cy="101645"/>
+            </a:xfrm>
+            <a:prstGeom prst="rect">
+              <a:avLst/>
+            </a:prstGeom>
+            <a:solidFill>
+              <a:schemeClr val="bg1"/>
+            </a:solidFill>
+            <a:ln>
+              <a:noFill/>
+            </a:ln>
+          </p:spPr>
+          <p:style>
+            <a:lnRef idx="2">
+              <a:schemeClr val="accent1">
+                <a:shade val="50000"/>
+              </a:schemeClr>
+            </a:lnRef>
+            <a:fillRef idx="1">
+              <a:schemeClr val="accent1"/>
+            </a:fillRef>
+            <a:effectRef idx="0">
+              <a:schemeClr val="accent1"/>
+            </a:effectRef>
+            <a:fontRef idx="minor">
+              <a:schemeClr val="lt1"/>
+            </a:fontRef>
+          </p:style>
+          <p:txBody>
+            <a:bodyPr rtlCol="0" anchor="ctr"/>
+            <a:lstStyle/>
+            <a:p>
+              <a:pPr algn="ctr"/>
+              <a:endParaRPr lang="en-US"/>
+            </a:p>
+          </p:txBody>
+        </p:sp>
+        <p:sp>
+          <p:nvSpPr>
+            <p:cNvPr id="5" name="Rectangle 4"/>
+            <p:cNvSpPr/>
+            <p:nvPr/>
+          </p:nvSpPr>
+          <p:spPr>
+            <a:xfrm rot="19694489">
+              <a:off x="7052776" y="2898296"/>
+              <a:ext cx="1112353" cy="101645"/>
+            </a:xfrm>
+            <a:prstGeom prst="rect">
+              <a:avLst/>
+            </a:prstGeom>
+            <a:solidFill>
+              <a:schemeClr val="bg1"/>
+            </a:solidFill>
+            <a:ln>
+              <a:noFill/>
+            </a:ln>
+          </p:spPr>
+          <p:style>
+            <a:lnRef idx="2">
+              <a:schemeClr val="accent1">
+                <a:shade val="50000"/>
+              </a:schemeClr>
+            </a:lnRef>
+            <a:fillRef idx="1">
+              <a:schemeClr val="accent1"/>
+            </a:fillRef>
+            <a:effectRef idx="0">
+              <a:schemeClr val="accent1"/>
+            </a:effectRef>
+            <a:fontRef idx="minor">
+              <a:schemeClr val="lt1"/>
+            </a:fontRef>
+          </p:style>
+          <p:txBody>
+            <a:bodyPr rtlCol="0" anchor="ctr"/>
+            <a:lstStyle/>
+            <a:p>
+              <a:pPr algn="ctr"/>
+              <a:endParaRPr lang="en-US"/>
+            </a:p>
+          </p:txBody>
+        </p:sp>
+        <p:sp>
+          <p:nvSpPr>
+            <p:cNvPr id="6" name="Rectangle 5"/>
+            <p:cNvSpPr/>
+            <p:nvPr/>
+          </p:nvSpPr>
+          <p:spPr>
+            <a:xfrm>
+              <a:off x="7332132" y="2074333"/>
+              <a:ext cx="643467" cy="262467"/>
+            </a:xfrm>
+            <a:prstGeom prst="rect">
+              <a:avLst/>
+            </a:prstGeom>
+            <a:pattFill prst="pct5">
+              <a:fgClr>
+                <a:srgbClr val="00B0F0"/>
+              </a:fgClr>
+              <a:bgClr>
+                <a:schemeClr val="bg1"/>
+              </a:bgClr>
+            </a:pattFill>
+            <a:ln>
+              <a:solidFill>
+                <a:schemeClr val="accent1"/>
+              </a:solidFill>
+            </a:ln>
+          </p:spPr>
+          <p:style>
+            <a:lnRef idx="2">
+              <a:schemeClr val="accent1">
+                <a:shade val="50000"/>
+              </a:schemeClr>
+            </a:lnRef>
+            <a:fillRef idx="1">
+              <a:schemeClr val="accent1"/>
+            </a:fillRef>
+            <a:effectRef idx="0">
+              <a:schemeClr val="accent1"/>
+            </a:effectRef>
+            <a:fontRef idx="minor">
+              <a:schemeClr val="lt1"/>
+            </a:fontRef>
+          </p:style>
+          <p:txBody>
+            <a:bodyPr rtlCol="0" anchor="ctr"/>
+            <a:lstStyle/>
+            <a:p>
+              <a:pPr algn="ctr"/>
+              <a:r>
+                <a:rPr lang="en-US" sz="1600" dirty="0" smtClean="0">
+                  <a:solidFill>
+                    <a:schemeClr val="tx1"/>
+                  </a:solidFill>
+                  <a:latin typeface="Helvetica Neue" charset="0"/>
+                  <a:ea typeface="Helvetica Neue" charset="0"/>
+                  <a:cs typeface="Helvetica Neue" charset="0"/>
+                </a:rPr>
+                <a:t>17</a:t>
+              </a:r>
+              <a:endParaRPr lang="en-US" sz="1600" dirty="0">
+                <a:solidFill>
+                  <a:schemeClr val="tx1"/>
+                </a:solidFill>
+                <a:latin typeface="Helvetica Neue" charset="0"/>
+                <a:ea typeface="Helvetica Neue" charset="0"/>
+                <a:cs typeface="Helvetica Neue" charset="0"/>
+              </a:endParaRPr>
+            </a:p>
+          </p:txBody>
+        </p:sp>
+      </p:grpSp>
+    </p:spTree>
+    <p:extLst>
+      <p:ext uri="{BB962C8B-B14F-4D97-AF65-F5344CB8AC3E}">
+        <p14:creationId xmlns:p14="http://schemas.microsoft.com/office/powerpoint/2010/main" val="787209867"/>
       </p:ext>
     </p:extLst>
   </p:cSld>
@@ -5081,6 +5745,1163 @@
 </p:sld>
 </file>
 
+<file path=ppt/slides/slide20.xml><?xml version="1.0" encoding="utf-8"?>
+<p:sld xmlns:a="http://schemas.openxmlformats.org/drawingml/2006/main" xmlns:r="http://schemas.openxmlformats.org/officeDocument/2006/relationships" xmlns:p="http://schemas.openxmlformats.org/presentationml/2006/main">
+  <p:cSld>
+    <p:spTree>
+      <p:nvGrpSpPr>
+        <p:cNvPr id="1" name=""/>
+        <p:cNvGrpSpPr/>
+        <p:nvPr/>
+      </p:nvGrpSpPr>
+      <p:grpSpPr>
+        <a:xfrm>
+          <a:off x="0" y="0"/>
+          <a:ext cx="0" cy="0"/>
+          <a:chOff x="0" y="0"/>
+          <a:chExt cx="0" cy="0"/>
+        </a:xfrm>
+      </p:grpSpPr>
+      <p:pic>
+        <p:nvPicPr>
+          <p:cNvPr id="2" name="Picture 1"/>
+          <p:cNvPicPr>
+            <a:picLocks noChangeAspect="1"/>
+          </p:cNvPicPr>
+          <p:nvPr/>
+        </p:nvPicPr>
+        <p:blipFill>
+          <a:blip r:embed="rId2"/>
+          <a:stretch>
+            <a:fillRect/>
+          </a:stretch>
+        </p:blipFill>
+        <p:spPr>
+          <a:xfrm>
+            <a:off x="311150" y="152548"/>
+            <a:ext cx="11569700" cy="5702300"/>
+          </a:xfrm>
+          <a:prstGeom prst="rect">
+            <a:avLst/>
+          </a:prstGeom>
+        </p:spPr>
+      </p:pic>
+      <p:graphicFrame>
+        <p:nvGraphicFramePr>
+          <p:cNvPr id="3" name="Table 2"/>
+          <p:cNvGraphicFramePr>
+            <a:graphicFrameLocks noGrp="1"/>
+          </p:cNvGraphicFramePr>
+          <p:nvPr>
+            <p:extLst>
+              <p:ext uri="{D42A27DB-BD31-4B8C-83A1-F6EECF244321}">
+                <p14:modId xmlns:p14="http://schemas.microsoft.com/office/powerpoint/2010/main" val="1958021699"/>
+              </p:ext>
+            </p:extLst>
+          </p:nvPr>
+        </p:nvGraphicFramePr>
+        <p:xfrm>
+          <a:off x="0" y="5705992"/>
+          <a:ext cx="11270514" cy="741680"/>
+        </p:xfrm>
+        <a:graphic>
+          <a:graphicData uri="http://schemas.openxmlformats.org/drawingml/2006/table">
+            <a:tbl>
+              <a:tblPr firstRow="1" bandRow="1">
+                <a:tableStyleId>{5C22544A-7EE6-4342-B048-85BDC9FD1C3A}</a:tableStyleId>
+              </a:tblPr>
+              <a:tblGrid>
+                <a:gridCol w="1494719"/>
+                <a:gridCol w="1371156"/>
+                <a:gridCol w="1423292"/>
+                <a:gridCol w="1388995"/>
+                <a:gridCol w="1474735"/>
+                <a:gridCol w="1372539"/>
+                <a:gridCol w="1372539"/>
+                <a:gridCol w="1372539"/>
+              </a:tblGrid>
+              <a:tr h="370840">
+                <a:tc>
+                  <a:txBody>
+                    <a:bodyPr/>
+                    <a:lstStyle/>
+                    <a:p>
+                      <a:pPr algn="ctr"/>
+                      <a:endParaRPr lang="en-US" sz="1400" b="0" dirty="0">
+                        <a:solidFill>
+                          <a:schemeClr val="tx1"/>
+                        </a:solidFill>
+                        <a:latin typeface="Helvetica Neue" charset="0"/>
+                        <a:ea typeface="Helvetica Neue" charset="0"/>
+                        <a:cs typeface="Helvetica Neue" charset="0"/>
+                      </a:endParaRPr>
+                    </a:p>
+                  </a:txBody>
+                  <a:tcPr anchor="ctr">
+                    <a:lnL w="12700" cap="flat" cmpd="sng" algn="ctr">
+                      <a:solidFill>
+                        <a:schemeClr val="bg2"/>
+                      </a:solidFill>
+                      <a:prstDash val="solid"/>
+                      <a:round/>
+                      <a:headEnd type="none" w="med" len="med"/>
+                      <a:tailEnd type="none" w="med" len="med"/>
+                    </a:lnL>
+                    <a:lnR w="12700" cap="flat" cmpd="sng" algn="ctr">
+                      <a:solidFill>
+                        <a:schemeClr val="bg2"/>
+                      </a:solidFill>
+                      <a:prstDash val="solid"/>
+                      <a:round/>
+                      <a:headEnd type="none" w="med" len="med"/>
+                      <a:tailEnd type="none" w="med" len="med"/>
+                    </a:lnR>
+                    <a:lnT w="12700" cap="flat" cmpd="sng" algn="ctr">
+                      <a:solidFill>
+                        <a:schemeClr val="bg2"/>
+                      </a:solidFill>
+                      <a:prstDash val="solid"/>
+                      <a:round/>
+                      <a:headEnd type="none" w="med" len="med"/>
+                      <a:tailEnd type="none" w="med" len="med"/>
+                    </a:lnT>
+                    <a:lnB w="12700" cap="flat" cmpd="sng" algn="ctr">
+                      <a:solidFill>
+                        <a:schemeClr val="bg2"/>
+                      </a:solidFill>
+                      <a:prstDash val="solid"/>
+                      <a:round/>
+                      <a:headEnd type="none" w="med" len="med"/>
+                      <a:tailEnd type="none" w="med" len="med"/>
+                    </a:lnB>
+                    <a:noFill/>
+                  </a:tcPr>
+                </a:tc>
+                <a:tc>
+                  <a:txBody>
+                    <a:bodyPr/>
+                    <a:lstStyle/>
+                    <a:p>
+                      <a:pPr algn="ctr"/>
+                      <a:r>
+                        <a:rPr lang="en-US" sz="1400" b="0" dirty="0" smtClean="0">
+                          <a:solidFill>
+                            <a:schemeClr val="tx1"/>
+                          </a:solidFill>
+                          <a:latin typeface="Helvetica Neue" charset="0"/>
+                          <a:ea typeface="Helvetica Neue" charset="0"/>
+                          <a:cs typeface="Helvetica Neue" charset="0"/>
+                        </a:rPr>
+                        <a:t>DA</a:t>
+                      </a:r>
+                      <a:endParaRPr lang="en-US" sz="1400" b="0" dirty="0">
+                        <a:solidFill>
+                          <a:schemeClr val="tx1"/>
+                        </a:solidFill>
+                        <a:latin typeface="Helvetica Neue" charset="0"/>
+                        <a:ea typeface="Helvetica Neue" charset="0"/>
+                        <a:cs typeface="Helvetica Neue" charset="0"/>
+                      </a:endParaRPr>
+                    </a:p>
+                  </a:txBody>
+                  <a:tcPr anchor="ctr">
+                    <a:lnL w="12700" cap="flat" cmpd="sng" algn="ctr">
+                      <a:solidFill>
+                        <a:schemeClr val="bg2"/>
+                      </a:solidFill>
+                      <a:prstDash val="solid"/>
+                      <a:round/>
+                      <a:headEnd type="none" w="med" len="med"/>
+                      <a:tailEnd type="none" w="med" len="med"/>
+                    </a:lnL>
+                    <a:lnR w="12700" cap="flat" cmpd="sng" algn="ctr">
+                      <a:solidFill>
+                        <a:schemeClr val="bg2"/>
+                      </a:solidFill>
+                      <a:prstDash val="solid"/>
+                      <a:round/>
+                      <a:headEnd type="none" w="med" len="med"/>
+                      <a:tailEnd type="none" w="med" len="med"/>
+                    </a:lnR>
+                    <a:lnT w="12700" cap="flat" cmpd="sng" algn="ctr">
+                      <a:solidFill>
+                        <a:schemeClr val="bg2"/>
+                      </a:solidFill>
+                      <a:prstDash val="solid"/>
+                      <a:round/>
+                      <a:headEnd type="none" w="med" len="med"/>
+                      <a:tailEnd type="none" w="med" len="med"/>
+                    </a:lnT>
+                    <a:lnB w="12700" cap="flat" cmpd="sng" algn="ctr">
+                      <a:solidFill>
+                        <a:schemeClr val="bg2"/>
+                      </a:solidFill>
+                      <a:prstDash val="solid"/>
+                      <a:round/>
+                      <a:headEnd type="none" w="med" len="med"/>
+                      <a:tailEnd type="none" w="med" len="med"/>
+                    </a:lnB>
+                    <a:noFill/>
+                  </a:tcPr>
+                </a:tc>
+                <a:tc>
+                  <a:txBody>
+                    <a:bodyPr/>
+                    <a:lstStyle/>
+                    <a:p>
+                      <a:pPr algn="ctr"/>
+                      <a:r>
+                        <a:rPr lang="en-US" sz="1400" b="0" dirty="0" smtClean="0">
+                          <a:solidFill>
+                            <a:schemeClr val="tx1"/>
+                          </a:solidFill>
+                          <a:latin typeface="Helvetica Neue" charset="0"/>
+                          <a:ea typeface="Helvetica Neue" charset="0"/>
+                          <a:cs typeface="Helvetica Neue" charset="0"/>
+                        </a:rPr>
+                        <a:t>ID</a:t>
+                      </a:r>
+                      <a:endParaRPr lang="en-US" sz="1400" b="0" dirty="0">
+                        <a:solidFill>
+                          <a:schemeClr val="tx1"/>
+                        </a:solidFill>
+                        <a:latin typeface="Helvetica Neue" charset="0"/>
+                        <a:ea typeface="Helvetica Neue" charset="0"/>
+                        <a:cs typeface="Helvetica Neue" charset="0"/>
+                      </a:endParaRPr>
+                    </a:p>
+                  </a:txBody>
+                  <a:tcPr anchor="ctr">
+                    <a:lnL w="12700" cap="flat" cmpd="sng" algn="ctr">
+                      <a:solidFill>
+                        <a:schemeClr val="bg2"/>
+                      </a:solidFill>
+                      <a:prstDash val="solid"/>
+                      <a:round/>
+                      <a:headEnd type="none" w="med" len="med"/>
+                      <a:tailEnd type="none" w="med" len="med"/>
+                    </a:lnL>
+                    <a:lnR w="12700" cap="flat" cmpd="sng" algn="ctr">
+                      <a:solidFill>
+                        <a:schemeClr val="bg2"/>
+                      </a:solidFill>
+                      <a:prstDash val="solid"/>
+                      <a:round/>
+                      <a:headEnd type="none" w="med" len="med"/>
+                      <a:tailEnd type="none" w="med" len="med"/>
+                    </a:lnR>
+                    <a:lnT w="12700" cap="flat" cmpd="sng" algn="ctr">
+                      <a:solidFill>
+                        <a:schemeClr val="bg2"/>
+                      </a:solidFill>
+                      <a:prstDash val="solid"/>
+                      <a:round/>
+                      <a:headEnd type="none" w="med" len="med"/>
+                      <a:tailEnd type="none" w="med" len="med"/>
+                    </a:lnT>
+                    <a:lnB w="12700" cap="flat" cmpd="sng" algn="ctr">
+                      <a:solidFill>
+                        <a:schemeClr val="bg2"/>
+                      </a:solidFill>
+                      <a:prstDash val="solid"/>
+                      <a:round/>
+                      <a:headEnd type="none" w="med" len="med"/>
+                      <a:tailEnd type="none" w="med" len="med"/>
+                    </a:lnB>
+                    <a:noFill/>
+                  </a:tcPr>
+                </a:tc>
+                <a:tc>
+                  <a:txBody>
+                    <a:bodyPr/>
+                    <a:lstStyle/>
+                    <a:p>
+                      <a:pPr algn="ctr"/>
+                      <a:r>
+                        <a:rPr lang="en-US" sz="1400" b="0" dirty="0" smtClean="0">
+                          <a:solidFill>
+                            <a:schemeClr val="tx1"/>
+                          </a:solidFill>
+                          <a:latin typeface="Helvetica Neue" charset="0"/>
+                          <a:ea typeface="Helvetica Neue" charset="0"/>
+                          <a:cs typeface="Helvetica Neue" charset="0"/>
+                        </a:rPr>
+                        <a:t>BE</a:t>
+                      </a:r>
+                      <a:endParaRPr lang="en-US" sz="1400" b="0" dirty="0">
+                        <a:solidFill>
+                          <a:schemeClr val="tx1"/>
+                        </a:solidFill>
+                        <a:latin typeface="Helvetica Neue" charset="0"/>
+                        <a:ea typeface="Helvetica Neue" charset="0"/>
+                        <a:cs typeface="Helvetica Neue" charset="0"/>
+                      </a:endParaRPr>
+                    </a:p>
+                  </a:txBody>
+                  <a:tcPr anchor="ctr">
+                    <a:lnL w="12700" cap="flat" cmpd="sng" algn="ctr">
+                      <a:solidFill>
+                        <a:schemeClr val="bg2"/>
+                      </a:solidFill>
+                      <a:prstDash val="solid"/>
+                      <a:round/>
+                      <a:headEnd type="none" w="med" len="med"/>
+                      <a:tailEnd type="none" w="med" len="med"/>
+                    </a:lnL>
+                    <a:lnR w="12700" cap="flat" cmpd="sng" algn="ctr">
+                      <a:solidFill>
+                        <a:schemeClr val="bg2"/>
+                      </a:solidFill>
+                      <a:prstDash val="solid"/>
+                      <a:round/>
+                      <a:headEnd type="none" w="med" len="med"/>
+                      <a:tailEnd type="none" w="med" len="med"/>
+                    </a:lnR>
+                    <a:lnT w="12700" cap="flat" cmpd="sng" algn="ctr">
+                      <a:solidFill>
+                        <a:schemeClr val="bg2"/>
+                      </a:solidFill>
+                      <a:prstDash val="solid"/>
+                      <a:round/>
+                      <a:headEnd type="none" w="med" len="med"/>
+                      <a:tailEnd type="none" w="med" len="med"/>
+                    </a:lnT>
+                    <a:lnB w="12700" cap="flat" cmpd="sng" algn="ctr">
+                      <a:solidFill>
+                        <a:schemeClr val="bg2"/>
+                      </a:solidFill>
+                      <a:prstDash val="solid"/>
+                      <a:round/>
+                      <a:headEnd type="none" w="med" len="med"/>
+                      <a:tailEnd type="none" w="med" len="med"/>
+                    </a:lnB>
+                    <a:noFill/>
+                  </a:tcPr>
+                </a:tc>
+                <a:tc>
+                  <a:txBody>
+                    <a:bodyPr/>
+                    <a:lstStyle/>
+                    <a:p>
+                      <a:pPr algn="ctr"/>
+                      <a:r>
+                        <a:rPr lang="en-US" sz="1400" b="0" dirty="0" smtClean="0">
+                          <a:solidFill>
+                            <a:schemeClr val="tx1"/>
+                          </a:solidFill>
+                          <a:latin typeface="Helvetica Neue" charset="0"/>
+                          <a:ea typeface="Helvetica Neue" charset="0"/>
+                          <a:cs typeface="Helvetica Neue" charset="0"/>
+                        </a:rPr>
+                        <a:t>PCR</a:t>
+                      </a:r>
+                      <a:endParaRPr lang="en-US" sz="1400" b="0" dirty="0">
+                        <a:solidFill>
+                          <a:schemeClr val="tx1"/>
+                        </a:solidFill>
+                        <a:latin typeface="Helvetica Neue" charset="0"/>
+                        <a:ea typeface="Helvetica Neue" charset="0"/>
+                        <a:cs typeface="Helvetica Neue" charset="0"/>
+                      </a:endParaRPr>
+                    </a:p>
+                  </a:txBody>
+                  <a:tcPr anchor="ctr">
+                    <a:lnL w="12700" cap="flat" cmpd="sng" algn="ctr">
+                      <a:solidFill>
+                        <a:schemeClr val="bg2"/>
+                      </a:solidFill>
+                      <a:prstDash val="solid"/>
+                      <a:round/>
+                      <a:headEnd type="none" w="med" len="med"/>
+                      <a:tailEnd type="none" w="med" len="med"/>
+                    </a:lnL>
+                    <a:lnR w="12700" cap="flat" cmpd="sng" algn="ctr">
+                      <a:solidFill>
+                        <a:schemeClr val="bg2"/>
+                      </a:solidFill>
+                      <a:prstDash val="solid"/>
+                      <a:round/>
+                      <a:headEnd type="none" w="med" len="med"/>
+                      <a:tailEnd type="none" w="med" len="med"/>
+                    </a:lnR>
+                    <a:lnT w="12700" cap="flat" cmpd="sng" algn="ctr">
+                      <a:solidFill>
+                        <a:schemeClr val="bg2"/>
+                      </a:solidFill>
+                      <a:prstDash val="solid"/>
+                      <a:round/>
+                      <a:headEnd type="none" w="med" len="med"/>
+                      <a:tailEnd type="none" w="med" len="med"/>
+                    </a:lnT>
+                    <a:lnB w="12700" cap="flat" cmpd="sng" algn="ctr">
+                      <a:solidFill>
+                        <a:schemeClr val="bg2"/>
+                      </a:solidFill>
+                      <a:prstDash val="solid"/>
+                      <a:round/>
+                      <a:headEnd type="none" w="med" len="med"/>
+                      <a:tailEnd type="none" w="med" len="med"/>
+                    </a:lnB>
+                    <a:noFill/>
+                  </a:tcPr>
+                </a:tc>
+                <a:tc>
+                  <a:txBody>
+                    <a:bodyPr/>
+                    <a:lstStyle/>
+                    <a:p>
+                      <a:pPr algn="ctr"/>
+                      <a:r>
+                        <a:rPr lang="en-US" sz="1400" b="0" dirty="0" smtClean="0">
+                          <a:solidFill>
+                            <a:schemeClr val="tx1"/>
+                          </a:solidFill>
+                          <a:latin typeface="Helvetica Neue" charset="0"/>
+                          <a:ea typeface="Helvetica Neue" charset="0"/>
+                          <a:cs typeface="Helvetica Neue" charset="0"/>
+                        </a:rPr>
+                        <a:t>SCR</a:t>
+                      </a:r>
+                      <a:endParaRPr lang="en-US" sz="1400" b="0" dirty="0">
+                        <a:solidFill>
+                          <a:schemeClr val="tx1"/>
+                        </a:solidFill>
+                        <a:latin typeface="Helvetica Neue" charset="0"/>
+                        <a:ea typeface="Helvetica Neue" charset="0"/>
+                        <a:cs typeface="Helvetica Neue" charset="0"/>
+                      </a:endParaRPr>
+                    </a:p>
+                  </a:txBody>
+                  <a:tcPr anchor="ctr">
+                    <a:lnL w="12700" cap="flat" cmpd="sng" algn="ctr">
+                      <a:solidFill>
+                        <a:schemeClr val="bg2"/>
+                      </a:solidFill>
+                      <a:prstDash val="solid"/>
+                      <a:round/>
+                      <a:headEnd type="none" w="med" len="med"/>
+                      <a:tailEnd type="none" w="med" len="med"/>
+                    </a:lnL>
+                    <a:lnR w="12700" cap="flat" cmpd="sng" algn="ctr">
+                      <a:solidFill>
+                        <a:schemeClr val="bg2"/>
+                      </a:solidFill>
+                      <a:prstDash val="solid"/>
+                      <a:round/>
+                      <a:headEnd type="none" w="med" len="med"/>
+                      <a:tailEnd type="none" w="med" len="med"/>
+                    </a:lnR>
+                    <a:lnT w="12700" cap="flat" cmpd="sng" algn="ctr">
+                      <a:solidFill>
+                        <a:schemeClr val="bg2"/>
+                      </a:solidFill>
+                      <a:prstDash val="solid"/>
+                      <a:round/>
+                      <a:headEnd type="none" w="med" len="med"/>
+                      <a:tailEnd type="none" w="med" len="med"/>
+                    </a:lnT>
+                    <a:lnB w="12700" cap="flat" cmpd="sng" algn="ctr">
+                      <a:solidFill>
+                        <a:schemeClr val="bg2"/>
+                      </a:solidFill>
+                      <a:prstDash val="solid"/>
+                      <a:round/>
+                      <a:headEnd type="none" w="med" len="med"/>
+                      <a:tailEnd type="none" w="med" len="med"/>
+                    </a:lnB>
+                    <a:noFill/>
+                  </a:tcPr>
+                </a:tc>
+                <a:tc>
+                  <a:txBody>
+                    <a:bodyPr/>
+                    <a:lstStyle/>
+                    <a:p>
+                      <a:pPr algn="ctr"/>
+                      <a:r>
+                        <a:rPr lang="en-US" sz="1400" b="0" dirty="0" smtClean="0">
+                          <a:solidFill>
+                            <a:schemeClr val="tx1"/>
+                          </a:solidFill>
+                          <a:latin typeface="Helvetica Neue" charset="0"/>
+                          <a:ea typeface="Helvetica Neue" charset="0"/>
+                          <a:cs typeface="Helvetica Neue" charset="0"/>
+                        </a:rPr>
+                        <a:t>DA+ID</a:t>
+                      </a:r>
+                      <a:endParaRPr lang="en-US" sz="1400" b="0" dirty="0">
+                        <a:solidFill>
+                          <a:schemeClr val="tx1"/>
+                        </a:solidFill>
+                        <a:latin typeface="Helvetica Neue" charset="0"/>
+                        <a:ea typeface="Helvetica Neue" charset="0"/>
+                        <a:cs typeface="Helvetica Neue" charset="0"/>
+                      </a:endParaRPr>
+                    </a:p>
+                  </a:txBody>
+                  <a:tcPr anchor="ctr">
+                    <a:lnL w="12700" cap="flat" cmpd="sng" algn="ctr">
+                      <a:solidFill>
+                        <a:schemeClr val="bg2"/>
+                      </a:solidFill>
+                      <a:prstDash val="solid"/>
+                      <a:round/>
+                      <a:headEnd type="none" w="med" len="med"/>
+                      <a:tailEnd type="none" w="med" len="med"/>
+                    </a:lnL>
+                    <a:lnR w="12700" cap="flat" cmpd="sng" algn="ctr">
+                      <a:solidFill>
+                        <a:schemeClr val="bg2"/>
+                      </a:solidFill>
+                      <a:prstDash val="solid"/>
+                      <a:round/>
+                      <a:headEnd type="none" w="med" len="med"/>
+                      <a:tailEnd type="none" w="med" len="med"/>
+                    </a:lnR>
+                    <a:lnT w="12700" cap="flat" cmpd="sng" algn="ctr">
+                      <a:solidFill>
+                        <a:schemeClr val="bg2"/>
+                      </a:solidFill>
+                      <a:prstDash val="solid"/>
+                      <a:round/>
+                      <a:headEnd type="none" w="med" len="med"/>
+                      <a:tailEnd type="none" w="med" len="med"/>
+                    </a:lnT>
+                    <a:lnB w="12700" cap="flat" cmpd="sng" algn="ctr">
+                      <a:solidFill>
+                        <a:schemeClr val="bg2"/>
+                      </a:solidFill>
+                      <a:prstDash val="solid"/>
+                      <a:round/>
+                      <a:headEnd type="none" w="med" len="med"/>
+                      <a:tailEnd type="none" w="med" len="med"/>
+                    </a:lnB>
+                    <a:noFill/>
+                  </a:tcPr>
+                </a:tc>
+                <a:tc>
+                  <a:txBody>
+                    <a:bodyPr/>
+                    <a:lstStyle/>
+                    <a:p>
+                      <a:pPr algn="ctr"/>
+                      <a:r>
+                        <a:rPr lang="en-US" sz="1400" b="0" dirty="0" smtClean="0">
+                          <a:solidFill>
+                            <a:schemeClr val="tx1"/>
+                          </a:solidFill>
+                          <a:latin typeface="Helvetica Neue" charset="0"/>
+                          <a:ea typeface="Helvetica Neue" charset="0"/>
+                          <a:cs typeface="Helvetica Neue" charset="0"/>
+                        </a:rPr>
+                        <a:t>DA+ID+SCR</a:t>
+                      </a:r>
+                      <a:endParaRPr lang="en-US" sz="1400" b="0" dirty="0">
+                        <a:solidFill>
+                          <a:schemeClr val="tx1"/>
+                        </a:solidFill>
+                        <a:latin typeface="Helvetica Neue" charset="0"/>
+                        <a:ea typeface="Helvetica Neue" charset="0"/>
+                        <a:cs typeface="Helvetica Neue" charset="0"/>
+                      </a:endParaRPr>
+                    </a:p>
+                  </a:txBody>
+                  <a:tcPr anchor="ctr">
+                    <a:lnL w="12700" cap="flat" cmpd="sng" algn="ctr">
+                      <a:solidFill>
+                        <a:schemeClr val="bg2"/>
+                      </a:solidFill>
+                      <a:prstDash val="solid"/>
+                      <a:round/>
+                      <a:headEnd type="none" w="med" len="med"/>
+                      <a:tailEnd type="none" w="med" len="med"/>
+                    </a:lnL>
+                    <a:lnR w="12700" cap="flat" cmpd="sng" algn="ctr">
+                      <a:solidFill>
+                        <a:schemeClr val="bg2"/>
+                      </a:solidFill>
+                      <a:prstDash val="solid"/>
+                      <a:round/>
+                      <a:headEnd type="none" w="med" len="med"/>
+                      <a:tailEnd type="none" w="med" len="med"/>
+                    </a:lnR>
+                    <a:lnT w="12700" cap="flat" cmpd="sng" algn="ctr">
+                      <a:solidFill>
+                        <a:schemeClr val="bg2"/>
+                      </a:solidFill>
+                      <a:prstDash val="solid"/>
+                      <a:round/>
+                      <a:headEnd type="none" w="med" len="med"/>
+                      <a:tailEnd type="none" w="med" len="med"/>
+                    </a:lnT>
+                    <a:lnB w="12700" cap="flat" cmpd="sng" algn="ctr">
+                      <a:solidFill>
+                        <a:schemeClr val="bg2"/>
+                      </a:solidFill>
+                      <a:prstDash val="solid"/>
+                      <a:round/>
+                      <a:headEnd type="none" w="med" len="med"/>
+                      <a:tailEnd type="none" w="med" len="med"/>
+                    </a:lnB>
+                    <a:noFill/>
+                  </a:tcPr>
+                </a:tc>
+              </a:tr>
+              <a:tr h="370840">
+                <a:tc>
+                  <a:txBody>
+                    <a:bodyPr/>
+                    <a:lstStyle/>
+                    <a:p>
+                      <a:pPr algn="ctr"/>
+                      <a:r>
+                        <a:rPr lang="en-US" sz="1400" b="0" dirty="0" smtClean="0">
+                          <a:solidFill>
+                            <a:schemeClr val="tx1"/>
+                          </a:solidFill>
+                          <a:latin typeface="Helvetica Neue" charset="0"/>
+                          <a:ea typeface="Helvetica Neue" charset="0"/>
+                          <a:cs typeface="Helvetica Neue" charset="0"/>
+                        </a:rPr>
+                        <a:t>Profitability ratio</a:t>
+                      </a:r>
+                      <a:endParaRPr lang="en-US" sz="1400" b="0" dirty="0">
+                        <a:solidFill>
+                          <a:schemeClr val="tx1"/>
+                        </a:solidFill>
+                        <a:latin typeface="Helvetica Neue" charset="0"/>
+                        <a:ea typeface="Helvetica Neue" charset="0"/>
+                        <a:cs typeface="Helvetica Neue" charset="0"/>
+                      </a:endParaRPr>
+                    </a:p>
+                  </a:txBody>
+                  <a:tcPr anchor="ctr">
+                    <a:lnL w="12700" cap="flat" cmpd="sng" algn="ctr">
+                      <a:solidFill>
+                        <a:schemeClr val="bg2"/>
+                      </a:solidFill>
+                      <a:prstDash val="solid"/>
+                      <a:round/>
+                      <a:headEnd type="none" w="med" len="med"/>
+                      <a:tailEnd type="none" w="med" len="med"/>
+                    </a:lnL>
+                    <a:lnR w="12700" cap="flat" cmpd="sng" algn="ctr">
+                      <a:solidFill>
+                        <a:schemeClr val="bg2"/>
+                      </a:solidFill>
+                      <a:prstDash val="solid"/>
+                      <a:round/>
+                      <a:headEnd type="none" w="med" len="med"/>
+                      <a:tailEnd type="none" w="med" len="med"/>
+                    </a:lnR>
+                    <a:lnT w="12700" cap="flat" cmpd="sng" algn="ctr">
+                      <a:solidFill>
+                        <a:schemeClr val="bg2"/>
+                      </a:solidFill>
+                      <a:prstDash val="solid"/>
+                      <a:round/>
+                      <a:headEnd type="none" w="med" len="med"/>
+                      <a:tailEnd type="none" w="med" len="med"/>
+                    </a:lnT>
+                    <a:lnB w="12700" cap="flat" cmpd="sng" algn="ctr">
+                      <a:solidFill>
+                        <a:schemeClr val="bg2"/>
+                      </a:solidFill>
+                      <a:prstDash val="solid"/>
+                      <a:round/>
+                      <a:headEnd type="none" w="med" len="med"/>
+                      <a:tailEnd type="none" w="med" len="med"/>
+                    </a:lnB>
+                    <a:noFill/>
+                  </a:tcPr>
+                </a:tc>
+                <a:tc>
+                  <a:txBody>
+                    <a:bodyPr/>
+                    <a:lstStyle/>
+                    <a:p>
+                      <a:pPr algn="ctr"/>
+                      <a:r>
+                        <a:rPr lang="en-US" sz="1400" b="0" dirty="0" smtClean="0">
+                          <a:solidFill>
+                            <a:srgbClr val="C00000"/>
+                          </a:solidFill>
+                          <a:latin typeface="Helvetica Neue" charset="0"/>
+                          <a:ea typeface="Helvetica Neue" charset="0"/>
+                          <a:cs typeface="Helvetica Neue" charset="0"/>
+                        </a:rPr>
+                        <a:t>-95.0%</a:t>
+                      </a:r>
+                      <a:endParaRPr lang="en-US" sz="1400" b="0" dirty="0">
+                        <a:solidFill>
+                          <a:srgbClr val="C00000"/>
+                        </a:solidFill>
+                        <a:latin typeface="Helvetica Neue" charset="0"/>
+                        <a:ea typeface="Helvetica Neue" charset="0"/>
+                        <a:cs typeface="Helvetica Neue" charset="0"/>
+                      </a:endParaRPr>
+                    </a:p>
+                  </a:txBody>
+                  <a:tcPr anchor="ctr">
+                    <a:lnL w="12700" cap="flat" cmpd="sng" algn="ctr">
+                      <a:solidFill>
+                        <a:schemeClr val="bg2"/>
+                      </a:solidFill>
+                      <a:prstDash val="solid"/>
+                      <a:round/>
+                      <a:headEnd type="none" w="med" len="med"/>
+                      <a:tailEnd type="none" w="med" len="med"/>
+                    </a:lnL>
+                    <a:lnR w="12700" cap="flat" cmpd="sng" algn="ctr">
+                      <a:solidFill>
+                        <a:schemeClr val="bg2"/>
+                      </a:solidFill>
+                      <a:prstDash val="solid"/>
+                      <a:round/>
+                      <a:headEnd type="none" w="med" len="med"/>
+                      <a:tailEnd type="none" w="med" len="med"/>
+                    </a:lnR>
+                    <a:lnT w="12700" cap="flat" cmpd="sng" algn="ctr">
+                      <a:solidFill>
+                        <a:schemeClr val="bg2"/>
+                      </a:solidFill>
+                      <a:prstDash val="solid"/>
+                      <a:round/>
+                      <a:headEnd type="none" w="med" len="med"/>
+                      <a:tailEnd type="none" w="med" len="med"/>
+                    </a:lnT>
+                    <a:lnB w="12700" cap="flat" cmpd="sng" algn="ctr">
+                      <a:solidFill>
+                        <a:schemeClr val="bg2"/>
+                      </a:solidFill>
+                      <a:prstDash val="solid"/>
+                      <a:round/>
+                      <a:headEnd type="none" w="med" len="med"/>
+                      <a:tailEnd type="none" w="med" len="med"/>
+                    </a:lnB>
+                    <a:noFill/>
+                  </a:tcPr>
+                </a:tc>
+                <a:tc>
+                  <a:txBody>
+                    <a:bodyPr/>
+                    <a:lstStyle/>
+                    <a:p>
+                      <a:pPr algn="ctr"/>
+                      <a:r>
+                        <a:rPr lang="en-US" sz="1400" b="0" dirty="0" smtClean="0">
+                          <a:solidFill>
+                            <a:srgbClr val="C00000"/>
+                          </a:solidFill>
+                          <a:latin typeface="Helvetica Neue" charset="0"/>
+                          <a:ea typeface="Helvetica Neue" charset="0"/>
+                          <a:cs typeface="Helvetica Neue" charset="0"/>
+                        </a:rPr>
+                        <a:t>-93.4%</a:t>
+                      </a:r>
+                      <a:endParaRPr lang="en-US" sz="1400" b="0" dirty="0">
+                        <a:solidFill>
+                          <a:srgbClr val="C00000"/>
+                        </a:solidFill>
+                        <a:latin typeface="Helvetica Neue" charset="0"/>
+                        <a:ea typeface="Helvetica Neue" charset="0"/>
+                        <a:cs typeface="Helvetica Neue" charset="0"/>
+                      </a:endParaRPr>
+                    </a:p>
+                  </a:txBody>
+                  <a:tcPr anchor="ctr">
+                    <a:lnL w="12700" cap="flat" cmpd="sng" algn="ctr">
+                      <a:solidFill>
+                        <a:schemeClr val="bg2"/>
+                      </a:solidFill>
+                      <a:prstDash val="solid"/>
+                      <a:round/>
+                      <a:headEnd type="none" w="med" len="med"/>
+                      <a:tailEnd type="none" w="med" len="med"/>
+                    </a:lnL>
+                    <a:lnR w="12700" cap="flat" cmpd="sng" algn="ctr">
+                      <a:solidFill>
+                        <a:schemeClr val="bg2"/>
+                      </a:solidFill>
+                      <a:prstDash val="solid"/>
+                      <a:round/>
+                      <a:headEnd type="none" w="med" len="med"/>
+                      <a:tailEnd type="none" w="med" len="med"/>
+                    </a:lnR>
+                    <a:lnT w="12700" cap="flat" cmpd="sng" algn="ctr">
+                      <a:solidFill>
+                        <a:schemeClr val="bg2"/>
+                      </a:solidFill>
+                      <a:prstDash val="solid"/>
+                      <a:round/>
+                      <a:headEnd type="none" w="med" len="med"/>
+                      <a:tailEnd type="none" w="med" len="med"/>
+                    </a:lnT>
+                    <a:lnB w="12700" cap="flat" cmpd="sng" algn="ctr">
+                      <a:solidFill>
+                        <a:schemeClr val="bg2"/>
+                      </a:solidFill>
+                      <a:prstDash val="solid"/>
+                      <a:round/>
+                      <a:headEnd type="none" w="med" len="med"/>
+                      <a:tailEnd type="none" w="med" len="med"/>
+                    </a:lnB>
+                    <a:noFill/>
+                  </a:tcPr>
+                </a:tc>
+                <a:tc>
+                  <a:txBody>
+                    <a:bodyPr/>
+                    <a:lstStyle/>
+                    <a:p>
+                      <a:pPr algn="ctr"/>
+                      <a:r>
+                        <a:rPr lang="en-US" sz="1400" b="0" dirty="0" smtClean="0">
+                          <a:solidFill>
+                            <a:srgbClr val="00B050"/>
+                          </a:solidFill>
+                          <a:latin typeface="Helvetica Neue" charset="0"/>
+                          <a:ea typeface="Helvetica Neue" charset="0"/>
+                          <a:cs typeface="Helvetica Neue" charset="0"/>
+                        </a:rPr>
+                        <a:t>7%</a:t>
+                      </a:r>
+                      <a:endParaRPr lang="en-US" sz="1400" b="0" dirty="0">
+                        <a:solidFill>
+                          <a:srgbClr val="00B050"/>
+                        </a:solidFill>
+                        <a:latin typeface="Helvetica Neue" charset="0"/>
+                        <a:ea typeface="Helvetica Neue" charset="0"/>
+                        <a:cs typeface="Helvetica Neue" charset="0"/>
+                      </a:endParaRPr>
+                    </a:p>
+                  </a:txBody>
+                  <a:tcPr anchor="ctr">
+                    <a:lnL w="12700" cap="flat" cmpd="sng" algn="ctr">
+                      <a:solidFill>
+                        <a:schemeClr val="bg2"/>
+                      </a:solidFill>
+                      <a:prstDash val="solid"/>
+                      <a:round/>
+                      <a:headEnd type="none" w="med" len="med"/>
+                      <a:tailEnd type="none" w="med" len="med"/>
+                    </a:lnL>
+                    <a:lnR w="12700" cap="flat" cmpd="sng" algn="ctr">
+                      <a:solidFill>
+                        <a:schemeClr val="bg2"/>
+                      </a:solidFill>
+                      <a:prstDash val="solid"/>
+                      <a:round/>
+                      <a:headEnd type="none" w="med" len="med"/>
+                      <a:tailEnd type="none" w="med" len="med"/>
+                    </a:lnR>
+                    <a:lnT w="12700" cap="flat" cmpd="sng" algn="ctr">
+                      <a:solidFill>
+                        <a:schemeClr val="bg2"/>
+                      </a:solidFill>
+                      <a:prstDash val="solid"/>
+                      <a:round/>
+                      <a:headEnd type="none" w="med" len="med"/>
+                      <a:tailEnd type="none" w="med" len="med"/>
+                    </a:lnT>
+                    <a:lnB w="12700" cap="flat" cmpd="sng" algn="ctr">
+                      <a:solidFill>
+                        <a:schemeClr val="bg2"/>
+                      </a:solidFill>
+                      <a:prstDash val="solid"/>
+                      <a:round/>
+                      <a:headEnd type="none" w="med" len="med"/>
+                      <a:tailEnd type="none" w="med" len="med"/>
+                    </a:lnB>
+                    <a:noFill/>
+                  </a:tcPr>
+                </a:tc>
+                <a:tc>
+                  <a:txBody>
+                    <a:bodyPr/>
+                    <a:lstStyle/>
+                    <a:p>
+                      <a:pPr algn="ctr"/>
+                      <a:r>
+                        <a:rPr lang="en-US" sz="1400" b="0" dirty="0" smtClean="0">
+                          <a:solidFill>
+                            <a:srgbClr val="C00000"/>
+                          </a:solidFill>
+                          <a:latin typeface="Helvetica Neue" charset="0"/>
+                          <a:ea typeface="Helvetica Neue" charset="0"/>
+                          <a:cs typeface="Helvetica Neue" charset="0"/>
+                        </a:rPr>
+                        <a:t>-39.8%</a:t>
+                      </a:r>
+                      <a:endParaRPr lang="en-US" sz="1400" b="0" dirty="0">
+                        <a:solidFill>
+                          <a:srgbClr val="C00000"/>
+                        </a:solidFill>
+                        <a:latin typeface="Helvetica Neue" charset="0"/>
+                        <a:ea typeface="Helvetica Neue" charset="0"/>
+                        <a:cs typeface="Helvetica Neue" charset="0"/>
+                      </a:endParaRPr>
+                    </a:p>
+                  </a:txBody>
+                  <a:tcPr anchor="ctr">
+                    <a:lnL w="12700" cap="flat" cmpd="sng" algn="ctr">
+                      <a:solidFill>
+                        <a:schemeClr val="bg2"/>
+                      </a:solidFill>
+                      <a:prstDash val="solid"/>
+                      <a:round/>
+                      <a:headEnd type="none" w="med" len="med"/>
+                      <a:tailEnd type="none" w="med" len="med"/>
+                    </a:lnL>
+                    <a:lnR w="12700" cap="flat" cmpd="sng" algn="ctr">
+                      <a:solidFill>
+                        <a:schemeClr val="bg2"/>
+                      </a:solidFill>
+                      <a:prstDash val="solid"/>
+                      <a:round/>
+                      <a:headEnd type="none" w="med" len="med"/>
+                      <a:tailEnd type="none" w="med" len="med"/>
+                    </a:lnR>
+                    <a:lnT w="12700" cap="flat" cmpd="sng" algn="ctr">
+                      <a:solidFill>
+                        <a:schemeClr val="bg2"/>
+                      </a:solidFill>
+                      <a:prstDash val="solid"/>
+                      <a:round/>
+                      <a:headEnd type="none" w="med" len="med"/>
+                      <a:tailEnd type="none" w="med" len="med"/>
+                    </a:lnT>
+                    <a:lnB w="12700" cap="flat" cmpd="sng" algn="ctr">
+                      <a:solidFill>
+                        <a:schemeClr val="bg2"/>
+                      </a:solidFill>
+                      <a:prstDash val="solid"/>
+                      <a:round/>
+                      <a:headEnd type="none" w="med" len="med"/>
+                      <a:tailEnd type="none" w="med" len="med"/>
+                    </a:lnB>
+                    <a:noFill/>
+                  </a:tcPr>
+                </a:tc>
+                <a:tc>
+                  <a:txBody>
+                    <a:bodyPr/>
+                    <a:lstStyle/>
+                    <a:p>
+                      <a:pPr algn="ctr"/>
+                      <a:r>
+                        <a:rPr lang="en-US" sz="1400" b="0" dirty="0" smtClean="0">
+                          <a:solidFill>
+                            <a:srgbClr val="C00000"/>
+                          </a:solidFill>
+                          <a:latin typeface="Helvetica Neue" charset="0"/>
+                          <a:ea typeface="Helvetica Neue" charset="0"/>
+                          <a:cs typeface="Helvetica Neue" charset="0"/>
+                        </a:rPr>
+                        <a:t>-95.5%</a:t>
+                      </a:r>
+                      <a:endParaRPr lang="en-US" sz="1400" b="0" dirty="0">
+                        <a:solidFill>
+                          <a:srgbClr val="C00000"/>
+                        </a:solidFill>
+                        <a:latin typeface="Helvetica Neue" charset="0"/>
+                        <a:ea typeface="Helvetica Neue" charset="0"/>
+                        <a:cs typeface="Helvetica Neue" charset="0"/>
+                      </a:endParaRPr>
+                    </a:p>
+                  </a:txBody>
+                  <a:tcPr anchor="ctr">
+                    <a:lnL w="12700" cap="flat" cmpd="sng" algn="ctr">
+                      <a:solidFill>
+                        <a:schemeClr val="bg2"/>
+                      </a:solidFill>
+                      <a:prstDash val="solid"/>
+                      <a:round/>
+                      <a:headEnd type="none" w="med" len="med"/>
+                      <a:tailEnd type="none" w="med" len="med"/>
+                    </a:lnL>
+                    <a:lnR w="12700" cap="flat" cmpd="sng" algn="ctr">
+                      <a:solidFill>
+                        <a:schemeClr val="bg2"/>
+                      </a:solidFill>
+                      <a:prstDash val="solid"/>
+                      <a:round/>
+                      <a:headEnd type="none" w="med" len="med"/>
+                      <a:tailEnd type="none" w="med" len="med"/>
+                    </a:lnR>
+                    <a:lnT w="12700" cap="flat" cmpd="sng" algn="ctr">
+                      <a:solidFill>
+                        <a:schemeClr val="bg2"/>
+                      </a:solidFill>
+                      <a:prstDash val="solid"/>
+                      <a:round/>
+                      <a:headEnd type="none" w="med" len="med"/>
+                      <a:tailEnd type="none" w="med" len="med"/>
+                    </a:lnT>
+                    <a:lnB w="12700" cap="flat" cmpd="sng" algn="ctr">
+                      <a:solidFill>
+                        <a:schemeClr val="bg2"/>
+                      </a:solidFill>
+                      <a:prstDash val="solid"/>
+                      <a:round/>
+                      <a:headEnd type="none" w="med" len="med"/>
+                      <a:tailEnd type="none" w="med" len="med"/>
+                    </a:lnB>
+                    <a:noFill/>
+                  </a:tcPr>
+                </a:tc>
+                <a:tc>
+                  <a:txBody>
+                    <a:bodyPr/>
+                    <a:lstStyle/>
+                    <a:p>
+                      <a:pPr algn="ctr"/>
+                      <a:r>
+                        <a:rPr lang="en-US" sz="1400" b="0" dirty="0" smtClean="0">
+                          <a:solidFill>
+                            <a:srgbClr val="C00000"/>
+                          </a:solidFill>
+                          <a:latin typeface="Helvetica Neue" charset="0"/>
+                          <a:ea typeface="Helvetica Neue" charset="0"/>
+                          <a:cs typeface="Helvetica Neue" charset="0"/>
+                        </a:rPr>
+                        <a:t>-95.3%</a:t>
+                      </a:r>
+                      <a:endParaRPr lang="en-US" sz="1400" b="0" dirty="0">
+                        <a:solidFill>
+                          <a:srgbClr val="C00000"/>
+                        </a:solidFill>
+                        <a:latin typeface="Helvetica Neue" charset="0"/>
+                        <a:ea typeface="Helvetica Neue" charset="0"/>
+                        <a:cs typeface="Helvetica Neue" charset="0"/>
+                      </a:endParaRPr>
+                    </a:p>
+                  </a:txBody>
+                  <a:tcPr anchor="ctr">
+                    <a:lnL w="12700" cap="flat" cmpd="sng" algn="ctr">
+                      <a:solidFill>
+                        <a:schemeClr val="bg2"/>
+                      </a:solidFill>
+                      <a:prstDash val="solid"/>
+                      <a:round/>
+                      <a:headEnd type="none" w="med" len="med"/>
+                      <a:tailEnd type="none" w="med" len="med"/>
+                    </a:lnL>
+                    <a:lnR w="12700" cap="flat" cmpd="sng" algn="ctr">
+                      <a:solidFill>
+                        <a:schemeClr val="bg2"/>
+                      </a:solidFill>
+                      <a:prstDash val="solid"/>
+                      <a:round/>
+                      <a:headEnd type="none" w="med" len="med"/>
+                      <a:tailEnd type="none" w="med" len="med"/>
+                    </a:lnR>
+                    <a:lnT w="12700" cap="flat" cmpd="sng" algn="ctr">
+                      <a:solidFill>
+                        <a:schemeClr val="bg2"/>
+                      </a:solidFill>
+                      <a:prstDash val="solid"/>
+                      <a:round/>
+                      <a:headEnd type="none" w="med" len="med"/>
+                      <a:tailEnd type="none" w="med" len="med"/>
+                    </a:lnT>
+                    <a:lnB w="12700" cap="flat" cmpd="sng" algn="ctr">
+                      <a:solidFill>
+                        <a:schemeClr val="bg2"/>
+                      </a:solidFill>
+                      <a:prstDash val="solid"/>
+                      <a:round/>
+                      <a:headEnd type="none" w="med" len="med"/>
+                      <a:tailEnd type="none" w="med" len="med"/>
+                    </a:lnB>
+                    <a:noFill/>
+                  </a:tcPr>
+                </a:tc>
+                <a:tc>
+                  <a:txBody>
+                    <a:bodyPr/>
+                    <a:lstStyle/>
+                    <a:p>
+                      <a:pPr algn="ctr"/>
+                      <a:r>
+                        <a:rPr lang="en-US" sz="1400" b="0" dirty="0" smtClean="0">
+                          <a:solidFill>
+                            <a:srgbClr val="C00000"/>
+                          </a:solidFill>
+                          <a:latin typeface="Helvetica Neue" charset="0"/>
+                          <a:ea typeface="Helvetica Neue" charset="0"/>
+                          <a:cs typeface="Helvetica Neue" charset="0"/>
+                        </a:rPr>
+                        <a:t>-76.1%</a:t>
+                      </a:r>
+                      <a:endParaRPr lang="en-US" sz="1400" b="0" dirty="0">
+                        <a:solidFill>
+                          <a:srgbClr val="C00000"/>
+                        </a:solidFill>
+                        <a:latin typeface="Helvetica Neue" charset="0"/>
+                        <a:ea typeface="Helvetica Neue" charset="0"/>
+                        <a:cs typeface="Helvetica Neue" charset="0"/>
+                      </a:endParaRPr>
+                    </a:p>
+                  </a:txBody>
+                  <a:tcPr anchor="ctr">
+                    <a:lnL w="12700" cap="flat" cmpd="sng" algn="ctr">
+                      <a:solidFill>
+                        <a:schemeClr val="bg2"/>
+                      </a:solidFill>
+                      <a:prstDash val="solid"/>
+                      <a:round/>
+                      <a:headEnd type="none" w="med" len="med"/>
+                      <a:tailEnd type="none" w="med" len="med"/>
+                    </a:lnL>
+                    <a:lnR w="12700" cap="flat" cmpd="sng" algn="ctr">
+                      <a:solidFill>
+                        <a:schemeClr val="bg2"/>
+                      </a:solidFill>
+                      <a:prstDash val="solid"/>
+                      <a:round/>
+                      <a:headEnd type="none" w="med" len="med"/>
+                      <a:tailEnd type="none" w="med" len="med"/>
+                    </a:lnR>
+                    <a:lnT w="12700" cap="flat" cmpd="sng" algn="ctr">
+                      <a:solidFill>
+                        <a:schemeClr val="bg2"/>
+                      </a:solidFill>
+                      <a:prstDash val="solid"/>
+                      <a:round/>
+                      <a:headEnd type="none" w="med" len="med"/>
+                      <a:tailEnd type="none" w="med" len="med"/>
+                    </a:lnT>
+                    <a:lnB w="12700" cap="flat" cmpd="sng" algn="ctr">
+                      <a:solidFill>
+                        <a:schemeClr val="bg2"/>
+                      </a:solidFill>
+                      <a:prstDash val="solid"/>
+                      <a:round/>
+                      <a:headEnd type="none" w="med" len="med"/>
+                      <a:tailEnd type="none" w="med" len="med"/>
+                    </a:lnB>
+                    <a:noFill/>
+                  </a:tcPr>
+                </a:tc>
+              </a:tr>
+            </a:tbl>
+          </a:graphicData>
+        </a:graphic>
+      </p:graphicFrame>
+    </p:spTree>
+    <p:extLst>
+      <p:ext uri="{BB962C8B-B14F-4D97-AF65-F5344CB8AC3E}">
+        <p14:creationId xmlns:p14="http://schemas.microsoft.com/office/powerpoint/2010/main" val="303281429"/>
+      </p:ext>
+    </p:extLst>
+  </p:cSld>
+  <p:clrMapOvr>
+    <a:masterClrMapping/>
+  </p:clrMapOvr>
+</p:sld>
+</file>
+
 <file path=ppt/slides/slide3.xml><?xml version="1.0" encoding="utf-8"?>
 <p:sld xmlns:a="http://schemas.openxmlformats.org/drawingml/2006/main" xmlns:r="http://schemas.openxmlformats.org/officeDocument/2006/relationships" xmlns:p="http://schemas.openxmlformats.org/presentationml/2006/main">
   <p:cSld>
@@ -5100,61 +6921,31 @@
       </p:grpSpPr>
       <p:pic>
         <p:nvPicPr>
-          <p:cNvPr id="6" name="Picture 5"/>
+          <p:cNvPr id="8" name="Picture 7"/>
           <p:cNvPicPr>
             <a:picLocks noChangeAspect="1"/>
           </p:cNvPicPr>
           <p:nvPr/>
         </p:nvPicPr>
         <p:blipFill rotWithShape="1">
-          <a:blip r:embed="rId2"/>
-          <a:srcRect l="3917" b="3990"/>
+          <a:blip r:embed="rId3"/>
+          <a:srcRect l="2676" t="6420" r="8815" b="5943"/>
           <a:stretch/>
         </p:blipFill>
         <p:spPr>
           <a:xfrm>
-            <a:off x="2286000" y="882650"/>
-            <a:ext cx="7943850" cy="4889500"/>
+            <a:off x="3746089" y="1155700"/>
+            <a:ext cx="5702449" cy="3711269"/>
           </a:xfrm>
           <a:prstGeom prst="rect">
             <a:avLst/>
           </a:prstGeom>
         </p:spPr>
       </p:pic>
-      <p:sp>
-        <p:nvSpPr>
-          <p:cNvPr id="7" name="TextBox 6"/>
-          <p:cNvSpPr txBox="1"/>
-          <p:nvPr/>
-        </p:nvSpPr>
-        <p:spPr>
-          <a:xfrm>
-            <a:off x="728663" y="385763"/>
-            <a:ext cx="2457450" cy="369332"/>
-          </a:xfrm>
-          <a:prstGeom prst="rect">
-            <a:avLst/>
-          </a:prstGeom>
-          <a:noFill/>
-        </p:spPr>
-        <p:txBody>
-          <a:bodyPr wrap="square" rtlCol="0">
-            <a:spAutoFit/>
-          </a:bodyPr>
-          <a:lstStyle/>
-          <a:p>
-            <a:r>
-              <a:rPr lang="en-US" dirty="0" smtClean="0"/>
-              <a:t>DE ESS</a:t>
-            </a:r>
-            <a:endParaRPr lang="en-US" dirty="0"/>
-          </a:p>
-        </p:txBody>
-      </p:sp>
     </p:spTree>
     <p:extLst>
       <p:ext uri="{BB962C8B-B14F-4D97-AF65-F5344CB8AC3E}">
-        <p14:creationId xmlns:p14="http://schemas.microsoft.com/office/powerpoint/2010/main" val="1714354910"/>
+        <p14:creationId xmlns:p14="http://schemas.microsoft.com/office/powerpoint/2010/main" val="1038894686"/>
       </p:ext>
     </p:extLst>
   </p:cSld>
@@ -5181,56 +6972,867 @@
           <a:chExt cx="0" cy="0"/>
         </a:xfrm>
       </p:grpSpPr>
-      <p:sp>
-        <p:nvSpPr>
-          <p:cNvPr id="2" name="Title 1"/>
-          <p:cNvSpPr>
-            <a:spLocks noGrp="1"/>
-          </p:cNvSpPr>
-          <p:nvPr>
-            <p:ph type="title"/>
-          </p:nvPr>
-        </p:nvSpPr>
-        <p:spPr/>
-        <p:txBody>
-          <a:bodyPr/>
-          <a:lstStyle/>
-          <a:p>
-            <a:r>
-              <a:rPr lang="en-US" dirty="0" smtClean="0"/>
-              <a:t>DE Stacking</a:t>
-            </a:r>
-            <a:endParaRPr lang="en-US" dirty="0"/>
-          </a:p>
-        </p:txBody>
-      </p:sp>
       <p:pic>
         <p:nvPicPr>
-          <p:cNvPr id="3" name="Picture 2"/>
+          <p:cNvPr id="8" name="Picture 7"/>
           <p:cNvPicPr>
             <a:picLocks noChangeAspect="1"/>
           </p:cNvPicPr>
           <p:nvPr/>
         </p:nvPicPr>
-        <p:blipFill rotWithShape="1">
-          <a:blip r:embed="rId2"/>
-          <a:srcRect l="3800"/>
-          <a:stretch/>
+        <p:blipFill>
+          <a:blip r:embed="rId3"/>
+          <a:stretch>
+            <a:fillRect/>
+          </a:stretch>
         </p:blipFill>
         <p:spPr>
           <a:xfrm>
-            <a:off x="3400424" y="1027906"/>
-            <a:ext cx="7958279" cy="4892400"/>
+            <a:off x="1962150" y="984250"/>
+            <a:ext cx="8267700" cy="4889500"/>
           </a:xfrm>
           <a:prstGeom prst="rect">
             <a:avLst/>
           </a:prstGeom>
         </p:spPr>
       </p:pic>
+      <p:graphicFrame>
+        <p:nvGraphicFramePr>
+          <p:cNvPr id="9" name="Table 8"/>
+          <p:cNvGraphicFramePr>
+            <a:graphicFrameLocks noGrp="1"/>
+          </p:cNvGraphicFramePr>
+          <p:nvPr>
+            <p:extLst>
+              <p:ext uri="{D42A27DB-BD31-4B8C-83A1-F6EECF244321}">
+                <p14:modId xmlns:p14="http://schemas.microsoft.com/office/powerpoint/2010/main" val="76417074"/>
+              </p:ext>
+            </p:extLst>
+          </p:nvPr>
+        </p:nvGraphicFramePr>
+        <p:xfrm>
+          <a:off x="1636901" y="5721351"/>
+          <a:ext cx="8418668" cy="741680"/>
+        </p:xfrm>
+        <a:graphic>
+          <a:graphicData uri="http://schemas.openxmlformats.org/drawingml/2006/table">
+            <a:tbl>
+              <a:tblPr firstRow="1" bandRow="1">
+                <a:tableStyleId>{5C22544A-7EE6-4342-B048-85BDC9FD1C3A}</a:tableStyleId>
+              </a:tblPr>
+              <a:tblGrid>
+                <a:gridCol w="1476000"/>
+                <a:gridCol w="1353984"/>
+                <a:gridCol w="1405467"/>
+                <a:gridCol w="1371600"/>
+                <a:gridCol w="1456267"/>
+                <a:gridCol w="1355350"/>
+              </a:tblGrid>
+              <a:tr h="370840">
+                <a:tc>
+                  <a:txBody>
+                    <a:bodyPr/>
+                    <a:lstStyle/>
+                    <a:p>
+                      <a:pPr algn="ctr"/>
+                      <a:endParaRPr lang="en-US" sz="1400" b="0" dirty="0">
+                        <a:solidFill>
+                          <a:schemeClr val="tx1"/>
+                        </a:solidFill>
+                        <a:latin typeface="Helvetica Neue" charset="0"/>
+                        <a:ea typeface="Helvetica Neue" charset="0"/>
+                        <a:cs typeface="Helvetica Neue" charset="0"/>
+                      </a:endParaRPr>
+                    </a:p>
+                  </a:txBody>
+                  <a:tcPr anchor="ctr">
+                    <a:lnL w="12700" cap="flat" cmpd="sng" algn="ctr">
+                      <a:solidFill>
+                        <a:schemeClr val="bg2"/>
+                      </a:solidFill>
+                      <a:prstDash val="solid"/>
+                      <a:round/>
+                      <a:headEnd type="none" w="med" len="med"/>
+                      <a:tailEnd type="none" w="med" len="med"/>
+                    </a:lnL>
+                    <a:lnR w="12700" cap="flat" cmpd="sng" algn="ctr">
+                      <a:solidFill>
+                        <a:schemeClr val="bg2"/>
+                      </a:solidFill>
+                      <a:prstDash val="solid"/>
+                      <a:round/>
+                      <a:headEnd type="none" w="med" len="med"/>
+                      <a:tailEnd type="none" w="med" len="med"/>
+                    </a:lnR>
+                    <a:lnT w="12700" cap="flat" cmpd="sng" algn="ctr">
+                      <a:solidFill>
+                        <a:schemeClr val="bg2"/>
+                      </a:solidFill>
+                      <a:prstDash val="solid"/>
+                      <a:round/>
+                      <a:headEnd type="none" w="med" len="med"/>
+                      <a:tailEnd type="none" w="med" len="med"/>
+                    </a:lnT>
+                    <a:lnB w="12700" cap="flat" cmpd="sng" algn="ctr">
+                      <a:solidFill>
+                        <a:schemeClr val="bg2"/>
+                      </a:solidFill>
+                      <a:prstDash val="solid"/>
+                      <a:round/>
+                      <a:headEnd type="none" w="med" len="med"/>
+                      <a:tailEnd type="none" w="med" len="med"/>
+                    </a:lnB>
+                    <a:noFill/>
+                  </a:tcPr>
+                </a:tc>
+                <a:tc>
+                  <a:txBody>
+                    <a:bodyPr/>
+                    <a:lstStyle/>
+                    <a:p>
+                      <a:pPr algn="ctr"/>
+                      <a:r>
+                        <a:rPr lang="en-US" sz="1400" b="0" dirty="0" smtClean="0">
+                          <a:solidFill>
+                            <a:schemeClr val="tx1"/>
+                          </a:solidFill>
+                          <a:latin typeface="Helvetica Neue" charset="0"/>
+                          <a:ea typeface="Helvetica Neue" charset="0"/>
+                          <a:cs typeface="Helvetica Neue" charset="0"/>
+                        </a:rPr>
+                        <a:t>DA</a:t>
+                      </a:r>
+                      <a:endParaRPr lang="en-US" sz="1400" b="0" dirty="0">
+                        <a:solidFill>
+                          <a:schemeClr val="tx1"/>
+                        </a:solidFill>
+                        <a:latin typeface="Helvetica Neue" charset="0"/>
+                        <a:ea typeface="Helvetica Neue" charset="0"/>
+                        <a:cs typeface="Helvetica Neue" charset="0"/>
+                      </a:endParaRPr>
+                    </a:p>
+                  </a:txBody>
+                  <a:tcPr anchor="ctr">
+                    <a:lnL w="12700" cap="flat" cmpd="sng" algn="ctr">
+                      <a:solidFill>
+                        <a:schemeClr val="bg2"/>
+                      </a:solidFill>
+                      <a:prstDash val="solid"/>
+                      <a:round/>
+                      <a:headEnd type="none" w="med" len="med"/>
+                      <a:tailEnd type="none" w="med" len="med"/>
+                    </a:lnL>
+                    <a:lnR w="12700" cap="flat" cmpd="sng" algn="ctr">
+                      <a:solidFill>
+                        <a:schemeClr val="bg2"/>
+                      </a:solidFill>
+                      <a:prstDash val="solid"/>
+                      <a:round/>
+                      <a:headEnd type="none" w="med" len="med"/>
+                      <a:tailEnd type="none" w="med" len="med"/>
+                    </a:lnR>
+                    <a:lnT w="12700" cap="flat" cmpd="sng" algn="ctr">
+                      <a:solidFill>
+                        <a:schemeClr val="bg2"/>
+                      </a:solidFill>
+                      <a:prstDash val="solid"/>
+                      <a:round/>
+                      <a:headEnd type="none" w="med" len="med"/>
+                      <a:tailEnd type="none" w="med" len="med"/>
+                    </a:lnT>
+                    <a:lnB w="12700" cap="flat" cmpd="sng" algn="ctr">
+                      <a:solidFill>
+                        <a:schemeClr val="bg2"/>
+                      </a:solidFill>
+                      <a:prstDash val="solid"/>
+                      <a:round/>
+                      <a:headEnd type="none" w="med" len="med"/>
+                      <a:tailEnd type="none" w="med" len="med"/>
+                    </a:lnB>
+                    <a:noFill/>
+                  </a:tcPr>
+                </a:tc>
+                <a:tc>
+                  <a:txBody>
+                    <a:bodyPr/>
+                    <a:lstStyle/>
+                    <a:p>
+                      <a:pPr algn="ctr"/>
+                      <a:r>
+                        <a:rPr lang="en-US" sz="1400" b="0" dirty="0" smtClean="0">
+                          <a:solidFill>
+                            <a:schemeClr val="tx1"/>
+                          </a:solidFill>
+                          <a:latin typeface="Helvetica Neue" charset="0"/>
+                          <a:ea typeface="Helvetica Neue" charset="0"/>
+                          <a:cs typeface="Helvetica Neue" charset="0"/>
+                        </a:rPr>
+                        <a:t>ID</a:t>
+                      </a:r>
+                      <a:endParaRPr lang="en-US" sz="1400" b="0" dirty="0">
+                        <a:solidFill>
+                          <a:schemeClr val="tx1"/>
+                        </a:solidFill>
+                        <a:latin typeface="Helvetica Neue" charset="0"/>
+                        <a:ea typeface="Helvetica Neue" charset="0"/>
+                        <a:cs typeface="Helvetica Neue" charset="0"/>
+                      </a:endParaRPr>
+                    </a:p>
+                  </a:txBody>
+                  <a:tcPr anchor="ctr">
+                    <a:lnL w="12700" cap="flat" cmpd="sng" algn="ctr">
+                      <a:solidFill>
+                        <a:schemeClr val="bg2"/>
+                      </a:solidFill>
+                      <a:prstDash val="solid"/>
+                      <a:round/>
+                      <a:headEnd type="none" w="med" len="med"/>
+                      <a:tailEnd type="none" w="med" len="med"/>
+                    </a:lnL>
+                    <a:lnR w="12700" cap="flat" cmpd="sng" algn="ctr">
+                      <a:solidFill>
+                        <a:schemeClr val="bg2"/>
+                      </a:solidFill>
+                      <a:prstDash val="solid"/>
+                      <a:round/>
+                      <a:headEnd type="none" w="med" len="med"/>
+                      <a:tailEnd type="none" w="med" len="med"/>
+                    </a:lnR>
+                    <a:lnT w="12700" cap="flat" cmpd="sng" algn="ctr">
+                      <a:solidFill>
+                        <a:schemeClr val="bg2"/>
+                      </a:solidFill>
+                      <a:prstDash val="solid"/>
+                      <a:round/>
+                      <a:headEnd type="none" w="med" len="med"/>
+                      <a:tailEnd type="none" w="med" len="med"/>
+                    </a:lnT>
+                    <a:lnB w="12700" cap="flat" cmpd="sng" algn="ctr">
+                      <a:solidFill>
+                        <a:schemeClr val="bg2"/>
+                      </a:solidFill>
+                      <a:prstDash val="solid"/>
+                      <a:round/>
+                      <a:headEnd type="none" w="med" len="med"/>
+                      <a:tailEnd type="none" w="med" len="med"/>
+                    </a:lnB>
+                    <a:noFill/>
+                  </a:tcPr>
+                </a:tc>
+                <a:tc>
+                  <a:txBody>
+                    <a:bodyPr/>
+                    <a:lstStyle/>
+                    <a:p>
+                      <a:pPr algn="ctr"/>
+                      <a:r>
+                        <a:rPr lang="en-US" sz="1400" b="0" dirty="0" smtClean="0">
+                          <a:solidFill>
+                            <a:schemeClr val="tx1"/>
+                          </a:solidFill>
+                          <a:latin typeface="Helvetica Neue" charset="0"/>
+                          <a:ea typeface="Helvetica Neue" charset="0"/>
+                          <a:cs typeface="Helvetica Neue" charset="0"/>
+                        </a:rPr>
+                        <a:t>BE</a:t>
+                      </a:r>
+                      <a:endParaRPr lang="en-US" sz="1400" b="0" dirty="0">
+                        <a:solidFill>
+                          <a:schemeClr val="tx1"/>
+                        </a:solidFill>
+                        <a:latin typeface="Helvetica Neue" charset="0"/>
+                        <a:ea typeface="Helvetica Neue" charset="0"/>
+                        <a:cs typeface="Helvetica Neue" charset="0"/>
+                      </a:endParaRPr>
+                    </a:p>
+                  </a:txBody>
+                  <a:tcPr anchor="ctr">
+                    <a:lnL w="12700" cap="flat" cmpd="sng" algn="ctr">
+                      <a:solidFill>
+                        <a:schemeClr val="bg2"/>
+                      </a:solidFill>
+                      <a:prstDash val="solid"/>
+                      <a:round/>
+                      <a:headEnd type="none" w="med" len="med"/>
+                      <a:tailEnd type="none" w="med" len="med"/>
+                    </a:lnL>
+                    <a:lnR w="12700" cap="flat" cmpd="sng" algn="ctr">
+                      <a:solidFill>
+                        <a:schemeClr val="bg2"/>
+                      </a:solidFill>
+                      <a:prstDash val="solid"/>
+                      <a:round/>
+                      <a:headEnd type="none" w="med" len="med"/>
+                      <a:tailEnd type="none" w="med" len="med"/>
+                    </a:lnR>
+                    <a:lnT w="12700" cap="flat" cmpd="sng" algn="ctr">
+                      <a:solidFill>
+                        <a:schemeClr val="bg2"/>
+                      </a:solidFill>
+                      <a:prstDash val="solid"/>
+                      <a:round/>
+                      <a:headEnd type="none" w="med" len="med"/>
+                      <a:tailEnd type="none" w="med" len="med"/>
+                    </a:lnT>
+                    <a:lnB w="12700" cap="flat" cmpd="sng" algn="ctr">
+                      <a:solidFill>
+                        <a:schemeClr val="bg2"/>
+                      </a:solidFill>
+                      <a:prstDash val="solid"/>
+                      <a:round/>
+                      <a:headEnd type="none" w="med" len="med"/>
+                      <a:tailEnd type="none" w="med" len="med"/>
+                    </a:lnB>
+                    <a:noFill/>
+                  </a:tcPr>
+                </a:tc>
+                <a:tc>
+                  <a:txBody>
+                    <a:bodyPr/>
+                    <a:lstStyle/>
+                    <a:p>
+                      <a:pPr algn="ctr"/>
+                      <a:r>
+                        <a:rPr lang="en-US" sz="1400" b="0" dirty="0" smtClean="0">
+                          <a:solidFill>
+                            <a:schemeClr val="tx1"/>
+                          </a:solidFill>
+                          <a:latin typeface="Helvetica Neue" charset="0"/>
+                          <a:ea typeface="Helvetica Neue" charset="0"/>
+                          <a:cs typeface="Helvetica Neue" charset="0"/>
+                        </a:rPr>
+                        <a:t>PCR</a:t>
+                      </a:r>
+                      <a:endParaRPr lang="en-US" sz="1400" b="0" dirty="0">
+                        <a:solidFill>
+                          <a:schemeClr val="tx1"/>
+                        </a:solidFill>
+                        <a:latin typeface="Helvetica Neue" charset="0"/>
+                        <a:ea typeface="Helvetica Neue" charset="0"/>
+                        <a:cs typeface="Helvetica Neue" charset="0"/>
+                      </a:endParaRPr>
+                    </a:p>
+                  </a:txBody>
+                  <a:tcPr anchor="ctr">
+                    <a:lnL w="12700" cap="flat" cmpd="sng" algn="ctr">
+                      <a:solidFill>
+                        <a:schemeClr val="bg2"/>
+                      </a:solidFill>
+                      <a:prstDash val="solid"/>
+                      <a:round/>
+                      <a:headEnd type="none" w="med" len="med"/>
+                      <a:tailEnd type="none" w="med" len="med"/>
+                    </a:lnL>
+                    <a:lnR w="12700" cap="flat" cmpd="sng" algn="ctr">
+                      <a:solidFill>
+                        <a:schemeClr val="bg2"/>
+                      </a:solidFill>
+                      <a:prstDash val="solid"/>
+                      <a:round/>
+                      <a:headEnd type="none" w="med" len="med"/>
+                      <a:tailEnd type="none" w="med" len="med"/>
+                    </a:lnR>
+                    <a:lnT w="12700" cap="flat" cmpd="sng" algn="ctr">
+                      <a:solidFill>
+                        <a:schemeClr val="bg2"/>
+                      </a:solidFill>
+                      <a:prstDash val="solid"/>
+                      <a:round/>
+                      <a:headEnd type="none" w="med" len="med"/>
+                      <a:tailEnd type="none" w="med" len="med"/>
+                    </a:lnT>
+                    <a:lnB w="12700" cap="flat" cmpd="sng" algn="ctr">
+                      <a:solidFill>
+                        <a:schemeClr val="bg2"/>
+                      </a:solidFill>
+                      <a:prstDash val="solid"/>
+                      <a:round/>
+                      <a:headEnd type="none" w="med" len="med"/>
+                      <a:tailEnd type="none" w="med" len="med"/>
+                    </a:lnB>
+                    <a:noFill/>
+                  </a:tcPr>
+                </a:tc>
+                <a:tc>
+                  <a:txBody>
+                    <a:bodyPr/>
+                    <a:lstStyle/>
+                    <a:p>
+                      <a:pPr algn="ctr"/>
+                      <a:r>
+                        <a:rPr lang="en-US" sz="1400" b="0" dirty="0" smtClean="0">
+                          <a:solidFill>
+                            <a:schemeClr val="tx1"/>
+                          </a:solidFill>
+                          <a:latin typeface="Helvetica Neue" charset="0"/>
+                          <a:ea typeface="Helvetica Neue" charset="0"/>
+                          <a:cs typeface="Helvetica Neue" charset="0"/>
+                        </a:rPr>
+                        <a:t>SCR</a:t>
+                      </a:r>
+                      <a:endParaRPr lang="en-US" sz="1400" b="0" dirty="0">
+                        <a:solidFill>
+                          <a:schemeClr val="tx1"/>
+                        </a:solidFill>
+                        <a:latin typeface="Helvetica Neue" charset="0"/>
+                        <a:ea typeface="Helvetica Neue" charset="0"/>
+                        <a:cs typeface="Helvetica Neue" charset="0"/>
+                      </a:endParaRPr>
+                    </a:p>
+                  </a:txBody>
+                  <a:tcPr anchor="ctr">
+                    <a:lnL w="12700" cap="flat" cmpd="sng" algn="ctr">
+                      <a:solidFill>
+                        <a:schemeClr val="bg2"/>
+                      </a:solidFill>
+                      <a:prstDash val="solid"/>
+                      <a:round/>
+                      <a:headEnd type="none" w="med" len="med"/>
+                      <a:tailEnd type="none" w="med" len="med"/>
+                    </a:lnL>
+                    <a:lnR w="12700" cap="flat" cmpd="sng" algn="ctr">
+                      <a:solidFill>
+                        <a:schemeClr val="bg2"/>
+                      </a:solidFill>
+                      <a:prstDash val="solid"/>
+                      <a:round/>
+                      <a:headEnd type="none" w="med" len="med"/>
+                      <a:tailEnd type="none" w="med" len="med"/>
+                    </a:lnR>
+                    <a:lnT w="12700" cap="flat" cmpd="sng" algn="ctr">
+                      <a:solidFill>
+                        <a:schemeClr val="bg2"/>
+                      </a:solidFill>
+                      <a:prstDash val="solid"/>
+                      <a:round/>
+                      <a:headEnd type="none" w="med" len="med"/>
+                      <a:tailEnd type="none" w="med" len="med"/>
+                    </a:lnT>
+                    <a:lnB w="12700" cap="flat" cmpd="sng" algn="ctr">
+                      <a:solidFill>
+                        <a:schemeClr val="bg2"/>
+                      </a:solidFill>
+                      <a:prstDash val="solid"/>
+                      <a:round/>
+                      <a:headEnd type="none" w="med" len="med"/>
+                      <a:tailEnd type="none" w="med" len="med"/>
+                    </a:lnB>
+                    <a:noFill/>
+                  </a:tcPr>
+                </a:tc>
+              </a:tr>
+              <a:tr h="370840">
+                <a:tc>
+                  <a:txBody>
+                    <a:bodyPr/>
+                    <a:lstStyle/>
+                    <a:p>
+                      <a:pPr algn="ctr"/>
+                      <a:r>
+                        <a:rPr lang="en-US" sz="1400" b="0" dirty="0" smtClean="0">
+                          <a:solidFill>
+                            <a:schemeClr val="tx1"/>
+                          </a:solidFill>
+                          <a:latin typeface="Helvetica Neue" charset="0"/>
+                          <a:ea typeface="Helvetica Neue" charset="0"/>
+                          <a:cs typeface="Helvetica Neue" charset="0"/>
+                        </a:rPr>
+                        <a:t>Profitability ratio</a:t>
+                      </a:r>
+                      <a:endParaRPr lang="en-US" sz="1400" b="0" dirty="0">
+                        <a:solidFill>
+                          <a:schemeClr val="tx1"/>
+                        </a:solidFill>
+                        <a:latin typeface="Helvetica Neue" charset="0"/>
+                        <a:ea typeface="Helvetica Neue" charset="0"/>
+                        <a:cs typeface="Helvetica Neue" charset="0"/>
+                      </a:endParaRPr>
+                    </a:p>
+                  </a:txBody>
+                  <a:tcPr anchor="ctr">
+                    <a:lnL w="12700" cap="flat" cmpd="sng" algn="ctr">
+                      <a:solidFill>
+                        <a:schemeClr val="bg2"/>
+                      </a:solidFill>
+                      <a:prstDash val="solid"/>
+                      <a:round/>
+                      <a:headEnd type="none" w="med" len="med"/>
+                      <a:tailEnd type="none" w="med" len="med"/>
+                    </a:lnL>
+                    <a:lnR w="12700" cap="flat" cmpd="sng" algn="ctr">
+                      <a:solidFill>
+                        <a:schemeClr val="bg2"/>
+                      </a:solidFill>
+                      <a:prstDash val="solid"/>
+                      <a:round/>
+                      <a:headEnd type="none" w="med" len="med"/>
+                      <a:tailEnd type="none" w="med" len="med"/>
+                    </a:lnR>
+                    <a:lnT w="12700" cap="flat" cmpd="sng" algn="ctr">
+                      <a:solidFill>
+                        <a:schemeClr val="bg2"/>
+                      </a:solidFill>
+                      <a:prstDash val="solid"/>
+                      <a:round/>
+                      <a:headEnd type="none" w="med" len="med"/>
+                      <a:tailEnd type="none" w="med" len="med"/>
+                    </a:lnT>
+                    <a:lnB w="12700" cap="flat" cmpd="sng" algn="ctr">
+                      <a:solidFill>
+                        <a:schemeClr val="bg2"/>
+                      </a:solidFill>
+                      <a:prstDash val="solid"/>
+                      <a:round/>
+                      <a:headEnd type="none" w="med" len="med"/>
+                      <a:tailEnd type="none" w="med" len="med"/>
+                    </a:lnB>
+                    <a:noFill/>
+                  </a:tcPr>
+                </a:tc>
+                <a:tc>
+                  <a:txBody>
+                    <a:bodyPr/>
+                    <a:lstStyle/>
+                    <a:p>
+                      <a:pPr algn="ctr"/>
+                      <a:r>
+                        <a:rPr lang="en-US" sz="1400" b="0" dirty="0" smtClean="0">
+                          <a:solidFill>
+                            <a:srgbClr val="C00000"/>
+                          </a:solidFill>
+                          <a:latin typeface="Helvetica Neue" charset="0"/>
+                          <a:ea typeface="Helvetica Neue" charset="0"/>
+                          <a:cs typeface="Helvetica Neue" charset="0"/>
+                        </a:rPr>
+                        <a:t>-95.0%</a:t>
+                      </a:r>
+                      <a:endParaRPr lang="en-US" sz="1400" b="0" dirty="0">
+                        <a:solidFill>
+                          <a:srgbClr val="C00000"/>
+                        </a:solidFill>
+                        <a:latin typeface="Helvetica Neue" charset="0"/>
+                        <a:ea typeface="Helvetica Neue" charset="0"/>
+                        <a:cs typeface="Helvetica Neue" charset="0"/>
+                      </a:endParaRPr>
+                    </a:p>
+                  </a:txBody>
+                  <a:tcPr anchor="ctr">
+                    <a:lnL w="12700" cap="flat" cmpd="sng" algn="ctr">
+                      <a:solidFill>
+                        <a:schemeClr val="bg2"/>
+                      </a:solidFill>
+                      <a:prstDash val="solid"/>
+                      <a:round/>
+                      <a:headEnd type="none" w="med" len="med"/>
+                      <a:tailEnd type="none" w="med" len="med"/>
+                    </a:lnL>
+                    <a:lnR w="12700" cap="flat" cmpd="sng" algn="ctr">
+                      <a:solidFill>
+                        <a:schemeClr val="bg2"/>
+                      </a:solidFill>
+                      <a:prstDash val="solid"/>
+                      <a:round/>
+                      <a:headEnd type="none" w="med" len="med"/>
+                      <a:tailEnd type="none" w="med" len="med"/>
+                    </a:lnR>
+                    <a:lnT w="12700" cap="flat" cmpd="sng" algn="ctr">
+                      <a:solidFill>
+                        <a:schemeClr val="bg2"/>
+                      </a:solidFill>
+                      <a:prstDash val="solid"/>
+                      <a:round/>
+                      <a:headEnd type="none" w="med" len="med"/>
+                      <a:tailEnd type="none" w="med" len="med"/>
+                    </a:lnT>
+                    <a:lnB w="12700" cap="flat" cmpd="sng" algn="ctr">
+                      <a:solidFill>
+                        <a:schemeClr val="bg2"/>
+                      </a:solidFill>
+                      <a:prstDash val="solid"/>
+                      <a:round/>
+                      <a:headEnd type="none" w="med" len="med"/>
+                      <a:tailEnd type="none" w="med" len="med"/>
+                    </a:lnB>
+                    <a:noFill/>
+                  </a:tcPr>
+                </a:tc>
+                <a:tc>
+                  <a:txBody>
+                    <a:bodyPr/>
+                    <a:lstStyle/>
+                    <a:p>
+                      <a:pPr algn="ctr"/>
+                      <a:r>
+                        <a:rPr lang="en-US" sz="1400" b="0" dirty="0" smtClean="0">
+                          <a:solidFill>
+                            <a:srgbClr val="C00000"/>
+                          </a:solidFill>
+                          <a:latin typeface="Helvetica Neue" charset="0"/>
+                          <a:ea typeface="Helvetica Neue" charset="0"/>
+                          <a:cs typeface="Helvetica Neue" charset="0"/>
+                        </a:rPr>
+                        <a:t>-93.4%</a:t>
+                      </a:r>
+                      <a:endParaRPr lang="en-US" sz="1400" b="0" dirty="0">
+                        <a:solidFill>
+                          <a:srgbClr val="C00000"/>
+                        </a:solidFill>
+                        <a:latin typeface="Helvetica Neue" charset="0"/>
+                        <a:ea typeface="Helvetica Neue" charset="0"/>
+                        <a:cs typeface="Helvetica Neue" charset="0"/>
+                      </a:endParaRPr>
+                    </a:p>
+                  </a:txBody>
+                  <a:tcPr anchor="ctr">
+                    <a:lnL w="12700" cap="flat" cmpd="sng" algn="ctr">
+                      <a:solidFill>
+                        <a:schemeClr val="bg2"/>
+                      </a:solidFill>
+                      <a:prstDash val="solid"/>
+                      <a:round/>
+                      <a:headEnd type="none" w="med" len="med"/>
+                      <a:tailEnd type="none" w="med" len="med"/>
+                    </a:lnL>
+                    <a:lnR w="12700" cap="flat" cmpd="sng" algn="ctr">
+                      <a:solidFill>
+                        <a:schemeClr val="bg2"/>
+                      </a:solidFill>
+                      <a:prstDash val="solid"/>
+                      <a:round/>
+                      <a:headEnd type="none" w="med" len="med"/>
+                      <a:tailEnd type="none" w="med" len="med"/>
+                    </a:lnR>
+                    <a:lnT w="12700" cap="flat" cmpd="sng" algn="ctr">
+                      <a:solidFill>
+                        <a:schemeClr val="bg2"/>
+                      </a:solidFill>
+                      <a:prstDash val="solid"/>
+                      <a:round/>
+                      <a:headEnd type="none" w="med" len="med"/>
+                      <a:tailEnd type="none" w="med" len="med"/>
+                    </a:lnT>
+                    <a:lnB w="12700" cap="flat" cmpd="sng" algn="ctr">
+                      <a:solidFill>
+                        <a:schemeClr val="bg2"/>
+                      </a:solidFill>
+                      <a:prstDash val="solid"/>
+                      <a:round/>
+                      <a:headEnd type="none" w="med" len="med"/>
+                      <a:tailEnd type="none" w="med" len="med"/>
+                    </a:lnB>
+                    <a:noFill/>
+                  </a:tcPr>
+                </a:tc>
+                <a:tc>
+                  <a:txBody>
+                    <a:bodyPr/>
+                    <a:lstStyle/>
+                    <a:p>
+                      <a:pPr algn="ctr"/>
+                      <a:r>
+                        <a:rPr lang="en-US" sz="1400" b="0" dirty="0" smtClean="0">
+                          <a:solidFill>
+                            <a:srgbClr val="00B050"/>
+                          </a:solidFill>
+                          <a:latin typeface="Helvetica Neue" charset="0"/>
+                          <a:ea typeface="Helvetica Neue" charset="0"/>
+                          <a:cs typeface="Helvetica Neue" charset="0"/>
+                        </a:rPr>
+                        <a:t>7%</a:t>
+                      </a:r>
+                      <a:endParaRPr lang="en-US" sz="1400" b="0" dirty="0">
+                        <a:solidFill>
+                          <a:srgbClr val="00B050"/>
+                        </a:solidFill>
+                        <a:latin typeface="Helvetica Neue" charset="0"/>
+                        <a:ea typeface="Helvetica Neue" charset="0"/>
+                        <a:cs typeface="Helvetica Neue" charset="0"/>
+                      </a:endParaRPr>
+                    </a:p>
+                  </a:txBody>
+                  <a:tcPr anchor="ctr">
+                    <a:lnL w="12700" cap="flat" cmpd="sng" algn="ctr">
+                      <a:solidFill>
+                        <a:schemeClr val="bg2"/>
+                      </a:solidFill>
+                      <a:prstDash val="solid"/>
+                      <a:round/>
+                      <a:headEnd type="none" w="med" len="med"/>
+                      <a:tailEnd type="none" w="med" len="med"/>
+                    </a:lnL>
+                    <a:lnR w="12700" cap="flat" cmpd="sng" algn="ctr">
+                      <a:solidFill>
+                        <a:schemeClr val="bg2"/>
+                      </a:solidFill>
+                      <a:prstDash val="solid"/>
+                      <a:round/>
+                      <a:headEnd type="none" w="med" len="med"/>
+                      <a:tailEnd type="none" w="med" len="med"/>
+                    </a:lnR>
+                    <a:lnT w="12700" cap="flat" cmpd="sng" algn="ctr">
+                      <a:solidFill>
+                        <a:schemeClr val="bg2"/>
+                      </a:solidFill>
+                      <a:prstDash val="solid"/>
+                      <a:round/>
+                      <a:headEnd type="none" w="med" len="med"/>
+                      <a:tailEnd type="none" w="med" len="med"/>
+                    </a:lnT>
+                    <a:lnB w="12700" cap="flat" cmpd="sng" algn="ctr">
+                      <a:solidFill>
+                        <a:schemeClr val="bg2"/>
+                      </a:solidFill>
+                      <a:prstDash val="solid"/>
+                      <a:round/>
+                      <a:headEnd type="none" w="med" len="med"/>
+                      <a:tailEnd type="none" w="med" len="med"/>
+                    </a:lnB>
+                    <a:noFill/>
+                  </a:tcPr>
+                </a:tc>
+                <a:tc>
+                  <a:txBody>
+                    <a:bodyPr/>
+                    <a:lstStyle/>
+                    <a:p>
+                      <a:pPr algn="ctr"/>
+                      <a:r>
+                        <a:rPr lang="en-US" sz="1400" b="0" dirty="0" smtClean="0">
+                          <a:solidFill>
+                            <a:srgbClr val="C00000"/>
+                          </a:solidFill>
+                          <a:latin typeface="Helvetica Neue" charset="0"/>
+                          <a:ea typeface="Helvetica Neue" charset="0"/>
+                          <a:cs typeface="Helvetica Neue" charset="0"/>
+                        </a:rPr>
+                        <a:t>-39.8%</a:t>
+                      </a:r>
+                      <a:endParaRPr lang="en-US" sz="1400" b="0" dirty="0">
+                        <a:solidFill>
+                          <a:srgbClr val="C00000"/>
+                        </a:solidFill>
+                        <a:latin typeface="Helvetica Neue" charset="0"/>
+                        <a:ea typeface="Helvetica Neue" charset="0"/>
+                        <a:cs typeface="Helvetica Neue" charset="0"/>
+                      </a:endParaRPr>
+                    </a:p>
+                  </a:txBody>
+                  <a:tcPr anchor="ctr">
+                    <a:lnL w="12700" cap="flat" cmpd="sng" algn="ctr">
+                      <a:solidFill>
+                        <a:schemeClr val="bg2"/>
+                      </a:solidFill>
+                      <a:prstDash val="solid"/>
+                      <a:round/>
+                      <a:headEnd type="none" w="med" len="med"/>
+                      <a:tailEnd type="none" w="med" len="med"/>
+                    </a:lnL>
+                    <a:lnR w="12700" cap="flat" cmpd="sng" algn="ctr">
+                      <a:solidFill>
+                        <a:schemeClr val="bg2"/>
+                      </a:solidFill>
+                      <a:prstDash val="solid"/>
+                      <a:round/>
+                      <a:headEnd type="none" w="med" len="med"/>
+                      <a:tailEnd type="none" w="med" len="med"/>
+                    </a:lnR>
+                    <a:lnT w="12700" cap="flat" cmpd="sng" algn="ctr">
+                      <a:solidFill>
+                        <a:schemeClr val="bg2"/>
+                      </a:solidFill>
+                      <a:prstDash val="solid"/>
+                      <a:round/>
+                      <a:headEnd type="none" w="med" len="med"/>
+                      <a:tailEnd type="none" w="med" len="med"/>
+                    </a:lnT>
+                    <a:lnB w="12700" cap="flat" cmpd="sng" algn="ctr">
+                      <a:solidFill>
+                        <a:schemeClr val="bg2"/>
+                      </a:solidFill>
+                      <a:prstDash val="solid"/>
+                      <a:round/>
+                      <a:headEnd type="none" w="med" len="med"/>
+                      <a:tailEnd type="none" w="med" len="med"/>
+                    </a:lnB>
+                    <a:noFill/>
+                  </a:tcPr>
+                </a:tc>
+                <a:tc>
+                  <a:txBody>
+                    <a:bodyPr/>
+                    <a:lstStyle/>
+                    <a:p>
+                      <a:pPr algn="ctr"/>
+                      <a:r>
+                        <a:rPr lang="en-US" sz="1400" b="0" dirty="0" smtClean="0">
+                          <a:solidFill>
+                            <a:srgbClr val="C00000"/>
+                          </a:solidFill>
+                          <a:latin typeface="Helvetica Neue" charset="0"/>
+                          <a:ea typeface="Helvetica Neue" charset="0"/>
+                          <a:cs typeface="Helvetica Neue" charset="0"/>
+                        </a:rPr>
+                        <a:t>-95.5%</a:t>
+                      </a:r>
+                      <a:endParaRPr lang="en-US" sz="1400" b="0" dirty="0">
+                        <a:solidFill>
+                          <a:srgbClr val="C00000"/>
+                        </a:solidFill>
+                        <a:latin typeface="Helvetica Neue" charset="0"/>
+                        <a:ea typeface="Helvetica Neue" charset="0"/>
+                        <a:cs typeface="Helvetica Neue" charset="0"/>
+                      </a:endParaRPr>
+                    </a:p>
+                  </a:txBody>
+                  <a:tcPr anchor="ctr">
+                    <a:lnL w="12700" cap="flat" cmpd="sng" algn="ctr">
+                      <a:solidFill>
+                        <a:schemeClr val="bg2"/>
+                      </a:solidFill>
+                      <a:prstDash val="solid"/>
+                      <a:round/>
+                      <a:headEnd type="none" w="med" len="med"/>
+                      <a:tailEnd type="none" w="med" len="med"/>
+                    </a:lnL>
+                    <a:lnR w="12700" cap="flat" cmpd="sng" algn="ctr">
+                      <a:solidFill>
+                        <a:schemeClr val="bg2"/>
+                      </a:solidFill>
+                      <a:prstDash val="solid"/>
+                      <a:round/>
+                      <a:headEnd type="none" w="med" len="med"/>
+                      <a:tailEnd type="none" w="med" len="med"/>
+                    </a:lnR>
+                    <a:lnT w="12700" cap="flat" cmpd="sng" algn="ctr">
+                      <a:solidFill>
+                        <a:schemeClr val="bg2"/>
+                      </a:solidFill>
+                      <a:prstDash val="solid"/>
+                      <a:round/>
+                      <a:headEnd type="none" w="med" len="med"/>
+                      <a:tailEnd type="none" w="med" len="med"/>
+                    </a:lnT>
+                    <a:lnB w="12700" cap="flat" cmpd="sng" algn="ctr">
+                      <a:solidFill>
+                        <a:schemeClr val="bg2"/>
+                      </a:solidFill>
+                      <a:prstDash val="solid"/>
+                      <a:round/>
+                      <a:headEnd type="none" w="med" len="med"/>
+                      <a:tailEnd type="none" w="med" len="med"/>
+                    </a:lnB>
+                    <a:noFill/>
+                  </a:tcPr>
+                </a:tc>
+              </a:tr>
+            </a:tbl>
+          </a:graphicData>
+        </a:graphic>
+      </p:graphicFrame>
     </p:spTree>
     <p:extLst>
       <p:ext uri="{BB962C8B-B14F-4D97-AF65-F5344CB8AC3E}">
-        <p14:creationId xmlns:p14="http://schemas.microsoft.com/office/powerpoint/2010/main" val="1715126726"/>
+        <p14:creationId xmlns:p14="http://schemas.microsoft.com/office/powerpoint/2010/main" val="1902184104"/>
       </p:ext>
     </p:extLst>
   </p:cSld>
@@ -5274,6 +7876,82 @@
           <a:p>
             <a:r>
               <a:rPr lang="en-US" dirty="0" smtClean="0"/>
+              <a:t>DE Stacking</a:t>
+            </a:r>
+            <a:endParaRPr lang="en-US" dirty="0"/>
+          </a:p>
+        </p:txBody>
+      </p:sp>
+      <p:pic>
+        <p:nvPicPr>
+          <p:cNvPr id="3" name="Picture 2"/>
+          <p:cNvPicPr>
+            <a:picLocks noChangeAspect="1"/>
+          </p:cNvPicPr>
+          <p:nvPr/>
+        </p:nvPicPr>
+        <p:blipFill rotWithShape="1">
+          <a:blip r:embed="rId2"/>
+          <a:srcRect l="3800"/>
+          <a:stretch/>
+        </p:blipFill>
+        <p:spPr>
+          <a:xfrm>
+            <a:off x="3400424" y="1027906"/>
+            <a:ext cx="7958279" cy="4892400"/>
+          </a:xfrm>
+          <a:prstGeom prst="rect">
+            <a:avLst/>
+          </a:prstGeom>
+        </p:spPr>
+      </p:pic>
+    </p:spTree>
+    <p:extLst>
+      <p:ext uri="{BB962C8B-B14F-4D97-AF65-F5344CB8AC3E}">
+        <p14:creationId xmlns:p14="http://schemas.microsoft.com/office/powerpoint/2010/main" val="1715126726"/>
+      </p:ext>
+    </p:extLst>
+  </p:cSld>
+  <p:clrMapOvr>
+    <a:masterClrMapping/>
+  </p:clrMapOvr>
+</p:sld>
+</file>
+
+<file path=ppt/slides/slide6.xml><?xml version="1.0" encoding="utf-8"?>
+<p:sld xmlns:a="http://schemas.openxmlformats.org/drawingml/2006/main" xmlns:r="http://schemas.openxmlformats.org/officeDocument/2006/relationships" xmlns:p="http://schemas.openxmlformats.org/presentationml/2006/main">
+  <p:cSld>
+    <p:spTree>
+      <p:nvGrpSpPr>
+        <p:cNvPr id="1" name=""/>
+        <p:cNvGrpSpPr/>
+        <p:nvPr/>
+      </p:nvGrpSpPr>
+      <p:grpSpPr>
+        <a:xfrm>
+          <a:off x="0" y="0"/>
+          <a:ext cx="0" cy="0"/>
+          <a:chOff x="0" y="0"/>
+          <a:chExt cx="0" cy="0"/>
+        </a:xfrm>
+      </p:grpSpPr>
+      <p:sp>
+        <p:nvSpPr>
+          <p:cNvPr id="2" name="Title 1"/>
+          <p:cNvSpPr>
+            <a:spLocks noGrp="1"/>
+          </p:cNvSpPr>
+          <p:nvPr>
+            <p:ph type="title"/>
+          </p:nvPr>
+        </p:nvSpPr>
+        <p:spPr/>
+        <p:txBody>
+          <a:bodyPr/>
+          <a:lstStyle/>
+          <a:p>
+            <a:r>
+              <a:rPr lang="en-US" dirty="0" smtClean="0"/>
               <a:t>PJM ESS</a:t>
             </a:r>
             <a:endParaRPr lang="en-US" dirty="0"/>
@@ -5316,7 +7994,7 @@
 </p:sld>
 </file>
 
-<file path=ppt/slides/slide6.xml><?xml version="1.0" encoding="utf-8"?>
+<file path=ppt/slides/slide7.xml><?xml version="1.0" encoding="utf-8"?>
 <p:sld xmlns:a="http://schemas.openxmlformats.org/drawingml/2006/main" xmlns:r="http://schemas.openxmlformats.org/officeDocument/2006/relationships" xmlns:p="http://schemas.openxmlformats.org/presentationml/2006/main">
   <p:cSld>
     <p:spTree>
@@ -5416,7 +8094,7 @@
 </p:sld>
 </file>
 
-<file path=ppt/slides/slide7.xml><?xml version="1.0" encoding="utf-8"?>
+<file path=ppt/slides/slide8.xml><?xml version="1.0" encoding="utf-8"?>
 <p:sld xmlns:a="http://schemas.openxmlformats.org/drawingml/2006/main" xmlns:r="http://schemas.openxmlformats.org/officeDocument/2006/relationships" xmlns:p="http://schemas.openxmlformats.org/presentationml/2006/main">
   <p:cSld>
     <p:spTree>
@@ -5497,7 +8175,7 @@
 </p:sld>
 </file>
 
-<file path=ppt/slides/slide8.xml><?xml version="1.0" encoding="utf-8"?>
+<file path=ppt/slides/slide9.xml><?xml version="1.0" encoding="utf-8"?>
 <p:sld xmlns:a="http://schemas.openxmlformats.org/drawingml/2006/main" xmlns:r="http://schemas.openxmlformats.org/officeDocument/2006/relationships" xmlns:p="http://schemas.openxmlformats.org/presentationml/2006/main">
   <p:cSld>
     <p:spTree>
@@ -5587,82 +8265,6 @@
     <p:extLst>
       <p:ext uri="{BB962C8B-B14F-4D97-AF65-F5344CB8AC3E}">
         <p14:creationId xmlns:p14="http://schemas.microsoft.com/office/powerpoint/2010/main" val="1061999198"/>
-      </p:ext>
-    </p:extLst>
-  </p:cSld>
-  <p:clrMapOvr>
-    <a:masterClrMapping/>
-  </p:clrMapOvr>
-</p:sld>
-</file>
-
-<file path=ppt/slides/slide9.xml><?xml version="1.0" encoding="utf-8"?>
-<p:sld xmlns:a="http://schemas.openxmlformats.org/drawingml/2006/main" xmlns:r="http://schemas.openxmlformats.org/officeDocument/2006/relationships" xmlns:p="http://schemas.openxmlformats.org/presentationml/2006/main">
-  <p:cSld>
-    <p:spTree>
-      <p:nvGrpSpPr>
-        <p:cNvPr id="1" name=""/>
-        <p:cNvGrpSpPr/>
-        <p:nvPr/>
-      </p:nvGrpSpPr>
-      <p:grpSpPr>
-        <a:xfrm>
-          <a:off x="0" y="0"/>
-          <a:ext cx="0" cy="0"/>
-          <a:chOff x="0" y="0"/>
-          <a:chExt cx="0" cy="0"/>
-        </a:xfrm>
-      </p:grpSpPr>
-      <p:sp>
-        <p:nvSpPr>
-          <p:cNvPr id="2" name="Title 1"/>
-          <p:cNvSpPr>
-            <a:spLocks noGrp="1"/>
-          </p:cNvSpPr>
-          <p:nvPr>
-            <p:ph type="title"/>
-          </p:nvPr>
-        </p:nvSpPr>
-        <p:spPr/>
-        <p:txBody>
-          <a:bodyPr/>
-          <a:lstStyle/>
-          <a:p>
-            <a:r>
-              <a:rPr lang="en-US" dirty="0" smtClean="0"/>
-              <a:t>NSW EV2G</a:t>
-            </a:r>
-            <a:endParaRPr lang="en-US" dirty="0"/>
-          </a:p>
-        </p:txBody>
-      </p:sp>
-      <p:pic>
-        <p:nvPicPr>
-          <p:cNvPr id="4" name="Picture 3"/>
-          <p:cNvPicPr>
-            <a:picLocks noChangeAspect="1"/>
-          </p:cNvPicPr>
-          <p:nvPr/>
-        </p:nvPicPr>
-        <p:blipFill rotWithShape="1">
-          <a:blip r:embed="rId2"/>
-          <a:srcRect l="11799" r="6968" b="4216"/>
-          <a:stretch/>
-        </p:blipFill>
-        <p:spPr>
-          <a:xfrm>
-            <a:off x="4795024" y="365125"/>
-            <a:ext cx="5374888" cy="5656534"/>
-          </a:xfrm>
-          <a:prstGeom prst="rect">
-            <a:avLst/>
-          </a:prstGeom>
-        </p:spPr>
-      </p:pic>
-    </p:spTree>
-    <p:extLst>
-      <p:ext uri="{BB962C8B-B14F-4D97-AF65-F5344CB8AC3E}">
-        <p14:creationId xmlns:p14="http://schemas.microsoft.com/office/powerpoint/2010/main" val="1105388127"/>
       </p:ext>
     </p:extLst>
   </p:cSld>
@@ -5931,4 +8533,265 @@
     </a:ext>
   </a:extLst>
 </a:theme>
+</file>
+
+<file path=ppt/theme/theme2.xml><?xml version="1.0" encoding="utf-8"?>
+<a:theme xmlns:a="http://schemas.openxmlformats.org/drawingml/2006/main" name="Office Theme">
+  <a:themeElements>
+    <a:clrScheme name="Office">
+      <a:dk1>
+        <a:sysClr val="windowText" lastClr="000000"/>
+      </a:dk1>
+      <a:lt1>
+        <a:sysClr val="window" lastClr="FFFFFF"/>
+      </a:lt1>
+      <a:dk2>
+        <a:srgbClr val="44546A"/>
+      </a:dk2>
+      <a:lt2>
+        <a:srgbClr val="E7E6E6"/>
+      </a:lt2>
+      <a:accent1>
+        <a:srgbClr val="4472C4"/>
+      </a:accent1>
+      <a:accent2>
+        <a:srgbClr val="ED7D31"/>
+      </a:accent2>
+      <a:accent3>
+        <a:srgbClr val="A5A5A5"/>
+      </a:accent3>
+      <a:accent4>
+        <a:srgbClr val="FFC000"/>
+      </a:accent4>
+      <a:accent5>
+        <a:srgbClr val="5B9BD5"/>
+      </a:accent5>
+      <a:accent6>
+        <a:srgbClr val="70AD47"/>
+      </a:accent6>
+      <a:hlink>
+        <a:srgbClr val="0563C1"/>
+      </a:hlink>
+      <a:folHlink>
+        <a:srgbClr val="954F72"/>
+      </a:folHlink>
+    </a:clrScheme>
+    <a:fontScheme name="Office">
+      <a:majorFont>
+        <a:latin typeface="Calibri Light" panose="020F0302020204030204"/>
+        <a:ea typeface=""/>
+        <a:cs typeface=""/>
+        <a:font script="Jpan" typeface="Yu Gothic Light"/>
+        <a:font script="Hang" typeface="맑은 고딕"/>
+        <a:font script="Hans" typeface="DengXian Light"/>
+        <a:font script="Hant" typeface="新細明體"/>
+        <a:font script="Arab" typeface="Times New Roman"/>
+        <a:font script="Hebr" typeface="Times New Roman"/>
+        <a:font script="Thai" typeface="Angsana New"/>
+        <a:font script="Ethi" typeface="Nyala"/>
+        <a:font script="Beng" typeface="Vrinda"/>
+        <a:font script="Gujr" typeface="Shruti"/>
+        <a:font script="Khmr" typeface="MoolBoran"/>
+        <a:font script="Knda" typeface="Tunga"/>
+        <a:font script="Guru" typeface="Raavi"/>
+        <a:font script="Cans" typeface="Euphemia"/>
+        <a:font script="Cher" typeface="Plantagenet Cherokee"/>
+        <a:font script="Yiii" typeface="Microsoft Yi Baiti"/>
+        <a:font script="Tibt" typeface="Microsoft Himalaya"/>
+        <a:font script="Thaa" typeface="MV Boli"/>
+        <a:font script="Deva" typeface="Mangal"/>
+        <a:font script="Telu" typeface="Gautami"/>
+        <a:font script="Taml" typeface="Latha"/>
+        <a:font script="Syrc" typeface="Estrangelo Edessa"/>
+        <a:font script="Orya" typeface="Kalinga"/>
+        <a:font script="Mlym" typeface="Kartika"/>
+        <a:font script="Laoo" typeface="DokChampa"/>
+        <a:font script="Sinh" typeface="Iskoola Pota"/>
+        <a:font script="Mong" typeface="Mongolian Baiti"/>
+        <a:font script="Viet" typeface="Times New Roman"/>
+        <a:font script="Uigh" typeface="Microsoft Uighur"/>
+        <a:font script="Geor" typeface="Sylfaen"/>
+      </a:majorFont>
+      <a:minorFont>
+        <a:latin typeface="Calibri" panose="020F0502020204030204"/>
+        <a:ea typeface=""/>
+        <a:cs typeface=""/>
+        <a:font script="Jpan" typeface="Yu Gothic"/>
+        <a:font script="Hang" typeface="맑은 고딕"/>
+        <a:font script="Hans" typeface="DengXian"/>
+        <a:font script="Hant" typeface="新細明體"/>
+        <a:font script="Arab" typeface="Arial"/>
+        <a:font script="Hebr" typeface="Arial"/>
+        <a:font script="Thai" typeface="Cordia New"/>
+        <a:font script="Ethi" typeface="Nyala"/>
+        <a:font script="Beng" typeface="Vrinda"/>
+        <a:font script="Gujr" typeface="Shruti"/>
+        <a:font script="Khmr" typeface="DaunPenh"/>
+        <a:font script="Knda" typeface="Tunga"/>
+        <a:font script="Guru" typeface="Raavi"/>
+        <a:font script="Cans" typeface="Euphemia"/>
+        <a:font script="Cher" typeface="Plantagenet Cherokee"/>
+        <a:font script="Yiii" typeface="Microsoft Yi Baiti"/>
+        <a:font script="Tibt" typeface="Microsoft Himalaya"/>
+        <a:font script="Thaa" typeface="MV Boli"/>
+        <a:font script="Deva" typeface="Mangal"/>
+        <a:font script="Telu" typeface="Gautami"/>
+        <a:font script="Taml" typeface="Latha"/>
+        <a:font script="Syrc" typeface="Estrangelo Edessa"/>
+        <a:font script="Orya" typeface="Kalinga"/>
+        <a:font script="Mlym" typeface="Kartika"/>
+        <a:font script="Laoo" typeface="DokChampa"/>
+        <a:font script="Sinh" typeface="Iskoola Pota"/>
+        <a:font script="Mong" typeface="Mongolian Baiti"/>
+        <a:font script="Viet" typeface="Arial"/>
+        <a:font script="Uigh" typeface="Microsoft Uighur"/>
+        <a:font script="Geor" typeface="Sylfaen"/>
+      </a:minorFont>
+    </a:fontScheme>
+    <a:fmtScheme name="Office">
+      <a:fillStyleLst>
+        <a:solidFill>
+          <a:schemeClr val="phClr"/>
+        </a:solidFill>
+        <a:gradFill rotWithShape="1">
+          <a:gsLst>
+            <a:gs pos="0">
+              <a:schemeClr val="phClr">
+                <a:lumMod val="110000"/>
+                <a:satMod val="105000"/>
+                <a:tint val="67000"/>
+              </a:schemeClr>
+            </a:gs>
+            <a:gs pos="50000">
+              <a:schemeClr val="phClr">
+                <a:lumMod val="105000"/>
+                <a:satMod val="103000"/>
+                <a:tint val="73000"/>
+              </a:schemeClr>
+            </a:gs>
+            <a:gs pos="100000">
+              <a:schemeClr val="phClr">
+                <a:lumMod val="105000"/>
+                <a:satMod val="109000"/>
+                <a:tint val="81000"/>
+              </a:schemeClr>
+            </a:gs>
+          </a:gsLst>
+          <a:lin ang="5400000" scaled="0"/>
+        </a:gradFill>
+        <a:gradFill rotWithShape="1">
+          <a:gsLst>
+            <a:gs pos="0">
+              <a:schemeClr val="phClr">
+                <a:satMod val="103000"/>
+                <a:lumMod val="102000"/>
+                <a:tint val="94000"/>
+              </a:schemeClr>
+            </a:gs>
+            <a:gs pos="50000">
+              <a:schemeClr val="phClr">
+                <a:satMod val="110000"/>
+                <a:lumMod val="100000"/>
+                <a:shade val="100000"/>
+              </a:schemeClr>
+            </a:gs>
+            <a:gs pos="100000">
+              <a:schemeClr val="phClr">
+                <a:lumMod val="99000"/>
+                <a:satMod val="120000"/>
+                <a:shade val="78000"/>
+              </a:schemeClr>
+            </a:gs>
+          </a:gsLst>
+          <a:lin ang="5400000" scaled="0"/>
+        </a:gradFill>
+      </a:fillStyleLst>
+      <a:lnStyleLst>
+        <a:ln w="6350" cap="flat" cmpd="sng" algn="ctr">
+          <a:solidFill>
+            <a:schemeClr val="phClr"/>
+          </a:solidFill>
+          <a:prstDash val="solid"/>
+          <a:miter lim="800000"/>
+        </a:ln>
+        <a:ln w="12700" cap="flat" cmpd="sng" algn="ctr">
+          <a:solidFill>
+            <a:schemeClr val="phClr"/>
+          </a:solidFill>
+          <a:prstDash val="solid"/>
+          <a:miter lim="800000"/>
+        </a:ln>
+        <a:ln w="19050" cap="flat" cmpd="sng" algn="ctr">
+          <a:solidFill>
+            <a:schemeClr val="phClr"/>
+          </a:solidFill>
+          <a:prstDash val="solid"/>
+          <a:miter lim="800000"/>
+        </a:ln>
+      </a:lnStyleLst>
+      <a:effectStyleLst>
+        <a:effectStyle>
+          <a:effectLst/>
+        </a:effectStyle>
+        <a:effectStyle>
+          <a:effectLst/>
+        </a:effectStyle>
+        <a:effectStyle>
+          <a:effectLst>
+            <a:outerShdw blurRad="57150" dist="19050" dir="5400000" algn="ctr" rotWithShape="0">
+              <a:srgbClr val="000000">
+                <a:alpha val="63000"/>
+              </a:srgbClr>
+            </a:outerShdw>
+          </a:effectLst>
+        </a:effectStyle>
+      </a:effectStyleLst>
+      <a:bgFillStyleLst>
+        <a:solidFill>
+          <a:schemeClr val="phClr"/>
+        </a:solidFill>
+        <a:solidFill>
+          <a:schemeClr val="phClr">
+            <a:tint val="95000"/>
+            <a:satMod val="170000"/>
+          </a:schemeClr>
+        </a:solidFill>
+        <a:gradFill rotWithShape="1">
+          <a:gsLst>
+            <a:gs pos="0">
+              <a:schemeClr val="phClr">
+                <a:tint val="93000"/>
+                <a:satMod val="150000"/>
+                <a:shade val="98000"/>
+                <a:lumMod val="102000"/>
+              </a:schemeClr>
+            </a:gs>
+            <a:gs pos="50000">
+              <a:schemeClr val="phClr">
+                <a:tint val="98000"/>
+                <a:satMod val="130000"/>
+                <a:shade val="90000"/>
+                <a:lumMod val="103000"/>
+              </a:schemeClr>
+            </a:gs>
+            <a:gs pos="100000">
+              <a:schemeClr val="phClr">
+                <a:shade val="63000"/>
+                <a:satMod val="120000"/>
+              </a:schemeClr>
+            </a:gs>
+          </a:gsLst>
+          <a:lin ang="5400000" scaled="0"/>
+        </a:gradFill>
+      </a:bgFillStyleLst>
+    </a:fmtScheme>
+  </a:themeElements>
+  <a:objectDefaults/>
+  <a:extraClrSchemeLst/>
+  <a:extLst>
+    <a:ext uri="{05A4C25C-085E-4340-85A3-A5531E510DB2}">
+      <thm15:themeFamily xmlns:thm15="http://schemas.microsoft.com/office/thememl/2012/main" name="Office Theme" id="{62F939B6-93AF-4DB8-9C6B-D6C7DFDC589F}" vid="{4A3C46E8-61CC-4603-A589-7422A47A8E4A}"/>
+    </a:ext>
+  </a:extLst>
+</a:theme>
 </file>
--- a/FXLeibility.Matlab/Experiment/Original/Figure.pptx
+++ b/FXLeibility.Matlab/Experiment/Original/Figure.pptx
@@ -5,7 +5,7 @@
     <p:sldMasterId id="2147483648" r:id="rId1"/>
   </p:sldMasterIdLst>
   <p:notesMasterIdLst>
-    <p:notesMasterId r:id="rId22"/>
+    <p:notesMasterId r:id="rId27"/>
   </p:notesMasterIdLst>
   <p:sldIdLst>
     <p:sldId id="256" r:id="rId2"/>
@@ -28,6 +28,11 @@
     <p:sldId id="272" r:id="rId19"/>
     <p:sldId id="275" r:id="rId20"/>
     <p:sldId id="276" r:id="rId21"/>
+    <p:sldId id="277" r:id="rId22"/>
+    <p:sldId id="278" r:id="rId23"/>
+    <p:sldId id="279" r:id="rId24"/>
+    <p:sldId id="280" r:id="rId25"/>
+    <p:sldId id="281" r:id="rId26"/>
   </p:sldIdLst>
   <p:sldSz cx="12192000" cy="6858000"/>
   <p:notesSz cx="6858000" cy="9144000"/>
@@ -5226,7 +5231,7 @@
         </p:nvGrpSpPr>
         <p:grpSpPr>
           <a:xfrm>
-            <a:off x="1858536" y="526588"/>
+            <a:off x="-905929" y="0"/>
             <a:ext cx="5400000" cy="6086089"/>
             <a:chOff x="1858536" y="526588"/>
             <a:chExt cx="5400000" cy="6086089"/>
@@ -5292,6 +5297,119 @@
           </p:spPr>
         </p:pic>
       </p:grpSp>
+      <p:grpSp>
+        <p:nvGrpSpPr>
+          <p:cNvPr id="14" name="Group 13"/>
+          <p:cNvGrpSpPr/>
+          <p:nvPr/>
+        </p:nvGrpSpPr>
+        <p:grpSpPr>
+          <a:xfrm>
+            <a:off x="5061097" y="-668331"/>
+            <a:ext cx="5402561" cy="6218706"/>
+            <a:chOff x="5061097" y="-668331"/>
+            <a:chExt cx="5402561" cy="6218706"/>
+          </a:xfrm>
+        </p:grpSpPr>
+        <p:pic>
+          <p:nvPicPr>
+            <p:cNvPr id="11" name="Picture 10"/>
+            <p:cNvPicPr>
+              <a:picLocks noChangeAspect="1"/>
+            </p:cNvPicPr>
+            <p:nvPr/>
+          </p:nvPicPr>
+          <p:blipFill>
+            <a:blip r:embed="rId4">
+              <a:extLst>
+                <a:ext uri="{28A0092B-C50C-407E-A947-70E740481C1C}">
+                  <a14:useLocalDpi xmlns:a14="http://schemas.microsoft.com/office/drawing/2010/main" val="0"/>
+                </a:ext>
+              </a:extLst>
+            </a:blip>
+            <a:stretch>
+              <a:fillRect/>
+            </a:stretch>
+          </p:blipFill>
+          <p:spPr>
+            <a:xfrm>
+              <a:off x="5061097" y="-668331"/>
+              <a:ext cx="5402561" cy="2440800"/>
+            </a:xfrm>
+            <a:prstGeom prst="rect">
+              <a:avLst/>
+            </a:prstGeom>
+          </p:spPr>
+        </p:pic>
+        <p:sp>
+          <p:nvSpPr>
+            <p:cNvPr id="6" name="TextBox 5"/>
+            <p:cNvSpPr txBox="1"/>
+            <p:nvPr/>
+          </p:nvSpPr>
+          <p:spPr>
+            <a:xfrm>
+              <a:off x="6485860" y="5273376"/>
+              <a:ext cx="2870791" cy="276999"/>
+            </a:xfrm>
+            <a:prstGeom prst="rect">
+              <a:avLst/>
+            </a:prstGeom>
+            <a:noFill/>
+          </p:spPr>
+          <p:txBody>
+            <a:bodyPr wrap="square" rtlCol="0">
+              <a:spAutoFit/>
+            </a:bodyPr>
+            <a:lstStyle/>
+            <a:p>
+              <a:pPr algn="ctr"/>
+              <a:r>
+                <a:rPr lang="en-US" sz="1200" dirty="0" smtClean="0">
+                  <a:latin typeface="Helvetica Neue" charset="0"/>
+                  <a:ea typeface="Helvetica Neue" charset="0"/>
+                  <a:cs typeface="Helvetica Neue" charset="0"/>
+                </a:rPr>
+                <a:t>Change of renewable capacity</a:t>
+              </a:r>
+              <a:endParaRPr lang="en-US" sz="1200" dirty="0">
+                <a:latin typeface="Helvetica Neue" charset="0"/>
+                <a:ea typeface="Helvetica Neue" charset="0"/>
+                <a:cs typeface="Helvetica Neue" charset="0"/>
+              </a:endParaRPr>
+            </a:p>
+          </p:txBody>
+        </p:sp>
+        <p:pic>
+          <p:nvPicPr>
+            <p:cNvPr id="13" name="Picture 12"/>
+            <p:cNvPicPr>
+              <a:picLocks noChangeAspect="1"/>
+            </p:cNvPicPr>
+            <p:nvPr/>
+          </p:nvPicPr>
+          <p:blipFill rotWithShape="1">
+            <a:blip r:embed="rId5">
+              <a:extLst>
+                <a:ext uri="{28A0092B-C50C-407E-A947-70E740481C1C}">
+                  <a14:useLocalDpi xmlns:a14="http://schemas.microsoft.com/office/drawing/2010/main" val="0"/>
+                </a:ext>
+              </a:extLst>
+            </a:blip>
+            <a:srcRect t="4341"/>
+            <a:stretch/>
+          </p:blipFill>
+          <p:spPr>
+            <a:xfrm>
+              <a:off x="5063658" y="1483302"/>
+              <a:ext cx="5400000" cy="3874186"/>
+            </a:xfrm>
+            <a:prstGeom prst="rect">
+              <a:avLst/>
+            </a:prstGeom>
+          </p:spPr>
+        </p:pic>
+      </p:grpSp>
     </p:spTree>
     <p:extLst>
       <p:ext uri="{BB962C8B-B14F-4D97-AF65-F5344CB8AC3E}">
@@ -5330,7 +5448,7 @@
         </p:nvGrpSpPr>
         <p:grpSpPr>
           <a:xfrm>
-            <a:off x="3085171" y="555703"/>
+            <a:off x="618418" y="343052"/>
             <a:ext cx="5400000" cy="5923155"/>
             <a:chOff x="3085171" y="555703"/>
             <a:chExt cx="5400000" cy="5923155"/>
@@ -5395,6 +5513,119 @@
             </a:prstGeom>
           </p:spPr>
         </p:pic>
+      </p:grpSp>
+      <p:grpSp>
+        <p:nvGrpSpPr>
+          <p:cNvPr id="11" name="Group 10"/>
+          <p:cNvGrpSpPr/>
+          <p:nvPr/>
+        </p:nvGrpSpPr>
+        <p:grpSpPr>
+          <a:xfrm>
+            <a:off x="6792000" y="376776"/>
+            <a:ext cx="5400000" cy="6027930"/>
+            <a:chOff x="6792000" y="376776"/>
+            <a:chExt cx="5400000" cy="6027930"/>
+          </a:xfrm>
+        </p:grpSpPr>
+        <p:pic>
+          <p:nvPicPr>
+            <p:cNvPr id="5" name="Picture 4"/>
+            <p:cNvPicPr>
+              <a:picLocks noChangeAspect="1"/>
+            </p:cNvPicPr>
+            <p:nvPr/>
+          </p:nvPicPr>
+          <p:blipFill>
+            <a:blip r:embed="rId4">
+              <a:extLst>
+                <a:ext uri="{28A0092B-C50C-407E-A947-70E740481C1C}">
+                  <a14:useLocalDpi xmlns:a14="http://schemas.microsoft.com/office/drawing/2010/main" val="0"/>
+                </a:ext>
+              </a:extLst>
+            </a:blip>
+            <a:stretch>
+              <a:fillRect/>
+            </a:stretch>
+          </p:blipFill>
+          <p:spPr>
+            <a:xfrm>
+              <a:off x="6792000" y="376776"/>
+              <a:ext cx="5400000" cy="2343214"/>
+            </a:xfrm>
+            <a:prstGeom prst="rect">
+              <a:avLst/>
+            </a:prstGeom>
+          </p:spPr>
+        </p:pic>
+        <p:pic>
+          <p:nvPicPr>
+            <p:cNvPr id="9" name="Picture 8"/>
+            <p:cNvPicPr>
+              <a:picLocks noChangeAspect="1"/>
+            </p:cNvPicPr>
+            <p:nvPr/>
+          </p:nvPicPr>
+          <p:blipFill rotWithShape="1">
+            <a:blip r:embed="rId5">
+              <a:extLst>
+                <a:ext uri="{28A0092B-C50C-407E-A947-70E740481C1C}">
+                  <a14:useLocalDpi xmlns:a14="http://schemas.microsoft.com/office/drawing/2010/main" val="0"/>
+                </a:ext>
+              </a:extLst>
+            </a:blip>
+            <a:srcRect t="5003"/>
+            <a:stretch/>
+          </p:blipFill>
+          <p:spPr>
+            <a:xfrm>
+              <a:off x="6792000" y="2364198"/>
+              <a:ext cx="5400000" cy="3847410"/>
+            </a:xfrm>
+            <a:prstGeom prst="rect">
+              <a:avLst/>
+            </a:prstGeom>
+          </p:spPr>
+        </p:pic>
+        <p:sp>
+          <p:nvSpPr>
+            <p:cNvPr id="7" name="TextBox 6"/>
+            <p:cNvSpPr txBox="1"/>
+            <p:nvPr/>
+          </p:nvSpPr>
+          <p:spPr>
+            <a:xfrm>
+              <a:off x="8056604" y="6127707"/>
+              <a:ext cx="2870791" cy="276999"/>
+            </a:xfrm>
+            <a:prstGeom prst="rect">
+              <a:avLst/>
+            </a:prstGeom>
+            <a:noFill/>
+          </p:spPr>
+          <p:txBody>
+            <a:bodyPr wrap="square" rtlCol="0">
+              <a:spAutoFit/>
+            </a:bodyPr>
+            <a:lstStyle/>
+            <a:p>
+              <a:pPr algn="ctr"/>
+              <a:r>
+                <a:rPr lang="en-US" sz="1200" dirty="0" smtClean="0">
+                  <a:latin typeface="Helvetica Neue" charset="0"/>
+                  <a:ea typeface="Helvetica Neue" charset="0"/>
+                  <a:cs typeface="Helvetica Neue" charset="0"/>
+                </a:rPr>
+                <a:t>Change of renewable capacity</a:t>
+              </a:r>
+              <a:endParaRPr lang="en-US" sz="1200" dirty="0">
+                <a:latin typeface="Helvetica Neue" charset="0"/>
+                <a:ea typeface="Helvetica Neue" charset="0"/>
+                <a:cs typeface="Helvetica Neue" charset="0"/>
+              </a:endParaRPr>
+            </a:p>
+          </p:txBody>
+        </p:sp>
       </p:grpSp>
     </p:spTree>
     <p:extLst>
@@ -5762,30 +5993,6 @@
           <a:chExt cx="0" cy="0"/>
         </a:xfrm>
       </p:grpSpPr>
-      <p:pic>
-        <p:nvPicPr>
-          <p:cNvPr id="2" name="Picture 1"/>
-          <p:cNvPicPr>
-            <a:picLocks noChangeAspect="1"/>
-          </p:cNvPicPr>
-          <p:nvPr/>
-        </p:nvPicPr>
-        <p:blipFill>
-          <a:blip r:embed="rId2"/>
-          <a:stretch>
-            <a:fillRect/>
-          </a:stretch>
-        </p:blipFill>
-        <p:spPr>
-          <a:xfrm>
-            <a:off x="311150" y="152548"/>
-            <a:ext cx="11569700" cy="5702300"/>
-          </a:xfrm>
-          <a:prstGeom prst="rect">
-            <a:avLst/>
-          </a:prstGeom>
-        </p:spPr>
-      </p:pic>
       <p:graphicFrame>
         <p:nvGraphicFramePr>
           <p:cNvPr id="3" name="Table 2"/>
@@ -5795,7 +6002,7 @@
           <p:nvPr>
             <p:extLst>
               <p:ext uri="{D42A27DB-BD31-4B8C-83A1-F6EECF244321}">
-                <p14:modId xmlns:p14="http://schemas.microsoft.com/office/powerpoint/2010/main" val="1958021699"/>
+                <p14:modId xmlns:p14="http://schemas.microsoft.com/office/powerpoint/2010/main" val="827697335"/>
               </p:ext>
             </p:extLst>
           </p:nvPr>
@@ -6564,7 +6771,7 @@
                           <a:ea typeface="Helvetica Neue" charset="0"/>
                           <a:cs typeface="Helvetica Neue" charset="0"/>
                         </a:rPr>
-                        <a:t>7%</a:t>
+                        <a:t>7.0%</a:t>
                       </a:r>
                       <a:endParaRPr lang="en-US" sz="1400" b="0" dirty="0">
                         <a:solidFill>
@@ -6889,10 +7096,1562 @@
           </a:graphicData>
         </a:graphic>
       </p:graphicFrame>
+      <p:pic>
+        <p:nvPicPr>
+          <p:cNvPr id="6" name="Picture 5"/>
+          <p:cNvPicPr>
+            <a:picLocks noChangeAspect="1"/>
+          </p:cNvPicPr>
+          <p:nvPr/>
+        </p:nvPicPr>
+        <p:blipFill>
+          <a:blip r:embed="rId2"/>
+          <a:stretch>
+            <a:fillRect/>
+          </a:stretch>
+        </p:blipFill>
+        <p:spPr>
+          <a:xfrm>
+            <a:off x="311150" y="175437"/>
+            <a:ext cx="11569700" cy="5702300"/>
+          </a:xfrm>
+          <a:prstGeom prst="rect">
+            <a:avLst/>
+          </a:prstGeom>
+        </p:spPr>
+      </p:pic>
     </p:spTree>
     <p:extLst>
       <p:ext uri="{BB962C8B-B14F-4D97-AF65-F5344CB8AC3E}">
         <p14:creationId xmlns:p14="http://schemas.microsoft.com/office/powerpoint/2010/main" val="303281429"/>
+      </p:ext>
+    </p:extLst>
+  </p:cSld>
+  <p:clrMapOvr>
+    <a:masterClrMapping/>
+  </p:clrMapOvr>
+</p:sld>
+</file>
+
+<file path=ppt/slides/slide21.xml><?xml version="1.0" encoding="utf-8"?>
+<p:sld xmlns:a="http://schemas.openxmlformats.org/drawingml/2006/main" xmlns:r="http://schemas.openxmlformats.org/officeDocument/2006/relationships" xmlns:p="http://schemas.openxmlformats.org/presentationml/2006/main">
+  <p:cSld>
+    <p:spTree>
+      <p:nvGrpSpPr>
+        <p:cNvPr id="1" name=""/>
+        <p:cNvGrpSpPr/>
+        <p:nvPr/>
+      </p:nvGrpSpPr>
+      <p:grpSpPr>
+        <a:xfrm>
+          <a:off x="0" y="0"/>
+          <a:ext cx="0" cy="0"/>
+          <a:chOff x="0" y="0"/>
+          <a:chExt cx="0" cy="0"/>
+        </a:xfrm>
+      </p:grpSpPr>
+      <p:pic>
+        <p:nvPicPr>
+          <p:cNvPr id="2" name="Picture 1"/>
+          <p:cNvPicPr>
+            <a:picLocks noChangeAspect="1"/>
+          </p:cNvPicPr>
+          <p:nvPr/>
+        </p:nvPicPr>
+        <p:blipFill>
+          <a:blip r:embed="rId2"/>
+          <a:stretch>
+            <a:fillRect/>
+          </a:stretch>
+        </p:blipFill>
+        <p:spPr>
+          <a:xfrm>
+            <a:off x="1136650" y="984250"/>
+            <a:ext cx="9918700" cy="4889500"/>
+          </a:xfrm>
+          <a:prstGeom prst="rect">
+            <a:avLst/>
+          </a:prstGeom>
+        </p:spPr>
+      </p:pic>
+      <p:graphicFrame>
+        <p:nvGraphicFramePr>
+          <p:cNvPr id="4" name="Table 3"/>
+          <p:cNvGraphicFramePr>
+            <a:graphicFrameLocks noGrp="1"/>
+          </p:cNvGraphicFramePr>
+          <p:nvPr>
+            <p:extLst>
+              <p:ext uri="{D42A27DB-BD31-4B8C-83A1-F6EECF244321}">
+                <p14:modId xmlns:p14="http://schemas.microsoft.com/office/powerpoint/2010/main" val="474949857"/>
+              </p:ext>
+            </p:extLst>
+          </p:nvPr>
+        </p:nvGraphicFramePr>
+        <p:xfrm>
+          <a:off x="808074" y="5642197"/>
+          <a:ext cx="9847222" cy="741680"/>
+        </p:xfrm>
+        <a:graphic>
+          <a:graphicData uri="http://schemas.openxmlformats.org/drawingml/2006/table">
+            <a:tbl>
+              <a:tblPr firstRow="1" bandRow="1">
+                <a:tableStyleId>{5C22544A-7EE6-4342-B048-85BDC9FD1C3A}</a:tableStyleId>
+              </a:tblPr>
+              <a:tblGrid>
+                <a:gridCol w="1494719"/>
+                <a:gridCol w="1371156"/>
+                <a:gridCol w="1388995"/>
+                <a:gridCol w="1474735"/>
+                <a:gridCol w="1372539"/>
+                <a:gridCol w="1372539"/>
+                <a:gridCol w="1372539"/>
+              </a:tblGrid>
+              <a:tr h="370840">
+                <a:tc>
+                  <a:txBody>
+                    <a:bodyPr/>
+                    <a:lstStyle/>
+                    <a:p>
+                      <a:pPr algn="ctr"/>
+                      <a:endParaRPr lang="en-US" sz="1400" b="0" dirty="0">
+                        <a:solidFill>
+                          <a:schemeClr val="tx1"/>
+                        </a:solidFill>
+                        <a:latin typeface="Helvetica Neue" charset="0"/>
+                        <a:ea typeface="Helvetica Neue" charset="0"/>
+                        <a:cs typeface="Helvetica Neue" charset="0"/>
+                      </a:endParaRPr>
+                    </a:p>
+                  </a:txBody>
+                  <a:tcPr anchor="ctr">
+                    <a:lnL w="12700" cap="flat" cmpd="sng" algn="ctr">
+                      <a:solidFill>
+                        <a:schemeClr val="bg2"/>
+                      </a:solidFill>
+                      <a:prstDash val="solid"/>
+                      <a:round/>
+                      <a:headEnd type="none" w="med" len="med"/>
+                      <a:tailEnd type="none" w="med" len="med"/>
+                    </a:lnL>
+                    <a:lnR w="12700" cap="flat" cmpd="sng" algn="ctr">
+                      <a:solidFill>
+                        <a:schemeClr val="bg2"/>
+                      </a:solidFill>
+                      <a:prstDash val="solid"/>
+                      <a:round/>
+                      <a:headEnd type="none" w="med" len="med"/>
+                      <a:tailEnd type="none" w="med" len="med"/>
+                    </a:lnR>
+                    <a:lnT w="12700" cap="flat" cmpd="sng" algn="ctr">
+                      <a:solidFill>
+                        <a:schemeClr val="bg2"/>
+                      </a:solidFill>
+                      <a:prstDash val="solid"/>
+                      <a:round/>
+                      <a:headEnd type="none" w="med" len="med"/>
+                      <a:tailEnd type="none" w="med" len="med"/>
+                    </a:lnT>
+                    <a:lnB w="12700" cap="flat" cmpd="sng" algn="ctr">
+                      <a:solidFill>
+                        <a:schemeClr val="bg2"/>
+                      </a:solidFill>
+                      <a:prstDash val="solid"/>
+                      <a:round/>
+                      <a:headEnd type="none" w="med" len="med"/>
+                      <a:tailEnd type="none" w="med" len="med"/>
+                    </a:lnB>
+                    <a:noFill/>
+                  </a:tcPr>
+                </a:tc>
+                <a:tc>
+                  <a:txBody>
+                    <a:bodyPr/>
+                    <a:lstStyle/>
+                    <a:p>
+                      <a:pPr algn="ctr"/>
+                      <a:r>
+                        <a:rPr lang="en-US" sz="1400" b="0" dirty="0" smtClean="0">
+                          <a:solidFill>
+                            <a:schemeClr val="tx1"/>
+                          </a:solidFill>
+                          <a:latin typeface="Helvetica Neue" charset="0"/>
+                          <a:ea typeface="Helvetica Neue" charset="0"/>
+                          <a:cs typeface="Helvetica Neue" charset="0"/>
+                        </a:rPr>
+                        <a:t>DA</a:t>
+                      </a:r>
+                      <a:endParaRPr lang="en-US" sz="1400" b="0" dirty="0">
+                        <a:solidFill>
+                          <a:schemeClr val="tx1"/>
+                        </a:solidFill>
+                        <a:latin typeface="Helvetica Neue" charset="0"/>
+                        <a:ea typeface="Helvetica Neue" charset="0"/>
+                        <a:cs typeface="Helvetica Neue" charset="0"/>
+                      </a:endParaRPr>
+                    </a:p>
+                  </a:txBody>
+                  <a:tcPr anchor="ctr">
+                    <a:lnL w="12700" cap="flat" cmpd="sng" algn="ctr">
+                      <a:solidFill>
+                        <a:schemeClr val="bg2"/>
+                      </a:solidFill>
+                      <a:prstDash val="solid"/>
+                      <a:round/>
+                      <a:headEnd type="none" w="med" len="med"/>
+                      <a:tailEnd type="none" w="med" len="med"/>
+                    </a:lnL>
+                    <a:lnR w="12700" cap="flat" cmpd="sng" algn="ctr">
+                      <a:solidFill>
+                        <a:schemeClr val="bg2"/>
+                      </a:solidFill>
+                      <a:prstDash val="solid"/>
+                      <a:round/>
+                      <a:headEnd type="none" w="med" len="med"/>
+                      <a:tailEnd type="none" w="med" len="med"/>
+                    </a:lnR>
+                    <a:lnT w="12700" cap="flat" cmpd="sng" algn="ctr">
+                      <a:solidFill>
+                        <a:schemeClr val="bg2"/>
+                      </a:solidFill>
+                      <a:prstDash val="solid"/>
+                      <a:round/>
+                      <a:headEnd type="none" w="med" len="med"/>
+                      <a:tailEnd type="none" w="med" len="med"/>
+                    </a:lnT>
+                    <a:lnB w="12700" cap="flat" cmpd="sng" algn="ctr">
+                      <a:solidFill>
+                        <a:schemeClr val="bg2"/>
+                      </a:solidFill>
+                      <a:prstDash val="solid"/>
+                      <a:round/>
+                      <a:headEnd type="none" w="med" len="med"/>
+                      <a:tailEnd type="none" w="med" len="med"/>
+                    </a:lnB>
+                    <a:noFill/>
+                  </a:tcPr>
+                </a:tc>
+                <a:tc>
+                  <a:txBody>
+                    <a:bodyPr/>
+                    <a:lstStyle/>
+                    <a:p>
+                      <a:pPr algn="ctr"/>
+                      <a:r>
+                        <a:rPr lang="en-US" sz="1400" b="0" dirty="0" smtClean="0">
+                          <a:solidFill>
+                            <a:schemeClr val="tx1"/>
+                          </a:solidFill>
+                          <a:latin typeface="Helvetica Neue" charset="0"/>
+                          <a:ea typeface="Helvetica Neue" charset="0"/>
+                          <a:cs typeface="Helvetica Neue" charset="0"/>
+                        </a:rPr>
+                        <a:t>RegD</a:t>
+                      </a:r>
+                      <a:endParaRPr lang="en-US" sz="1400" b="0" dirty="0">
+                        <a:solidFill>
+                          <a:schemeClr val="tx1"/>
+                        </a:solidFill>
+                        <a:latin typeface="Helvetica Neue" charset="0"/>
+                        <a:ea typeface="Helvetica Neue" charset="0"/>
+                        <a:cs typeface="Helvetica Neue" charset="0"/>
+                      </a:endParaRPr>
+                    </a:p>
+                  </a:txBody>
+                  <a:tcPr anchor="ctr">
+                    <a:lnL w="12700" cap="flat" cmpd="sng" algn="ctr">
+                      <a:solidFill>
+                        <a:schemeClr val="bg2"/>
+                      </a:solidFill>
+                      <a:prstDash val="solid"/>
+                      <a:round/>
+                      <a:headEnd type="none" w="med" len="med"/>
+                      <a:tailEnd type="none" w="med" len="med"/>
+                    </a:lnL>
+                    <a:lnR w="12700" cap="flat" cmpd="sng" algn="ctr">
+                      <a:solidFill>
+                        <a:schemeClr val="bg2"/>
+                      </a:solidFill>
+                      <a:prstDash val="solid"/>
+                      <a:round/>
+                      <a:headEnd type="none" w="med" len="med"/>
+                      <a:tailEnd type="none" w="med" len="med"/>
+                    </a:lnR>
+                    <a:lnT w="12700" cap="flat" cmpd="sng" algn="ctr">
+                      <a:solidFill>
+                        <a:schemeClr val="bg2"/>
+                      </a:solidFill>
+                      <a:prstDash val="solid"/>
+                      <a:round/>
+                      <a:headEnd type="none" w="med" len="med"/>
+                      <a:tailEnd type="none" w="med" len="med"/>
+                    </a:lnT>
+                    <a:lnB w="12700" cap="flat" cmpd="sng" algn="ctr">
+                      <a:solidFill>
+                        <a:schemeClr val="bg2"/>
+                      </a:solidFill>
+                      <a:prstDash val="solid"/>
+                      <a:round/>
+                      <a:headEnd type="none" w="med" len="med"/>
+                      <a:tailEnd type="none" w="med" len="med"/>
+                    </a:lnB>
+                    <a:noFill/>
+                  </a:tcPr>
+                </a:tc>
+                <a:tc>
+                  <a:txBody>
+                    <a:bodyPr/>
+                    <a:lstStyle/>
+                    <a:p>
+                      <a:pPr algn="ctr"/>
+                      <a:r>
+                        <a:rPr lang="en-US" sz="1400" b="0" dirty="0" smtClean="0">
+                          <a:solidFill>
+                            <a:schemeClr val="tx1"/>
+                          </a:solidFill>
+                          <a:latin typeface="Helvetica Neue" charset="0"/>
+                          <a:ea typeface="Helvetica Neue" charset="0"/>
+                          <a:cs typeface="Helvetica Neue" charset="0"/>
+                        </a:rPr>
+                        <a:t>RegA</a:t>
+                      </a:r>
+                      <a:endParaRPr lang="en-US" sz="1400" b="0" dirty="0">
+                        <a:solidFill>
+                          <a:schemeClr val="tx1"/>
+                        </a:solidFill>
+                        <a:latin typeface="Helvetica Neue" charset="0"/>
+                        <a:ea typeface="Helvetica Neue" charset="0"/>
+                        <a:cs typeface="Helvetica Neue" charset="0"/>
+                      </a:endParaRPr>
+                    </a:p>
+                  </a:txBody>
+                  <a:tcPr anchor="ctr">
+                    <a:lnL w="12700" cap="flat" cmpd="sng" algn="ctr">
+                      <a:solidFill>
+                        <a:schemeClr val="bg2"/>
+                      </a:solidFill>
+                      <a:prstDash val="solid"/>
+                      <a:round/>
+                      <a:headEnd type="none" w="med" len="med"/>
+                      <a:tailEnd type="none" w="med" len="med"/>
+                    </a:lnL>
+                    <a:lnR w="12700" cap="flat" cmpd="sng" algn="ctr">
+                      <a:solidFill>
+                        <a:schemeClr val="bg2"/>
+                      </a:solidFill>
+                      <a:prstDash val="solid"/>
+                      <a:round/>
+                      <a:headEnd type="none" w="med" len="med"/>
+                      <a:tailEnd type="none" w="med" len="med"/>
+                    </a:lnR>
+                    <a:lnT w="12700" cap="flat" cmpd="sng" algn="ctr">
+                      <a:solidFill>
+                        <a:schemeClr val="bg2"/>
+                      </a:solidFill>
+                      <a:prstDash val="solid"/>
+                      <a:round/>
+                      <a:headEnd type="none" w="med" len="med"/>
+                      <a:tailEnd type="none" w="med" len="med"/>
+                    </a:lnT>
+                    <a:lnB w="12700" cap="flat" cmpd="sng" algn="ctr">
+                      <a:solidFill>
+                        <a:schemeClr val="bg2"/>
+                      </a:solidFill>
+                      <a:prstDash val="solid"/>
+                      <a:round/>
+                      <a:headEnd type="none" w="med" len="med"/>
+                      <a:tailEnd type="none" w="med" len="med"/>
+                    </a:lnB>
+                    <a:noFill/>
+                  </a:tcPr>
+                </a:tc>
+                <a:tc>
+                  <a:txBody>
+                    <a:bodyPr/>
+                    <a:lstStyle/>
+                    <a:p>
+                      <a:pPr algn="ctr"/>
+                      <a:r>
+                        <a:rPr lang="en-US" sz="1400" b="0" dirty="0" smtClean="0">
+                          <a:solidFill>
+                            <a:schemeClr val="tx1"/>
+                          </a:solidFill>
+                          <a:latin typeface="Helvetica Neue" charset="0"/>
+                          <a:ea typeface="Helvetica Neue" charset="0"/>
+                          <a:cs typeface="Helvetica Neue" charset="0"/>
+                        </a:rPr>
+                        <a:t>DA+RT</a:t>
+                      </a:r>
+                      <a:endParaRPr lang="en-US" sz="1400" b="0" dirty="0">
+                        <a:solidFill>
+                          <a:schemeClr val="tx1"/>
+                        </a:solidFill>
+                        <a:latin typeface="Helvetica Neue" charset="0"/>
+                        <a:ea typeface="Helvetica Neue" charset="0"/>
+                        <a:cs typeface="Helvetica Neue" charset="0"/>
+                      </a:endParaRPr>
+                    </a:p>
+                  </a:txBody>
+                  <a:tcPr anchor="ctr">
+                    <a:lnL w="12700" cap="flat" cmpd="sng" algn="ctr">
+                      <a:solidFill>
+                        <a:schemeClr val="bg2"/>
+                      </a:solidFill>
+                      <a:prstDash val="solid"/>
+                      <a:round/>
+                      <a:headEnd type="none" w="med" len="med"/>
+                      <a:tailEnd type="none" w="med" len="med"/>
+                    </a:lnL>
+                    <a:lnR w="12700" cap="flat" cmpd="sng" algn="ctr">
+                      <a:solidFill>
+                        <a:schemeClr val="bg2"/>
+                      </a:solidFill>
+                      <a:prstDash val="solid"/>
+                      <a:round/>
+                      <a:headEnd type="none" w="med" len="med"/>
+                      <a:tailEnd type="none" w="med" len="med"/>
+                    </a:lnR>
+                    <a:lnT w="12700" cap="flat" cmpd="sng" algn="ctr">
+                      <a:solidFill>
+                        <a:schemeClr val="bg2"/>
+                      </a:solidFill>
+                      <a:prstDash val="solid"/>
+                      <a:round/>
+                      <a:headEnd type="none" w="med" len="med"/>
+                      <a:tailEnd type="none" w="med" len="med"/>
+                    </a:lnT>
+                    <a:lnB w="12700" cap="flat" cmpd="sng" algn="ctr">
+                      <a:solidFill>
+                        <a:schemeClr val="bg2"/>
+                      </a:solidFill>
+                      <a:prstDash val="solid"/>
+                      <a:round/>
+                      <a:headEnd type="none" w="med" len="med"/>
+                      <a:tailEnd type="none" w="med" len="med"/>
+                    </a:lnB>
+                    <a:noFill/>
+                  </a:tcPr>
+                </a:tc>
+                <a:tc>
+                  <a:txBody>
+                    <a:bodyPr/>
+                    <a:lstStyle/>
+                    <a:p>
+                      <a:pPr algn="ctr"/>
+                      <a:r>
+                        <a:rPr lang="en-US" sz="1400" b="0" dirty="0" smtClean="0">
+                          <a:solidFill>
+                            <a:schemeClr val="tx1"/>
+                          </a:solidFill>
+                          <a:latin typeface="Helvetica Neue" charset="0"/>
+                          <a:ea typeface="Helvetica Neue" charset="0"/>
+                          <a:cs typeface="Helvetica Neue" charset="0"/>
+                        </a:rPr>
+                        <a:t>DA+RT+RegD</a:t>
+                      </a:r>
+                      <a:endParaRPr lang="en-US" sz="1400" b="0" dirty="0">
+                        <a:solidFill>
+                          <a:schemeClr val="tx1"/>
+                        </a:solidFill>
+                        <a:latin typeface="Helvetica Neue" charset="0"/>
+                        <a:ea typeface="Helvetica Neue" charset="0"/>
+                        <a:cs typeface="Helvetica Neue" charset="0"/>
+                      </a:endParaRPr>
+                    </a:p>
+                  </a:txBody>
+                  <a:tcPr anchor="ctr">
+                    <a:lnL w="12700" cap="flat" cmpd="sng" algn="ctr">
+                      <a:solidFill>
+                        <a:schemeClr val="bg2"/>
+                      </a:solidFill>
+                      <a:prstDash val="solid"/>
+                      <a:round/>
+                      <a:headEnd type="none" w="med" len="med"/>
+                      <a:tailEnd type="none" w="med" len="med"/>
+                    </a:lnL>
+                    <a:lnR w="12700" cap="flat" cmpd="sng" algn="ctr">
+                      <a:solidFill>
+                        <a:schemeClr val="bg2"/>
+                      </a:solidFill>
+                      <a:prstDash val="solid"/>
+                      <a:round/>
+                      <a:headEnd type="none" w="med" len="med"/>
+                      <a:tailEnd type="none" w="med" len="med"/>
+                    </a:lnR>
+                    <a:lnT w="12700" cap="flat" cmpd="sng" algn="ctr">
+                      <a:solidFill>
+                        <a:schemeClr val="bg2"/>
+                      </a:solidFill>
+                      <a:prstDash val="solid"/>
+                      <a:round/>
+                      <a:headEnd type="none" w="med" len="med"/>
+                      <a:tailEnd type="none" w="med" len="med"/>
+                    </a:lnT>
+                    <a:lnB w="12700" cap="flat" cmpd="sng" algn="ctr">
+                      <a:solidFill>
+                        <a:schemeClr val="bg2"/>
+                      </a:solidFill>
+                      <a:prstDash val="solid"/>
+                      <a:round/>
+                      <a:headEnd type="none" w="med" len="med"/>
+                      <a:tailEnd type="none" w="med" len="med"/>
+                    </a:lnB>
+                    <a:noFill/>
+                  </a:tcPr>
+                </a:tc>
+                <a:tc>
+                  <a:txBody>
+                    <a:bodyPr/>
+                    <a:lstStyle/>
+                    <a:p>
+                      <a:pPr algn="ctr"/>
+                      <a:r>
+                        <a:rPr lang="en-US" sz="1400" b="0" dirty="0" smtClean="0">
+                          <a:solidFill>
+                            <a:schemeClr val="tx1"/>
+                          </a:solidFill>
+                          <a:latin typeface="Helvetica Neue" charset="0"/>
+                          <a:ea typeface="Helvetica Neue" charset="0"/>
+                          <a:cs typeface="Helvetica Neue" charset="0"/>
+                        </a:rPr>
+                        <a:t>DA+RT+RegA</a:t>
+                      </a:r>
+                      <a:endParaRPr lang="en-US" sz="1400" b="0" dirty="0">
+                        <a:solidFill>
+                          <a:schemeClr val="tx1"/>
+                        </a:solidFill>
+                        <a:latin typeface="Helvetica Neue" charset="0"/>
+                        <a:ea typeface="Helvetica Neue" charset="0"/>
+                        <a:cs typeface="Helvetica Neue" charset="0"/>
+                      </a:endParaRPr>
+                    </a:p>
+                  </a:txBody>
+                  <a:tcPr anchor="ctr">
+                    <a:lnL w="12700" cap="flat" cmpd="sng" algn="ctr">
+                      <a:solidFill>
+                        <a:schemeClr val="bg2"/>
+                      </a:solidFill>
+                      <a:prstDash val="solid"/>
+                      <a:round/>
+                      <a:headEnd type="none" w="med" len="med"/>
+                      <a:tailEnd type="none" w="med" len="med"/>
+                    </a:lnL>
+                    <a:lnR w="12700" cap="flat" cmpd="sng" algn="ctr">
+                      <a:solidFill>
+                        <a:schemeClr val="bg2"/>
+                      </a:solidFill>
+                      <a:prstDash val="solid"/>
+                      <a:round/>
+                      <a:headEnd type="none" w="med" len="med"/>
+                      <a:tailEnd type="none" w="med" len="med"/>
+                    </a:lnR>
+                    <a:lnT w="12700" cap="flat" cmpd="sng" algn="ctr">
+                      <a:solidFill>
+                        <a:schemeClr val="bg2"/>
+                      </a:solidFill>
+                      <a:prstDash val="solid"/>
+                      <a:round/>
+                      <a:headEnd type="none" w="med" len="med"/>
+                      <a:tailEnd type="none" w="med" len="med"/>
+                    </a:lnT>
+                    <a:lnB w="12700" cap="flat" cmpd="sng" algn="ctr">
+                      <a:solidFill>
+                        <a:schemeClr val="bg2"/>
+                      </a:solidFill>
+                      <a:prstDash val="solid"/>
+                      <a:round/>
+                      <a:headEnd type="none" w="med" len="med"/>
+                      <a:tailEnd type="none" w="med" len="med"/>
+                    </a:lnB>
+                    <a:noFill/>
+                  </a:tcPr>
+                </a:tc>
+              </a:tr>
+              <a:tr h="370840">
+                <a:tc>
+                  <a:txBody>
+                    <a:bodyPr/>
+                    <a:lstStyle/>
+                    <a:p>
+                      <a:pPr algn="ctr"/>
+                      <a:r>
+                        <a:rPr lang="en-US" sz="1400" b="0" dirty="0" smtClean="0">
+                          <a:solidFill>
+                            <a:schemeClr val="tx1"/>
+                          </a:solidFill>
+                          <a:latin typeface="Helvetica Neue" charset="0"/>
+                          <a:ea typeface="Helvetica Neue" charset="0"/>
+                          <a:cs typeface="Helvetica Neue" charset="0"/>
+                        </a:rPr>
+                        <a:t>Profitability ratio</a:t>
+                      </a:r>
+                      <a:endParaRPr lang="en-US" sz="1400" b="0" dirty="0">
+                        <a:solidFill>
+                          <a:schemeClr val="tx1"/>
+                        </a:solidFill>
+                        <a:latin typeface="Helvetica Neue" charset="0"/>
+                        <a:ea typeface="Helvetica Neue" charset="0"/>
+                        <a:cs typeface="Helvetica Neue" charset="0"/>
+                      </a:endParaRPr>
+                    </a:p>
+                  </a:txBody>
+                  <a:tcPr anchor="ctr">
+                    <a:lnL w="12700" cap="flat" cmpd="sng" algn="ctr">
+                      <a:solidFill>
+                        <a:schemeClr val="bg2"/>
+                      </a:solidFill>
+                      <a:prstDash val="solid"/>
+                      <a:round/>
+                      <a:headEnd type="none" w="med" len="med"/>
+                      <a:tailEnd type="none" w="med" len="med"/>
+                    </a:lnL>
+                    <a:lnR w="12700" cap="flat" cmpd="sng" algn="ctr">
+                      <a:solidFill>
+                        <a:schemeClr val="bg2"/>
+                      </a:solidFill>
+                      <a:prstDash val="solid"/>
+                      <a:round/>
+                      <a:headEnd type="none" w="med" len="med"/>
+                      <a:tailEnd type="none" w="med" len="med"/>
+                    </a:lnR>
+                    <a:lnT w="12700" cap="flat" cmpd="sng" algn="ctr">
+                      <a:solidFill>
+                        <a:schemeClr val="bg2"/>
+                      </a:solidFill>
+                      <a:prstDash val="solid"/>
+                      <a:round/>
+                      <a:headEnd type="none" w="med" len="med"/>
+                      <a:tailEnd type="none" w="med" len="med"/>
+                    </a:lnT>
+                    <a:lnB w="12700" cap="flat" cmpd="sng" algn="ctr">
+                      <a:solidFill>
+                        <a:schemeClr val="bg2"/>
+                      </a:solidFill>
+                      <a:prstDash val="solid"/>
+                      <a:round/>
+                      <a:headEnd type="none" w="med" len="med"/>
+                      <a:tailEnd type="none" w="med" len="med"/>
+                    </a:lnB>
+                    <a:noFill/>
+                  </a:tcPr>
+                </a:tc>
+                <a:tc>
+                  <a:txBody>
+                    <a:bodyPr/>
+                    <a:lstStyle/>
+                    <a:p>
+                      <a:pPr algn="ctr"/>
+                      <a:r>
+                        <a:rPr lang="en-US" sz="1400" b="0" dirty="0" smtClean="0">
+                          <a:solidFill>
+                            <a:srgbClr val="C00000"/>
+                          </a:solidFill>
+                          <a:latin typeface="Helvetica Neue" charset="0"/>
+                          <a:ea typeface="Helvetica Neue" charset="0"/>
+                          <a:cs typeface="Helvetica Neue" charset="0"/>
+                        </a:rPr>
+                        <a:t>-94.0%</a:t>
+                      </a:r>
+                      <a:endParaRPr lang="en-US" sz="1400" b="0" dirty="0">
+                        <a:solidFill>
+                          <a:srgbClr val="C00000"/>
+                        </a:solidFill>
+                        <a:latin typeface="Helvetica Neue" charset="0"/>
+                        <a:ea typeface="Helvetica Neue" charset="0"/>
+                        <a:cs typeface="Helvetica Neue" charset="0"/>
+                      </a:endParaRPr>
+                    </a:p>
+                  </a:txBody>
+                  <a:tcPr anchor="ctr">
+                    <a:lnL w="12700" cap="flat" cmpd="sng" algn="ctr">
+                      <a:solidFill>
+                        <a:schemeClr val="bg2"/>
+                      </a:solidFill>
+                      <a:prstDash val="solid"/>
+                      <a:round/>
+                      <a:headEnd type="none" w="med" len="med"/>
+                      <a:tailEnd type="none" w="med" len="med"/>
+                    </a:lnL>
+                    <a:lnR w="12700" cap="flat" cmpd="sng" algn="ctr">
+                      <a:solidFill>
+                        <a:schemeClr val="bg2"/>
+                      </a:solidFill>
+                      <a:prstDash val="solid"/>
+                      <a:round/>
+                      <a:headEnd type="none" w="med" len="med"/>
+                      <a:tailEnd type="none" w="med" len="med"/>
+                    </a:lnR>
+                    <a:lnT w="12700" cap="flat" cmpd="sng" algn="ctr">
+                      <a:solidFill>
+                        <a:schemeClr val="bg2"/>
+                      </a:solidFill>
+                      <a:prstDash val="solid"/>
+                      <a:round/>
+                      <a:headEnd type="none" w="med" len="med"/>
+                      <a:tailEnd type="none" w="med" len="med"/>
+                    </a:lnT>
+                    <a:lnB w="12700" cap="flat" cmpd="sng" algn="ctr">
+                      <a:solidFill>
+                        <a:schemeClr val="bg2"/>
+                      </a:solidFill>
+                      <a:prstDash val="solid"/>
+                      <a:round/>
+                      <a:headEnd type="none" w="med" len="med"/>
+                      <a:tailEnd type="none" w="med" len="med"/>
+                    </a:lnB>
+                    <a:noFill/>
+                  </a:tcPr>
+                </a:tc>
+                <a:tc>
+                  <a:txBody>
+                    <a:bodyPr/>
+                    <a:lstStyle/>
+                    <a:p>
+                      <a:pPr algn="ctr"/>
+                      <a:r>
+                        <a:rPr lang="en-US" sz="1400" b="0" dirty="0" smtClean="0">
+                          <a:solidFill>
+                            <a:srgbClr val="00B050"/>
+                          </a:solidFill>
+                          <a:latin typeface="Helvetica Neue" charset="0"/>
+                          <a:ea typeface="Helvetica Neue" charset="0"/>
+                          <a:cs typeface="Helvetica Neue" charset="0"/>
+                        </a:rPr>
+                        <a:t>4.0%</a:t>
+                      </a:r>
+                      <a:endParaRPr lang="en-US" sz="1400" b="0" dirty="0">
+                        <a:solidFill>
+                          <a:srgbClr val="00B050"/>
+                        </a:solidFill>
+                        <a:latin typeface="Helvetica Neue" charset="0"/>
+                        <a:ea typeface="Helvetica Neue" charset="0"/>
+                        <a:cs typeface="Helvetica Neue" charset="0"/>
+                      </a:endParaRPr>
+                    </a:p>
+                  </a:txBody>
+                  <a:tcPr anchor="ctr">
+                    <a:lnL w="12700" cap="flat" cmpd="sng" algn="ctr">
+                      <a:solidFill>
+                        <a:schemeClr val="bg2"/>
+                      </a:solidFill>
+                      <a:prstDash val="solid"/>
+                      <a:round/>
+                      <a:headEnd type="none" w="med" len="med"/>
+                      <a:tailEnd type="none" w="med" len="med"/>
+                    </a:lnL>
+                    <a:lnR w="12700" cap="flat" cmpd="sng" algn="ctr">
+                      <a:solidFill>
+                        <a:schemeClr val="bg2"/>
+                      </a:solidFill>
+                      <a:prstDash val="solid"/>
+                      <a:round/>
+                      <a:headEnd type="none" w="med" len="med"/>
+                      <a:tailEnd type="none" w="med" len="med"/>
+                    </a:lnR>
+                    <a:lnT w="12700" cap="flat" cmpd="sng" algn="ctr">
+                      <a:solidFill>
+                        <a:schemeClr val="bg2"/>
+                      </a:solidFill>
+                      <a:prstDash val="solid"/>
+                      <a:round/>
+                      <a:headEnd type="none" w="med" len="med"/>
+                      <a:tailEnd type="none" w="med" len="med"/>
+                    </a:lnT>
+                    <a:lnB w="12700" cap="flat" cmpd="sng" algn="ctr">
+                      <a:solidFill>
+                        <a:schemeClr val="bg2"/>
+                      </a:solidFill>
+                      <a:prstDash val="solid"/>
+                      <a:round/>
+                      <a:headEnd type="none" w="med" len="med"/>
+                      <a:tailEnd type="none" w="med" len="med"/>
+                    </a:lnB>
+                    <a:noFill/>
+                  </a:tcPr>
+                </a:tc>
+                <a:tc>
+                  <a:txBody>
+                    <a:bodyPr/>
+                    <a:lstStyle/>
+                    <a:p>
+                      <a:pPr algn="ctr"/>
+                      <a:r>
+                        <a:rPr lang="en-US" sz="1400" b="0" dirty="0" smtClean="0">
+                          <a:solidFill>
+                            <a:srgbClr val="C00000"/>
+                          </a:solidFill>
+                          <a:latin typeface="Helvetica Neue" charset="0"/>
+                          <a:ea typeface="Helvetica Neue" charset="0"/>
+                          <a:cs typeface="Helvetica Neue" charset="0"/>
+                        </a:rPr>
+                        <a:t>-52.3%</a:t>
+                      </a:r>
+                      <a:endParaRPr lang="en-US" sz="1400" b="0" dirty="0">
+                        <a:solidFill>
+                          <a:srgbClr val="C00000"/>
+                        </a:solidFill>
+                        <a:latin typeface="Helvetica Neue" charset="0"/>
+                        <a:ea typeface="Helvetica Neue" charset="0"/>
+                        <a:cs typeface="Helvetica Neue" charset="0"/>
+                      </a:endParaRPr>
+                    </a:p>
+                  </a:txBody>
+                  <a:tcPr anchor="ctr">
+                    <a:lnL w="12700" cap="flat" cmpd="sng" algn="ctr">
+                      <a:solidFill>
+                        <a:schemeClr val="bg2"/>
+                      </a:solidFill>
+                      <a:prstDash val="solid"/>
+                      <a:round/>
+                      <a:headEnd type="none" w="med" len="med"/>
+                      <a:tailEnd type="none" w="med" len="med"/>
+                    </a:lnL>
+                    <a:lnR w="12700" cap="flat" cmpd="sng" algn="ctr">
+                      <a:solidFill>
+                        <a:schemeClr val="bg2"/>
+                      </a:solidFill>
+                      <a:prstDash val="solid"/>
+                      <a:round/>
+                      <a:headEnd type="none" w="med" len="med"/>
+                      <a:tailEnd type="none" w="med" len="med"/>
+                    </a:lnR>
+                    <a:lnT w="12700" cap="flat" cmpd="sng" algn="ctr">
+                      <a:solidFill>
+                        <a:schemeClr val="bg2"/>
+                      </a:solidFill>
+                      <a:prstDash val="solid"/>
+                      <a:round/>
+                      <a:headEnd type="none" w="med" len="med"/>
+                      <a:tailEnd type="none" w="med" len="med"/>
+                    </a:lnT>
+                    <a:lnB w="12700" cap="flat" cmpd="sng" algn="ctr">
+                      <a:solidFill>
+                        <a:schemeClr val="bg2"/>
+                      </a:solidFill>
+                      <a:prstDash val="solid"/>
+                      <a:round/>
+                      <a:headEnd type="none" w="med" len="med"/>
+                      <a:tailEnd type="none" w="med" len="med"/>
+                    </a:lnB>
+                    <a:noFill/>
+                  </a:tcPr>
+                </a:tc>
+                <a:tc>
+                  <a:txBody>
+                    <a:bodyPr/>
+                    <a:lstStyle/>
+                    <a:p>
+                      <a:pPr algn="ctr"/>
+                      <a:r>
+                        <a:rPr lang="en-US" sz="1400" b="0" dirty="0" smtClean="0">
+                          <a:solidFill>
+                            <a:srgbClr val="C00000"/>
+                          </a:solidFill>
+                          <a:latin typeface="Helvetica Neue" charset="0"/>
+                          <a:ea typeface="Helvetica Neue" charset="0"/>
+                          <a:cs typeface="Helvetica Neue" charset="0"/>
+                        </a:rPr>
+                        <a:t>-87.5%</a:t>
+                      </a:r>
+                      <a:endParaRPr lang="en-US" sz="1400" b="0" dirty="0">
+                        <a:solidFill>
+                          <a:srgbClr val="C00000"/>
+                        </a:solidFill>
+                        <a:latin typeface="Helvetica Neue" charset="0"/>
+                        <a:ea typeface="Helvetica Neue" charset="0"/>
+                        <a:cs typeface="Helvetica Neue" charset="0"/>
+                      </a:endParaRPr>
+                    </a:p>
+                  </a:txBody>
+                  <a:tcPr anchor="ctr">
+                    <a:lnL w="12700" cap="flat" cmpd="sng" algn="ctr">
+                      <a:solidFill>
+                        <a:schemeClr val="bg2"/>
+                      </a:solidFill>
+                      <a:prstDash val="solid"/>
+                      <a:round/>
+                      <a:headEnd type="none" w="med" len="med"/>
+                      <a:tailEnd type="none" w="med" len="med"/>
+                    </a:lnL>
+                    <a:lnR w="12700" cap="flat" cmpd="sng" algn="ctr">
+                      <a:solidFill>
+                        <a:schemeClr val="bg2"/>
+                      </a:solidFill>
+                      <a:prstDash val="solid"/>
+                      <a:round/>
+                      <a:headEnd type="none" w="med" len="med"/>
+                      <a:tailEnd type="none" w="med" len="med"/>
+                    </a:lnR>
+                    <a:lnT w="12700" cap="flat" cmpd="sng" algn="ctr">
+                      <a:solidFill>
+                        <a:schemeClr val="bg2"/>
+                      </a:solidFill>
+                      <a:prstDash val="solid"/>
+                      <a:round/>
+                      <a:headEnd type="none" w="med" len="med"/>
+                      <a:tailEnd type="none" w="med" len="med"/>
+                    </a:lnT>
+                    <a:lnB w="12700" cap="flat" cmpd="sng" algn="ctr">
+                      <a:solidFill>
+                        <a:schemeClr val="bg2"/>
+                      </a:solidFill>
+                      <a:prstDash val="solid"/>
+                      <a:round/>
+                      <a:headEnd type="none" w="med" len="med"/>
+                      <a:tailEnd type="none" w="med" len="med"/>
+                    </a:lnB>
+                    <a:noFill/>
+                  </a:tcPr>
+                </a:tc>
+                <a:tc>
+                  <a:txBody>
+                    <a:bodyPr/>
+                    <a:lstStyle/>
+                    <a:p>
+                      <a:pPr algn="ctr"/>
+                      <a:r>
+                        <a:rPr lang="en-US" sz="1400" b="0" dirty="0" smtClean="0">
+                          <a:solidFill>
+                            <a:srgbClr val="00B050"/>
+                          </a:solidFill>
+                          <a:latin typeface="Helvetica Neue" charset="0"/>
+                          <a:ea typeface="Helvetica Neue" charset="0"/>
+                          <a:cs typeface="Helvetica Neue" charset="0"/>
+                        </a:rPr>
+                        <a:t>7.1%</a:t>
+                      </a:r>
+                      <a:endParaRPr lang="en-US" sz="1400" b="0" dirty="0">
+                        <a:solidFill>
+                          <a:srgbClr val="00B050"/>
+                        </a:solidFill>
+                        <a:latin typeface="Helvetica Neue" charset="0"/>
+                        <a:ea typeface="Helvetica Neue" charset="0"/>
+                        <a:cs typeface="Helvetica Neue" charset="0"/>
+                      </a:endParaRPr>
+                    </a:p>
+                  </a:txBody>
+                  <a:tcPr anchor="ctr">
+                    <a:lnL w="12700" cap="flat" cmpd="sng" algn="ctr">
+                      <a:solidFill>
+                        <a:schemeClr val="bg2"/>
+                      </a:solidFill>
+                      <a:prstDash val="solid"/>
+                      <a:round/>
+                      <a:headEnd type="none" w="med" len="med"/>
+                      <a:tailEnd type="none" w="med" len="med"/>
+                    </a:lnL>
+                    <a:lnR w="12700" cap="flat" cmpd="sng" algn="ctr">
+                      <a:solidFill>
+                        <a:schemeClr val="bg2"/>
+                      </a:solidFill>
+                      <a:prstDash val="solid"/>
+                      <a:round/>
+                      <a:headEnd type="none" w="med" len="med"/>
+                      <a:tailEnd type="none" w="med" len="med"/>
+                    </a:lnR>
+                    <a:lnT w="12700" cap="flat" cmpd="sng" algn="ctr">
+                      <a:solidFill>
+                        <a:schemeClr val="bg2"/>
+                      </a:solidFill>
+                      <a:prstDash val="solid"/>
+                      <a:round/>
+                      <a:headEnd type="none" w="med" len="med"/>
+                      <a:tailEnd type="none" w="med" len="med"/>
+                    </a:lnT>
+                    <a:lnB w="12700" cap="flat" cmpd="sng" algn="ctr">
+                      <a:solidFill>
+                        <a:schemeClr val="bg2"/>
+                      </a:solidFill>
+                      <a:prstDash val="solid"/>
+                      <a:round/>
+                      <a:headEnd type="none" w="med" len="med"/>
+                      <a:tailEnd type="none" w="med" len="med"/>
+                    </a:lnB>
+                    <a:noFill/>
+                  </a:tcPr>
+                </a:tc>
+                <a:tc>
+                  <a:txBody>
+                    <a:bodyPr/>
+                    <a:lstStyle/>
+                    <a:p>
+                      <a:pPr algn="ctr"/>
+                      <a:r>
+                        <a:rPr lang="en-US" sz="1400" b="0" dirty="0" smtClean="0">
+                          <a:solidFill>
+                            <a:srgbClr val="C00000"/>
+                          </a:solidFill>
+                          <a:latin typeface="Helvetica Neue" charset="0"/>
+                          <a:ea typeface="Helvetica Neue" charset="0"/>
+                          <a:cs typeface="Helvetica Neue" charset="0"/>
+                        </a:rPr>
+                        <a:t>-29.0%</a:t>
+                      </a:r>
+                      <a:endParaRPr lang="en-US" sz="1400" b="0" dirty="0">
+                        <a:solidFill>
+                          <a:srgbClr val="C00000"/>
+                        </a:solidFill>
+                        <a:latin typeface="Helvetica Neue" charset="0"/>
+                        <a:ea typeface="Helvetica Neue" charset="0"/>
+                        <a:cs typeface="Helvetica Neue" charset="0"/>
+                      </a:endParaRPr>
+                    </a:p>
+                  </a:txBody>
+                  <a:tcPr anchor="ctr">
+                    <a:lnL w="12700" cap="flat" cmpd="sng" algn="ctr">
+                      <a:solidFill>
+                        <a:schemeClr val="bg2"/>
+                      </a:solidFill>
+                      <a:prstDash val="solid"/>
+                      <a:round/>
+                      <a:headEnd type="none" w="med" len="med"/>
+                      <a:tailEnd type="none" w="med" len="med"/>
+                    </a:lnL>
+                    <a:lnR w="12700" cap="flat" cmpd="sng" algn="ctr">
+                      <a:solidFill>
+                        <a:schemeClr val="bg2"/>
+                      </a:solidFill>
+                      <a:prstDash val="solid"/>
+                      <a:round/>
+                      <a:headEnd type="none" w="med" len="med"/>
+                      <a:tailEnd type="none" w="med" len="med"/>
+                    </a:lnR>
+                    <a:lnT w="12700" cap="flat" cmpd="sng" algn="ctr">
+                      <a:solidFill>
+                        <a:schemeClr val="bg2"/>
+                      </a:solidFill>
+                      <a:prstDash val="solid"/>
+                      <a:round/>
+                      <a:headEnd type="none" w="med" len="med"/>
+                      <a:tailEnd type="none" w="med" len="med"/>
+                    </a:lnT>
+                    <a:lnB w="12700" cap="flat" cmpd="sng" algn="ctr">
+                      <a:solidFill>
+                        <a:schemeClr val="bg2"/>
+                      </a:solidFill>
+                      <a:prstDash val="solid"/>
+                      <a:round/>
+                      <a:headEnd type="none" w="med" len="med"/>
+                      <a:tailEnd type="none" w="med" len="med"/>
+                    </a:lnB>
+                    <a:noFill/>
+                  </a:tcPr>
+                </a:tc>
+              </a:tr>
+            </a:tbl>
+          </a:graphicData>
+        </a:graphic>
+      </p:graphicFrame>
+    </p:spTree>
+    <p:extLst>
+      <p:ext uri="{BB962C8B-B14F-4D97-AF65-F5344CB8AC3E}">
+        <p14:creationId xmlns:p14="http://schemas.microsoft.com/office/powerpoint/2010/main" val="431089165"/>
+      </p:ext>
+    </p:extLst>
+  </p:cSld>
+  <p:clrMapOvr>
+    <a:masterClrMapping/>
+  </p:clrMapOvr>
+</p:sld>
+</file>
+
+<file path=ppt/slides/slide22.xml><?xml version="1.0" encoding="utf-8"?>
+<p:sld xmlns:a="http://schemas.openxmlformats.org/drawingml/2006/main" xmlns:r="http://schemas.openxmlformats.org/officeDocument/2006/relationships" xmlns:p="http://schemas.openxmlformats.org/presentationml/2006/main">
+  <p:cSld>
+    <p:spTree>
+      <p:nvGrpSpPr>
+        <p:cNvPr id="1" name=""/>
+        <p:cNvGrpSpPr/>
+        <p:nvPr/>
+      </p:nvGrpSpPr>
+      <p:grpSpPr>
+        <a:xfrm>
+          <a:off x="0" y="0"/>
+          <a:ext cx="0" cy="0"/>
+          <a:chOff x="0" y="0"/>
+          <a:chExt cx="0" cy="0"/>
+        </a:xfrm>
+      </p:grpSpPr>
+      <p:graphicFrame>
+        <p:nvGraphicFramePr>
+          <p:cNvPr id="3" name="Table 2"/>
+          <p:cNvGraphicFramePr>
+            <a:graphicFrameLocks noGrp="1"/>
+          </p:cNvGraphicFramePr>
+          <p:nvPr>
+            <p:extLst>
+              <p:ext uri="{D42A27DB-BD31-4B8C-83A1-F6EECF244321}">
+                <p14:modId xmlns:p14="http://schemas.microsoft.com/office/powerpoint/2010/main" val="1156943407"/>
+              </p:ext>
+            </p:extLst>
+          </p:nvPr>
+        </p:nvGraphicFramePr>
+        <p:xfrm>
+          <a:off x="2849525" y="4710224"/>
+          <a:ext cx="5468680" cy="548640"/>
+        </p:xfrm>
+        <a:graphic>
+          <a:graphicData uri="http://schemas.openxmlformats.org/drawingml/2006/table">
+            <a:tbl>
+              <a:tblPr firstRow="1" bandRow="1">
+                <a:tableStyleId>{5C22544A-7EE6-4342-B048-85BDC9FD1C3A}</a:tableStyleId>
+              </a:tblPr>
+              <a:tblGrid>
+                <a:gridCol w="1531089"/>
+                <a:gridCol w="3937591"/>
+              </a:tblGrid>
+              <a:tr h="239232">
+                <a:tc>
+                  <a:txBody>
+                    <a:bodyPr/>
+                    <a:lstStyle/>
+                    <a:p>
+                      <a:pPr algn="ctr"/>
+                      <a:endParaRPr lang="en-US" sz="1200" b="0" dirty="0">
+                        <a:solidFill>
+                          <a:schemeClr val="tx1"/>
+                        </a:solidFill>
+                        <a:latin typeface="Helvetica Neue" charset="0"/>
+                        <a:ea typeface="Helvetica Neue" charset="0"/>
+                        <a:cs typeface="Helvetica Neue" charset="0"/>
+                      </a:endParaRPr>
+                    </a:p>
+                  </a:txBody>
+                  <a:tcPr anchor="ctr">
+                    <a:lnL w="12700" cap="flat" cmpd="sng" algn="ctr">
+                      <a:solidFill>
+                        <a:schemeClr val="bg2"/>
+                      </a:solidFill>
+                      <a:prstDash val="solid"/>
+                      <a:round/>
+                      <a:headEnd type="none" w="med" len="med"/>
+                      <a:tailEnd type="none" w="med" len="med"/>
+                    </a:lnL>
+                    <a:lnR w="12700" cap="flat" cmpd="sng" algn="ctr">
+                      <a:solidFill>
+                        <a:schemeClr val="bg2"/>
+                      </a:solidFill>
+                      <a:prstDash val="solid"/>
+                      <a:round/>
+                      <a:headEnd type="none" w="med" len="med"/>
+                      <a:tailEnd type="none" w="med" len="med"/>
+                    </a:lnR>
+                    <a:lnT w="12700" cap="flat" cmpd="sng" algn="ctr">
+                      <a:solidFill>
+                        <a:schemeClr val="bg2"/>
+                      </a:solidFill>
+                      <a:prstDash val="solid"/>
+                      <a:round/>
+                      <a:headEnd type="none" w="med" len="med"/>
+                      <a:tailEnd type="none" w="med" len="med"/>
+                    </a:lnT>
+                    <a:lnB w="12700" cap="flat" cmpd="sng" algn="ctr">
+                      <a:solidFill>
+                        <a:schemeClr val="bg2"/>
+                      </a:solidFill>
+                      <a:prstDash val="solid"/>
+                      <a:round/>
+                      <a:headEnd type="none" w="med" len="med"/>
+                      <a:tailEnd type="none" w="med" len="med"/>
+                    </a:lnB>
+                    <a:noFill/>
+                  </a:tcPr>
+                </a:tc>
+                <a:tc>
+                  <a:txBody>
+                    <a:bodyPr/>
+                    <a:lstStyle/>
+                    <a:p>
+                      <a:pPr algn="ctr"/>
+                      <a:r>
+                        <a:rPr lang="en-US" sz="1200" b="0" dirty="0" smtClean="0">
+                          <a:solidFill>
+                            <a:schemeClr val="tx1"/>
+                          </a:solidFill>
+                          <a:latin typeface="Helvetica Neue" charset="0"/>
+                          <a:ea typeface="Helvetica Neue" charset="0"/>
+                          <a:cs typeface="Helvetica Neue" charset="0"/>
+                        </a:rPr>
+                        <a:t>RT</a:t>
+                      </a:r>
+                      <a:endParaRPr lang="en-US" sz="1200" b="0" dirty="0">
+                        <a:solidFill>
+                          <a:schemeClr val="tx1"/>
+                        </a:solidFill>
+                        <a:latin typeface="Helvetica Neue" charset="0"/>
+                        <a:ea typeface="Helvetica Neue" charset="0"/>
+                        <a:cs typeface="Helvetica Neue" charset="0"/>
+                      </a:endParaRPr>
+                    </a:p>
+                  </a:txBody>
+                  <a:tcPr anchor="ctr">
+                    <a:lnL w="12700" cap="flat" cmpd="sng" algn="ctr">
+                      <a:solidFill>
+                        <a:schemeClr val="bg2"/>
+                      </a:solidFill>
+                      <a:prstDash val="solid"/>
+                      <a:round/>
+                      <a:headEnd type="none" w="med" len="med"/>
+                      <a:tailEnd type="none" w="med" len="med"/>
+                    </a:lnL>
+                    <a:lnR w="12700" cap="flat" cmpd="sng" algn="ctr">
+                      <a:solidFill>
+                        <a:schemeClr val="bg2"/>
+                      </a:solidFill>
+                      <a:prstDash val="solid"/>
+                      <a:round/>
+                      <a:headEnd type="none" w="med" len="med"/>
+                      <a:tailEnd type="none" w="med" len="med"/>
+                    </a:lnR>
+                    <a:lnT w="12700" cap="flat" cmpd="sng" algn="ctr">
+                      <a:solidFill>
+                        <a:schemeClr val="bg2"/>
+                      </a:solidFill>
+                      <a:prstDash val="solid"/>
+                      <a:round/>
+                      <a:headEnd type="none" w="med" len="med"/>
+                      <a:tailEnd type="none" w="med" len="med"/>
+                    </a:lnT>
+                    <a:lnB w="12700" cap="flat" cmpd="sng" algn="ctr">
+                      <a:solidFill>
+                        <a:schemeClr val="bg2"/>
+                      </a:solidFill>
+                      <a:prstDash val="solid"/>
+                      <a:round/>
+                      <a:headEnd type="none" w="med" len="med"/>
+                      <a:tailEnd type="none" w="med" len="med"/>
+                    </a:lnB>
+                    <a:noFill/>
+                  </a:tcPr>
+                </a:tc>
+              </a:tr>
+              <a:tr h="239232">
+                <a:tc>
+                  <a:txBody>
+                    <a:bodyPr/>
+                    <a:lstStyle/>
+                    <a:p>
+                      <a:pPr algn="ctr"/>
+                      <a:r>
+                        <a:rPr lang="en-US" sz="1200" b="0" dirty="0" smtClean="0">
+                          <a:solidFill>
+                            <a:schemeClr val="tx1"/>
+                          </a:solidFill>
+                          <a:latin typeface="Helvetica Neue" charset="0"/>
+                          <a:ea typeface="Helvetica Neue" charset="0"/>
+                          <a:cs typeface="Helvetica Neue" charset="0"/>
+                        </a:rPr>
+                        <a:t>Profitability ratio</a:t>
+                      </a:r>
+                      <a:endParaRPr lang="en-US" sz="1200" b="0" dirty="0">
+                        <a:solidFill>
+                          <a:schemeClr val="tx1"/>
+                        </a:solidFill>
+                        <a:latin typeface="Helvetica Neue" charset="0"/>
+                        <a:ea typeface="Helvetica Neue" charset="0"/>
+                        <a:cs typeface="Helvetica Neue" charset="0"/>
+                      </a:endParaRPr>
+                    </a:p>
+                  </a:txBody>
+                  <a:tcPr anchor="ctr">
+                    <a:lnL w="12700" cap="flat" cmpd="sng" algn="ctr">
+                      <a:solidFill>
+                        <a:schemeClr val="bg2"/>
+                      </a:solidFill>
+                      <a:prstDash val="solid"/>
+                      <a:round/>
+                      <a:headEnd type="none" w="med" len="med"/>
+                      <a:tailEnd type="none" w="med" len="med"/>
+                    </a:lnL>
+                    <a:lnR w="12700" cap="flat" cmpd="sng" algn="ctr">
+                      <a:solidFill>
+                        <a:schemeClr val="bg2"/>
+                      </a:solidFill>
+                      <a:prstDash val="solid"/>
+                      <a:round/>
+                      <a:headEnd type="none" w="med" len="med"/>
+                      <a:tailEnd type="none" w="med" len="med"/>
+                    </a:lnR>
+                    <a:lnT w="12700" cap="flat" cmpd="sng" algn="ctr">
+                      <a:solidFill>
+                        <a:schemeClr val="bg2"/>
+                      </a:solidFill>
+                      <a:prstDash val="solid"/>
+                      <a:round/>
+                      <a:headEnd type="none" w="med" len="med"/>
+                      <a:tailEnd type="none" w="med" len="med"/>
+                    </a:lnT>
+                    <a:lnB w="12700" cap="flat" cmpd="sng" algn="ctr">
+                      <a:solidFill>
+                        <a:schemeClr val="bg2"/>
+                      </a:solidFill>
+                      <a:prstDash val="solid"/>
+                      <a:round/>
+                      <a:headEnd type="none" w="med" len="med"/>
+                      <a:tailEnd type="none" w="med" len="med"/>
+                    </a:lnB>
+                    <a:noFill/>
+                  </a:tcPr>
+                </a:tc>
+                <a:tc>
+                  <a:txBody>
+                    <a:bodyPr/>
+                    <a:lstStyle/>
+                    <a:p>
+                      <a:pPr algn="ctr"/>
+                      <a:r>
+                        <a:rPr lang="en-US" sz="1200" b="0" dirty="0" smtClean="0">
+                          <a:solidFill>
+                            <a:srgbClr val="C00000"/>
+                          </a:solidFill>
+                          <a:latin typeface="Helvetica Neue" charset="0"/>
+                          <a:ea typeface="Helvetica Neue" charset="0"/>
+                          <a:cs typeface="Helvetica Neue" charset="0"/>
+                        </a:rPr>
+                        <a:t>-70.6%</a:t>
+                      </a:r>
+                      <a:endParaRPr lang="en-US" sz="1200" b="0" dirty="0">
+                        <a:solidFill>
+                          <a:srgbClr val="C00000"/>
+                        </a:solidFill>
+                        <a:latin typeface="Helvetica Neue" charset="0"/>
+                        <a:ea typeface="Helvetica Neue" charset="0"/>
+                        <a:cs typeface="Helvetica Neue" charset="0"/>
+                      </a:endParaRPr>
+                    </a:p>
+                  </a:txBody>
+                  <a:tcPr anchor="ctr">
+                    <a:lnL w="12700" cap="flat" cmpd="sng" algn="ctr">
+                      <a:solidFill>
+                        <a:schemeClr val="bg2"/>
+                      </a:solidFill>
+                      <a:prstDash val="solid"/>
+                      <a:round/>
+                      <a:headEnd type="none" w="med" len="med"/>
+                      <a:tailEnd type="none" w="med" len="med"/>
+                    </a:lnL>
+                    <a:lnR w="12700" cap="flat" cmpd="sng" algn="ctr">
+                      <a:solidFill>
+                        <a:schemeClr val="bg2"/>
+                      </a:solidFill>
+                      <a:prstDash val="solid"/>
+                      <a:round/>
+                      <a:headEnd type="none" w="med" len="med"/>
+                      <a:tailEnd type="none" w="med" len="med"/>
+                    </a:lnR>
+                    <a:lnT w="12700" cap="flat" cmpd="sng" algn="ctr">
+                      <a:solidFill>
+                        <a:schemeClr val="bg2"/>
+                      </a:solidFill>
+                      <a:prstDash val="solid"/>
+                      <a:round/>
+                      <a:headEnd type="none" w="med" len="med"/>
+                      <a:tailEnd type="none" w="med" len="med"/>
+                    </a:lnT>
+                    <a:lnB w="12700" cap="flat" cmpd="sng" algn="ctr">
+                      <a:solidFill>
+                        <a:schemeClr val="bg2"/>
+                      </a:solidFill>
+                      <a:prstDash val="solid"/>
+                      <a:round/>
+                      <a:headEnd type="none" w="med" len="med"/>
+                      <a:tailEnd type="none" w="med" len="med"/>
+                    </a:lnB>
+                    <a:noFill/>
+                  </a:tcPr>
+                </a:tc>
+              </a:tr>
+            </a:tbl>
+          </a:graphicData>
+        </a:graphic>
+      </p:graphicFrame>
+      <p:pic>
+        <p:nvPicPr>
+          <p:cNvPr id="5" name="Picture 4"/>
+          <p:cNvPicPr>
+            <a:picLocks noChangeAspect="1"/>
+          </p:cNvPicPr>
+          <p:nvPr/>
+        </p:nvPicPr>
+        <p:blipFill>
+          <a:blip r:embed="rId2"/>
+          <a:stretch>
+            <a:fillRect/>
+          </a:stretch>
+        </p:blipFill>
+        <p:spPr>
+          <a:xfrm>
+            <a:off x="3458830" y="1937784"/>
+            <a:ext cx="4965700" cy="2857500"/>
+          </a:xfrm>
+          <a:prstGeom prst="rect">
+            <a:avLst/>
+          </a:prstGeom>
+        </p:spPr>
+      </p:pic>
+    </p:spTree>
+    <p:extLst>
+      <p:ext uri="{BB962C8B-B14F-4D97-AF65-F5344CB8AC3E}">
+        <p14:creationId xmlns:p14="http://schemas.microsoft.com/office/powerpoint/2010/main" val="541402005"/>
+      </p:ext>
+    </p:extLst>
+  </p:cSld>
+  <p:clrMapOvr>
+    <a:masterClrMapping/>
+  </p:clrMapOvr>
+</p:sld>
+</file>
+
+<file path=ppt/slides/slide23.xml><?xml version="1.0" encoding="utf-8"?>
+<p:sld xmlns:a="http://schemas.openxmlformats.org/drawingml/2006/main" xmlns:r="http://schemas.openxmlformats.org/officeDocument/2006/relationships" xmlns:p="http://schemas.openxmlformats.org/presentationml/2006/main">
+  <p:cSld>
+    <p:spTree>
+      <p:nvGrpSpPr>
+        <p:cNvPr id="1" name=""/>
+        <p:cNvGrpSpPr/>
+        <p:nvPr/>
+      </p:nvGrpSpPr>
+      <p:grpSpPr>
+        <a:xfrm>
+          <a:off x="0" y="0"/>
+          <a:ext cx="0" cy="0"/>
+          <a:chOff x="0" y="0"/>
+          <a:chExt cx="0" cy="0"/>
+        </a:xfrm>
+      </p:grpSpPr>
+      <p:pic>
+        <p:nvPicPr>
+          <p:cNvPr id="2" name="Picture 1"/>
+          <p:cNvPicPr>
+            <a:picLocks noChangeAspect="1"/>
+          </p:cNvPicPr>
+          <p:nvPr/>
+        </p:nvPicPr>
+        <p:blipFill rotWithShape="1">
+          <a:blip r:embed="rId2"/>
+          <a:srcRect t="2919" r="7650" b="2743"/>
+          <a:stretch/>
+        </p:blipFill>
+        <p:spPr>
+          <a:xfrm>
+            <a:off x="967563" y="467833"/>
+            <a:ext cx="5348177" cy="5762848"/>
+          </a:xfrm>
+          <a:prstGeom prst="rect">
+            <a:avLst/>
+          </a:prstGeom>
+        </p:spPr>
+      </p:pic>
+    </p:spTree>
+    <p:extLst>
+      <p:ext uri="{BB962C8B-B14F-4D97-AF65-F5344CB8AC3E}">
+        <p14:creationId xmlns:p14="http://schemas.microsoft.com/office/powerpoint/2010/main" val="517765026"/>
+      </p:ext>
+    </p:extLst>
+  </p:cSld>
+  <p:clrMapOvr>
+    <a:masterClrMapping/>
+  </p:clrMapOvr>
+</p:sld>
+</file>
+
+<file path=ppt/slides/slide24.xml><?xml version="1.0" encoding="utf-8"?>
+<p:sld xmlns:a="http://schemas.openxmlformats.org/drawingml/2006/main" xmlns:r="http://schemas.openxmlformats.org/officeDocument/2006/relationships" xmlns:p="http://schemas.openxmlformats.org/presentationml/2006/main">
+  <p:cSld>
+    <p:spTree>
+      <p:nvGrpSpPr>
+        <p:cNvPr id="1" name=""/>
+        <p:cNvGrpSpPr/>
+        <p:nvPr/>
+      </p:nvGrpSpPr>
+      <p:grpSpPr>
+        <a:xfrm>
+          <a:off x="0" y="0"/>
+          <a:ext cx="0" cy="0"/>
+          <a:chOff x="0" y="0"/>
+          <a:chExt cx="0" cy="0"/>
+        </a:xfrm>
+      </p:grpSpPr>
+      <p:pic>
+        <p:nvPicPr>
+          <p:cNvPr id="2" name="Picture 1"/>
+          <p:cNvPicPr>
+            <a:picLocks noChangeAspect="1"/>
+          </p:cNvPicPr>
+          <p:nvPr/>
+        </p:nvPicPr>
+        <p:blipFill rotWithShape="1">
+          <a:blip r:embed="rId2"/>
+          <a:srcRect l="12505" t="2918" r="7148" b="2396"/>
+          <a:stretch/>
+        </p:blipFill>
+        <p:spPr>
+          <a:xfrm>
+            <a:off x="3615070" y="552892"/>
+            <a:ext cx="5316279" cy="5784113"/>
+          </a:xfrm>
+          <a:prstGeom prst="rect">
+            <a:avLst/>
+          </a:prstGeom>
+        </p:spPr>
+      </p:pic>
+    </p:spTree>
+    <p:extLst>
+      <p:ext uri="{BB962C8B-B14F-4D97-AF65-F5344CB8AC3E}">
+        <p14:creationId xmlns:p14="http://schemas.microsoft.com/office/powerpoint/2010/main" val="473054338"/>
+      </p:ext>
+    </p:extLst>
+  </p:cSld>
+  <p:clrMapOvr>
+    <a:masterClrMapping/>
+  </p:clrMapOvr>
+</p:sld>
+</file>
+
+<file path=ppt/slides/slide25.xml><?xml version="1.0" encoding="utf-8"?>
+<p:sld xmlns:a="http://schemas.openxmlformats.org/drawingml/2006/main" xmlns:r="http://schemas.openxmlformats.org/officeDocument/2006/relationships" xmlns:p="http://schemas.openxmlformats.org/presentationml/2006/main">
+  <p:cSld>
+    <p:spTree>
+      <p:nvGrpSpPr>
+        <p:cNvPr id="1" name=""/>
+        <p:cNvGrpSpPr/>
+        <p:nvPr/>
+      </p:nvGrpSpPr>
+      <p:grpSpPr>
+        <a:xfrm>
+          <a:off x="0" y="0"/>
+          <a:ext cx="0" cy="0"/>
+          <a:chOff x="0" y="0"/>
+          <a:chExt cx="0" cy="0"/>
+        </a:xfrm>
+      </p:grpSpPr>
+      <p:pic>
+        <p:nvPicPr>
+          <p:cNvPr id="2" name="Picture 1"/>
+          <p:cNvPicPr>
+            <a:picLocks noChangeAspect="1"/>
+          </p:cNvPicPr>
+          <p:nvPr/>
+        </p:nvPicPr>
+        <p:blipFill rotWithShape="1">
+          <a:blip r:embed="rId2"/>
+          <a:srcRect l="12183" t="3266" r="8113" b="3440"/>
+          <a:stretch/>
+        </p:blipFill>
+        <p:spPr>
+          <a:xfrm>
+            <a:off x="3593805" y="574158"/>
+            <a:ext cx="5273748" cy="5699051"/>
+          </a:xfrm>
+          <a:prstGeom prst="rect">
+            <a:avLst/>
+          </a:prstGeom>
+        </p:spPr>
+      </p:pic>
+    </p:spTree>
+    <p:extLst>
+      <p:ext uri="{BB962C8B-B14F-4D97-AF65-F5344CB8AC3E}">
+        <p14:creationId xmlns:p14="http://schemas.microsoft.com/office/powerpoint/2010/main" val="639797572"/>
       </p:ext>
     </p:extLst>
   </p:cSld>
